--- a/presentations/Introduction to Log File Analysis.pptx
+++ b/presentations/Introduction to Log File Analysis.pptx
@@ -5,25 +5,28 @@
     <p:sldMasterId id="2147483648" r:id="rId1"/>
   </p:sldMasterIdLst>
   <p:notesMasterIdLst>
-    <p:notesMasterId r:id="rId18"/>
+    <p:notesMasterId r:id="rId21"/>
   </p:notesMasterIdLst>
   <p:sldIdLst>
     <p:sldId id="256" r:id="rId2"/>
     <p:sldId id="257" r:id="rId3"/>
     <p:sldId id="258" r:id="rId4"/>
     <p:sldId id="259" r:id="rId5"/>
-    <p:sldId id="260" r:id="rId6"/>
-    <p:sldId id="271" r:id="rId7"/>
-    <p:sldId id="261" r:id="rId8"/>
-    <p:sldId id="272" r:id="rId9"/>
-    <p:sldId id="273" r:id="rId10"/>
-    <p:sldId id="262" r:id="rId11"/>
-    <p:sldId id="266" r:id="rId12"/>
-    <p:sldId id="269" r:id="rId13"/>
-    <p:sldId id="268" r:id="rId14"/>
-    <p:sldId id="264" r:id="rId15"/>
-    <p:sldId id="270" r:id="rId16"/>
-    <p:sldId id="263" r:id="rId17"/>
+    <p:sldId id="276" r:id="rId6"/>
+    <p:sldId id="260" r:id="rId7"/>
+    <p:sldId id="271" r:id="rId8"/>
+    <p:sldId id="274" r:id="rId9"/>
+    <p:sldId id="261" r:id="rId10"/>
+    <p:sldId id="272" r:id="rId11"/>
+    <p:sldId id="275" r:id="rId12"/>
+    <p:sldId id="273" r:id="rId13"/>
+    <p:sldId id="262" r:id="rId14"/>
+    <p:sldId id="266" r:id="rId15"/>
+    <p:sldId id="278" r:id="rId16"/>
+    <p:sldId id="279" r:id="rId17"/>
+    <p:sldId id="269" r:id="rId18"/>
+    <p:sldId id="277" r:id="rId19"/>
+    <p:sldId id="263" r:id="rId20"/>
   </p:sldIdLst>
   <p:sldSz cx="12192000" cy="6858000"/>
   <p:notesSz cx="6858000" cy="9144000"/>
@@ -212,7 +215,7 @@
           <a:p>
             <a:fld id="{423A734A-5683-4B1C-BDB9-65AB4ECDAB22}" type="datetimeFigureOut">
               <a:rPr lang="en-US" smtClean="0"/>
-              <a:t>10/31/2021</a:t>
+              <a:t>11/2/2021</a:t>
             </a:fld>
             <a:endParaRPr lang="en-US"/>
           </a:p>
@@ -667,7 +670,7 @@
     </p:spTree>
     <p:extLst>
       <p:ext uri="{BB962C8B-B14F-4D97-AF65-F5344CB8AC3E}">
-        <p14:creationId xmlns:p14="http://schemas.microsoft.com/office/powerpoint/2010/main" val="1490248751"/>
+        <p14:creationId xmlns:p14="http://schemas.microsoft.com/office/powerpoint/2010/main" val="941052390"/>
       </p:ext>
     </p:extLst>
   </p:cSld>
@@ -751,7 +754,7 @@
     </p:spTree>
     <p:extLst>
       <p:ext uri="{BB962C8B-B14F-4D97-AF65-F5344CB8AC3E}">
-        <p14:creationId xmlns:p14="http://schemas.microsoft.com/office/powerpoint/2010/main" val="686258939"/>
+        <p14:creationId xmlns:p14="http://schemas.microsoft.com/office/powerpoint/2010/main" val="1609060076"/>
       </p:ext>
     </p:extLst>
   </p:cSld>
@@ -835,7 +838,7 @@
     </p:spTree>
     <p:extLst>
       <p:ext uri="{BB962C8B-B14F-4D97-AF65-F5344CB8AC3E}">
-        <p14:creationId xmlns:p14="http://schemas.microsoft.com/office/powerpoint/2010/main" val="450677194"/>
+        <p14:creationId xmlns:p14="http://schemas.microsoft.com/office/powerpoint/2010/main" val="857738625"/>
       </p:ext>
     </p:extLst>
   </p:cSld>
@@ -919,7 +922,7 @@
     </p:spTree>
     <p:extLst>
       <p:ext uri="{BB962C8B-B14F-4D97-AF65-F5344CB8AC3E}">
-        <p14:creationId xmlns:p14="http://schemas.microsoft.com/office/powerpoint/2010/main" val="3227548023"/>
+        <p14:creationId xmlns:p14="http://schemas.microsoft.com/office/powerpoint/2010/main" val="1490248751"/>
       </p:ext>
     </p:extLst>
   </p:cSld>
@@ -1003,7 +1006,7 @@
     </p:spTree>
     <p:extLst>
       <p:ext uri="{BB962C8B-B14F-4D97-AF65-F5344CB8AC3E}">
-        <p14:creationId xmlns:p14="http://schemas.microsoft.com/office/powerpoint/2010/main" val="3756028112"/>
+        <p14:creationId xmlns:p14="http://schemas.microsoft.com/office/powerpoint/2010/main" val="133632224"/>
       </p:ext>
     </p:extLst>
   </p:cSld>
@@ -1079,6 +1082,258 @@
             <a:fld id="{003712FB-D8B6-4728-A2DA-AD77673215D0}" type="slidenum">
               <a:rPr lang="en-US" smtClean="0"/>
               <a:t>16</a:t>
+            </a:fld>
+            <a:endParaRPr lang="en-US"/>
+          </a:p>
+        </p:txBody>
+      </p:sp>
+    </p:spTree>
+    <p:extLst>
+      <p:ext uri="{BB962C8B-B14F-4D97-AF65-F5344CB8AC3E}">
+        <p14:creationId xmlns:p14="http://schemas.microsoft.com/office/powerpoint/2010/main" val="2552832705"/>
+      </p:ext>
+    </p:extLst>
+  </p:cSld>
+  <p:clrMapOvr>
+    <a:masterClrMapping/>
+  </p:clrMapOvr>
+</p:notes>
+</file>
+
+<file path=ppt/notesSlides/notesSlide16.xml><?xml version="1.0" encoding="utf-8"?>
+<p:notes xmlns:a="http://schemas.openxmlformats.org/drawingml/2006/main" xmlns:r="http://schemas.openxmlformats.org/officeDocument/2006/relationships" xmlns:p="http://schemas.openxmlformats.org/presentationml/2006/main">
+  <p:cSld>
+    <p:spTree>
+      <p:nvGrpSpPr>
+        <p:cNvPr id="1" name=""/>
+        <p:cNvGrpSpPr/>
+        <p:nvPr/>
+      </p:nvGrpSpPr>
+      <p:grpSpPr>
+        <a:xfrm>
+          <a:off x="0" y="0"/>
+          <a:ext cx="0" cy="0"/>
+          <a:chOff x="0" y="0"/>
+          <a:chExt cx="0" cy="0"/>
+        </a:xfrm>
+      </p:grpSpPr>
+      <p:sp>
+        <p:nvSpPr>
+          <p:cNvPr id="2" name="Slide Image Placeholder 1"/>
+          <p:cNvSpPr>
+            <a:spLocks noGrp="1" noRot="1" noChangeAspect="1"/>
+          </p:cNvSpPr>
+          <p:nvPr>
+            <p:ph type="sldImg"/>
+          </p:nvPr>
+        </p:nvSpPr>
+        <p:spPr/>
+      </p:sp>
+      <p:sp>
+        <p:nvSpPr>
+          <p:cNvPr id="3" name="Notes Placeholder 2"/>
+          <p:cNvSpPr>
+            <a:spLocks noGrp="1"/>
+          </p:cNvSpPr>
+          <p:nvPr>
+            <p:ph type="body" idx="1"/>
+          </p:nvPr>
+        </p:nvSpPr>
+        <p:spPr/>
+        <p:txBody>
+          <a:bodyPr/>
+          <a:lstStyle/>
+          <a:p>
+            <a:endParaRPr lang="en-US" dirty="0"/>
+          </a:p>
+        </p:txBody>
+      </p:sp>
+      <p:sp>
+        <p:nvSpPr>
+          <p:cNvPr id="4" name="Slide Number Placeholder 3"/>
+          <p:cNvSpPr>
+            <a:spLocks noGrp="1"/>
+          </p:cNvSpPr>
+          <p:nvPr>
+            <p:ph type="sldNum" sz="quarter" idx="5"/>
+          </p:nvPr>
+        </p:nvSpPr>
+        <p:spPr/>
+        <p:txBody>
+          <a:bodyPr/>
+          <a:lstStyle/>
+          <a:p>
+            <a:fld id="{003712FB-D8B6-4728-A2DA-AD77673215D0}" type="slidenum">
+              <a:rPr lang="en-US" smtClean="0"/>
+              <a:t>17</a:t>
+            </a:fld>
+            <a:endParaRPr lang="en-US"/>
+          </a:p>
+        </p:txBody>
+      </p:sp>
+    </p:spTree>
+    <p:extLst>
+      <p:ext uri="{BB962C8B-B14F-4D97-AF65-F5344CB8AC3E}">
+        <p14:creationId xmlns:p14="http://schemas.microsoft.com/office/powerpoint/2010/main" val="686258939"/>
+      </p:ext>
+    </p:extLst>
+  </p:cSld>
+  <p:clrMapOvr>
+    <a:masterClrMapping/>
+  </p:clrMapOvr>
+</p:notes>
+</file>
+
+<file path=ppt/notesSlides/notesSlide17.xml><?xml version="1.0" encoding="utf-8"?>
+<p:notes xmlns:a="http://schemas.openxmlformats.org/drawingml/2006/main" xmlns:r="http://schemas.openxmlformats.org/officeDocument/2006/relationships" xmlns:p="http://schemas.openxmlformats.org/presentationml/2006/main">
+  <p:cSld>
+    <p:spTree>
+      <p:nvGrpSpPr>
+        <p:cNvPr id="1" name=""/>
+        <p:cNvGrpSpPr/>
+        <p:nvPr/>
+      </p:nvGrpSpPr>
+      <p:grpSpPr>
+        <a:xfrm>
+          <a:off x="0" y="0"/>
+          <a:ext cx="0" cy="0"/>
+          <a:chOff x="0" y="0"/>
+          <a:chExt cx="0" cy="0"/>
+        </a:xfrm>
+      </p:grpSpPr>
+      <p:sp>
+        <p:nvSpPr>
+          <p:cNvPr id="2" name="Slide Image Placeholder 1"/>
+          <p:cNvSpPr>
+            <a:spLocks noGrp="1" noRot="1" noChangeAspect="1"/>
+          </p:cNvSpPr>
+          <p:nvPr>
+            <p:ph type="sldImg"/>
+          </p:nvPr>
+        </p:nvSpPr>
+        <p:spPr/>
+      </p:sp>
+      <p:sp>
+        <p:nvSpPr>
+          <p:cNvPr id="3" name="Notes Placeholder 2"/>
+          <p:cNvSpPr>
+            <a:spLocks noGrp="1"/>
+          </p:cNvSpPr>
+          <p:nvPr>
+            <p:ph type="body" idx="1"/>
+          </p:nvPr>
+        </p:nvSpPr>
+        <p:spPr/>
+        <p:txBody>
+          <a:bodyPr/>
+          <a:lstStyle/>
+          <a:p>
+            <a:endParaRPr lang="en-US" dirty="0"/>
+          </a:p>
+        </p:txBody>
+      </p:sp>
+      <p:sp>
+        <p:nvSpPr>
+          <p:cNvPr id="4" name="Slide Number Placeholder 3"/>
+          <p:cNvSpPr>
+            <a:spLocks noGrp="1"/>
+          </p:cNvSpPr>
+          <p:nvPr>
+            <p:ph type="sldNum" sz="quarter" idx="5"/>
+          </p:nvPr>
+        </p:nvSpPr>
+        <p:spPr/>
+        <p:txBody>
+          <a:bodyPr/>
+          <a:lstStyle/>
+          <a:p>
+            <a:fld id="{003712FB-D8B6-4728-A2DA-AD77673215D0}" type="slidenum">
+              <a:rPr lang="en-US" smtClean="0"/>
+              <a:t>18</a:t>
+            </a:fld>
+            <a:endParaRPr lang="en-US"/>
+          </a:p>
+        </p:txBody>
+      </p:sp>
+    </p:spTree>
+    <p:extLst>
+      <p:ext uri="{BB962C8B-B14F-4D97-AF65-F5344CB8AC3E}">
+        <p14:creationId xmlns:p14="http://schemas.microsoft.com/office/powerpoint/2010/main" val="2346276899"/>
+      </p:ext>
+    </p:extLst>
+  </p:cSld>
+  <p:clrMapOvr>
+    <a:masterClrMapping/>
+  </p:clrMapOvr>
+</p:notes>
+</file>
+
+<file path=ppt/notesSlides/notesSlide18.xml><?xml version="1.0" encoding="utf-8"?>
+<p:notes xmlns:a="http://schemas.openxmlformats.org/drawingml/2006/main" xmlns:r="http://schemas.openxmlformats.org/officeDocument/2006/relationships" xmlns:p="http://schemas.openxmlformats.org/presentationml/2006/main">
+  <p:cSld>
+    <p:spTree>
+      <p:nvGrpSpPr>
+        <p:cNvPr id="1" name=""/>
+        <p:cNvGrpSpPr/>
+        <p:nvPr/>
+      </p:nvGrpSpPr>
+      <p:grpSpPr>
+        <a:xfrm>
+          <a:off x="0" y="0"/>
+          <a:ext cx="0" cy="0"/>
+          <a:chOff x="0" y="0"/>
+          <a:chExt cx="0" cy="0"/>
+        </a:xfrm>
+      </p:grpSpPr>
+      <p:sp>
+        <p:nvSpPr>
+          <p:cNvPr id="2" name="Slide Image Placeholder 1"/>
+          <p:cNvSpPr>
+            <a:spLocks noGrp="1" noRot="1" noChangeAspect="1"/>
+          </p:cNvSpPr>
+          <p:nvPr>
+            <p:ph type="sldImg"/>
+          </p:nvPr>
+        </p:nvSpPr>
+        <p:spPr/>
+      </p:sp>
+      <p:sp>
+        <p:nvSpPr>
+          <p:cNvPr id="3" name="Notes Placeholder 2"/>
+          <p:cNvSpPr>
+            <a:spLocks noGrp="1"/>
+          </p:cNvSpPr>
+          <p:nvPr>
+            <p:ph type="body" idx="1"/>
+          </p:nvPr>
+        </p:nvSpPr>
+        <p:spPr/>
+        <p:txBody>
+          <a:bodyPr/>
+          <a:lstStyle/>
+          <a:p>
+            <a:endParaRPr lang="en-US" dirty="0"/>
+          </a:p>
+        </p:txBody>
+      </p:sp>
+      <p:sp>
+        <p:nvSpPr>
+          <p:cNvPr id="4" name="Slide Number Placeholder 3"/>
+          <p:cNvSpPr>
+            <a:spLocks noGrp="1"/>
+          </p:cNvSpPr>
+          <p:nvPr>
+            <p:ph type="sldNum" sz="quarter" idx="5"/>
+          </p:nvPr>
+        </p:nvSpPr>
+        <p:spPr/>
+        <p:txBody>
+          <a:bodyPr/>
+          <a:lstStyle/>
+          <a:p>
+            <a:fld id="{003712FB-D8B6-4728-A2DA-AD77673215D0}" type="slidenum">
+              <a:rPr lang="en-US" smtClean="0"/>
+              <a:t>19</a:t>
             </a:fld>
             <a:endParaRPr lang="en-US"/>
           </a:p>
@@ -1141,56 +1396,7 @@
           <a:bodyPr/>
           <a:lstStyle/>
           <a:p>
-            <a:r>
-              <a:rPr lang="en-US" dirty="0"/>
-              <a:t>So, what is a log file? A log file is any file that’s generated from observed information. This data can come from networks or hosts.</a:t>
-            </a:r>
-          </a:p>
-          <a:p>
             <a:endParaRPr lang="en-US" dirty="0"/>
-          </a:p>
-          <a:p>
-            <a:r>
-              <a:rPr lang="en-US" dirty="0"/>
-              <a:t>They are important because they are used in every job that you could get in cybersecurity (Sysadmin/</a:t>
-            </a:r>
-            <a:r>
-              <a:rPr lang="en-US" dirty="0" err="1"/>
-              <a:t>Pentester</a:t>
-            </a:r>
-            <a:r>
-              <a:rPr lang="en-US" dirty="0"/>
-              <a:t>/Threat analyst).</a:t>
-            </a:r>
-          </a:p>
-          <a:p>
-            <a:endParaRPr lang="en-US" dirty="0"/>
-          </a:p>
-          <a:p>
-            <a:r>
-              <a:rPr lang="en-US" dirty="0"/>
-              <a:t>Where can they be found?</a:t>
-            </a:r>
-          </a:p>
-          <a:p>
-            <a:pPr marL="171450" indent="-171450">
-              <a:buFont typeface="Arial" panose="020B0604020202020204" pitchFamily="34" charset="0"/>
-              <a:buChar char="•"/>
-            </a:pPr>
-            <a:r>
-              <a:rPr lang="en-US" dirty="0"/>
-              <a:t>Linux - /var/log</a:t>
-            </a:r>
-          </a:p>
-          <a:p>
-            <a:pPr marL="171450" indent="-171450">
-              <a:buFont typeface="Arial" panose="020B0604020202020204" pitchFamily="34" charset="0"/>
-              <a:buChar char="•"/>
-            </a:pPr>
-            <a:r>
-              <a:rPr lang="en-US" dirty="0"/>
-              <a:t>Windows - </a:t>
-            </a:r>
           </a:p>
         </p:txBody>
       </p:sp>
@@ -1388,7 +1594,7 @@
     </p:spTree>
     <p:extLst>
       <p:ext uri="{BB962C8B-B14F-4D97-AF65-F5344CB8AC3E}">
-        <p14:creationId xmlns:p14="http://schemas.microsoft.com/office/powerpoint/2010/main" val="2171224816"/>
+        <p14:creationId xmlns:p14="http://schemas.microsoft.com/office/powerpoint/2010/main" val="3232319270"/>
       </p:ext>
     </p:extLst>
   </p:cSld>
@@ -1472,7 +1678,7 @@
     </p:spTree>
     <p:extLst>
       <p:ext uri="{BB962C8B-B14F-4D97-AF65-F5344CB8AC3E}">
-        <p14:creationId xmlns:p14="http://schemas.microsoft.com/office/powerpoint/2010/main" val="2260683610"/>
+        <p14:creationId xmlns:p14="http://schemas.microsoft.com/office/powerpoint/2010/main" val="2171224816"/>
       </p:ext>
     </p:extLst>
   </p:cSld>
@@ -1556,7 +1762,7 @@
     </p:spTree>
     <p:extLst>
       <p:ext uri="{BB962C8B-B14F-4D97-AF65-F5344CB8AC3E}">
-        <p14:creationId xmlns:p14="http://schemas.microsoft.com/office/powerpoint/2010/main" val="216666422"/>
+        <p14:creationId xmlns:p14="http://schemas.microsoft.com/office/powerpoint/2010/main" val="2260683610"/>
       </p:ext>
     </p:extLst>
   </p:cSld>
@@ -1610,7 +1816,10 @@
           <a:bodyPr/>
           <a:lstStyle/>
           <a:p>
-            <a:endParaRPr lang="en-US" dirty="0"/>
+            <a:r>
+              <a:rPr lang="en-US" dirty="0"/>
+              <a:t>Note: Event Viewer exists for previous versions of Windows, it’s just that these details are not accurate.</a:t>
+            </a:r>
           </a:p>
         </p:txBody>
       </p:sp>
@@ -1640,7 +1849,7 @@
     </p:spTree>
     <p:extLst>
       <p:ext uri="{BB962C8B-B14F-4D97-AF65-F5344CB8AC3E}">
-        <p14:creationId xmlns:p14="http://schemas.microsoft.com/office/powerpoint/2010/main" val="839778622"/>
+        <p14:creationId xmlns:p14="http://schemas.microsoft.com/office/powerpoint/2010/main" val="3641554736"/>
       </p:ext>
     </p:extLst>
   </p:cSld>
@@ -1724,7 +1933,7 @@
     </p:spTree>
     <p:extLst>
       <p:ext uri="{BB962C8B-B14F-4D97-AF65-F5344CB8AC3E}">
-        <p14:creationId xmlns:p14="http://schemas.microsoft.com/office/powerpoint/2010/main" val="1609060076"/>
+        <p14:creationId xmlns:p14="http://schemas.microsoft.com/office/powerpoint/2010/main" val="216666422"/>
       </p:ext>
     </p:extLst>
   </p:cSld>
@@ -1808,7 +2017,7 @@
     </p:spTree>
     <p:extLst>
       <p:ext uri="{BB962C8B-B14F-4D97-AF65-F5344CB8AC3E}">
-        <p14:creationId xmlns:p14="http://schemas.microsoft.com/office/powerpoint/2010/main" val="857738625"/>
+        <p14:creationId xmlns:p14="http://schemas.microsoft.com/office/powerpoint/2010/main" val="839778622"/>
       </p:ext>
     </p:extLst>
   </p:cSld>
@@ -1965,7 +2174,7 @@
           <a:p>
             <a:fld id="{0A7F3EA9-6F79-4C8E-B04B-A5E2E3147A9A}" type="datetimeFigureOut">
               <a:rPr lang="en-US" smtClean="0"/>
-              <a:t>10/31/2021</a:t>
+              <a:t>11/2/2021</a:t>
             </a:fld>
             <a:endParaRPr lang="en-US"/>
           </a:p>
@@ -2163,7 +2372,7 @@
           <a:p>
             <a:fld id="{0A7F3EA9-6F79-4C8E-B04B-A5E2E3147A9A}" type="datetimeFigureOut">
               <a:rPr lang="en-US" smtClean="0"/>
-              <a:t>10/31/2021</a:t>
+              <a:t>11/2/2021</a:t>
             </a:fld>
             <a:endParaRPr lang="en-US"/>
           </a:p>
@@ -2371,7 +2580,7 @@
           <a:p>
             <a:fld id="{0A7F3EA9-6F79-4C8E-B04B-A5E2E3147A9A}" type="datetimeFigureOut">
               <a:rPr lang="en-US" smtClean="0"/>
-              <a:t>10/31/2021</a:t>
+              <a:t>11/2/2021</a:t>
             </a:fld>
             <a:endParaRPr lang="en-US"/>
           </a:p>
@@ -2569,7 +2778,7 @@
           <a:p>
             <a:fld id="{0A7F3EA9-6F79-4C8E-B04B-A5E2E3147A9A}" type="datetimeFigureOut">
               <a:rPr lang="en-US" smtClean="0"/>
-              <a:t>10/31/2021</a:t>
+              <a:t>11/2/2021</a:t>
             </a:fld>
             <a:endParaRPr lang="en-US"/>
           </a:p>
@@ -2844,7 +3053,7 @@
           <a:p>
             <a:fld id="{0A7F3EA9-6F79-4C8E-B04B-A5E2E3147A9A}" type="datetimeFigureOut">
               <a:rPr lang="en-US" smtClean="0"/>
-              <a:t>10/31/2021</a:t>
+              <a:t>11/2/2021</a:t>
             </a:fld>
             <a:endParaRPr lang="en-US"/>
           </a:p>
@@ -3109,7 +3318,7 @@
           <a:p>
             <a:fld id="{0A7F3EA9-6F79-4C8E-B04B-A5E2E3147A9A}" type="datetimeFigureOut">
               <a:rPr lang="en-US" smtClean="0"/>
-              <a:t>10/31/2021</a:t>
+              <a:t>11/2/2021</a:t>
             </a:fld>
             <a:endParaRPr lang="en-US"/>
           </a:p>
@@ -3521,7 +3730,7 @@
           <a:p>
             <a:fld id="{0A7F3EA9-6F79-4C8E-B04B-A5E2E3147A9A}" type="datetimeFigureOut">
               <a:rPr lang="en-US" smtClean="0"/>
-              <a:t>10/31/2021</a:t>
+              <a:t>11/2/2021</a:t>
             </a:fld>
             <a:endParaRPr lang="en-US"/>
           </a:p>
@@ -3662,7 +3871,7 @@
           <a:p>
             <a:fld id="{0A7F3EA9-6F79-4C8E-B04B-A5E2E3147A9A}" type="datetimeFigureOut">
               <a:rPr lang="en-US" smtClean="0"/>
-              <a:t>10/31/2021</a:t>
+              <a:t>11/2/2021</a:t>
             </a:fld>
             <a:endParaRPr lang="en-US"/>
           </a:p>
@@ -3775,7 +3984,7 @@
           <a:p>
             <a:fld id="{0A7F3EA9-6F79-4C8E-B04B-A5E2E3147A9A}" type="datetimeFigureOut">
               <a:rPr lang="en-US" smtClean="0"/>
-              <a:t>10/31/2021</a:t>
+              <a:t>11/2/2021</a:t>
             </a:fld>
             <a:endParaRPr lang="en-US"/>
           </a:p>
@@ -4086,7 +4295,7 @@
           <a:p>
             <a:fld id="{0A7F3EA9-6F79-4C8E-B04B-A5E2E3147A9A}" type="datetimeFigureOut">
               <a:rPr lang="en-US" smtClean="0"/>
-              <a:t>10/31/2021</a:t>
+              <a:t>11/2/2021</a:t>
             </a:fld>
             <a:endParaRPr lang="en-US"/>
           </a:p>
@@ -4374,7 +4583,7 @@
           <a:p>
             <a:fld id="{0A7F3EA9-6F79-4C8E-B04B-A5E2E3147A9A}" type="datetimeFigureOut">
               <a:rPr lang="en-US" smtClean="0"/>
-              <a:t>10/31/2021</a:t>
+              <a:t>11/2/2021</a:t>
             </a:fld>
             <a:endParaRPr lang="en-US"/>
           </a:p>
@@ -4615,7 +4824,7 @@
           <a:p>
             <a:fld id="{0A7F3EA9-6F79-4C8E-B04B-A5E2E3147A9A}" type="datetimeFigureOut">
               <a:rPr lang="en-US" smtClean="0"/>
-              <a:t>10/31/2021</a:t>
+              <a:t>11/2/2021</a:t>
             </a:fld>
             <a:endParaRPr lang="en-US"/>
           </a:p>
@@ -5679,744 +5888,6 @@
           <a:chExt cx="0" cy="0"/>
         </a:xfrm>
       </p:grpSpPr>
-      <p:sp useBgFill="1">
-        <p:nvSpPr>
-          <p:cNvPr id="17" name="Rectangle 16">
-            <a:extLst>
-              <a:ext uri="{FF2B5EF4-FFF2-40B4-BE49-F238E27FC236}">
-                <a16:creationId xmlns:a16="http://schemas.microsoft.com/office/drawing/2014/main" id="{827B839B-9ADE-406B-8590-F1CAEDED45A1}"/>
-              </a:ext>
-              <a:ext uri="{C183D7F6-B498-43B3-948B-1728B52AA6E4}">
-                <adec:decorative xmlns:adec="http://schemas.microsoft.com/office/drawing/2017/decorative" val="1"/>
-              </a:ext>
-            </a:extLst>
-          </p:cNvPr>
-          <p:cNvSpPr>
-            <a:spLocks noGrp="1" noRot="1" noChangeAspect="1" noMove="1" noResize="1" noEditPoints="1" noAdjustHandles="1" noChangeArrowheads="1" noChangeShapeType="1" noTextEdit="1"/>
-          </p:cNvSpPr>
-          <p:nvPr>
-            <p:extLst>
-              <p:ext uri="{386F3935-93C4-4BCD-93E2-E3B085C9AB24}">
-                <p16:designElem xmlns:p16="http://schemas.microsoft.com/office/powerpoint/2015/main" val="1"/>
-              </p:ext>
-            </p:extLst>
-          </p:nvPr>
-        </p:nvSpPr>
-        <p:spPr>
-          <a:xfrm>
-            <a:off x="0" y="0"/>
-            <a:ext cx="12188952" cy="6858000"/>
-          </a:xfrm>
-          <a:prstGeom prst="rect">
-            <a:avLst/>
-          </a:prstGeom>
-          <a:ln>
-            <a:noFill/>
-          </a:ln>
-        </p:spPr>
-        <p:style>
-          <a:lnRef idx="2">
-            <a:schemeClr val="accent1">
-              <a:shade val="50000"/>
-            </a:schemeClr>
-          </a:lnRef>
-          <a:fillRef idx="1">
-            <a:schemeClr val="accent1"/>
-          </a:fillRef>
-          <a:effectRef idx="0">
-            <a:schemeClr val="accent1"/>
-          </a:effectRef>
-          <a:fontRef idx="minor">
-            <a:schemeClr val="lt1"/>
-          </a:fontRef>
-        </p:style>
-        <p:txBody>
-          <a:bodyPr rtlCol="0" anchor="ctr"/>
-          <a:lstStyle/>
-          <a:p>
-            <a:pPr algn="ctr"/>
-            <a:endParaRPr lang="en-US"/>
-          </a:p>
-        </p:txBody>
-      </p:sp>
-      <p:sp>
-        <p:nvSpPr>
-          <p:cNvPr id="19" name="Freeform 45">
-            <a:extLst>
-              <a:ext uri="{FF2B5EF4-FFF2-40B4-BE49-F238E27FC236}">
-                <a16:creationId xmlns:a16="http://schemas.microsoft.com/office/drawing/2014/main" id="{CFE45BF0-46DB-408C-B5F7-7B11716805D4}"/>
-              </a:ext>
-              <a:ext uri="{C183D7F6-B498-43B3-948B-1728B52AA6E4}">
-                <adec:decorative xmlns:adec="http://schemas.microsoft.com/office/drawing/2017/decorative" val="1"/>
-              </a:ext>
-            </a:extLst>
-          </p:cNvPr>
-          <p:cNvSpPr>
-            <a:spLocks noGrp="1" noRot="1" noChangeAspect="1" noMove="1" noResize="1" noEditPoints="1" noAdjustHandles="1" noChangeArrowheads="1" noChangeShapeType="1" noTextEdit="1"/>
-          </p:cNvSpPr>
-          <p:nvPr>
-            <p:extLst>
-              <p:ext uri="{386F3935-93C4-4BCD-93E2-E3B085C9AB24}">
-                <p16:designElem xmlns:p16="http://schemas.microsoft.com/office/powerpoint/2015/main" val="1"/>
-              </p:ext>
-            </p:extLst>
-          </p:nvPr>
-        </p:nvSpPr>
-        <p:spPr bwMode="auto">
-          <a:xfrm>
-            <a:off x="409710" y="1022350"/>
-            <a:ext cx="709612" cy="2095501"/>
-          </a:xfrm>
-          <a:custGeom>
-            <a:avLst/>
-            <a:gdLst>
-              <a:gd name="T0" fmla="*/ 447 w 447"/>
-              <a:gd name="T1" fmla="*/ 1363 h 1363"/>
-              <a:gd name="T2" fmla="*/ 0 w 447"/>
-              <a:gd name="T3" fmla="*/ 987 h 1363"/>
-              <a:gd name="T4" fmla="*/ 0 w 447"/>
-              <a:gd name="T5" fmla="*/ 0 h 1363"/>
-              <a:gd name="T6" fmla="*/ 447 w 447"/>
-              <a:gd name="T7" fmla="*/ 376 h 1363"/>
-              <a:gd name="T8" fmla="*/ 447 w 447"/>
-              <a:gd name="T9" fmla="*/ 1363 h 1363"/>
-            </a:gdLst>
-            <a:ahLst/>
-            <a:cxnLst>
-              <a:cxn ang="0">
-                <a:pos x="T0" y="T1"/>
-              </a:cxn>
-              <a:cxn ang="0">
-                <a:pos x="T2" y="T3"/>
-              </a:cxn>
-              <a:cxn ang="0">
-                <a:pos x="T4" y="T5"/>
-              </a:cxn>
-              <a:cxn ang="0">
-                <a:pos x="T6" y="T7"/>
-              </a:cxn>
-              <a:cxn ang="0">
-                <a:pos x="T8" y="T9"/>
-              </a:cxn>
-            </a:cxnLst>
-            <a:rect l="0" t="0" r="r" b="b"/>
-            <a:pathLst>
-              <a:path w="447" h="1363">
-                <a:moveTo>
-                  <a:pt x="447" y="1363"/>
-                </a:moveTo>
-                <a:lnTo>
-                  <a:pt x="0" y="987"/>
-                </a:lnTo>
-                <a:lnTo>
-                  <a:pt x="0" y="0"/>
-                </a:lnTo>
-                <a:lnTo>
-                  <a:pt x="447" y="376"/>
-                </a:lnTo>
-                <a:lnTo>
-                  <a:pt x="447" y="1363"/>
-                </a:lnTo>
-                <a:close/>
-              </a:path>
-            </a:pathLst>
-          </a:custGeom>
-          <a:solidFill>
-            <a:schemeClr val="accent1">
-              <a:lumMod val="50000"/>
-            </a:schemeClr>
-          </a:solidFill>
-          <a:ln>
-            <a:noFill/>
-          </a:ln>
-        </p:spPr>
-        <p:txBody>
-          <a:bodyPr vert="horz" wrap="square" lIns="91440" tIns="45720" rIns="91440" bIns="45720" numCol="1" anchor="t" anchorCtr="0" compatLnSpc="1">
-            <a:prstTxWarp prst="textNoShape">
-              <a:avLst/>
-            </a:prstTxWarp>
-          </a:bodyPr>
-          <a:lstStyle/>
-          <a:p>
-            <a:endParaRPr lang="en-US"/>
-          </a:p>
-        </p:txBody>
-      </p:sp>
-      <p:sp>
-        <p:nvSpPr>
-          <p:cNvPr id="21" name="Freeform 46">
-            <a:extLst>
-              <a:ext uri="{FF2B5EF4-FFF2-40B4-BE49-F238E27FC236}">
-                <a16:creationId xmlns:a16="http://schemas.microsoft.com/office/drawing/2014/main" id="{2AEBC8F2-97B1-41B4-93F1-2D289E197FBA}"/>
-              </a:ext>
-              <a:ext uri="{C183D7F6-B498-43B3-948B-1728B52AA6E4}">
-                <adec:decorative xmlns:adec="http://schemas.microsoft.com/office/drawing/2017/decorative" val="1"/>
-              </a:ext>
-            </a:extLst>
-          </p:cNvPr>
-          <p:cNvSpPr>
-            <a:spLocks noGrp="1" noRot="1" noChangeAspect="1" noMove="1" noResize="1" noEditPoints="1" noAdjustHandles="1" noChangeArrowheads="1" noChangeShapeType="1" noTextEdit="1"/>
-          </p:cNvSpPr>
-          <p:nvPr>
-            <p:extLst>
-              <p:ext uri="{386F3935-93C4-4BCD-93E2-E3B085C9AB24}">
-                <p16:designElem xmlns:p16="http://schemas.microsoft.com/office/powerpoint/2015/main" val="1"/>
-              </p:ext>
-            </p:extLst>
-          </p:nvPr>
-        </p:nvSpPr>
-        <p:spPr bwMode="auto">
-          <a:xfrm>
-            <a:off x="409710" y="837744"/>
-            <a:ext cx="403225" cy="1705431"/>
-          </a:xfrm>
-          <a:custGeom>
-            <a:avLst/>
-            <a:gdLst>
-              <a:gd name="T0" fmla="*/ 254 w 254"/>
-              <a:gd name="T1" fmla="*/ 987 h 1109"/>
-              <a:gd name="T2" fmla="*/ 0 w 254"/>
-              <a:gd name="T3" fmla="*/ 1109 h 1109"/>
-              <a:gd name="T4" fmla="*/ 0 w 254"/>
-              <a:gd name="T5" fmla="*/ 119 h 1109"/>
-              <a:gd name="T6" fmla="*/ 254 w 254"/>
-              <a:gd name="T7" fmla="*/ 0 h 1109"/>
-              <a:gd name="T8" fmla="*/ 254 w 254"/>
-              <a:gd name="T9" fmla="*/ 987 h 1109"/>
-            </a:gdLst>
-            <a:ahLst/>
-            <a:cxnLst>
-              <a:cxn ang="0">
-                <a:pos x="T0" y="T1"/>
-              </a:cxn>
-              <a:cxn ang="0">
-                <a:pos x="T2" y="T3"/>
-              </a:cxn>
-              <a:cxn ang="0">
-                <a:pos x="T4" y="T5"/>
-              </a:cxn>
-              <a:cxn ang="0">
-                <a:pos x="T6" y="T7"/>
-              </a:cxn>
-              <a:cxn ang="0">
-                <a:pos x="T8" y="T9"/>
-              </a:cxn>
-            </a:cxnLst>
-            <a:rect l="0" t="0" r="r" b="b"/>
-            <a:pathLst>
-              <a:path w="254" h="1109">
-                <a:moveTo>
-                  <a:pt x="254" y="987"/>
-                </a:moveTo>
-                <a:lnTo>
-                  <a:pt x="0" y="1109"/>
-                </a:lnTo>
-                <a:lnTo>
-                  <a:pt x="0" y="119"/>
-                </a:lnTo>
-                <a:lnTo>
-                  <a:pt x="254" y="0"/>
-                </a:lnTo>
-                <a:lnTo>
-                  <a:pt x="254" y="987"/>
-                </a:lnTo>
-                <a:close/>
-              </a:path>
-            </a:pathLst>
-          </a:custGeom>
-          <a:solidFill>
-            <a:schemeClr val="accent1">
-              <a:lumMod val="75000"/>
-            </a:schemeClr>
-          </a:solidFill>
-          <a:ln>
-            <a:noFill/>
-          </a:ln>
-        </p:spPr>
-        <p:txBody>
-          <a:bodyPr vert="horz" wrap="square" lIns="91440" tIns="45720" rIns="91440" bIns="45720" numCol="1" anchor="t" anchorCtr="0" compatLnSpc="1">
-            <a:prstTxWarp prst="textNoShape">
-              <a:avLst/>
-            </a:prstTxWarp>
-          </a:bodyPr>
-          <a:lstStyle/>
-          <a:p>
-            <a:endParaRPr lang="en-US"/>
-          </a:p>
-        </p:txBody>
-      </p:sp>
-      <p:sp>
-        <p:nvSpPr>
-          <p:cNvPr id="23" name="Freeform 47">
-            <a:extLst>
-              <a:ext uri="{FF2B5EF4-FFF2-40B4-BE49-F238E27FC236}">
-                <a16:creationId xmlns:a16="http://schemas.microsoft.com/office/drawing/2014/main" id="{472E3A19-F5D5-48FC-BB9C-48C2F68F598B}"/>
-              </a:ext>
-              <a:ext uri="{C183D7F6-B498-43B3-948B-1728B52AA6E4}">
-                <adec:decorative xmlns:adec="http://schemas.microsoft.com/office/drawing/2017/decorative" val="1"/>
-              </a:ext>
-            </a:extLst>
-          </p:cNvPr>
-          <p:cNvSpPr>
-            <a:spLocks noGrp="1" noRot="1" noChangeAspect="1" noMove="1" noResize="1" noEditPoints="1" noAdjustHandles="1" noChangeArrowheads="1" noChangeShapeType="1" noTextEdit="1"/>
-          </p:cNvSpPr>
-          <p:nvPr>
-            <p:extLst>
-              <p:ext uri="{386F3935-93C4-4BCD-93E2-E3B085C9AB24}">
-                <p16:designElem xmlns:p16="http://schemas.microsoft.com/office/powerpoint/2015/main" val="1"/>
-              </p:ext>
-            </p:extLst>
-          </p:nvPr>
-        </p:nvSpPr>
-        <p:spPr bwMode="auto">
-          <a:xfrm>
-            <a:off x="644660" y="640894"/>
-            <a:ext cx="168275" cy="1713195"/>
-          </a:xfrm>
-          <a:custGeom>
-            <a:avLst/>
-            <a:gdLst>
-              <a:gd name="T0" fmla="*/ 106 w 106"/>
-              <a:gd name="T1" fmla="*/ 1114 h 1114"/>
-              <a:gd name="T2" fmla="*/ 0 w 106"/>
-              <a:gd name="T3" fmla="*/ 1005 h 1114"/>
-              <a:gd name="T4" fmla="*/ 0 w 106"/>
-              <a:gd name="T5" fmla="*/ 0 h 1114"/>
-              <a:gd name="T6" fmla="*/ 106 w 106"/>
-              <a:gd name="T7" fmla="*/ 110 h 1114"/>
-              <a:gd name="T8" fmla="*/ 106 w 106"/>
-              <a:gd name="T9" fmla="*/ 1114 h 1114"/>
-            </a:gdLst>
-            <a:ahLst/>
-            <a:cxnLst>
-              <a:cxn ang="0">
-                <a:pos x="T0" y="T1"/>
-              </a:cxn>
-              <a:cxn ang="0">
-                <a:pos x="T2" y="T3"/>
-              </a:cxn>
-              <a:cxn ang="0">
-                <a:pos x="T4" y="T5"/>
-              </a:cxn>
-              <a:cxn ang="0">
-                <a:pos x="T6" y="T7"/>
-              </a:cxn>
-              <a:cxn ang="0">
-                <a:pos x="T8" y="T9"/>
-              </a:cxn>
-            </a:cxnLst>
-            <a:rect l="0" t="0" r="r" b="b"/>
-            <a:pathLst>
-              <a:path w="106" h="1114">
-                <a:moveTo>
-                  <a:pt x="106" y="1114"/>
-                </a:moveTo>
-                <a:lnTo>
-                  <a:pt x="0" y="1005"/>
-                </a:lnTo>
-                <a:lnTo>
-                  <a:pt x="0" y="0"/>
-                </a:lnTo>
-                <a:lnTo>
-                  <a:pt x="106" y="110"/>
-                </a:lnTo>
-                <a:lnTo>
-                  <a:pt x="106" y="1114"/>
-                </a:lnTo>
-                <a:close/>
-              </a:path>
-            </a:pathLst>
-          </a:custGeom>
-          <a:solidFill>
-            <a:schemeClr val="accent1">
-              <a:lumMod val="50000"/>
-            </a:schemeClr>
-          </a:solidFill>
-          <a:ln>
-            <a:noFill/>
-          </a:ln>
-        </p:spPr>
-        <p:txBody>
-          <a:bodyPr vert="horz" wrap="square" lIns="91440" tIns="45720" rIns="91440" bIns="45720" numCol="1" anchor="t" anchorCtr="0" compatLnSpc="1">
-            <a:prstTxWarp prst="textNoShape">
-              <a:avLst/>
-            </a:prstTxWarp>
-          </a:bodyPr>
-          <a:lstStyle/>
-          <a:p>
-            <a:endParaRPr lang="en-US"/>
-          </a:p>
-        </p:txBody>
-      </p:sp>
-      <p:sp>
-        <p:nvSpPr>
-          <p:cNvPr id="25" name="Freeform 44">
-            <a:extLst>
-              <a:ext uri="{FF2B5EF4-FFF2-40B4-BE49-F238E27FC236}">
-                <a16:creationId xmlns:a16="http://schemas.microsoft.com/office/drawing/2014/main" id="{7A62E32F-BB65-43A8-8EB5-92346890E549}"/>
-              </a:ext>
-              <a:ext uri="{C183D7F6-B498-43B3-948B-1728B52AA6E4}">
-                <adec:decorative xmlns:adec="http://schemas.microsoft.com/office/drawing/2017/decorative" val="1"/>
-              </a:ext>
-            </a:extLst>
-          </p:cNvPr>
-          <p:cNvSpPr>
-            <a:spLocks noGrp="1" noRot="1" noChangeAspect="1" noMove="1" noResize="1" noEditPoints="1" noAdjustHandles="1" noChangeArrowheads="1" noChangeShapeType="1" noTextEdit="1"/>
-          </p:cNvSpPr>
-          <p:nvPr>
-            <p:extLst>
-              <p:ext uri="{386F3935-93C4-4BCD-93E2-E3B085C9AB24}">
-                <p16:designElem xmlns:p16="http://schemas.microsoft.com/office/powerpoint/2015/main" val="1"/>
-              </p:ext>
-            </p:extLst>
-          </p:nvPr>
-        </p:nvSpPr>
-        <p:spPr bwMode="auto">
-          <a:xfrm>
-            <a:off x="11223203" y="635716"/>
-            <a:ext cx="328612" cy="1742360"/>
-          </a:xfrm>
-          <a:custGeom>
-            <a:avLst/>
-            <a:gdLst>
-              <a:gd name="T0" fmla="*/ 207 w 207"/>
-              <a:gd name="T1" fmla="*/ 987 h 1114"/>
-              <a:gd name="T2" fmla="*/ 0 w 207"/>
-              <a:gd name="T3" fmla="*/ 1114 h 1114"/>
-              <a:gd name="T4" fmla="*/ 0 w 207"/>
-              <a:gd name="T5" fmla="*/ 127 h 1114"/>
-              <a:gd name="T6" fmla="*/ 207 w 207"/>
-              <a:gd name="T7" fmla="*/ 0 h 1114"/>
-              <a:gd name="T8" fmla="*/ 207 w 207"/>
-              <a:gd name="T9" fmla="*/ 987 h 1114"/>
-            </a:gdLst>
-            <a:ahLst/>
-            <a:cxnLst>
-              <a:cxn ang="0">
-                <a:pos x="T0" y="T1"/>
-              </a:cxn>
-              <a:cxn ang="0">
-                <a:pos x="T2" y="T3"/>
-              </a:cxn>
-              <a:cxn ang="0">
-                <a:pos x="T4" y="T5"/>
-              </a:cxn>
-              <a:cxn ang="0">
-                <a:pos x="T6" y="T7"/>
-              </a:cxn>
-              <a:cxn ang="0">
-                <a:pos x="T8" y="T9"/>
-              </a:cxn>
-            </a:cxnLst>
-            <a:rect l="0" t="0" r="r" b="b"/>
-            <a:pathLst>
-              <a:path w="207" h="1114">
-                <a:moveTo>
-                  <a:pt x="207" y="987"/>
-                </a:moveTo>
-                <a:lnTo>
-                  <a:pt x="0" y="1114"/>
-                </a:lnTo>
-                <a:lnTo>
-                  <a:pt x="0" y="127"/>
-                </a:lnTo>
-                <a:lnTo>
-                  <a:pt x="207" y="0"/>
-                </a:lnTo>
-                <a:lnTo>
-                  <a:pt x="207" y="987"/>
-                </a:lnTo>
-                <a:close/>
-              </a:path>
-            </a:pathLst>
-          </a:custGeom>
-          <a:solidFill>
-            <a:schemeClr val="accent1">
-              <a:lumMod val="50000"/>
-            </a:schemeClr>
-          </a:solidFill>
-          <a:ln>
-            <a:noFill/>
-          </a:ln>
-        </p:spPr>
-        <p:txBody>
-          <a:bodyPr vert="horz" wrap="square" lIns="91440" tIns="45720" rIns="91440" bIns="45720" numCol="1" anchor="t" anchorCtr="0" compatLnSpc="1">
-            <a:prstTxWarp prst="textNoShape">
-              <a:avLst/>
-            </a:prstTxWarp>
-          </a:bodyPr>
-          <a:lstStyle/>
-          <a:p>
-            <a:endParaRPr lang="en-US"/>
-          </a:p>
-        </p:txBody>
-      </p:sp>
-      <p:sp>
-        <p:nvSpPr>
-          <p:cNvPr id="27" name="Rectangle 26">
-            <a:extLst>
-              <a:ext uri="{FF2B5EF4-FFF2-40B4-BE49-F238E27FC236}">
-                <a16:creationId xmlns:a16="http://schemas.microsoft.com/office/drawing/2014/main" id="{14E91B64-9FCC-451E-AFB4-A827D6329367}"/>
-              </a:ext>
-              <a:ext uri="{C183D7F6-B498-43B3-948B-1728B52AA6E4}">
-                <adec:decorative xmlns:adec="http://schemas.microsoft.com/office/drawing/2017/decorative" val="1"/>
-              </a:ext>
-            </a:extLst>
-          </p:cNvPr>
-          <p:cNvSpPr>
-            <a:spLocks noGrp="1" noRot="1" noChangeAspect="1" noMove="1" noResize="1" noEditPoints="1" noAdjustHandles="1" noChangeArrowheads="1" noChangeShapeType="1" noTextEdit="1"/>
-          </p:cNvSpPr>
-          <p:nvPr>
-            <p:extLst>
-              <p:ext uri="{386F3935-93C4-4BCD-93E2-E3B085C9AB24}">
-                <p16:designElem xmlns:p16="http://schemas.microsoft.com/office/powerpoint/2015/main" val="1"/>
-              </p:ext>
-            </p:extLst>
-          </p:nvPr>
-        </p:nvSpPr>
-        <p:spPr bwMode="auto">
-          <a:xfrm>
-            <a:off x="644055" y="635715"/>
-            <a:ext cx="10907863" cy="1541457"/>
-          </a:xfrm>
-          <a:prstGeom prst="rect">
-            <a:avLst/>
-          </a:prstGeom>
-          <a:solidFill>
-            <a:schemeClr val="accent1"/>
-          </a:solidFill>
-          <a:ln>
-            <a:noFill/>
-          </a:ln>
-        </p:spPr>
-        <p:txBody>
-          <a:bodyPr vert="horz" wrap="square" lIns="91440" tIns="45720" rIns="91440" bIns="45720" numCol="1" anchor="t" anchorCtr="0" compatLnSpc="1">
-            <a:prstTxWarp prst="textNoShape">
-              <a:avLst/>
-            </a:prstTxWarp>
-          </a:bodyPr>
-          <a:lstStyle/>
-          <a:p>
-            <a:endParaRPr lang="en-US"/>
-          </a:p>
-        </p:txBody>
-      </p:sp>
-      <p:sp>
-        <p:nvSpPr>
-          <p:cNvPr id="2" name="Title 1">
-            <a:extLst>
-              <a:ext uri="{FF2B5EF4-FFF2-40B4-BE49-F238E27FC236}">
-                <a16:creationId xmlns:a16="http://schemas.microsoft.com/office/drawing/2014/main" id="{0B0E3F05-66EA-43AB-B1A9-F30EAC51059D}"/>
-              </a:ext>
-            </a:extLst>
-          </p:cNvPr>
-          <p:cNvSpPr>
-            <a:spLocks noGrp="1"/>
-          </p:cNvSpPr>
-          <p:nvPr>
-            <p:ph type="title"/>
-          </p:nvPr>
-        </p:nvSpPr>
-        <p:spPr>
-          <a:xfrm>
-            <a:off x="958506" y="800392"/>
-            <a:ext cx="10264697" cy="1212102"/>
-          </a:xfrm>
-        </p:spPr>
-        <p:txBody>
-          <a:bodyPr>
-            <a:normAutofit/>
-          </a:bodyPr>
-          <a:lstStyle/>
-          <a:p>
-            <a:r>
-              <a:rPr lang="en-US" sz="4000" b="1" dirty="0">
-                <a:solidFill>
-                  <a:srgbClr val="FFFFFF"/>
-                </a:solidFill>
-              </a:rPr>
-              <a:t>Scripting in Bash</a:t>
-            </a:r>
-            <a:endParaRPr lang="en-US" sz="4000" dirty="0">
-              <a:solidFill>
-                <a:srgbClr val="FFFFFF"/>
-              </a:solidFill>
-            </a:endParaRPr>
-          </a:p>
-        </p:txBody>
-      </p:sp>
-      <p:sp>
-        <p:nvSpPr>
-          <p:cNvPr id="3" name="Content Placeholder 2">
-            <a:extLst>
-              <a:ext uri="{FF2B5EF4-FFF2-40B4-BE49-F238E27FC236}">
-                <a16:creationId xmlns:a16="http://schemas.microsoft.com/office/drawing/2014/main" id="{DBB88942-6618-4B2C-A985-47153DAC76EE}"/>
-              </a:ext>
-            </a:extLst>
-          </p:cNvPr>
-          <p:cNvSpPr>
-            <a:spLocks noGrp="1"/>
-          </p:cNvSpPr>
-          <p:nvPr>
-            <p:ph idx="1"/>
-          </p:nvPr>
-        </p:nvSpPr>
-        <p:spPr>
-          <a:xfrm>
-            <a:off x="1367624" y="2490436"/>
-            <a:ext cx="9708995" cy="3567173"/>
-          </a:xfrm>
-        </p:spPr>
-        <p:txBody>
-          <a:bodyPr anchor="t">
-            <a:normAutofit/>
-          </a:bodyPr>
-          <a:lstStyle/>
-          <a:p>
-            <a:pPr marL="0" indent="0">
-              <a:buNone/>
-            </a:pPr>
-            <a:r>
-              <a:rPr lang="en-US" sz="2400" dirty="0">
-                <a:solidFill>
-                  <a:schemeClr val="tx2"/>
-                </a:solidFill>
-              </a:rPr>
-              <a:t>What is bash, how is it used?</a:t>
-            </a:r>
-          </a:p>
-        </p:txBody>
-      </p:sp>
-    </p:spTree>
-    <p:extLst>
-      <p:ext uri="{BB962C8B-B14F-4D97-AF65-F5344CB8AC3E}">
-        <p14:creationId xmlns:p14="http://schemas.microsoft.com/office/powerpoint/2010/main" val="4172450910"/>
-      </p:ext>
-    </p:extLst>
-  </p:cSld>
-  <p:clrMapOvr>
-    <a:masterClrMapping/>
-  </p:clrMapOvr>
-  <p:timing>
-    <p:tnLst>
-      <p:par>
-        <p:cTn id="1" dur="indefinite" restart="never" nodeType="tmRoot">
-          <p:childTnLst>
-            <p:seq concurrent="1" nextAc="seek">
-              <p:cTn id="2" dur="indefinite" nodeType="mainSeq">
-                <p:childTnLst>
-                  <p:par>
-                    <p:cTn id="3" fill="hold">
-                      <p:stCondLst>
-                        <p:cond delay="indefinite"/>
-                        <p:cond evt="onBegin" delay="0">
-                          <p:tn val="2"/>
-                        </p:cond>
-                      </p:stCondLst>
-                      <p:childTnLst>
-                        <p:par>
-                          <p:cTn id="4" fill="hold">
-                            <p:stCondLst>
-                              <p:cond delay="0"/>
-                            </p:stCondLst>
-                            <p:childTnLst>
-                              <p:par>
-                                <p:cTn id="5" presetID="10" presetClass="entr" presetSubtype="0" fill="hold" grpId="0" nodeType="withEffect">
-                                  <p:stCondLst>
-                                    <p:cond delay="500"/>
-                                  </p:stCondLst>
-                                  <p:iterate type="wd">
-                                    <p:tmPct val="15000"/>
-                                  </p:iterate>
-                                  <p:childTnLst>
-                                    <p:set>
-                                      <p:cBhvr>
-                                        <p:cTn id="6" dur="1" fill="hold">
-                                          <p:stCondLst>
-                                            <p:cond delay="0"/>
-                                          </p:stCondLst>
-                                        </p:cTn>
-                                        <p:tgtEl>
-                                          <p:spTgt spid="2"/>
-                                        </p:tgtEl>
-                                        <p:attrNameLst>
-                                          <p:attrName>style.visibility</p:attrName>
-                                        </p:attrNameLst>
-                                      </p:cBhvr>
-                                      <p:to>
-                                        <p:strVal val="visible"/>
-                                      </p:to>
-                                    </p:set>
-                                    <p:animEffect transition="in" filter="fade">
-                                      <p:cBhvr>
-                                        <p:cTn id="7" dur="1000"/>
-                                        <p:tgtEl>
-                                          <p:spTgt spid="2"/>
-                                        </p:tgtEl>
-                                      </p:cBhvr>
-                                    </p:animEffect>
-                                  </p:childTnLst>
-                                </p:cTn>
-                              </p:par>
-                            </p:childTnLst>
-                          </p:cTn>
-                        </p:par>
-                      </p:childTnLst>
-                    </p:cTn>
-                  </p:par>
-                </p:childTnLst>
-              </p:cTn>
-              <p:prevCondLst>
-                <p:cond evt="onPrev" delay="0">
-                  <p:tgtEl>
-                    <p:sldTgt/>
-                  </p:tgtEl>
-                </p:cond>
-              </p:prevCondLst>
-              <p:nextCondLst>
-                <p:cond evt="onNext" delay="0">
-                  <p:tgtEl>
-                    <p:sldTgt/>
-                  </p:tgtEl>
-                </p:cond>
-              </p:nextCondLst>
-            </p:seq>
-          </p:childTnLst>
-        </p:cTn>
-      </p:par>
-    </p:tnLst>
-    <p:bldLst>
-      <p:bldP spid="2" grpId="0"/>
-    </p:bldLst>
-  </p:timing>
-</p:sld>
-</file>
-
-<file path=ppt/slides/slide11.xml><?xml version="1.0" encoding="utf-8"?>
-<p:sld xmlns:a="http://schemas.openxmlformats.org/drawingml/2006/main" xmlns:r="http://schemas.openxmlformats.org/officeDocument/2006/relationships" xmlns:p="http://schemas.openxmlformats.org/presentationml/2006/main">
-  <p:cSld>
-    <p:bg>
-      <p:bgPr>
-        <a:solidFill>
-          <a:schemeClr val="bg1"/>
-        </a:solidFill>
-        <a:effectLst/>
-      </p:bgPr>
-    </p:bg>
-    <p:spTree>
-      <p:nvGrpSpPr>
-        <p:cNvPr id="1" name=""/>
-        <p:cNvGrpSpPr/>
-        <p:nvPr/>
-      </p:nvGrpSpPr>
-      <p:grpSpPr>
-        <a:xfrm>
-          <a:off x="0" y="0"/>
-          <a:ext cx="0" cy="0"/>
-          <a:chOff x="0" y="0"/>
-          <a:chExt cx="0" cy="0"/>
-        </a:xfrm>
-      </p:grpSpPr>
       <p:sp>
         <p:nvSpPr>
           <p:cNvPr id="2" name="Title 1">
@@ -6446,12 +5917,8 @@
           <a:lstStyle/>
           <a:p>
             <a:r>
-              <a:rPr lang="en-US" b="1" dirty="0">
-                <a:solidFill>
-                  <a:schemeClr val="tx2"/>
-                </a:solidFill>
-              </a:rPr>
-              <a:t>Example Bash Script</a:t>
+              <a:rPr lang="en-US" b="1" dirty="0"/>
+              <a:t>PowerShell</a:t>
             </a:r>
             <a:endParaRPr lang="en-US" dirty="0"/>
           </a:p>
@@ -6696,24 +6163,681 @@
           </a:bodyPr>
           <a:lstStyle/>
           <a:p>
-            <a:pPr marL="0" indent="0">
-              <a:buNone/>
+            <a:pPr>
+              <a:spcBef>
+                <a:spcPts val="3600"/>
+              </a:spcBef>
             </a:pPr>
             <a:r>
-              <a:rPr lang="en-US" sz="2400" dirty="0">
-                <a:solidFill>
-                  <a:schemeClr val="tx2"/>
-                </a:solidFill>
-              </a:rPr>
-              <a:t>Cool Examples</a:t>
-            </a:r>
-          </a:p>
-        </p:txBody>
-      </p:sp>
+              <a:rPr lang="en-US" sz="2400" dirty="0"/>
+              <a:t>PowerShell is object oriented.</a:t>
+            </a:r>
+          </a:p>
+          <a:p>
+            <a:pPr>
+              <a:spcBef>
+                <a:spcPts val="3600"/>
+              </a:spcBef>
+            </a:pPr>
+            <a:r>
+              <a:rPr lang="en-US" sz="2400" dirty="0"/>
+              <a:t>Many Linux commands work by default!</a:t>
+            </a:r>
+          </a:p>
+          <a:p>
+            <a:pPr lvl="1">
+              <a:spcBef>
+                <a:spcPts val="1200"/>
+              </a:spcBef>
+            </a:pPr>
+            <a:r>
+              <a:rPr lang="en-US" sz="2000" b="1" dirty="0"/>
+              <a:t>cat</a:t>
+            </a:r>
+          </a:p>
+          <a:p>
+            <a:pPr lvl="1">
+              <a:spcBef>
+                <a:spcPts val="1200"/>
+              </a:spcBef>
+            </a:pPr>
+            <a:r>
+              <a:rPr lang="en-US" sz="2000" b="1" dirty="0"/>
+              <a:t>cd</a:t>
+            </a:r>
+          </a:p>
+          <a:p>
+            <a:pPr lvl="1">
+              <a:spcBef>
+                <a:spcPts val="1200"/>
+              </a:spcBef>
+            </a:pPr>
+            <a:r>
+              <a:rPr lang="en-US" sz="2000" b="1" dirty="0"/>
+              <a:t>ls</a:t>
+            </a:r>
+          </a:p>
+          <a:p>
+            <a:pPr lvl="1">
+              <a:spcBef>
+                <a:spcPts val="1200"/>
+              </a:spcBef>
+            </a:pPr>
+            <a:r>
+              <a:rPr lang="en-US" sz="2000" b="1" dirty="0"/>
+              <a:t>man</a:t>
+            </a:r>
+          </a:p>
+          <a:p>
+            <a:pPr lvl="1">
+              <a:spcBef>
+                <a:spcPts val="1200"/>
+              </a:spcBef>
+            </a:pPr>
+            <a:r>
+              <a:rPr lang="en-US" sz="2000" b="1" dirty="0"/>
+              <a:t>ping</a:t>
+            </a:r>
+          </a:p>
+          <a:p>
+            <a:pPr lvl="1">
+              <a:spcBef>
+                <a:spcPts val="1200"/>
+              </a:spcBef>
+            </a:pPr>
+            <a:r>
+              <a:rPr lang="en-US" sz="2000" b="1" dirty="0" err="1"/>
+              <a:t>ssh</a:t>
+            </a:r>
+            <a:endParaRPr lang="en-US" sz="2000" b="1" dirty="0"/>
+          </a:p>
+          <a:p>
+            <a:pPr lvl="1">
+              <a:spcBef>
+                <a:spcPts val="1200"/>
+              </a:spcBef>
+            </a:pPr>
+            <a:r>
+              <a:rPr lang="en-US" sz="2000" b="1" dirty="0"/>
+              <a:t>And more!</a:t>
+            </a:r>
+          </a:p>
+        </p:txBody>
+      </p:sp>
+      <p:pic>
+        <p:nvPicPr>
+          <p:cNvPr id="9" name="Picture 8" descr="Icon&#10;&#10;Description automatically generated">
+            <a:extLst>
+              <a:ext uri="{FF2B5EF4-FFF2-40B4-BE49-F238E27FC236}">
+                <a16:creationId xmlns:a16="http://schemas.microsoft.com/office/drawing/2014/main" id="{464C2AC6-314D-4B64-8195-D61BE01EFA9D}"/>
+              </a:ext>
+            </a:extLst>
+          </p:cNvPr>
+          <p:cNvPicPr>
+            <a:picLocks noChangeAspect="1"/>
+          </p:cNvPicPr>
+          <p:nvPr/>
+        </p:nvPicPr>
+        <p:blipFill>
+          <a:blip r:embed="rId3">
+            <a:extLst>
+              <a:ext uri="{28A0092B-C50C-407E-A947-70E740481C1C}">
+                <a14:useLocalDpi xmlns:a14="http://schemas.microsoft.com/office/drawing/2010/main" val="0"/>
+              </a:ext>
+            </a:extLst>
+          </a:blip>
+          <a:stretch>
+            <a:fillRect/>
+          </a:stretch>
+        </p:blipFill>
+        <p:spPr>
+          <a:xfrm>
+            <a:off x="10538637" y="107873"/>
+            <a:ext cx="1342465" cy="1342465"/>
+          </a:xfrm>
+          <a:prstGeom prst="rect">
+            <a:avLst/>
+          </a:prstGeom>
+        </p:spPr>
+      </p:pic>
+      <p:pic>
+        <p:nvPicPr>
+          <p:cNvPr id="11" name="Picture 10">
+            <a:extLst>
+              <a:ext uri="{FF2B5EF4-FFF2-40B4-BE49-F238E27FC236}">
+                <a16:creationId xmlns:a16="http://schemas.microsoft.com/office/drawing/2014/main" id="{93630BFA-7F89-4EED-A889-752BA6BC7DF5}"/>
+              </a:ext>
+            </a:extLst>
+          </p:cNvPr>
+          <p:cNvPicPr>
+            <a:picLocks noChangeAspect="1"/>
+          </p:cNvPicPr>
+          <p:nvPr/>
+        </p:nvPicPr>
+        <p:blipFill rotWithShape="1">
+          <a:blip r:embed="rId4"/>
+          <a:srcRect r="62662" b="87861"/>
+          <a:stretch/>
+        </p:blipFill>
+        <p:spPr>
+          <a:xfrm>
+            <a:off x="4665153" y="3788620"/>
+            <a:ext cx="6842280" cy="1895673"/>
+          </a:xfrm>
+          <a:prstGeom prst="rect">
+            <a:avLst/>
+          </a:prstGeom>
+        </p:spPr>
+      </p:pic>
     </p:spTree>
     <p:extLst>
       <p:ext uri="{BB962C8B-B14F-4D97-AF65-F5344CB8AC3E}">
-        <p14:creationId xmlns:p14="http://schemas.microsoft.com/office/powerpoint/2010/main" val="2048676250"/>
+        <p14:creationId xmlns:p14="http://schemas.microsoft.com/office/powerpoint/2010/main" val="2990462868"/>
+      </p:ext>
+    </p:extLst>
+  </p:cSld>
+  <p:clrMapOvr>
+    <a:masterClrMapping/>
+  </p:clrMapOvr>
+</p:sld>
+</file>
+
+<file path=ppt/slides/slide11.xml><?xml version="1.0" encoding="utf-8"?>
+<p:sld xmlns:a="http://schemas.openxmlformats.org/drawingml/2006/main" xmlns:r="http://schemas.openxmlformats.org/officeDocument/2006/relationships" xmlns:p="http://schemas.openxmlformats.org/presentationml/2006/main">
+  <p:cSld>
+    <p:bg>
+      <p:bgPr>
+        <a:solidFill>
+          <a:schemeClr val="bg1"/>
+        </a:solidFill>
+        <a:effectLst/>
+      </p:bgPr>
+    </p:bg>
+    <p:spTree>
+      <p:nvGrpSpPr>
+        <p:cNvPr id="1" name=""/>
+        <p:cNvGrpSpPr/>
+        <p:nvPr/>
+      </p:nvGrpSpPr>
+      <p:grpSpPr>
+        <a:xfrm>
+          <a:off x="0" y="0"/>
+          <a:ext cx="0" cy="0"/>
+          <a:chOff x="0" y="0"/>
+          <a:chExt cx="0" cy="0"/>
+        </a:xfrm>
+      </p:grpSpPr>
+      <p:sp>
+        <p:nvSpPr>
+          <p:cNvPr id="2" name="Title 1">
+            <a:extLst>
+              <a:ext uri="{FF2B5EF4-FFF2-40B4-BE49-F238E27FC236}">
+                <a16:creationId xmlns:a16="http://schemas.microsoft.com/office/drawing/2014/main" id="{0B0E3F05-66EA-43AB-B1A9-F30EAC51059D}"/>
+              </a:ext>
+            </a:extLst>
+          </p:cNvPr>
+          <p:cNvSpPr>
+            <a:spLocks noGrp="1"/>
+          </p:cNvSpPr>
+          <p:nvPr>
+            <p:ph type="title"/>
+          </p:nvPr>
+        </p:nvSpPr>
+        <p:spPr>
+          <a:xfrm>
+            <a:off x="1653363" y="365760"/>
+            <a:ext cx="9367203" cy="1188720"/>
+          </a:xfrm>
+        </p:spPr>
+        <p:txBody>
+          <a:bodyPr>
+            <a:normAutofit/>
+          </a:bodyPr>
+          <a:lstStyle/>
+          <a:p>
+            <a:r>
+              <a:rPr lang="en-US" b="1" dirty="0"/>
+              <a:t>PowerShell</a:t>
+            </a:r>
+            <a:endParaRPr lang="en-US" dirty="0"/>
+          </a:p>
+        </p:txBody>
+      </p:sp>
+      <p:sp>
+        <p:nvSpPr>
+          <p:cNvPr id="8" name="Freeform: Shape 7">
+            <a:extLst>
+              <a:ext uri="{FF2B5EF4-FFF2-40B4-BE49-F238E27FC236}">
+                <a16:creationId xmlns:a16="http://schemas.microsoft.com/office/drawing/2014/main" id="{7CB4857B-ED7C-444D-9F04-2F885114A1C2}"/>
+              </a:ext>
+              <a:ext uri="{C183D7F6-B498-43B3-948B-1728B52AA6E4}">
+                <adec:decorative xmlns:adec="http://schemas.microsoft.com/office/drawing/2017/decorative" val="1"/>
+              </a:ext>
+            </a:extLst>
+          </p:cNvPr>
+          <p:cNvSpPr>
+            <a:spLocks noGrp="1" noRot="1" noChangeAspect="1" noMove="1" noResize="1" noEditPoints="1" noAdjustHandles="1" noChangeArrowheads="1" noChangeShapeType="1" noTextEdit="1"/>
+          </p:cNvSpPr>
+          <p:nvPr>
+            <p:extLst>
+              <p:ext uri="{386F3935-93C4-4BCD-93E2-E3B085C9AB24}">
+                <p16:designElem xmlns:p16="http://schemas.microsoft.com/office/powerpoint/2015/main" val="1"/>
+              </p:ext>
+            </p:extLst>
+          </p:nvPr>
+        </p:nvSpPr>
+        <p:spPr>
+          <a:xfrm>
+            <a:off x="1" y="0"/>
+            <a:ext cx="1764099" cy="1558212"/>
+          </a:xfrm>
+          <a:custGeom>
+            <a:avLst/>
+            <a:gdLst>
+              <a:gd name="connsiteX0" fmla="*/ 0 w 1764099"/>
+              <a:gd name="connsiteY0" fmla="*/ 0 h 1558212"/>
+              <a:gd name="connsiteX1" fmla="*/ 1764099 w 1764099"/>
+              <a:gd name="connsiteY1" fmla="*/ 0 h 1558212"/>
+              <a:gd name="connsiteX2" fmla="*/ 1042087 w 1764099"/>
+              <a:gd name="connsiteY2" fmla="*/ 1558212 h 1558212"/>
+              <a:gd name="connsiteX3" fmla="*/ 0 w 1764099"/>
+              <a:gd name="connsiteY3" fmla="*/ 1558212 h 1558212"/>
+            </a:gdLst>
+            <a:ahLst/>
+            <a:cxnLst>
+              <a:cxn ang="0">
+                <a:pos x="connsiteX0" y="connsiteY0"/>
+              </a:cxn>
+              <a:cxn ang="0">
+                <a:pos x="connsiteX1" y="connsiteY1"/>
+              </a:cxn>
+              <a:cxn ang="0">
+                <a:pos x="connsiteX2" y="connsiteY2"/>
+              </a:cxn>
+              <a:cxn ang="0">
+                <a:pos x="connsiteX3" y="connsiteY3"/>
+              </a:cxn>
+            </a:cxnLst>
+            <a:rect l="l" t="t" r="r" b="b"/>
+            <a:pathLst>
+              <a:path w="1764099" h="1558212">
+                <a:moveTo>
+                  <a:pt x="0" y="0"/>
+                </a:moveTo>
+                <a:lnTo>
+                  <a:pt x="1764099" y="0"/>
+                </a:lnTo>
+                <a:lnTo>
+                  <a:pt x="1042087" y="1558212"/>
+                </a:lnTo>
+                <a:lnTo>
+                  <a:pt x="0" y="1558212"/>
+                </a:lnTo>
+                <a:close/>
+              </a:path>
+            </a:pathLst>
+          </a:custGeom>
+          <a:solidFill>
+            <a:schemeClr val="accent1">
+              <a:lumMod val="100000"/>
+              <a:lumOff val="0"/>
+            </a:schemeClr>
+          </a:solidFill>
+          <a:ln>
+            <a:noFill/>
+          </a:ln>
+        </p:spPr>
+        <p:style>
+          <a:lnRef idx="2">
+            <a:schemeClr val="accent1">
+              <a:shade val="50000"/>
+            </a:schemeClr>
+          </a:lnRef>
+          <a:fillRef idx="1">
+            <a:schemeClr val="accent1"/>
+          </a:fillRef>
+          <a:effectRef idx="0">
+            <a:schemeClr val="accent1"/>
+          </a:effectRef>
+          <a:fontRef idx="minor">
+            <a:schemeClr val="lt1"/>
+          </a:fontRef>
+        </p:style>
+        <p:txBody>
+          <a:bodyPr wrap="square" rtlCol="0" anchor="ctr">
+            <a:noAutofit/>
+          </a:bodyPr>
+          <a:lstStyle/>
+          <a:p>
+            <a:pPr algn="ctr"/>
+            <a:endParaRPr lang="en-US"/>
+          </a:p>
+        </p:txBody>
+      </p:sp>
+      <p:sp>
+        <p:nvSpPr>
+          <p:cNvPr id="12" name="Freeform: Shape 11">
+            <a:extLst>
+              <a:ext uri="{FF2B5EF4-FFF2-40B4-BE49-F238E27FC236}">
+                <a16:creationId xmlns:a16="http://schemas.microsoft.com/office/drawing/2014/main" id="{479F5F2B-8B58-4140-AE6A-51F6C67B18D9}"/>
+              </a:ext>
+              <a:ext uri="{C183D7F6-B498-43B3-948B-1728B52AA6E4}">
+                <adec:decorative xmlns:adec="http://schemas.microsoft.com/office/drawing/2017/decorative" val="1"/>
+              </a:ext>
+            </a:extLst>
+          </p:cNvPr>
+          <p:cNvSpPr>
+            <a:spLocks noGrp="1" noRot="1" noChangeAspect="1" noMove="1" noResize="1" noEditPoints="1" noAdjustHandles="1" noChangeArrowheads="1" noChangeShapeType="1" noTextEdit="1"/>
+          </p:cNvSpPr>
+          <p:nvPr>
+            <p:extLst>
+              <p:ext uri="{386F3935-93C4-4BCD-93E2-E3B085C9AB24}">
+                <p16:designElem xmlns:p16="http://schemas.microsoft.com/office/powerpoint/2015/main" val="1"/>
+              </p:ext>
+            </p:extLst>
+          </p:nvPr>
+        </p:nvSpPr>
+        <p:spPr>
+          <a:xfrm>
+            <a:off x="0" y="1691641"/>
+            <a:ext cx="971654" cy="2096979"/>
+          </a:xfrm>
+          <a:custGeom>
+            <a:avLst/>
+            <a:gdLst>
+              <a:gd name="connsiteX0" fmla="*/ 0 w 971654"/>
+              <a:gd name="connsiteY0" fmla="*/ 0 h 2096979"/>
+              <a:gd name="connsiteX1" fmla="*/ 971654 w 971654"/>
+              <a:gd name="connsiteY1" fmla="*/ 0 h 2096979"/>
+              <a:gd name="connsiteX2" fmla="*/ 0 w 971654"/>
+              <a:gd name="connsiteY2" fmla="*/ 2096979 h 2096979"/>
+            </a:gdLst>
+            <a:ahLst/>
+            <a:cxnLst>
+              <a:cxn ang="0">
+                <a:pos x="connsiteX0" y="connsiteY0"/>
+              </a:cxn>
+              <a:cxn ang="0">
+                <a:pos x="connsiteX1" y="connsiteY1"/>
+              </a:cxn>
+              <a:cxn ang="0">
+                <a:pos x="connsiteX2" y="connsiteY2"/>
+              </a:cxn>
+            </a:cxnLst>
+            <a:rect l="l" t="t" r="r" b="b"/>
+            <a:pathLst>
+              <a:path w="971654" h="2096979">
+                <a:moveTo>
+                  <a:pt x="0" y="0"/>
+                </a:moveTo>
+                <a:lnTo>
+                  <a:pt x="971654" y="0"/>
+                </a:lnTo>
+                <a:lnTo>
+                  <a:pt x="0" y="2096979"/>
+                </a:lnTo>
+                <a:close/>
+              </a:path>
+            </a:pathLst>
+          </a:custGeom>
+          <a:solidFill>
+            <a:srgbClr val="404040"/>
+          </a:solidFill>
+          <a:ln>
+            <a:noFill/>
+          </a:ln>
+        </p:spPr>
+        <p:style>
+          <a:lnRef idx="2">
+            <a:schemeClr val="accent1">
+              <a:shade val="50000"/>
+            </a:schemeClr>
+          </a:lnRef>
+          <a:fillRef idx="1">
+            <a:schemeClr val="accent1"/>
+          </a:fillRef>
+          <a:effectRef idx="0">
+            <a:schemeClr val="accent1"/>
+          </a:effectRef>
+          <a:fontRef idx="minor">
+            <a:schemeClr val="lt1"/>
+          </a:fontRef>
+        </p:style>
+        <p:txBody>
+          <a:bodyPr wrap="square" rtlCol="0" anchor="ctr">
+            <a:noAutofit/>
+          </a:bodyPr>
+          <a:lstStyle/>
+          <a:p>
+            <a:pPr algn="ctr"/>
+            <a:endParaRPr lang="en-US"/>
+          </a:p>
+        </p:txBody>
+      </p:sp>
+      <p:sp>
+        <p:nvSpPr>
+          <p:cNvPr id="3" name="Content Placeholder 2">
+            <a:extLst>
+              <a:ext uri="{FF2B5EF4-FFF2-40B4-BE49-F238E27FC236}">
+                <a16:creationId xmlns:a16="http://schemas.microsoft.com/office/drawing/2014/main" id="{DBB88942-6618-4B2C-A985-47153DAC76EE}"/>
+              </a:ext>
+            </a:extLst>
+          </p:cNvPr>
+          <p:cNvSpPr>
+            <a:spLocks noGrp="1"/>
+          </p:cNvSpPr>
+          <p:nvPr>
+            <p:ph idx="1"/>
+          </p:nvPr>
+        </p:nvSpPr>
+        <p:spPr>
+          <a:xfrm>
+            <a:off x="1653363" y="1920240"/>
+            <a:ext cx="9367204" cy="4297680"/>
+          </a:xfrm>
+        </p:spPr>
+        <p:txBody>
+          <a:bodyPr anchor="t">
+            <a:normAutofit lnSpcReduction="10000"/>
+          </a:bodyPr>
+          <a:lstStyle/>
+          <a:p>
+            <a:pPr>
+              <a:spcBef>
+                <a:spcPts val="3600"/>
+              </a:spcBef>
+            </a:pPr>
+            <a:r>
+              <a:rPr lang="en-US" sz="2400" dirty="0"/>
+              <a:t>Windows logs can be queried in PowerShell using the command:</a:t>
+            </a:r>
+          </a:p>
+          <a:p>
+            <a:pPr lvl="1">
+              <a:spcBef>
+                <a:spcPts val="1200"/>
+              </a:spcBef>
+            </a:pPr>
+            <a:r>
+              <a:rPr lang="en-US" sz="2000" b="1" dirty="0"/>
+              <a:t>Get-</a:t>
+            </a:r>
+            <a:r>
+              <a:rPr lang="en-US" sz="2000" b="1" dirty="0" err="1"/>
+              <a:t>WinEvent</a:t>
+            </a:r>
+            <a:endParaRPr lang="en-US" sz="2000" b="1" dirty="0"/>
+          </a:p>
+          <a:p>
+            <a:pPr>
+              <a:spcBef>
+                <a:spcPts val="3600"/>
+              </a:spcBef>
+            </a:pPr>
+            <a:r>
+              <a:rPr lang="en-US" sz="2400" dirty="0"/>
+              <a:t>Some tags we can combine with Get-</a:t>
+            </a:r>
+            <a:r>
+              <a:rPr lang="en-US" sz="2400" dirty="0" err="1"/>
+              <a:t>WinEvent</a:t>
+            </a:r>
+            <a:r>
+              <a:rPr lang="en-US" sz="2400" dirty="0"/>
+              <a:t>:</a:t>
+            </a:r>
+          </a:p>
+          <a:p>
+            <a:pPr lvl="1">
+              <a:spcBef>
+                <a:spcPts val="1200"/>
+              </a:spcBef>
+            </a:pPr>
+            <a:r>
+              <a:rPr lang="en-US" sz="2000" b="1" dirty="0"/>
+              <a:t>-</a:t>
+            </a:r>
+            <a:r>
+              <a:rPr lang="en-US" sz="2000" b="1" dirty="0" err="1"/>
+              <a:t>ListLog</a:t>
+            </a:r>
+            <a:r>
+              <a:rPr lang="en-US" sz="2000" b="1" dirty="0"/>
+              <a:t>				</a:t>
+            </a:r>
+            <a:r>
+              <a:rPr lang="en-US" sz="2000" dirty="0"/>
+              <a:t>•  </a:t>
+            </a:r>
+            <a:r>
+              <a:rPr lang="en-US" sz="2000" b="1" dirty="0"/>
+              <a:t>-</a:t>
+            </a:r>
+            <a:r>
+              <a:rPr lang="en-US" sz="2000" b="1" dirty="0" err="1"/>
+              <a:t>ListProvider</a:t>
+            </a:r>
+            <a:endParaRPr lang="en-US" sz="2000" b="1" dirty="0"/>
+          </a:p>
+          <a:p>
+            <a:pPr lvl="1">
+              <a:spcBef>
+                <a:spcPts val="1200"/>
+              </a:spcBef>
+            </a:pPr>
+            <a:r>
+              <a:rPr lang="en-US" sz="2000" b="1" dirty="0"/>
+              <a:t>-</a:t>
+            </a:r>
+            <a:r>
+              <a:rPr lang="en-US" sz="2000" b="1" dirty="0" err="1"/>
+              <a:t>LogName</a:t>
+            </a:r>
+            <a:r>
+              <a:rPr lang="en-US" sz="2000" b="1" dirty="0"/>
+              <a:t>				</a:t>
+            </a:r>
+            <a:r>
+              <a:rPr lang="en-US" sz="2000" dirty="0"/>
+              <a:t>• </a:t>
+            </a:r>
+            <a:r>
+              <a:rPr lang="en-US" sz="2000" b="1" dirty="0"/>
+              <a:t> -Path</a:t>
+            </a:r>
+          </a:p>
+          <a:p>
+            <a:pPr>
+              <a:spcBef>
+                <a:spcPts val="3600"/>
+              </a:spcBef>
+            </a:pPr>
+            <a:r>
+              <a:rPr lang="en-US" sz="2400" dirty="0"/>
+              <a:t>Additional PowerShell functions and tags we can use to manipulate data:</a:t>
+            </a:r>
+          </a:p>
+          <a:p>
+            <a:pPr lvl="1">
+              <a:spcBef>
+                <a:spcPts val="1200"/>
+              </a:spcBef>
+            </a:pPr>
+            <a:r>
+              <a:rPr lang="en-US" sz="2000" b="1" dirty="0"/>
+              <a:t>Sort-Object			</a:t>
+            </a:r>
+            <a:r>
+              <a:rPr lang="en-US" sz="2000" dirty="0"/>
+              <a:t>•  </a:t>
+            </a:r>
+            <a:r>
+              <a:rPr lang="en-US" sz="2000" b="1" dirty="0"/>
+              <a:t>Where-Object</a:t>
+            </a:r>
+          </a:p>
+          <a:p>
+            <a:pPr lvl="1">
+              <a:spcBef>
+                <a:spcPts val="1200"/>
+              </a:spcBef>
+            </a:pPr>
+            <a:r>
+              <a:rPr lang="en-US" sz="2000" b="1" dirty="0"/>
+              <a:t>Measure-Object			</a:t>
+            </a:r>
+            <a:r>
+              <a:rPr lang="en-US" sz="2000" dirty="0"/>
+              <a:t>•  </a:t>
+            </a:r>
+            <a:r>
+              <a:rPr lang="en-US" sz="2000" b="1" dirty="0"/>
+              <a:t>-Property</a:t>
+            </a:r>
+            <a:endParaRPr lang="en-US" sz="2000" dirty="0"/>
+          </a:p>
+        </p:txBody>
+      </p:sp>
+      <p:pic>
+        <p:nvPicPr>
+          <p:cNvPr id="7" name="Picture 6" descr="Icon&#10;&#10;Description automatically generated">
+            <a:extLst>
+              <a:ext uri="{FF2B5EF4-FFF2-40B4-BE49-F238E27FC236}">
+                <a16:creationId xmlns:a16="http://schemas.microsoft.com/office/drawing/2014/main" id="{459BD23A-5327-4FC8-82F3-4DB71BDD26AC}"/>
+              </a:ext>
+            </a:extLst>
+          </p:cNvPr>
+          <p:cNvPicPr>
+            <a:picLocks noChangeAspect="1"/>
+          </p:cNvPicPr>
+          <p:nvPr/>
+        </p:nvPicPr>
+        <p:blipFill>
+          <a:blip r:embed="rId3">
+            <a:extLst>
+              <a:ext uri="{28A0092B-C50C-407E-A947-70E740481C1C}">
+                <a14:useLocalDpi xmlns:a14="http://schemas.microsoft.com/office/drawing/2010/main" val="0"/>
+              </a:ext>
+            </a:extLst>
+          </a:blip>
+          <a:stretch>
+            <a:fillRect/>
+          </a:stretch>
+        </p:blipFill>
+        <p:spPr>
+          <a:xfrm>
+            <a:off x="10538637" y="107873"/>
+            <a:ext cx="1342465" cy="1342465"/>
+          </a:xfrm>
+          <a:prstGeom prst="rect">
+            <a:avLst/>
+          </a:prstGeom>
+        </p:spPr>
+      </p:pic>
+    </p:spTree>
+    <p:extLst>
+      <p:ext uri="{BB962C8B-B14F-4D97-AF65-F5344CB8AC3E}">
+        <p14:creationId xmlns:p14="http://schemas.microsoft.com/office/powerpoint/2010/main" val="1498621030"/>
       </p:ext>
     </p:extLst>
   </p:cSld>
@@ -6748,6 +6872,2230 @@
           <a:chExt cx="0" cy="0"/>
         </a:xfrm>
       </p:grpSpPr>
+      <p:sp>
+        <p:nvSpPr>
+          <p:cNvPr id="2" name="Title 1">
+            <a:extLst>
+              <a:ext uri="{FF2B5EF4-FFF2-40B4-BE49-F238E27FC236}">
+                <a16:creationId xmlns:a16="http://schemas.microsoft.com/office/drawing/2014/main" id="{0B0E3F05-66EA-43AB-B1A9-F30EAC51059D}"/>
+              </a:ext>
+            </a:extLst>
+          </p:cNvPr>
+          <p:cNvSpPr>
+            <a:spLocks noGrp="1"/>
+          </p:cNvSpPr>
+          <p:nvPr>
+            <p:ph type="title"/>
+          </p:nvPr>
+        </p:nvSpPr>
+        <p:spPr>
+          <a:xfrm>
+            <a:off x="1653363" y="365760"/>
+            <a:ext cx="9367203" cy="1188720"/>
+          </a:xfrm>
+        </p:spPr>
+        <p:txBody>
+          <a:bodyPr>
+            <a:normAutofit/>
+          </a:bodyPr>
+          <a:lstStyle/>
+          <a:p>
+            <a:r>
+              <a:rPr lang="en-US" b="1" dirty="0"/>
+              <a:t>PowerShell</a:t>
+            </a:r>
+            <a:endParaRPr lang="en-US" dirty="0"/>
+          </a:p>
+        </p:txBody>
+      </p:sp>
+      <p:sp>
+        <p:nvSpPr>
+          <p:cNvPr id="8" name="Freeform: Shape 7">
+            <a:extLst>
+              <a:ext uri="{FF2B5EF4-FFF2-40B4-BE49-F238E27FC236}">
+                <a16:creationId xmlns:a16="http://schemas.microsoft.com/office/drawing/2014/main" id="{7CB4857B-ED7C-444D-9F04-2F885114A1C2}"/>
+              </a:ext>
+              <a:ext uri="{C183D7F6-B498-43B3-948B-1728B52AA6E4}">
+                <adec:decorative xmlns:adec="http://schemas.microsoft.com/office/drawing/2017/decorative" val="1"/>
+              </a:ext>
+            </a:extLst>
+          </p:cNvPr>
+          <p:cNvSpPr>
+            <a:spLocks noGrp="1" noRot="1" noChangeAspect="1" noMove="1" noResize="1" noEditPoints="1" noAdjustHandles="1" noChangeArrowheads="1" noChangeShapeType="1" noTextEdit="1"/>
+          </p:cNvSpPr>
+          <p:nvPr>
+            <p:extLst>
+              <p:ext uri="{386F3935-93C4-4BCD-93E2-E3B085C9AB24}">
+                <p16:designElem xmlns:p16="http://schemas.microsoft.com/office/powerpoint/2015/main" val="1"/>
+              </p:ext>
+            </p:extLst>
+          </p:nvPr>
+        </p:nvSpPr>
+        <p:spPr>
+          <a:xfrm>
+            <a:off x="1" y="0"/>
+            <a:ext cx="1764099" cy="1558212"/>
+          </a:xfrm>
+          <a:custGeom>
+            <a:avLst/>
+            <a:gdLst>
+              <a:gd name="connsiteX0" fmla="*/ 0 w 1764099"/>
+              <a:gd name="connsiteY0" fmla="*/ 0 h 1558212"/>
+              <a:gd name="connsiteX1" fmla="*/ 1764099 w 1764099"/>
+              <a:gd name="connsiteY1" fmla="*/ 0 h 1558212"/>
+              <a:gd name="connsiteX2" fmla="*/ 1042087 w 1764099"/>
+              <a:gd name="connsiteY2" fmla="*/ 1558212 h 1558212"/>
+              <a:gd name="connsiteX3" fmla="*/ 0 w 1764099"/>
+              <a:gd name="connsiteY3" fmla="*/ 1558212 h 1558212"/>
+            </a:gdLst>
+            <a:ahLst/>
+            <a:cxnLst>
+              <a:cxn ang="0">
+                <a:pos x="connsiteX0" y="connsiteY0"/>
+              </a:cxn>
+              <a:cxn ang="0">
+                <a:pos x="connsiteX1" y="connsiteY1"/>
+              </a:cxn>
+              <a:cxn ang="0">
+                <a:pos x="connsiteX2" y="connsiteY2"/>
+              </a:cxn>
+              <a:cxn ang="0">
+                <a:pos x="connsiteX3" y="connsiteY3"/>
+              </a:cxn>
+            </a:cxnLst>
+            <a:rect l="l" t="t" r="r" b="b"/>
+            <a:pathLst>
+              <a:path w="1764099" h="1558212">
+                <a:moveTo>
+                  <a:pt x="0" y="0"/>
+                </a:moveTo>
+                <a:lnTo>
+                  <a:pt x="1764099" y="0"/>
+                </a:lnTo>
+                <a:lnTo>
+                  <a:pt x="1042087" y="1558212"/>
+                </a:lnTo>
+                <a:lnTo>
+                  <a:pt x="0" y="1558212"/>
+                </a:lnTo>
+                <a:close/>
+              </a:path>
+            </a:pathLst>
+          </a:custGeom>
+          <a:solidFill>
+            <a:schemeClr val="accent1">
+              <a:lumMod val="100000"/>
+              <a:lumOff val="0"/>
+            </a:schemeClr>
+          </a:solidFill>
+          <a:ln>
+            <a:noFill/>
+          </a:ln>
+        </p:spPr>
+        <p:style>
+          <a:lnRef idx="2">
+            <a:schemeClr val="accent1">
+              <a:shade val="50000"/>
+            </a:schemeClr>
+          </a:lnRef>
+          <a:fillRef idx="1">
+            <a:schemeClr val="accent1"/>
+          </a:fillRef>
+          <a:effectRef idx="0">
+            <a:schemeClr val="accent1"/>
+          </a:effectRef>
+          <a:fontRef idx="minor">
+            <a:schemeClr val="lt1"/>
+          </a:fontRef>
+        </p:style>
+        <p:txBody>
+          <a:bodyPr wrap="square" rtlCol="0" anchor="ctr">
+            <a:noAutofit/>
+          </a:bodyPr>
+          <a:lstStyle/>
+          <a:p>
+            <a:pPr algn="ctr"/>
+            <a:endParaRPr lang="en-US"/>
+          </a:p>
+        </p:txBody>
+      </p:sp>
+      <p:sp>
+        <p:nvSpPr>
+          <p:cNvPr id="12" name="Freeform: Shape 11">
+            <a:extLst>
+              <a:ext uri="{FF2B5EF4-FFF2-40B4-BE49-F238E27FC236}">
+                <a16:creationId xmlns:a16="http://schemas.microsoft.com/office/drawing/2014/main" id="{479F5F2B-8B58-4140-AE6A-51F6C67B18D9}"/>
+              </a:ext>
+              <a:ext uri="{C183D7F6-B498-43B3-948B-1728B52AA6E4}">
+                <adec:decorative xmlns:adec="http://schemas.microsoft.com/office/drawing/2017/decorative" val="1"/>
+              </a:ext>
+            </a:extLst>
+          </p:cNvPr>
+          <p:cNvSpPr>
+            <a:spLocks noGrp="1" noRot="1" noChangeAspect="1" noMove="1" noResize="1" noEditPoints="1" noAdjustHandles="1" noChangeArrowheads="1" noChangeShapeType="1" noTextEdit="1"/>
+          </p:cNvSpPr>
+          <p:nvPr>
+            <p:extLst>
+              <p:ext uri="{386F3935-93C4-4BCD-93E2-E3B085C9AB24}">
+                <p16:designElem xmlns:p16="http://schemas.microsoft.com/office/powerpoint/2015/main" val="1"/>
+              </p:ext>
+            </p:extLst>
+          </p:nvPr>
+        </p:nvSpPr>
+        <p:spPr>
+          <a:xfrm>
+            <a:off x="0" y="1691641"/>
+            <a:ext cx="971654" cy="2096979"/>
+          </a:xfrm>
+          <a:custGeom>
+            <a:avLst/>
+            <a:gdLst>
+              <a:gd name="connsiteX0" fmla="*/ 0 w 971654"/>
+              <a:gd name="connsiteY0" fmla="*/ 0 h 2096979"/>
+              <a:gd name="connsiteX1" fmla="*/ 971654 w 971654"/>
+              <a:gd name="connsiteY1" fmla="*/ 0 h 2096979"/>
+              <a:gd name="connsiteX2" fmla="*/ 0 w 971654"/>
+              <a:gd name="connsiteY2" fmla="*/ 2096979 h 2096979"/>
+            </a:gdLst>
+            <a:ahLst/>
+            <a:cxnLst>
+              <a:cxn ang="0">
+                <a:pos x="connsiteX0" y="connsiteY0"/>
+              </a:cxn>
+              <a:cxn ang="0">
+                <a:pos x="connsiteX1" y="connsiteY1"/>
+              </a:cxn>
+              <a:cxn ang="0">
+                <a:pos x="connsiteX2" y="connsiteY2"/>
+              </a:cxn>
+            </a:cxnLst>
+            <a:rect l="l" t="t" r="r" b="b"/>
+            <a:pathLst>
+              <a:path w="971654" h="2096979">
+                <a:moveTo>
+                  <a:pt x="0" y="0"/>
+                </a:moveTo>
+                <a:lnTo>
+                  <a:pt x="971654" y="0"/>
+                </a:lnTo>
+                <a:lnTo>
+                  <a:pt x="0" y="2096979"/>
+                </a:lnTo>
+                <a:close/>
+              </a:path>
+            </a:pathLst>
+          </a:custGeom>
+          <a:solidFill>
+            <a:srgbClr val="404040"/>
+          </a:solidFill>
+          <a:ln>
+            <a:noFill/>
+          </a:ln>
+        </p:spPr>
+        <p:style>
+          <a:lnRef idx="2">
+            <a:schemeClr val="accent1">
+              <a:shade val="50000"/>
+            </a:schemeClr>
+          </a:lnRef>
+          <a:fillRef idx="1">
+            <a:schemeClr val="accent1"/>
+          </a:fillRef>
+          <a:effectRef idx="0">
+            <a:schemeClr val="accent1"/>
+          </a:effectRef>
+          <a:fontRef idx="minor">
+            <a:schemeClr val="lt1"/>
+          </a:fontRef>
+        </p:style>
+        <p:txBody>
+          <a:bodyPr wrap="square" rtlCol="0" anchor="ctr">
+            <a:noAutofit/>
+          </a:bodyPr>
+          <a:lstStyle/>
+          <a:p>
+            <a:pPr algn="ctr"/>
+            <a:endParaRPr lang="en-US"/>
+          </a:p>
+        </p:txBody>
+      </p:sp>
+      <p:pic>
+        <p:nvPicPr>
+          <p:cNvPr id="6" name="Picture 5" descr="Icon&#10;&#10;Description automatically generated">
+            <a:extLst>
+              <a:ext uri="{FF2B5EF4-FFF2-40B4-BE49-F238E27FC236}">
+                <a16:creationId xmlns:a16="http://schemas.microsoft.com/office/drawing/2014/main" id="{7D05B0CA-A29A-4CDC-A6AD-0EAB6B950700}"/>
+              </a:ext>
+            </a:extLst>
+          </p:cNvPr>
+          <p:cNvPicPr>
+            <a:picLocks noChangeAspect="1"/>
+          </p:cNvPicPr>
+          <p:nvPr/>
+        </p:nvPicPr>
+        <p:blipFill>
+          <a:blip r:embed="rId3">
+            <a:extLst>
+              <a:ext uri="{28A0092B-C50C-407E-A947-70E740481C1C}">
+                <a14:useLocalDpi xmlns:a14="http://schemas.microsoft.com/office/drawing/2010/main" val="0"/>
+              </a:ext>
+            </a:extLst>
+          </a:blip>
+          <a:stretch>
+            <a:fillRect/>
+          </a:stretch>
+        </p:blipFill>
+        <p:spPr>
+          <a:xfrm>
+            <a:off x="10538637" y="107873"/>
+            <a:ext cx="1342465" cy="1342465"/>
+          </a:xfrm>
+          <a:prstGeom prst="rect">
+            <a:avLst/>
+          </a:prstGeom>
+        </p:spPr>
+      </p:pic>
+      <p:pic>
+        <p:nvPicPr>
+          <p:cNvPr id="9" name="Picture 8">
+            <a:extLst>
+              <a:ext uri="{FF2B5EF4-FFF2-40B4-BE49-F238E27FC236}">
+                <a16:creationId xmlns:a16="http://schemas.microsoft.com/office/drawing/2014/main" id="{4445C3BE-07DA-4A85-8FFC-78CBCE704A37}"/>
+              </a:ext>
+            </a:extLst>
+          </p:cNvPr>
+          <p:cNvPicPr>
+            <a:picLocks noChangeAspect="1"/>
+          </p:cNvPicPr>
+          <p:nvPr/>
+        </p:nvPicPr>
+        <p:blipFill>
+          <a:blip r:embed="rId4"/>
+          <a:stretch>
+            <a:fillRect/>
+          </a:stretch>
+        </p:blipFill>
+        <p:spPr>
+          <a:xfrm>
+            <a:off x="1812614" y="3921567"/>
+            <a:ext cx="9397255" cy="1342465"/>
+          </a:xfrm>
+          <a:prstGeom prst="rect">
+            <a:avLst/>
+          </a:prstGeom>
+        </p:spPr>
+      </p:pic>
+      <p:pic>
+        <p:nvPicPr>
+          <p:cNvPr id="14" name="Picture 13">
+            <a:extLst>
+              <a:ext uri="{FF2B5EF4-FFF2-40B4-BE49-F238E27FC236}">
+                <a16:creationId xmlns:a16="http://schemas.microsoft.com/office/drawing/2014/main" id="{9DDD8062-372A-4FF1-ACA6-AE93D68EA2CC}"/>
+              </a:ext>
+            </a:extLst>
+          </p:cNvPr>
+          <p:cNvPicPr>
+            <a:picLocks noChangeAspect="1"/>
+          </p:cNvPicPr>
+          <p:nvPr/>
+        </p:nvPicPr>
+        <p:blipFill>
+          <a:blip r:embed="rId5"/>
+          <a:stretch>
+            <a:fillRect/>
+          </a:stretch>
+        </p:blipFill>
+        <p:spPr>
+          <a:xfrm>
+            <a:off x="2418001" y="2547241"/>
+            <a:ext cx="5838896" cy="387478"/>
+          </a:xfrm>
+          <a:prstGeom prst="rect">
+            <a:avLst/>
+          </a:prstGeom>
+        </p:spPr>
+      </p:pic>
+      <p:pic>
+        <p:nvPicPr>
+          <p:cNvPr id="16" name="Picture 15">
+            <a:extLst>
+              <a:ext uri="{FF2B5EF4-FFF2-40B4-BE49-F238E27FC236}">
+                <a16:creationId xmlns:a16="http://schemas.microsoft.com/office/drawing/2014/main" id="{3BF6B803-90D8-43E7-9538-F0B4804A8D03}"/>
+              </a:ext>
+            </a:extLst>
+          </p:cNvPr>
+          <p:cNvPicPr>
+            <a:picLocks noChangeAspect="1"/>
+          </p:cNvPicPr>
+          <p:nvPr/>
+        </p:nvPicPr>
+        <p:blipFill>
+          <a:blip r:embed="rId6"/>
+          <a:stretch>
+            <a:fillRect/>
+          </a:stretch>
+        </p:blipFill>
+        <p:spPr>
+          <a:xfrm>
+            <a:off x="8871754" y="2545526"/>
+            <a:ext cx="1282179" cy="390908"/>
+          </a:xfrm>
+          <a:prstGeom prst="rect">
+            <a:avLst/>
+          </a:prstGeom>
+        </p:spPr>
+      </p:pic>
+      <p:cxnSp>
+        <p:nvCxnSpPr>
+          <p:cNvPr id="18" name="Straight Arrow Connector 17">
+            <a:extLst>
+              <a:ext uri="{FF2B5EF4-FFF2-40B4-BE49-F238E27FC236}">
+                <a16:creationId xmlns:a16="http://schemas.microsoft.com/office/drawing/2014/main" id="{3CA12540-82EA-4ADF-B707-A4053B2686D8}"/>
+              </a:ext>
+            </a:extLst>
+          </p:cNvPr>
+          <p:cNvCxnSpPr>
+            <a:cxnSpLocks/>
+          </p:cNvCxnSpPr>
+          <p:nvPr/>
+        </p:nvCxnSpPr>
+        <p:spPr>
+          <a:xfrm flipV="1">
+            <a:off x="2829261" y="2838734"/>
+            <a:ext cx="6150966" cy="1571901"/>
+          </a:xfrm>
+          <a:prstGeom prst="straightConnector1">
+            <a:avLst/>
+          </a:prstGeom>
+          <a:ln w="28575">
+            <a:solidFill>
+              <a:schemeClr val="tx1"/>
+            </a:solidFill>
+            <a:headEnd type="triangle"/>
+            <a:tailEnd type="triangle"/>
+          </a:ln>
+        </p:spPr>
+        <p:style>
+          <a:lnRef idx="1">
+            <a:schemeClr val="dk1"/>
+          </a:lnRef>
+          <a:fillRef idx="0">
+            <a:schemeClr val="dk1"/>
+          </a:fillRef>
+          <a:effectRef idx="0">
+            <a:schemeClr val="dk1"/>
+          </a:effectRef>
+          <a:fontRef idx="minor">
+            <a:schemeClr val="tx1"/>
+          </a:fontRef>
+        </p:style>
+      </p:cxnSp>
+    </p:spTree>
+    <p:extLst>
+      <p:ext uri="{BB962C8B-B14F-4D97-AF65-F5344CB8AC3E}">
+        <p14:creationId xmlns:p14="http://schemas.microsoft.com/office/powerpoint/2010/main" val="2810890046"/>
+      </p:ext>
+    </p:extLst>
+  </p:cSld>
+  <p:clrMapOvr>
+    <a:masterClrMapping/>
+  </p:clrMapOvr>
+</p:sld>
+</file>
+
+<file path=ppt/slides/slide13.xml><?xml version="1.0" encoding="utf-8"?>
+<p:sld xmlns:a="http://schemas.openxmlformats.org/drawingml/2006/main" xmlns:r="http://schemas.openxmlformats.org/officeDocument/2006/relationships" xmlns:p="http://schemas.openxmlformats.org/presentationml/2006/main">
+  <p:cSld>
+    <p:bg>
+      <p:bgPr>
+        <a:solidFill>
+          <a:schemeClr val="bg1"/>
+        </a:solidFill>
+        <a:effectLst/>
+      </p:bgPr>
+    </p:bg>
+    <p:spTree>
+      <p:nvGrpSpPr>
+        <p:cNvPr id="1" name=""/>
+        <p:cNvGrpSpPr/>
+        <p:nvPr/>
+      </p:nvGrpSpPr>
+      <p:grpSpPr>
+        <a:xfrm>
+          <a:off x="0" y="0"/>
+          <a:ext cx="0" cy="0"/>
+          <a:chOff x="0" y="0"/>
+          <a:chExt cx="0" cy="0"/>
+        </a:xfrm>
+      </p:grpSpPr>
+      <p:sp>
+        <p:nvSpPr>
+          <p:cNvPr id="2" name="Title 1">
+            <a:extLst>
+              <a:ext uri="{FF2B5EF4-FFF2-40B4-BE49-F238E27FC236}">
+                <a16:creationId xmlns:a16="http://schemas.microsoft.com/office/drawing/2014/main" id="{0B0E3F05-66EA-43AB-B1A9-F30EAC51059D}"/>
+              </a:ext>
+            </a:extLst>
+          </p:cNvPr>
+          <p:cNvSpPr>
+            <a:spLocks noGrp="1"/>
+          </p:cNvSpPr>
+          <p:nvPr>
+            <p:ph type="title"/>
+          </p:nvPr>
+        </p:nvSpPr>
+        <p:spPr>
+          <a:xfrm>
+            <a:off x="1136428" y="627564"/>
+            <a:ext cx="7474172" cy="1325563"/>
+          </a:xfrm>
+        </p:spPr>
+        <p:txBody>
+          <a:bodyPr>
+            <a:normAutofit/>
+          </a:bodyPr>
+          <a:lstStyle/>
+          <a:p>
+            <a:r>
+              <a:rPr lang="en-US" b="1" dirty="0"/>
+              <a:t>Bash Scripting</a:t>
+            </a:r>
+            <a:endParaRPr lang="en-US" dirty="0"/>
+          </a:p>
+        </p:txBody>
+      </p:sp>
+      <p:sp>
+        <p:nvSpPr>
+          <p:cNvPr id="3" name="Content Placeholder 2">
+            <a:extLst>
+              <a:ext uri="{FF2B5EF4-FFF2-40B4-BE49-F238E27FC236}">
+                <a16:creationId xmlns:a16="http://schemas.microsoft.com/office/drawing/2014/main" id="{DBB88942-6618-4B2C-A985-47153DAC76EE}"/>
+              </a:ext>
+            </a:extLst>
+          </p:cNvPr>
+          <p:cNvSpPr>
+            <a:spLocks noGrp="1"/>
+          </p:cNvSpPr>
+          <p:nvPr>
+            <p:ph idx="1"/>
+          </p:nvPr>
+        </p:nvSpPr>
+        <p:spPr>
+          <a:xfrm>
+            <a:off x="1136429" y="2278173"/>
+            <a:ext cx="7280384" cy="3450613"/>
+          </a:xfrm>
+        </p:spPr>
+        <p:txBody>
+          <a:bodyPr anchor="ctr">
+            <a:normAutofit/>
+          </a:bodyPr>
+          <a:lstStyle/>
+          <a:p>
+            <a:pPr>
+              <a:spcBef>
+                <a:spcPts val="3600"/>
+              </a:spcBef>
+            </a:pPr>
+            <a:r>
+              <a:rPr lang="en-US" sz="2400" dirty="0"/>
+              <a:t>A must learn for anyone looking to pursue cybersecurity professionally</a:t>
+            </a:r>
+          </a:p>
+          <a:p>
+            <a:pPr>
+              <a:spcBef>
+                <a:spcPts val="3600"/>
+              </a:spcBef>
+            </a:pPr>
+            <a:r>
+              <a:rPr lang="en-US" sz="2400" dirty="0"/>
+              <a:t>A command interpreter AND a programming language.</a:t>
+            </a:r>
+          </a:p>
+        </p:txBody>
+      </p:sp>
+      <p:sp>
+        <p:nvSpPr>
+          <p:cNvPr id="34" name="Rectangle 33">
+            <a:extLst>
+              <a:ext uri="{FF2B5EF4-FFF2-40B4-BE49-F238E27FC236}">
+                <a16:creationId xmlns:a16="http://schemas.microsoft.com/office/drawing/2014/main" id="{59A309A7-1751-4ABE-A3C1-EEC40366AD89}"/>
+              </a:ext>
+              <a:ext uri="{C183D7F6-B498-43B3-948B-1728B52AA6E4}">
+                <adec:decorative xmlns:adec="http://schemas.microsoft.com/office/drawing/2017/decorative" val="1"/>
+              </a:ext>
+            </a:extLst>
+          </p:cNvPr>
+          <p:cNvSpPr>
+            <a:spLocks noGrp="1" noRot="1" noChangeAspect="1" noMove="1" noResize="1" noEditPoints="1" noAdjustHandles="1" noChangeArrowheads="1" noChangeShapeType="1" noTextEdit="1"/>
+          </p:cNvSpPr>
+          <p:nvPr>
+            <p:extLst>
+              <p:ext uri="{386F3935-93C4-4BCD-93E2-E3B085C9AB24}">
+                <p16:designElem xmlns:p16="http://schemas.microsoft.com/office/powerpoint/2015/main" val="1"/>
+              </p:ext>
+            </p:extLst>
+          </p:nvPr>
+        </p:nvSpPr>
+        <p:spPr>
+          <a:xfrm>
+            <a:off x="10088880" y="0"/>
+            <a:ext cx="2103120" cy="6858000"/>
+          </a:xfrm>
+          <a:prstGeom prst="rect">
+            <a:avLst/>
+          </a:prstGeom>
+          <a:solidFill>
+            <a:schemeClr val="accent1"/>
+          </a:solidFill>
+          <a:ln>
+            <a:noFill/>
+          </a:ln>
+        </p:spPr>
+        <p:style>
+          <a:lnRef idx="2">
+            <a:schemeClr val="accent1">
+              <a:shade val="50000"/>
+            </a:schemeClr>
+          </a:lnRef>
+          <a:fillRef idx="1">
+            <a:schemeClr val="accent1"/>
+          </a:fillRef>
+          <a:effectRef idx="0">
+            <a:schemeClr val="accent1"/>
+          </a:effectRef>
+          <a:fontRef idx="minor">
+            <a:schemeClr val="lt1"/>
+          </a:fontRef>
+        </p:style>
+        <p:txBody>
+          <a:bodyPr rtlCol="0" anchor="ctr"/>
+          <a:lstStyle/>
+          <a:p>
+            <a:pPr algn="ctr"/>
+            <a:endParaRPr lang="en-US"/>
+          </a:p>
+        </p:txBody>
+      </p:sp>
+      <p:sp>
+        <p:nvSpPr>
+          <p:cNvPr id="36" name="Oval 35">
+            <a:extLst>
+              <a:ext uri="{FF2B5EF4-FFF2-40B4-BE49-F238E27FC236}">
+                <a16:creationId xmlns:a16="http://schemas.microsoft.com/office/drawing/2014/main" id="{967D8EB6-EAE1-4F9C-B398-83321E287204}"/>
+              </a:ext>
+              <a:ext uri="{C183D7F6-B498-43B3-948B-1728B52AA6E4}">
+                <adec:decorative xmlns:adec="http://schemas.microsoft.com/office/drawing/2017/decorative" val="1"/>
+              </a:ext>
+            </a:extLst>
+          </p:cNvPr>
+          <p:cNvSpPr>
+            <a:spLocks noGrp="1" noRot="1" noChangeAspect="1" noMove="1" noResize="1" noEditPoints="1" noAdjustHandles="1" noChangeArrowheads="1" noChangeShapeType="1" noTextEdit="1"/>
+          </p:cNvSpPr>
+          <p:nvPr>
+            <p:extLst>
+              <p:ext uri="{386F3935-93C4-4BCD-93E2-E3B085C9AB24}">
+                <p16:designElem xmlns:p16="http://schemas.microsoft.com/office/powerpoint/2015/main" val="1"/>
+              </p:ext>
+            </p:extLst>
+          </p:nvPr>
+        </p:nvSpPr>
+        <p:spPr>
+          <a:xfrm>
+            <a:off x="8915400" y="2358913"/>
+            <a:ext cx="2140172" cy="2140172"/>
+          </a:xfrm>
+          <a:prstGeom prst="ellipse">
+            <a:avLst/>
+          </a:prstGeom>
+          <a:solidFill>
+            <a:srgbClr val="FFFFFF"/>
+          </a:solidFill>
+          <a:ln w="22225">
+            <a:solidFill>
+              <a:schemeClr val="accent1"/>
+            </a:solidFill>
+          </a:ln>
+        </p:spPr>
+        <p:style>
+          <a:lnRef idx="2">
+            <a:schemeClr val="accent1">
+              <a:shade val="50000"/>
+            </a:schemeClr>
+          </a:lnRef>
+          <a:fillRef idx="1">
+            <a:schemeClr val="accent1"/>
+          </a:fillRef>
+          <a:effectRef idx="0">
+            <a:schemeClr val="accent1"/>
+          </a:effectRef>
+          <a:fontRef idx="minor">
+            <a:schemeClr val="lt1"/>
+          </a:fontRef>
+        </p:style>
+        <p:txBody>
+          <a:bodyPr rtlCol="0" anchor="ctr"/>
+          <a:lstStyle/>
+          <a:p>
+            <a:pPr algn="ctr"/>
+            <a:endParaRPr lang="en-US"/>
+          </a:p>
+        </p:txBody>
+      </p:sp>
+      <p:pic>
+        <p:nvPicPr>
+          <p:cNvPr id="31" name="Graphic 30" descr="Rabbit">
+            <a:extLst>
+              <a:ext uri="{FF2B5EF4-FFF2-40B4-BE49-F238E27FC236}">
+                <a16:creationId xmlns:a16="http://schemas.microsoft.com/office/drawing/2014/main" id="{4038437C-C19F-4497-9829-97C7833ACC25}"/>
+              </a:ext>
+            </a:extLst>
+          </p:cNvPr>
+          <p:cNvPicPr>
+            <a:picLocks noChangeAspect="1"/>
+          </p:cNvPicPr>
+          <p:nvPr/>
+        </p:nvPicPr>
+        <p:blipFill>
+          <a:blip r:embed="rId3">
+            <a:extLst>
+              <a:ext uri="{28A0092B-C50C-407E-A947-70E740481C1C}">
+                <a14:useLocalDpi xmlns:a14="http://schemas.microsoft.com/office/drawing/2010/main" val="0"/>
+              </a:ext>
+              <a:ext uri="{96DAC541-7B7A-43D3-8B79-37D633B846F1}">
+                <asvg:svgBlip xmlns:asvg="http://schemas.microsoft.com/office/drawing/2016/SVG/main" r:embed="rId4"/>
+              </a:ext>
+            </a:extLst>
+          </a:blip>
+          <a:stretch>
+            <a:fillRect/>
+          </a:stretch>
+        </p:blipFill>
+        <p:spPr>
+          <a:xfrm>
+            <a:off x="9413987" y="2857501"/>
+            <a:ext cx="1142998" cy="1142998"/>
+          </a:xfrm>
+          <a:prstGeom prst="rect">
+            <a:avLst/>
+          </a:prstGeom>
+        </p:spPr>
+      </p:pic>
+      <p:pic>
+        <p:nvPicPr>
+          <p:cNvPr id="5" name="Picture 4" descr="Icon&#10;&#10;Description automatically generated">
+            <a:extLst>
+              <a:ext uri="{FF2B5EF4-FFF2-40B4-BE49-F238E27FC236}">
+                <a16:creationId xmlns:a16="http://schemas.microsoft.com/office/drawing/2014/main" id="{999B3F74-A047-4B19-863D-1983B65D3B74}"/>
+              </a:ext>
+            </a:extLst>
+          </p:cNvPr>
+          <p:cNvPicPr>
+            <a:picLocks noChangeAspect="1"/>
+          </p:cNvPicPr>
+          <p:nvPr/>
+        </p:nvPicPr>
+        <p:blipFill>
+          <a:blip r:embed="rId5">
+            <a:extLst>
+              <a:ext uri="{28A0092B-C50C-407E-A947-70E740481C1C}">
+                <a14:useLocalDpi xmlns:a14="http://schemas.microsoft.com/office/drawing/2010/main" val="0"/>
+              </a:ext>
+            </a:extLst>
+          </a:blip>
+          <a:stretch>
+            <a:fillRect/>
+          </a:stretch>
+        </p:blipFill>
+        <p:spPr>
+          <a:xfrm>
+            <a:off x="5675852" y="498093"/>
+            <a:ext cx="2103120" cy="2103120"/>
+          </a:xfrm>
+          <a:prstGeom prst="rect">
+            <a:avLst/>
+          </a:prstGeom>
+        </p:spPr>
+      </p:pic>
+    </p:spTree>
+    <p:extLst>
+      <p:ext uri="{BB962C8B-B14F-4D97-AF65-F5344CB8AC3E}">
+        <p14:creationId xmlns:p14="http://schemas.microsoft.com/office/powerpoint/2010/main" val="4172450910"/>
+      </p:ext>
+    </p:extLst>
+  </p:cSld>
+  <p:clrMapOvr>
+    <a:masterClrMapping/>
+  </p:clrMapOvr>
+</p:sld>
+</file>
+
+<file path=ppt/slides/slide14.xml><?xml version="1.0" encoding="utf-8"?>
+<p:sld xmlns:a="http://schemas.openxmlformats.org/drawingml/2006/main" xmlns:r="http://schemas.openxmlformats.org/officeDocument/2006/relationships" xmlns:p="http://schemas.openxmlformats.org/presentationml/2006/main">
+  <p:cSld>
+    <p:bg>
+      <p:bgPr>
+        <a:solidFill>
+          <a:schemeClr val="bg1"/>
+        </a:solidFill>
+        <a:effectLst/>
+      </p:bgPr>
+    </p:bg>
+    <p:spTree>
+      <p:nvGrpSpPr>
+        <p:cNvPr id="1" name=""/>
+        <p:cNvGrpSpPr/>
+        <p:nvPr/>
+      </p:nvGrpSpPr>
+      <p:grpSpPr>
+        <a:xfrm>
+          <a:off x="0" y="0"/>
+          <a:ext cx="0" cy="0"/>
+          <a:chOff x="0" y="0"/>
+          <a:chExt cx="0" cy="0"/>
+        </a:xfrm>
+      </p:grpSpPr>
+      <p:sp>
+        <p:nvSpPr>
+          <p:cNvPr id="2" name="Title 1">
+            <a:extLst>
+              <a:ext uri="{FF2B5EF4-FFF2-40B4-BE49-F238E27FC236}">
+                <a16:creationId xmlns:a16="http://schemas.microsoft.com/office/drawing/2014/main" id="{0B0E3F05-66EA-43AB-B1A9-F30EAC51059D}"/>
+              </a:ext>
+            </a:extLst>
+          </p:cNvPr>
+          <p:cNvSpPr>
+            <a:spLocks noGrp="1"/>
+          </p:cNvSpPr>
+          <p:nvPr>
+            <p:ph type="title"/>
+          </p:nvPr>
+        </p:nvSpPr>
+        <p:spPr>
+          <a:xfrm>
+            <a:off x="1653363" y="365760"/>
+            <a:ext cx="9367203" cy="1188720"/>
+          </a:xfrm>
+        </p:spPr>
+        <p:txBody>
+          <a:bodyPr>
+            <a:normAutofit/>
+          </a:bodyPr>
+          <a:lstStyle/>
+          <a:p>
+            <a:r>
+              <a:rPr lang="en-US" b="1" dirty="0"/>
+              <a:t>Bash Scripting</a:t>
+            </a:r>
+            <a:endParaRPr lang="en-US" dirty="0"/>
+          </a:p>
+        </p:txBody>
+      </p:sp>
+      <p:sp>
+        <p:nvSpPr>
+          <p:cNvPr id="8" name="Freeform: Shape 7">
+            <a:extLst>
+              <a:ext uri="{FF2B5EF4-FFF2-40B4-BE49-F238E27FC236}">
+                <a16:creationId xmlns:a16="http://schemas.microsoft.com/office/drawing/2014/main" id="{7CB4857B-ED7C-444D-9F04-2F885114A1C2}"/>
+              </a:ext>
+              <a:ext uri="{C183D7F6-B498-43B3-948B-1728B52AA6E4}">
+                <adec:decorative xmlns:adec="http://schemas.microsoft.com/office/drawing/2017/decorative" val="1"/>
+              </a:ext>
+            </a:extLst>
+          </p:cNvPr>
+          <p:cNvSpPr>
+            <a:spLocks noGrp="1" noRot="1" noChangeAspect="1" noMove="1" noResize="1" noEditPoints="1" noAdjustHandles="1" noChangeArrowheads="1" noChangeShapeType="1" noTextEdit="1"/>
+          </p:cNvSpPr>
+          <p:nvPr>
+            <p:extLst>
+              <p:ext uri="{386F3935-93C4-4BCD-93E2-E3B085C9AB24}">
+                <p16:designElem xmlns:p16="http://schemas.microsoft.com/office/powerpoint/2015/main" val="1"/>
+              </p:ext>
+            </p:extLst>
+          </p:nvPr>
+        </p:nvSpPr>
+        <p:spPr>
+          <a:xfrm>
+            <a:off x="1" y="0"/>
+            <a:ext cx="1764099" cy="1558212"/>
+          </a:xfrm>
+          <a:custGeom>
+            <a:avLst/>
+            <a:gdLst>
+              <a:gd name="connsiteX0" fmla="*/ 0 w 1764099"/>
+              <a:gd name="connsiteY0" fmla="*/ 0 h 1558212"/>
+              <a:gd name="connsiteX1" fmla="*/ 1764099 w 1764099"/>
+              <a:gd name="connsiteY1" fmla="*/ 0 h 1558212"/>
+              <a:gd name="connsiteX2" fmla="*/ 1042087 w 1764099"/>
+              <a:gd name="connsiteY2" fmla="*/ 1558212 h 1558212"/>
+              <a:gd name="connsiteX3" fmla="*/ 0 w 1764099"/>
+              <a:gd name="connsiteY3" fmla="*/ 1558212 h 1558212"/>
+            </a:gdLst>
+            <a:ahLst/>
+            <a:cxnLst>
+              <a:cxn ang="0">
+                <a:pos x="connsiteX0" y="connsiteY0"/>
+              </a:cxn>
+              <a:cxn ang="0">
+                <a:pos x="connsiteX1" y="connsiteY1"/>
+              </a:cxn>
+              <a:cxn ang="0">
+                <a:pos x="connsiteX2" y="connsiteY2"/>
+              </a:cxn>
+              <a:cxn ang="0">
+                <a:pos x="connsiteX3" y="connsiteY3"/>
+              </a:cxn>
+            </a:cxnLst>
+            <a:rect l="l" t="t" r="r" b="b"/>
+            <a:pathLst>
+              <a:path w="1764099" h="1558212">
+                <a:moveTo>
+                  <a:pt x="0" y="0"/>
+                </a:moveTo>
+                <a:lnTo>
+                  <a:pt x="1764099" y="0"/>
+                </a:lnTo>
+                <a:lnTo>
+                  <a:pt x="1042087" y="1558212"/>
+                </a:lnTo>
+                <a:lnTo>
+                  <a:pt x="0" y="1558212"/>
+                </a:lnTo>
+                <a:close/>
+              </a:path>
+            </a:pathLst>
+          </a:custGeom>
+          <a:solidFill>
+            <a:schemeClr val="accent1">
+              <a:lumMod val="100000"/>
+              <a:lumOff val="0"/>
+            </a:schemeClr>
+          </a:solidFill>
+          <a:ln>
+            <a:noFill/>
+          </a:ln>
+        </p:spPr>
+        <p:style>
+          <a:lnRef idx="2">
+            <a:schemeClr val="accent1">
+              <a:shade val="50000"/>
+            </a:schemeClr>
+          </a:lnRef>
+          <a:fillRef idx="1">
+            <a:schemeClr val="accent1"/>
+          </a:fillRef>
+          <a:effectRef idx="0">
+            <a:schemeClr val="accent1"/>
+          </a:effectRef>
+          <a:fontRef idx="minor">
+            <a:schemeClr val="lt1"/>
+          </a:fontRef>
+        </p:style>
+        <p:txBody>
+          <a:bodyPr wrap="square" rtlCol="0" anchor="ctr">
+            <a:noAutofit/>
+          </a:bodyPr>
+          <a:lstStyle/>
+          <a:p>
+            <a:pPr algn="ctr"/>
+            <a:endParaRPr lang="en-US"/>
+          </a:p>
+        </p:txBody>
+      </p:sp>
+      <p:sp>
+        <p:nvSpPr>
+          <p:cNvPr id="12" name="Freeform: Shape 11">
+            <a:extLst>
+              <a:ext uri="{FF2B5EF4-FFF2-40B4-BE49-F238E27FC236}">
+                <a16:creationId xmlns:a16="http://schemas.microsoft.com/office/drawing/2014/main" id="{479F5F2B-8B58-4140-AE6A-51F6C67B18D9}"/>
+              </a:ext>
+              <a:ext uri="{C183D7F6-B498-43B3-948B-1728B52AA6E4}">
+                <adec:decorative xmlns:adec="http://schemas.microsoft.com/office/drawing/2017/decorative" val="1"/>
+              </a:ext>
+            </a:extLst>
+          </p:cNvPr>
+          <p:cNvSpPr>
+            <a:spLocks noGrp="1" noRot="1" noChangeAspect="1" noMove="1" noResize="1" noEditPoints="1" noAdjustHandles="1" noChangeArrowheads="1" noChangeShapeType="1" noTextEdit="1"/>
+          </p:cNvSpPr>
+          <p:nvPr>
+            <p:extLst>
+              <p:ext uri="{386F3935-93C4-4BCD-93E2-E3B085C9AB24}">
+                <p16:designElem xmlns:p16="http://schemas.microsoft.com/office/powerpoint/2015/main" val="1"/>
+              </p:ext>
+            </p:extLst>
+          </p:nvPr>
+        </p:nvSpPr>
+        <p:spPr>
+          <a:xfrm>
+            <a:off x="0" y="1691641"/>
+            <a:ext cx="971654" cy="2096979"/>
+          </a:xfrm>
+          <a:custGeom>
+            <a:avLst/>
+            <a:gdLst>
+              <a:gd name="connsiteX0" fmla="*/ 0 w 971654"/>
+              <a:gd name="connsiteY0" fmla="*/ 0 h 2096979"/>
+              <a:gd name="connsiteX1" fmla="*/ 971654 w 971654"/>
+              <a:gd name="connsiteY1" fmla="*/ 0 h 2096979"/>
+              <a:gd name="connsiteX2" fmla="*/ 0 w 971654"/>
+              <a:gd name="connsiteY2" fmla="*/ 2096979 h 2096979"/>
+            </a:gdLst>
+            <a:ahLst/>
+            <a:cxnLst>
+              <a:cxn ang="0">
+                <a:pos x="connsiteX0" y="connsiteY0"/>
+              </a:cxn>
+              <a:cxn ang="0">
+                <a:pos x="connsiteX1" y="connsiteY1"/>
+              </a:cxn>
+              <a:cxn ang="0">
+                <a:pos x="connsiteX2" y="connsiteY2"/>
+              </a:cxn>
+            </a:cxnLst>
+            <a:rect l="l" t="t" r="r" b="b"/>
+            <a:pathLst>
+              <a:path w="971654" h="2096979">
+                <a:moveTo>
+                  <a:pt x="0" y="0"/>
+                </a:moveTo>
+                <a:lnTo>
+                  <a:pt x="971654" y="0"/>
+                </a:lnTo>
+                <a:lnTo>
+                  <a:pt x="0" y="2096979"/>
+                </a:lnTo>
+                <a:close/>
+              </a:path>
+            </a:pathLst>
+          </a:custGeom>
+          <a:solidFill>
+            <a:srgbClr val="404040"/>
+          </a:solidFill>
+          <a:ln>
+            <a:noFill/>
+          </a:ln>
+        </p:spPr>
+        <p:style>
+          <a:lnRef idx="2">
+            <a:schemeClr val="accent1">
+              <a:shade val="50000"/>
+            </a:schemeClr>
+          </a:lnRef>
+          <a:fillRef idx="1">
+            <a:schemeClr val="accent1"/>
+          </a:fillRef>
+          <a:effectRef idx="0">
+            <a:schemeClr val="accent1"/>
+          </a:effectRef>
+          <a:fontRef idx="minor">
+            <a:schemeClr val="lt1"/>
+          </a:fontRef>
+        </p:style>
+        <p:txBody>
+          <a:bodyPr wrap="square" rtlCol="0" anchor="ctr">
+            <a:noAutofit/>
+          </a:bodyPr>
+          <a:lstStyle/>
+          <a:p>
+            <a:pPr algn="ctr"/>
+            <a:endParaRPr lang="en-US"/>
+          </a:p>
+        </p:txBody>
+      </p:sp>
+      <p:sp>
+        <p:nvSpPr>
+          <p:cNvPr id="3" name="Content Placeholder 2">
+            <a:extLst>
+              <a:ext uri="{FF2B5EF4-FFF2-40B4-BE49-F238E27FC236}">
+                <a16:creationId xmlns:a16="http://schemas.microsoft.com/office/drawing/2014/main" id="{DBB88942-6618-4B2C-A985-47153DAC76EE}"/>
+              </a:ext>
+            </a:extLst>
+          </p:cNvPr>
+          <p:cNvSpPr>
+            <a:spLocks noGrp="1"/>
+          </p:cNvSpPr>
+          <p:nvPr>
+            <p:ph idx="1"/>
+          </p:nvPr>
+        </p:nvSpPr>
+        <p:spPr>
+          <a:xfrm>
+            <a:off x="1653363" y="1920240"/>
+            <a:ext cx="9367204" cy="4297680"/>
+          </a:xfrm>
+        </p:spPr>
+        <p:txBody>
+          <a:bodyPr anchor="t">
+            <a:normAutofit/>
+          </a:bodyPr>
+          <a:lstStyle/>
+          <a:p>
+            <a:pPr>
+              <a:spcBef>
+                <a:spcPts val="3600"/>
+              </a:spcBef>
+            </a:pPr>
+            <a:r>
+              <a:rPr lang="en-US" sz="2400" dirty="0"/>
+              <a:t>Commands can be invoked just as if it were the command line.</a:t>
+            </a:r>
+          </a:p>
+          <a:p>
+            <a:pPr>
+              <a:spcBef>
+                <a:spcPts val="3600"/>
+              </a:spcBef>
+            </a:pPr>
+            <a:r>
+              <a:rPr lang="en-US" sz="2400" dirty="0"/>
+              <a:t>All files start with a “Shebang”: </a:t>
+            </a:r>
+            <a:r>
+              <a:rPr lang="en-US" sz="2400" b="1" dirty="0"/>
+              <a:t>#!/bin/bash</a:t>
+            </a:r>
+            <a:r>
+              <a:rPr lang="en-US" sz="2400" dirty="0"/>
+              <a:t>.</a:t>
+            </a:r>
+          </a:p>
+          <a:p>
+            <a:pPr>
+              <a:spcBef>
+                <a:spcPts val="3600"/>
+              </a:spcBef>
+            </a:pPr>
+            <a:r>
+              <a:rPr lang="en-US" sz="2400" dirty="0"/>
+              <a:t>Used to specify the interpreter path (</a:t>
+            </a:r>
+            <a:r>
+              <a:rPr lang="en-US" sz="2400" b="1" dirty="0"/>
+              <a:t>/bin/bash</a:t>
+            </a:r>
+            <a:r>
+              <a:rPr lang="en-US" sz="2400" dirty="0"/>
+              <a:t>).</a:t>
+            </a:r>
+          </a:p>
+          <a:p>
+            <a:pPr>
+              <a:spcBef>
+                <a:spcPts val="3600"/>
+              </a:spcBef>
+            </a:pPr>
+            <a:r>
+              <a:rPr lang="en-US" sz="2400" b="1" dirty="0"/>
+              <a:t>$0-$9 </a:t>
+            </a:r>
+            <a:r>
+              <a:rPr lang="en-US" sz="2400" dirty="0"/>
+              <a:t>are reserved for arguments. Remember awk?</a:t>
+            </a:r>
+          </a:p>
+        </p:txBody>
+      </p:sp>
+      <p:pic>
+        <p:nvPicPr>
+          <p:cNvPr id="5" name="Picture 4" descr="Shape&#10;&#10;Description automatically generated with medium confidence">
+            <a:extLst>
+              <a:ext uri="{FF2B5EF4-FFF2-40B4-BE49-F238E27FC236}">
+                <a16:creationId xmlns:a16="http://schemas.microsoft.com/office/drawing/2014/main" id="{C89DFD3E-6A14-486B-B75A-89ECDAB2C4C5}"/>
+              </a:ext>
+            </a:extLst>
+          </p:cNvPr>
+          <p:cNvPicPr>
+            <a:picLocks noChangeAspect="1"/>
+          </p:cNvPicPr>
+          <p:nvPr/>
+        </p:nvPicPr>
+        <p:blipFill>
+          <a:blip r:embed="rId3">
+            <a:extLst>
+              <a:ext uri="{28A0092B-C50C-407E-A947-70E740481C1C}">
+                <a14:useLocalDpi xmlns:a14="http://schemas.microsoft.com/office/drawing/2010/main" val="0"/>
+              </a:ext>
+            </a:extLst>
+          </a:blip>
+          <a:stretch>
+            <a:fillRect/>
+          </a:stretch>
+        </p:blipFill>
+        <p:spPr>
+          <a:xfrm>
+            <a:off x="10859201" y="225087"/>
+            <a:ext cx="962018" cy="1108038"/>
+          </a:xfrm>
+          <a:prstGeom prst="rect">
+            <a:avLst/>
+          </a:prstGeom>
+        </p:spPr>
+      </p:pic>
+      <p:pic>
+        <p:nvPicPr>
+          <p:cNvPr id="9" name="Picture 8">
+            <a:extLst>
+              <a:ext uri="{FF2B5EF4-FFF2-40B4-BE49-F238E27FC236}">
+                <a16:creationId xmlns:a16="http://schemas.microsoft.com/office/drawing/2014/main" id="{BAE72D02-10A5-4CBB-8B93-17831471DFC9}"/>
+              </a:ext>
+            </a:extLst>
+          </p:cNvPr>
+          <p:cNvPicPr>
+            <a:picLocks noChangeAspect="1"/>
+          </p:cNvPicPr>
+          <p:nvPr/>
+        </p:nvPicPr>
+        <p:blipFill>
+          <a:blip r:embed="rId4"/>
+          <a:stretch>
+            <a:fillRect/>
+          </a:stretch>
+        </p:blipFill>
+        <p:spPr>
+          <a:xfrm>
+            <a:off x="1458746" y="5202653"/>
+            <a:ext cx="5227517" cy="922503"/>
+          </a:xfrm>
+          <a:prstGeom prst="rect">
+            <a:avLst/>
+          </a:prstGeom>
+        </p:spPr>
+      </p:pic>
+      <p:pic>
+        <p:nvPicPr>
+          <p:cNvPr id="14" name="Picture 13">
+            <a:extLst>
+              <a:ext uri="{FF2B5EF4-FFF2-40B4-BE49-F238E27FC236}">
+                <a16:creationId xmlns:a16="http://schemas.microsoft.com/office/drawing/2014/main" id="{9A2AF8F1-26B5-4706-B720-6FEA6D22B587}"/>
+              </a:ext>
+            </a:extLst>
+          </p:cNvPr>
+          <p:cNvPicPr>
+            <a:picLocks noChangeAspect="1"/>
+          </p:cNvPicPr>
+          <p:nvPr/>
+        </p:nvPicPr>
+        <p:blipFill>
+          <a:blip r:embed="rId5"/>
+          <a:stretch>
+            <a:fillRect/>
+          </a:stretch>
+        </p:blipFill>
+        <p:spPr>
+          <a:xfrm>
+            <a:off x="8495173" y="3429000"/>
+            <a:ext cx="3326046" cy="2046797"/>
+          </a:xfrm>
+          <a:prstGeom prst="rect">
+            <a:avLst/>
+          </a:prstGeom>
+        </p:spPr>
+      </p:pic>
+    </p:spTree>
+    <p:extLst>
+      <p:ext uri="{BB962C8B-B14F-4D97-AF65-F5344CB8AC3E}">
+        <p14:creationId xmlns:p14="http://schemas.microsoft.com/office/powerpoint/2010/main" val="2048676250"/>
+      </p:ext>
+    </p:extLst>
+  </p:cSld>
+  <p:clrMapOvr>
+    <a:masterClrMapping/>
+  </p:clrMapOvr>
+</p:sld>
+</file>
+
+<file path=ppt/slides/slide15.xml><?xml version="1.0" encoding="utf-8"?>
+<p:sld xmlns:a="http://schemas.openxmlformats.org/drawingml/2006/main" xmlns:r="http://schemas.openxmlformats.org/officeDocument/2006/relationships" xmlns:p="http://schemas.openxmlformats.org/presentationml/2006/main">
+  <p:cSld>
+    <p:bg>
+      <p:bgPr>
+        <a:solidFill>
+          <a:schemeClr val="bg1"/>
+        </a:solidFill>
+        <a:effectLst/>
+      </p:bgPr>
+    </p:bg>
+    <p:spTree>
+      <p:nvGrpSpPr>
+        <p:cNvPr id="1" name=""/>
+        <p:cNvGrpSpPr/>
+        <p:nvPr/>
+      </p:nvGrpSpPr>
+      <p:grpSpPr>
+        <a:xfrm>
+          <a:off x="0" y="0"/>
+          <a:ext cx="0" cy="0"/>
+          <a:chOff x="0" y="0"/>
+          <a:chExt cx="0" cy="0"/>
+        </a:xfrm>
+      </p:grpSpPr>
+      <p:sp>
+        <p:nvSpPr>
+          <p:cNvPr id="2" name="Title 1">
+            <a:extLst>
+              <a:ext uri="{FF2B5EF4-FFF2-40B4-BE49-F238E27FC236}">
+                <a16:creationId xmlns:a16="http://schemas.microsoft.com/office/drawing/2014/main" id="{0B0E3F05-66EA-43AB-B1A9-F30EAC51059D}"/>
+              </a:ext>
+            </a:extLst>
+          </p:cNvPr>
+          <p:cNvSpPr>
+            <a:spLocks noGrp="1"/>
+          </p:cNvSpPr>
+          <p:nvPr>
+            <p:ph type="title"/>
+          </p:nvPr>
+        </p:nvSpPr>
+        <p:spPr>
+          <a:xfrm>
+            <a:off x="1653363" y="365760"/>
+            <a:ext cx="9367203" cy="1188720"/>
+          </a:xfrm>
+        </p:spPr>
+        <p:txBody>
+          <a:bodyPr>
+            <a:normAutofit/>
+          </a:bodyPr>
+          <a:lstStyle/>
+          <a:p>
+            <a:r>
+              <a:rPr lang="en-US" b="1" dirty="0"/>
+              <a:t>Bash Scripting</a:t>
+            </a:r>
+            <a:endParaRPr lang="en-US" dirty="0"/>
+          </a:p>
+        </p:txBody>
+      </p:sp>
+      <p:sp>
+        <p:nvSpPr>
+          <p:cNvPr id="8" name="Freeform: Shape 7">
+            <a:extLst>
+              <a:ext uri="{FF2B5EF4-FFF2-40B4-BE49-F238E27FC236}">
+                <a16:creationId xmlns:a16="http://schemas.microsoft.com/office/drawing/2014/main" id="{7CB4857B-ED7C-444D-9F04-2F885114A1C2}"/>
+              </a:ext>
+              <a:ext uri="{C183D7F6-B498-43B3-948B-1728B52AA6E4}">
+                <adec:decorative xmlns:adec="http://schemas.microsoft.com/office/drawing/2017/decorative" val="1"/>
+              </a:ext>
+            </a:extLst>
+          </p:cNvPr>
+          <p:cNvSpPr>
+            <a:spLocks noGrp="1" noRot="1" noChangeAspect="1" noMove="1" noResize="1" noEditPoints="1" noAdjustHandles="1" noChangeArrowheads="1" noChangeShapeType="1" noTextEdit="1"/>
+          </p:cNvSpPr>
+          <p:nvPr>
+            <p:extLst>
+              <p:ext uri="{386F3935-93C4-4BCD-93E2-E3B085C9AB24}">
+                <p16:designElem xmlns:p16="http://schemas.microsoft.com/office/powerpoint/2015/main" val="1"/>
+              </p:ext>
+            </p:extLst>
+          </p:nvPr>
+        </p:nvSpPr>
+        <p:spPr>
+          <a:xfrm>
+            <a:off x="1" y="0"/>
+            <a:ext cx="1764099" cy="1558212"/>
+          </a:xfrm>
+          <a:custGeom>
+            <a:avLst/>
+            <a:gdLst>
+              <a:gd name="connsiteX0" fmla="*/ 0 w 1764099"/>
+              <a:gd name="connsiteY0" fmla="*/ 0 h 1558212"/>
+              <a:gd name="connsiteX1" fmla="*/ 1764099 w 1764099"/>
+              <a:gd name="connsiteY1" fmla="*/ 0 h 1558212"/>
+              <a:gd name="connsiteX2" fmla="*/ 1042087 w 1764099"/>
+              <a:gd name="connsiteY2" fmla="*/ 1558212 h 1558212"/>
+              <a:gd name="connsiteX3" fmla="*/ 0 w 1764099"/>
+              <a:gd name="connsiteY3" fmla="*/ 1558212 h 1558212"/>
+            </a:gdLst>
+            <a:ahLst/>
+            <a:cxnLst>
+              <a:cxn ang="0">
+                <a:pos x="connsiteX0" y="connsiteY0"/>
+              </a:cxn>
+              <a:cxn ang="0">
+                <a:pos x="connsiteX1" y="connsiteY1"/>
+              </a:cxn>
+              <a:cxn ang="0">
+                <a:pos x="connsiteX2" y="connsiteY2"/>
+              </a:cxn>
+              <a:cxn ang="0">
+                <a:pos x="connsiteX3" y="connsiteY3"/>
+              </a:cxn>
+            </a:cxnLst>
+            <a:rect l="l" t="t" r="r" b="b"/>
+            <a:pathLst>
+              <a:path w="1764099" h="1558212">
+                <a:moveTo>
+                  <a:pt x="0" y="0"/>
+                </a:moveTo>
+                <a:lnTo>
+                  <a:pt x="1764099" y="0"/>
+                </a:lnTo>
+                <a:lnTo>
+                  <a:pt x="1042087" y="1558212"/>
+                </a:lnTo>
+                <a:lnTo>
+                  <a:pt x="0" y="1558212"/>
+                </a:lnTo>
+                <a:close/>
+              </a:path>
+            </a:pathLst>
+          </a:custGeom>
+          <a:solidFill>
+            <a:schemeClr val="accent1">
+              <a:lumMod val="100000"/>
+              <a:lumOff val="0"/>
+            </a:schemeClr>
+          </a:solidFill>
+          <a:ln>
+            <a:noFill/>
+          </a:ln>
+        </p:spPr>
+        <p:style>
+          <a:lnRef idx="2">
+            <a:schemeClr val="accent1">
+              <a:shade val="50000"/>
+            </a:schemeClr>
+          </a:lnRef>
+          <a:fillRef idx="1">
+            <a:schemeClr val="accent1"/>
+          </a:fillRef>
+          <a:effectRef idx="0">
+            <a:schemeClr val="accent1"/>
+          </a:effectRef>
+          <a:fontRef idx="minor">
+            <a:schemeClr val="lt1"/>
+          </a:fontRef>
+        </p:style>
+        <p:txBody>
+          <a:bodyPr wrap="square" rtlCol="0" anchor="ctr">
+            <a:noAutofit/>
+          </a:bodyPr>
+          <a:lstStyle/>
+          <a:p>
+            <a:pPr algn="ctr"/>
+            <a:endParaRPr lang="en-US"/>
+          </a:p>
+        </p:txBody>
+      </p:sp>
+      <p:sp>
+        <p:nvSpPr>
+          <p:cNvPr id="12" name="Freeform: Shape 11">
+            <a:extLst>
+              <a:ext uri="{FF2B5EF4-FFF2-40B4-BE49-F238E27FC236}">
+                <a16:creationId xmlns:a16="http://schemas.microsoft.com/office/drawing/2014/main" id="{479F5F2B-8B58-4140-AE6A-51F6C67B18D9}"/>
+              </a:ext>
+              <a:ext uri="{C183D7F6-B498-43B3-948B-1728B52AA6E4}">
+                <adec:decorative xmlns:adec="http://schemas.microsoft.com/office/drawing/2017/decorative" val="1"/>
+              </a:ext>
+            </a:extLst>
+          </p:cNvPr>
+          <p:cNvSpPr>
+            <a:spLocks noGrp="1" noRot="1" noChangeAspect="1" noMove="1" noResize="1" noEditPoints="1" noAdjustHandles="1" noChangeArrowheads="1" noChangeShapeType="1" noTextEdit="1"/>
+          </p:cNvSpPr>
+          <p:nvPr>
+            <p:extLst>
+              <p:ext uri="{386F3935-93C4-4BCD-93E2-E3B085C9AB24}">
+                <p16:designElem xmlns:p16="http://schemas.microsoft.com/office/powerpoint/2015/main" val="1"/>
+              </p:ext>
+            </p:extLst>
+          </p:nvPr>
+        </p:nvSpPr>
+        <p:spPr>
+          <a:xfrm>
+            <a:off x="0" y="1691641"/>
+            <a:ext cx="971654" cy="2096979"/>
+          </a:xfrm>
+          <a:custGeom>
+            <a:avLst/>
+            <a:gdLst>
+              <a:gd name="connsiteX0" fmla="*/ 0 w 971654"/>
+              <a:gd name="connsiteY0" fmla="*/ 0 h 2096979"/>
+              <a:gd name="connsiteX1" fmla="*/ 971654 w 971654"/>
+              <a:gd name="connsiteY1" fmla="*/ 0 h 2096979"/>
+              <a:gd name="connsiteX2" fmla="*/ 0 w 971654"/>
+              <a:gd name="connsiteY2" fmla="*/ 2096979 h 2096979"/>
+            </a:gdLst>
+            <a:ahLst/>
+            <a:cxnLst>
+              <a:cxn ang="0">
+                <a:pos x="connsiteX0" y="connsiteY0"/>
+              </a:cxn>
+              <a:cxn ang="0">
+                <a:pos x="connsiteX1" y="connsiteY1"/>
+              </a:cxn>
+              <a:cxn ang="0">
+                <a:pos x="connsiteX2" y="connsiteY2"/>
+              </a:cxn>
+            </a:cxnLst>
+            <a:rect l="l" t="t" r="r" b="b"/>
+            <a:pathLst>
+              <a:path w="971654" h="2096979">
+                <a:moveTo>
+                  <a:pt x="0" y="0"/>
+                </a:moveTo>
+                <a:lnTo>
+                  <a:pt x="971654" y="0"/>
+                </a:lnTo>
+                <a:lnTo>
+                  <a:pt x="0" y="2096979"/>
+                </a:lnTo>
+                <a:close/>
+              </a:path>
+            </a:pathLst>
+          </a:custGeom>
+          <a:solidFill>
+            <a:srgbClr val="404040"/>
+          </a:solidFill>
+          <a:ln>
+            <a:noFill/>
+          </a:ln>
+        </p:spPr>
+        <p:style>
+          <a:lnRef idx="2">
+            <a:schemeClr val="accent1">
+              <a:shade val="50000"/>
+            </a:schemeClr>
+          </a:lnRef>
+          <a:fillRef idx="1">
+            <a:schemeClr val="accent1"/>
+          </a:fillRef>
+          <a:effectRef idx="0">
+            <a:schemeClr val="accent1"/>
+          </a:effectRef>
+          <a:fontRef idx="minor">
+            <a:schemeClr val="lt1"/>
+          </a:fontRef>
+        </p:style>
+        <p:txBody>
+          <a:bodyPr wrap="square" rtlCol="0" anchor="ctr">
+            <a:noAutofit/>
+          </a:bodyPr>
+          <a:lstStyle/>
+          <a:p>
+            <a:pPr algn="ctr"/>
+            <a:endParaRPr lang="en-US"/>
+          </a:p>
+        </p:txBody>
+      </p:sp>
+      <p:sp>
+        <p:nvSpPr>
+          <p:cNvPr id="3" name="Content Placeholder 2">
+            <a:extLst>
+              <a:ext uri="{FF2B5EF4-FFF2-40B4-BE49-F238E27FC236}">
+                <a16:creationId xmlns:a16="http://schemas.microsoft.com/office/drawing/2014/main" id="{DBB88942-6618-4B2C-A985-47153DAC76EE}"/>
+              </a:ext>
+            </a:extLst>
+          </p:cNvPr>
+          <p:cNvSpPr>
+            <a:spLocks noGrp="1"/>
+          </p:cNvSpPr>
+          <p:nvPr>
+            <p:ph idx="1"/>
+          </p:nvPr>
+        </p:nvSpPr>
+        <p:spPr>
+          <a:xfrm>
+            <a:off x="1653363" y="1920240"/>
+            <a:ext cx="9367204" cy="4297680"/>
+          </a:xfrm>
+        </p:spPr>
+        <p:txBody>
+          <a:bodyPr anchor="t">
+            <a:normAutofit/>
+          </a:bodyPr>
+          <a:lstStyle/>
+          <a:p>
+            <a:pPr>
+              <a:spcBef>
+                <a:spcPts val="3600"/>
+              </a:spcBef>
+            </a:pPr>
+            <a:r>
+              <a:rPr lang="en-US" sz="2400" dirty="0"/>
+              <a:t>Variables are declared normally but called with </a:t>
+            </a:r>
+            <a:r>
+              <a:rPr lang="en-US" sz="2400" b="1" dirty="0"/>
+              <a:t>$</a:t>
+            </a:r>
+          </a:p>
+          <a:p>
+            <a:pPr>
+              <a:spcBef>
+                <a:spcPts val="3600"/>
+              </a:spcBef>
+            </a:pPr>
+            <a:r>
+              <a:rPr lang="en-US" sz="2400" dirty="0"/>
+              <a:t>Note: </a:t>
+            </a:r>
+            <a:r>
+              <a:rPr lang="en-US" sz="2400" b="1" dirty="0"/>
+              <a:t>$</a:t>
+            </a:r>
+            <a:r>
+              <a:rPr lang="en-US" sz="2400" dirty="0"/>
+              <a:t> is not used with making an assignment i.e., </a:t>
+            </a:r>
+            <a:r>
+              <a:rPr lang="en-US" sz="2400" b="1" dirty="0"/>
+              <a:t>x+=4</a:t>
+            </a:r>
+          </a:p>
+          <a:p>
+            <a:pPr>
+              <a:spcBef>
+                <a:spcPts val="3600"/>
+              </a:spcBef>
+            </a:pPr>
+            <a:r>
+              <a:rPr lang="en-US" sz="2400" dirty="0"/>
+              <a:t>Sequences are built with curly brackets </a:t>
+            </a:r>
+            <a:r>
+              <a:rPr lang="en-US" sz="2400" b="1" dirty="0"/>
+              <a:t>{}</a:t>
+            </a:r>
+            <a:r>
+              <a:rPr lang="en-US" sz="2400" dirty="0"/>
+              <a:t> separated by </a:t>
+            </a:r>
+            <a:r>
+              <a:rPr lang="en-US" sz="2400" b="1" dirty="0"/>
+              <a:t>2 periods</a:t>
+            </a:r>
+            <a:r>
+              <a:rPr lang="en-US" sz="2400" dirty="0"/>
+              <a:t>.</a:t>
+            </a:r>
+          </a:p>
+          <a:p>
+            <a:pPr>
+              <a:spcBef>
+                <a:spcPts val="3600"/>
+              </a:spcBef>
+            </a:pPr>
+            <a:endParaRPr lang="en-US" sz="2400" dirty="0"/>
+          </a:p>
+          <a:p>
+            <a:pPr>
+              <a:spcBef>
+                <a:spcPts val="3600"/>
+              </a:spcBef>
+            </a:pPr>
+            <a:r>
+              <a:rPr lang="en-US" sz="2400" dirty="0"/>
+              <a:t>Strings, integers, files, and Booleans all have different comparison operators i.e., </a:t>
+            </a:r>
+            <a:r>
+              <a:rPr lang="en-US" sz="2400" b="1" dirty="0"/>
+              <a:t>==</a:t>
+            </a:r>
+            <a:r>
+              <a:rPr lang="en-US" sz="2400" dirty="0"/>
+              <a:t>, </a:t>
+            </a:r>
+            <a:r>
+              <a:rPr lang="en-US" sz="2400" b="1" dirty="0"/>
+              <a:t>-eq</a:t>
+            </a:r>
+            <a:r>
+              <a:rPr lang="en-US" sz="2400" dirty="0"/>
+              <a:t>, </a:t>
+            </a:r>
+            <a:r>
+              <a:rPr lang="en-US" sz="2400" b="1" dirty="0"/>
+              <a:t>-e</a:t>
+            </a:r>
+            <a:r>
+              <a:rPr lang="en-US" sz="2400" dirty="0"/>
+              <a:t>, </a:t>
+            </a:r>
+            <a:r>
+              <a:rPr lang="en-US" sz="2400" b="1" dirty="0"/>
+              <a:t>&amp;&amp;</a:t>
+            </a:r>
+            <a:r>
+              <a:rPr lang="en-US" sz="2400" dirty="0"/>
+              <a:t> respectively.</a:t>
+            </a:r>
+          </a:p>
+          <a:p>
+            <a:pPr>
+              <a:spcBef>
+                <a:spcPts val="3600"/>
+              </a:spcBef>
+            </a:pPr>
+            <a:endParaRPr lang="en-US" sz="2400" dirty="0"/>
+          </a:p>
+        </p:txBody>
+      </p:sp>
+      <p:pic>
+        <p:nvPicPr>
+          <p:cNvPr id="5" name="Picture 4" descr="Shape&#10;&#10;Description automatically generated with medium confidence">
+            <a:extLst>
+              <a:ext uri="{FF2B5EF4-FFF2-40B4-BE49-F238E27FC236}">
+                <a16:creationId xmlns:a16="http://schemas.microsoft.com/office/drawing/2014/main" id="{C89DFD3E-6A14-486B-B75A-89ECDAB2C4C5}"/>
+              </a:ext>
+            </a:extLst>
+          </p:cNvPr>
+          <p:cNvPicPr>
+            <a:picLocks noChangeAspect="1"/>
+          </p:cNvPicPr>
+          <p:nvPr/>
+        </p:nvPicPr>
+        <p:blipFill>
+          <a:blip r:embed="rId3">
+            <a:extLst>
+              <a:ext uri="{28A0092B-C50C-407E-A947-70E740481C1C}">
+                <a14:useLocalDpi xmlns:a14="http://schemas.microsoft.com/office/drawing/2010/main" val="0"/>
+              </a:ext>
+            </a:extLst>
+          </a:blip>
+          <a:stretch>
+            <a:fillRect/>
+          </a:stretch>
+        </p:blipFill>
+        <p:spPr>
+          <a:xfrm>
+            <a:off x="10859201" y="225087"/>
+            <a:ext cx="962018" cy="1108038"/>
+          </a:xfrm>
+          <a:prstGeom prst="rect">
+            <a:avLst/>
+          </a:prstGeom>
+        </p:spPr>
+      </p:pic>
+      <p:pic>
+        <p:nvPicPr>
+          <p:cNvPr id="6" name="Picture 5">
+            <a:extLst>
+              <a:ext uri="{FF2B5EF4-FFF2-40B4-BE49-F238E27FC236}">
+                <a16:creationId xmlns:a16="http://schemas.microsoft.com/office/drawing/2014/main" id="{B7E2F890-1696-47A2-814A-3E226F88A468}"/>
+              </a:ext>
+            </a:extLst>
+          </p:cNvPr>
+          <p:cNvPicPr>
+            <a:picLocks noChangeAspect="1"/>
+          </p:cNvPicPr>
+          <p:nvPr/>
+        </p:nvPicPr>
+        <p:blipFill>
+          <a:blip r:embed="rId4"/>
+          <a:stretch>
+            <a:fillRect/>
+          </a:stretch>
+        </p:blipFill>
+        <p:spPr>
+          <a:xfrm>
+            <a:off x="4464082" y="4081000"/>
+            <a:ext cx="3263835" cy="750307"/>
+          </a:xfrm>
+          <a:prstGeom prst="rect">
+            <a:avLst/>
+          </a:prstGeom>
+        </p:spPr>
+      </p:pic>
+    </p:spTree>
+    <p:extLst>
+      <p:ext uri="{BB962C8B-B14F-4D97-AF65-F5344CB8AC3E}">
+        <p14:creationId xmlns:p14="http://schemas.microsoft.com/office/powerpoint/2010/main" val="2417406503"/>
+      </p:ext>
+    </p:extLst>
+  </p:cSld>
+  <p:clrMapOvr>
+    <a:masterClrMapping/>
+  </p:clrMapOvr>
+</p:sld>
+</file>
+
+<file path=ppt/slides/slide16.xml><?xml version="1.0" encoding="utf-8"?>
+<p:sld xmlns:a="http://schemas.openxmlformats.org/drawingml/2006/main" xmlns:r="http://schemas.openxmlformats.org/officeDocument/2006/relationships" xmlns:p="http://schemas.openxmlformats.org/presentationml/2006/main">
+  <p:cSld>
+    <p:bg>
+      <p:bgPr>
+        <a:solidFill>
+          <a:schemeClr val="bg1"/>
+        </a:solidFill>
+        <a:effectLst/>
+      </p:bgPr>
+    </p:bg>
+    <p:spTree>
+      <p:nvGrpSpPr>
+        <p:cNvPr id="1" name=""/>
+        <p:cNvGrpSpPr/>
+        <p:nvPr/>
+      </p:nvGrpSpPr>
+      <p:grpSpPr>
+        <a:xfrm>
+          <a:off x="0" y="0"/>
+          <a:ext cx="0" cy="0"/>
+          <a:chOff x="0" y="0"/>
+          <a:chExt cx="0" cy="0"/>
+        </a:xfrm>
+      </p:grpSpPr>
+      <p:sp>
+        <p:nvSpPr>
+          <p:cNvPr id="2" name="Title 1">
+            <a:extLst>
+              <a:ext uri="{FF2B5EF4-FFF2-40B4-BE49-F238E27FC236}">
+                <a16:creationId xmlns:a16="http://schemas.microsoft.com/office/drawing/2014/main" id="{0B0E3F05-66EA-43AB-B1A9-F30EAC51059D}"/>
+              </a:ext>
+            </a:extLst>
+          </p:cNvPr>
+          <p:cNvSpPr>
+            <a:spLocks noGrp="1"/>
+          </p:cNvSpPr>
+          <p:nvPr>
+            <p:ph type="title"/>
+          </p:nvPr>
+        </p:nvSpPr>
+        <p:spPr>
+          <a:xfrm>
+            <a:off x="1653363" y="365760"/>
+            <a:ext cx="9367203" cy="1188720"/>
+          </a:xfrm>
+        </p:spPr>
+        <p:txBody>
+          <a:bodyPr>
+            <a:normAutofit/>
+          </a:bodyPr>
+          <a:lstStyle/>
+          <a:p>
+            <a:r>
+              <a:rPr lang="en-US" b="1" dirty="0"/>
+              <a:t>Bash Scripting</a:t>
+            </a:r>
+            <a:endParaRPr lang="en-US" dirty="0"/>
+          </a:p>
+        </p:txBody>
+      </p:sp>
+      <p:sp>
+        <p:nvSpPr>
+          <p:cNvPr id="8" name="Freeform: Shape 7">
+            <a:extLst>
+              <a:ext uri="{FF2B5EF4-FFF2-40B4-BE49-F238E27FC236}">
+                <a16:creationId xmlns:a16="http://schemas.microsoft.com/office/drawing/2014/main" id="{7CB4857B-ED7C-444D-9F04-2F885114A1C2}"/>
+              </a:ext>
+              <a:ext uri="{C183D7F6-B498-43B3-948B-1728B52AA6E4}">
+                <adec:decorative xmlns:adec="http://schemas.microsoft.com/office/drawing/2017/decorative" val="1"/>
+              </a:ext>
+            </a:extLst>
+          </p:cNvPr>
+          <p:cNvSpPr>
+            <a:spLocks noGrp="1" noRot="1" noChangeAspect="1" noMove="1" noResize="1" noEditPoints="1" noAdjustHandles="1" noChangeArrowheads="1" noChangeShapeType="1" noTextEdit="1"/>
+          </p:cNvSpPr>
+          <p:nvPr>
+            <p:extLst>
+              <p:ext uri="{386F3935-93C4-4BCD-93E2-E3B085C9AB24}">
+                <p16:designElem xmlns:p16="http://schemas.microsoft.com/office/powerpoint/2015/main" val="1"/>
+              </p:ext>
+            </p:extLst>
+          </p:nvPr>
+        </p:nvSpPr>
+        <p:spPr>
+          <a:xfrm>
+            <a:off x="1" y="0"/>
+            <a:ext cx="1764099" cy="1558212"/>
+          </a:xfrm>
+          <a:custGeom>
+            <a:avLst/>
+            <a:gdLst>
+              <a:gd name="connsiteX0" fmla="*/ 0 w 1764099"/>
+              <a:gd name="connsiteY0" fmla="*/ 0 h 1558212"/>
+              <a:gd name="connsiteX1" fmla="*/ 1764099 w 1764099"/>
+              <a:gd name="connsiteY1" fmla="*/ 0 h 1558212"/>
+              <a:gd name="connsiteX2" fmla="*/ 1042087 w 1764099"/>
+              <a:gd name="connsiteY2" fmla="*/ 1558212 h 1558212"/>
+              <a:gd name="connsiteX3" fmla="*/ 0 w 1764099"/>
+              <a:gd name="connsiteY3" fmla="*/ 1558212 h 1558212"/>
+            </a:gdLst>
+            <a:ahLst/>
+            <a:cxnLst>
+              <a:cxn ang="0">
+                <a:pos x="connsiteX0" y="connsiteY0"/>
+              </a:cxn>
+              <a:cxn ang="0">
+                <a:pos x="connsiteX1" y="connsiteY1"/>
+              </a:cxn>
+              <a:cxn ang="0">
+                <a:pos x="connsiteX2" y="connsiteY2"/>
+              </a:cxn>
+              <a:cxn ang="0">
+                <a:pos x="connsiteX3" y="connsiteY3"/>
+              </a:cxn>
+            </a:cxnLst>
+            <a:rect l="l" t="t" r="r" b="b"/>
+            <a:pathLst>
+              <a:path w="1764099" h="1558212">
+                <a:moveTo>
+                  <a:pt x="0" y="0"/>
+                </a:moveTo>
+                <a:lnTo>
+                  <a:pt x="1764099" y="0"/>
+                </a:lnTo>
+                <a:lnTo>
+                  <a:pt x="1042087" y="1558212"/>
+                </a:lnTo>
+                <a:lnTo>
+                  <a:pt x="0" y="1558212"/>
+                </a:lnTo>
+                <a:close/>
+              </a:path>
+            </a:pathLst>
+          </a:custGeom>
+          <a:solidFill>
+            <a:schemeClr val="accent1">
+              <a:lumMod val="100000"/>
+              <a:lumOff val="0"/>
+            </a:schemeClr>
+          </a:solidFill>
+          <a:ln>
+            <a:noFill/>
+          </a:ln>
+        </p:spPr>
+        <p:style>
+          <a:lnRef idx="2">
+            <a:schemeClr val="accent1">
+              <a:shade val="50000"/>
+            </a:schemeClr>
+          </a:lnRef>
+          <a:fillRef idx="1">
+            <a:schemeClr val="accent1"/>
+          </a:fillRef>
+          <a:effectRef idx="0">
+            <a:schemeClr val="accent1"/>
+          </a:effectRef>
+          <a:fontRef idx="minor">
+            <a:schemeClr val="lt1"/>
+          </a:fontRef>
+        </p:style>
+        <p:txBody>
+          <a:bodyPr wrap="square" rtlCol="0" anchor="ctr">
+            <a:noAutofit/>
+          </a:bodyPr>
+          <a:lstStyle/>
+          <a:p>
+            <a:pPr algn="ctr"/>
+            <a:endParaRPr lang="en-US"/>
+          </a:p>
+        </p:txBody>
+      </p:sp>
+      <p:sp>
+        <p:nvSpPr>
+          <p:cNvPr id="12" name="Freeform: Shape 11">
+            <a:extLst>
+              <a:ext uri="{FF2B5EF4-FFF2-40B4-BE49-F238E27FC236}">
+                <a16:creationId xmlns:a16="http://schemas.microsoft.com/office/drawing/2014/main" id="{479F5F2B-8B58-4140-AE6A-51F6C67B18D9}"/>
+              </a:ext>
+              <a:ext uri="{C183D7F6-B498-43B3-948B-1728B52AA6E4}">
+                <adec:decorative xmlns:adec="http://schemas.microsoft.com/office/drawing/2017/decorative" val="1"/>
+              </a:ext>
+            </a:extLst>
+          </p:cNvPr>
+          <p:cNvSpPr>
+            <a:spLocks noGrp="1" noRot="1" noChangeAspect="1" noMove="1" noResize="1" noEditPoints="1" noAdjustHandles="1" noChangeArrowheads="1" noChangeShapeType="1" noTextEdit="1"/>
+          </p:cNvSpPr>
+          <p:nvPr>
+            <p:extLst>
+              <p:ext uri="{386F3935-93C4-4BCD-93E2-E3B085C9AB24}">
+                <p16:designElem xmlns:p16="http://schemas.microsoft.com/office/powerpoint/2015/main" val="1"/>
+              </p:ext>
+            </p:extLst>
+          </p:nvPr>
+        </p:nvSpPr>
+        <p:spPr>
+          <a:xfrm>
+            <a:off x="0" y="1691641"/>
+            <a:ext cx="971654" cy="2096979"/>
+          </a:xfrm>
+          <a:custGeom>
+            <a:avLst/>
+            <a:gdLst>
+              <a:gd name="connsiteX0" fmla="*/ 0 w 971654"/>
+              <a:gd name="connsiteY0" fmla="*/ 0 h 2096979"/>
+              <a:gd name="connsiteX1" fmla="*/ 971654 w 971654"/>
+              <a:gd name="connsiteY1" fmla="*/ 0 h 2096979"/>
+              <a:gd name="connsiteX2" fmla="*/ 0 w 971654"/>
+              <a:gd name="connsiteY2" fmla="*/ 2096979 h 2096979"/>
+            </a:gdLst>
+            <a:ahLst/>
+            <a:cxnLst>
+              <a:cxn ang="0">
+                <a:pos x="connsiteX0" y="connsiteY0"/>
+              </a:cxn>
+              <a:cxn ang="0">
+                <a:pos x="connsiteX1" y="connsiteY1"/>
+              </a:cxn>
+              <a:cxn ang="0">
+                <a:pos x="connsiteX2" y="connsiteY2"/>
+              </a:cxn>
+            </a:cxnLst>
+            <a:rect l="l" t="t" r="r" b="b"/>
+            <a:pathLst>
+              <a:path w="971654" h="2096979">
+                <a:moveTo>
+                  <a:pt x="0" y="0"/>
+                </a:moveTo>
+                <a:lnTo>
+                  <a:pt x="971654" y="0"/>
+                </a:lnTo>
+                <a:lnTo>
+                  <a:pt x="0" y="2096979"/>
+                </a:lnTo>
+                <a:close/>
+              </a:path>
+            </a:pathLst>
+          </a:custGeom>
+          <a:solidFill>
+            <a:srgbClr val="404040"/>
+          </a:solidFill>
+          <a:ln>
+            <a:noFill/>
+          </a:ln>
+        </p:spPr>
+        <p:style>
+          <a:lnRef idx="2">
+            <a:schemeClr val="accent1">
+              <a:shade val="50000"/>
+            </a:schemeClr>
+          </a:lnRef>
+          <a:fillRef idx="1">
+            <a:schemeClr val="accent1"/>
+          </a:fillRef>
+          <a:effectRef idx="0">
+            <a:schemeClr val="accent1"/>
+          </a:effectRef>
+          <a:fontRef idx="minor">
+            <a:schemeClr val="lt1"/>
+          </a:fontRef>
+        </p:style>
+        <p:txBody>
+          <a:bodyPr wrap="square" rtlCol="0" anchor="ctr">
+            <a:noAutofit/>
+          </a:bodyPr>
+          <a:lstStyle/>
+          <a:p>
+            <a:pPr algn="ctr"/>
+            <a:endParaRPr lang="en-US"/>
+          </a:p>
+        </p:txBody>
+      </p:sp>
+      <p:sp>
+        <p:nvSpPr>
+          <p:cNvPr id="3" name="Content Placeholder 2">
+            <a:extLst>
+              <a:ext uri="{FF2B5EF4-FFF2-40B4-BE49-F238E27FC236}">
+                <a16:creationId xmlns:a16="http://schemas.microsoft.com/office/drawing/2014/main" id="{DBB88942-6618-4B2C-A985-47153DAC76EE}"/>
+              </a:ext>
+            </a:extLst>
+          </p:cNvPr>
+          <p:cNvSpPr>
+            <a:spLocks noGrp="1"/>
+          </p:cNvSpPr>
+          <p:nvPr>
+            <p:ph idx="1"/>
+          </p:nvPr>
+        </p:nvSpPr>
+        <p:spPr>
+          <a:xfrm>
+            <a:off x="1653363" y="1920240"/>
+            <a:ext cx="9367204" cy="4297680"/>
+          </a:xfrm>
+        </p:spPr>
+        <p:txBody>
+          <a:bodyPr anchor="t">
+            <a:normAutofit/>
+          </a:bodyPr>
+          <a:lstStyle/>
+          <a:p>
+            <a:pPr>
+              <a:spcBef>
+                <a:spcPts val="3600"/>
+              </a:spcBef>
+            </a:pPr>
+            <a:r>
+              <a:rPr lang="en-US" sz="2400" dirty="0"/>
+              <a:t>double parentheses is used to specify arithmetic </a:t>
+            </a:r>
+            <a:r>
+              <a:rPr lang="en-US" sz="2400" b="1" dirty="0"/>
+              <a:t>(())</a:t>
+            </a:r>
+          </a:p>
+          <a:p>
+            <a:pPr>
+              <a:spcBef>
+                <a:spcPts val="3600"/>
+              </a:spcBef>
+            </a:pPr>
+            <a:r>
+              <a:rPr lang="en-US" sz="2400" dirty="0"/>
+              <a:t>Syntax of loops for loops:</a:t>
+            </a:r>
+          </a:p>
+          <a:p>
+            <a:pPr>
+              <a:spcBef>
+                <a:spcPts val="1200"/>
+              </a:spcBef>
+            </a:pPr>
+            <a:endParaRPr lang="en-US" sz="2400" b="1" dirty="0"/>
+          </a:p>
+          <a:p>
+            <a:pPr marL="457200" lvl="1" indent="0">
+              <a:spcBef>
+                <a:spcPts val="1200"/>
+              </a:spcBef>
+              <a:buNone/>
+            </a:pPr>
+            <a:r>
+              <a:rPr lang="en-US" sz="2000" b="1" dirty="0"/>
+              <a:t>for $variable in 1 2 3 4		for $variable in file1 file2 file3</a:t>
+            </a:r>
+          </a:p>
+          <a:p>
+            <a:pPr marL="457200" lvl="1" indent="0">
+              <a:spcBef>
+                <a:spcPts val="1200"/>
+              </a:spcBef>
+              <a:buNone/>
+            </a:pPr>
+            <a:r>
+              <a:rPr lang="en-US" sz="2000" b="1" dirty="0"/>
+              <a:t>do					do</a:t>
+            </a:r>
+          </a:p>
+          <a:p>
+            <a:pPr marL="457200" lvl="1" indent="0">
+              <a:spcBef>
+                <a:spcPts val="1200"/>
+              </a:spcBef>
+              <a:buNone/>
+            </a:pPr>
+            <a:r>
+              <a:rPr lang="en-US" sz="2000" b="1" dirty="0"/>
+              <a:t>	echo $variable				echo $variable</a:t>
+            </a:r>
+          </a:p>
+          <a:p>
+            <a:pPr marL="457200" lvl="1" indent="0">
+              <a:spcBef>
+                <a:spcPts val="1200"/>
+              </a:spcBef>
+              <a:buNone/>
+            </a:pPr>
+            <a:r>
+              <a:rPr lang="en-US" sz="2000" b="1" dirty="0"/>
+              <a:t>done				done</a:t>
+            </a:r>
+          </a:p>
+        </p:txBody>
+      </p:sp>
+      <p:pic>
+        <p:nvPicPr>
+          <p:cNvPr id="5" name="Picture 4" descr="Shape&#10;&#10;Description automatically generated with medium confidence">
+            <a:extLst>
+              <a:ext uri="{FF2B5EF4-FFF2-40B4-BE49-F238E27FC236}">
+                <a16:creationId xmlns:a16="http://schemas.microsoft.com/office/drawing/2014/main" id="{C89DFD3E-6A14-486B-B75A-89ECDAB2C4C5}"/>
+              </a:ext>
+            </a:extLst>
+          </p:cNvPr>
+          <p:cNvPicPr>
+            <a:picLocks noChangeAspect="1"/>
+          </p:cNvPicPr>
+          <p:nvPr/>
+        </p:nvPicPr>
+        <p:blipFill>
+          <a:blip r:embed="rId3">
+            <a:extLst>
+              <a:ext uri="{28A0092B-C50C-407E-A947-70E740481C1C}">
+                <a14:useLocalDpi xmlns:a14="http://schemas.microsoft.com/office/drawing/2010/main" val="0"/>
+              </a:ext>
+            </a:extLst>
+          </a:blip>
+          <a:stretch>
+            <a:fillRect/>
+          </a:stretch>
+        </p:blipFill>
+        <p:spPr>
+          <a:xfrm>
+            <a:off x="10859201" y="225087"/>
+            <a:ext cx="962018" cy="1108038"/>
+          </a:xfrm>
+          <a:prstGeom prst="rect">
+            <a:avLst/>
+          </a:prstGeom>
+        </p:spPr>
+      </p:pic>
+      <p:pic>
+        <p:nvPicPr>
+          <p:cNvPr id="7" name="Picture 6">
+            <a:extLst>
+              <a:ext uri="{FF2B5EF4-FFF2-40B4-BE49-F238E27FC236}">
+                <a16:creationId xmlns:a16="http://schemas.microsoft.com/office/drawing/2014/main" id="{8C344F2B-2B67-44F0-BCF7-4A388B3D9CC6}"/>
+              </a:ext>
+            </a:extLst>
+          </p:cNvPr>
+          <p:cNvPicPr>
+            <a:picLocks noChangeAspect="1"/>
+          </p:cNvPicPr>
+          <p:nvPr/>
+        </p:nvPicPr>
+        <p:blipFill>
+          <a:blip r:embed="rId4"/>
+          <a:stretch>
+            <a:fillRect/>
+          </a:stretch>
+        </p:blipFill>
+        <p:spPr>
+          <a:xfrm>
+            <a:off x="5903296" y="2621791"/>
+            <a:ext cx="2580898" cy="607270"/>
+          </a:xfrm>
+          <a:prstGeom prst="rect">
+            <a:avLst/>
+          </a:prstGeom>
+        </p:spPr>
+      </p:pic>
+    </p:spTree>
+    <p:extLst>
+      <p:ext uri="{BB962C8B-B14F-4D97-AF65-F5344CB8AC3E}">
+        <p14:creationId xmlns:p14="http://schemas.microsoft.com/office/powerpoint/2010/main" val="3865507943"/>
+      </p:ext>
+    </p:extLst>
+  </p:cSld>
+  <p:clrMapOvr>
+    <a:masterClrMapping/>
+  </p:clrMapOvr>
+</p:sld>
+</file>
+
+<file path=ppt/slides/slide17.xml><?xml version="1.0" encoding="utf-8"?>
+<p:sld xmlns:a="http://schemas.openxmlformats.org/drawingml/2006/main" xmlns:r="http://schemas.openxmlformats.org/officeDocument/2006/relationships" xmlns:p="http://schemas.openxmlformats.org/presentationml/2006/main">
+  <p:cSld>
+    <p:bg>
+      <p:bgPr>
+        <a:solidFill>
+          <a:schemeClr val="bg1"/>
+        </a:solidFill>
+        <a:effectLst/>
+      </p:bgPr>
+    </p:bg>
+    <p:spTree>
+      <p:nvGrpSpPr>
+        <p:cNvPr id="1" name=""/>
+        <p:cNvGrpSpPr/>
+        <p:nvPr/>
+      </p:nvGrpSpPr>
+      <p:grpSpPr>
+        <a:xfrm>
+          <a:off x="0" y="0"/>
+          <a:ext cx="0" cy="0"/>
+          <a:chOff x="0" y="0"/>
+          <a:chExt cx="0" cy="0"/>
+        </a:xfrm>
+      </p:grpSpPr>
       <p:sp useBgFill="1">
         <p:nvSpPr>
           <p:cNvPr id="44" name="Rectangle 43">
@@ -6837,17 +9185,10 @@
           <a:lstStyle/>
           <a:p>
             <a:r>
-              <a:rPr lang="en-US" sz="6000" b="1" dirty="0">
-                <a:solidFill>
-                  <a:schemeClr val="tx2"/>
-                </a:solidFill>
-              </a:rPr>
+              <a:rPr lang="en-US" sz="6000" b="1" dirty="0"/>
               <a:t>Live Demo</a:t>
             </a:r>
             <a:endParaRPr lang="en-US" sz="6000" kern="1200" dirty="0">
-              <a:solidFill>
-                <a:schemeClr val="tx1"/>
-              </a:solidFill>
               <a:latin typeface="+mj-lt"/>
               <a:ea typeface="+mj-ea"/>
               <a:cs typeface="+mj-cs"/>
@@ -7681,7 +10022,7 @@
 </p:sld>
 </file>
 
-<file path=ppt/slides/slide13.xml><?xml version="1.0" encoding="utf-8"?>
+<file path=ppt/slides/slide18.xml><?xml version="1.0" encoding="utf-8"?>
 <p:sld xmlns:a="http://schemas.openxmlformats.org/drawingml/2006/main" xmlns:r="http://schemas.openxmlformats.org/officeDocument/2006/relationships" xmlns:p="http://schemas.openxmlformats.org/presentationml/2006/main">
   <p:cSld>
     <p:bg>
@@ -7706,767 +10047,6 @@
           <a:chExt cx="0" cy="0"/>
         </a:xfrm>
       </p:grpSpPr>
-      <p:sp useBgFill="1">
-        <p:nvSpPr>
-          <p:cNvPr id="17" name="Rectangle 16">
-            <a:extLst>
-              <a:ext uri="{FF2B5EF4-FFF2-40B4-BE49-F238E27FC236}">
-                <a16:creationId xmlns:a16="http://schemas.microsoft.com/office/drawing/2014/main" id="{827B839B-9ADE-406B-8590-F1CAEDED45A1}"/>
-              </a:ext>
-              <a:ext uri="{C183D7F6-B498-43B3-948B-1728B52AA6E4}">
-                <adec:decorative xmlns:adec="http://schemas.microsoft.com/office/drawing/2017/decorative" val="1"/>
-              </a:ext>
-            </a:extLst>
-          </p:cNvPr>
-          <p:cNvSpPr>
-            <a:spLocks noGrp="1" noRot="1" noChangeAspect="1" noMove="1" noResize="1" noEditPoints="1" noAdjustHandles="1" noChangeArrowheads="1" noChangeShapeType="1" noTextEdit="1"/>
-          </p:cNvSpPr>
-          <p:nvPr>
-            <p:extLst>
-              <p:ext uri="{386F3935-93C4-4BCD-93E2-E3B085C9AB24}">
-                <p16:designElem xmlns:p16="http://schemas.microsoft.com/office/powerpoint/2015/main" val="1"/>
-              </p:ext>
-            </p:extLst>
-          </p:nvPr>
-        </p:nvSpPr>
-        <p:spPr>
-          <a:xfrm>
-            <a:off x="0" y="0"/>
-            <a:ext cx="12188952" cy="6858000"/>
-          </a:xfrm>
-          <a:prstGeom prst="rect">
-            <a:avLst/>
-          </a:prstGeom>
-          <a:ln>
-            <a:noFill/>
-          </a:ln>
-        </p:spPr>
-        <p:style>
-          <a:lnRef idx="2">
-            <a:schemeClr val="accent1">
-              <a:shade val="50000"/>
-            </a:schemeClr>
-          </a:lnRef>
-          <a:fillRef idx="1">
-            <a:schemeClr val="accent1"/>
-          </a:fillRef>
-          <a:effectRef idx="0">
-            <a:schemeClr val="accent1"/>
-          </a:effectRef>
-          <a:fontRef idx="minor">
-            <a:schemeClr val="lt1"/>
-          </a:fontRef>
-        </p:style>
-        <p:txBody>
-          <a:bodyPr rtlCol="0" anchor="ctr"/>
-          <a:lstStyle/>
-          <a:p>
-            <a:pPr algn="ctr"/>
-            <a:endParaRPr lang="en-US"/>
-          </a:p>
-        </p:txBody>
-      </p:sp>
-      <p:sp>
-        <p:nvSpPr>
-          <p:cNvPr id="19" name="Freeform 45">
-            <a:extLst>
-              <a:ext uri="{FF2B5EF4-FFF2-40B4-BE49-F238E27FC236}">
-                <a16:creationId xmlns:a16="http://schemas.microsoft.com/office/drawing/2014/main" id="{CFE45BF0-46DB-408C-B5F7-7B11716805D4}"/>
-              </a:ext>
-              <a:ext uri="{C183D7F6-B498-43B3-948B-1728B52AA6E4}">
-                <adec:decorative xmlns:adec="http://schemas.microsoft.com/office/drawing/2017/decorative" val="1"/>
-              </a:ext>
-            </a:extLst>
-          </p:cNvPr>
-          <p:cNvSpPr>
-            <a:spLocks noGrp="1" noRot="1" noChangeAspect="1" noMove="1" noResize="1" noEditPoints="1" noAdjustHandles="1" noChangeArrowheads="1" noChangeShapeType="1" noTextEdit="1"/>
-          </p:cNvSpPr>
-          <p:nvPr>
-            <p:extLst>
-              <p:ext uri="{386F3935-93C4-4BCD-93E2-E3B085C9AB24}">
-                <p16:designElem xmlns:p16="http://schemas.microsoft.com/office/powerpoint/2015/main" val="1"/>
-              </p:ext>
-            </p:extLst>
-          </p:nvPr>
-        </p:nvSpPr>
-        <p:spPr bwMode="auto">
-          <a:xfrm>
-            <a:off x="409710" y="1022350"/>
-            <a:ext cx="709612" cy="2095501"/>
-          </a:xfrm>
-          <a:custGeom>
-            <a:avLst/>
-            <a:gdLst>
-              <a:gd name="T0" fmla="*/ 447 w 447"/>
-              <a:gd name="T1" fmla="*/ 1363 h 1363"/>
-              <a:gd name="T2" fmla="*/ 0 w 447"/>
-              <a:gd name="T3" fmla="*/ 987 h 1363"/>
-              <a:gd name="T4" fmla="*/ 0 w 447"/>
-              <a:gd name="T5" fmla="*/ 0 h 1363"/>
-              <a:gd name="T6" fmla="*/ 447 w 447"/>
-              <a:gd name="T7" fmla="*/ 376 h 1363"/>
-              <a:gd name="T8" fmla="*/ 447 w 447"/>
-              <a:gd name="T9" fmla="*/ 1363 h 1363"/>
-            </a:gdLst>
-            <a:ahLst/>
-            <a:cxnLst>
-              <a:cxn ang="0">
-                <a:pos x="T0" y="T1"/>
-              </a:cxn>
-              <a:cxn ang="0">
-                <a:pos x="T2" y="T3"/>
-              </a:cxn>
-              <a:cxn ang="0">
-                <a:pos x="T4" y="T5"/>
-              </a:cxn>
-              <a:cxn ang="0">
-                <a:pos x="T6" y="T7"/>
-              </a:cxn>
-              <a:cxn ang="0">
-                <a:pos x="T8" y="T9"/>
-              </a:cxn>
-            </a:cxnLst>
-            <a:rect l="0" t="0" r="r" b="b"/>
-            <a:pathLst>
-              <a:path w="447" h="1363">
-                <a:moveTo>
-                  <a:pt x="447" y="1363"/>
-                </a:moveTo>
-                <a:lnTo>
-                  <a:pt x="0" y="987"/>
-                </a:lnTo>
-                <a:lnTo>
-                  <a:pt x="0" y="0"/>
-                </a:lnTo>
-                <a:lnTo>
-                  <a:pt x="447" y="376"/>
-                </a:lnTo>
-                <a:lnTo>
-                  <a:pt x="447" y="1363"/>
-                </a:lnTo>
-                <a:close/>
-              </a:path>
-            </a:pathLst>
-          </a:custGeom>
-          <a:solidFill>
-            <a:schemeClr val="accent1">
-              <a:lumMod val="50000"/>
-            </a:schemeClr>
-          </a:solidFill>
-          <a:ln>
-            <a:noFill/>
-          </a:ln>
-        </p:spPr>
-        <p:txBody>
-          <a:bodyPr vert="horz" wrap="square" lIns="91440" tIns="45720" rIns="91440" bIns="45720" numCol="1" anchor="t" anchorCtr="0" compatLnSpc="1">
-            <a:prstTxWarp prst="textNoShape">
-              <a:avLst/>
-            </a:prstTxWarp>
-          </a:bodyPr>
-          <a:lstStyle/>
-          <a:p>
-            <a:endParaRPr lang="en-US"/>
-          </a:p>
-        </p:txBody>
-      </p:sp>
-      <p:sp>
-        <p:nvSpPr>
-          <p:cNvPr id="21" name="Freeform 46">
-            <a:extLst>
-              <a:ext uri="{FF2B5EF4-FFF2-40B4-BE49-F238E27FC236}">
-                <a16:creationId xmlns:a16="http://schemas.microsoft.com/office/drawing/2014/main" id="{2AEBC8F2-97B1-41B4-93F1-2D289E197FBA}"/>
-              </a:ext>
-              <a:ext uri="{C183D7F6-B498-43B3-948B-1728B52AA6E4}">
-                <adec:decorative xmlns:adec="http://schemas.microsoft.com/office/drawing/2017/decorative" val="1"/>
-              </a:ext>
-            </a:extLst>
-          </p:cNvPr>
-          <p:cNvSpPr>
-            <a:spLocks noGrp="1" noRot="1" noChangeAspect="1" noMove="1" noResize="1" noEditPoints="1" noAdjustHandles="1" noChangeArrowheads="1" noChangeShapeType="1" noTextEdit="1"/>
-          </p:cNvSpPr>
-          <p:nvPr>
-            <p:extLst>
-              <p:ext uri="{386F3935-93C4-4BCD-93E2-E3B085C9AB24}">
-                <p16:designElem xmlns:p16="http://schemas.microsoft.com/office/powerpoint/2015/main" val="1"/>
-              </p:ext>
-            </p:extLst>
-          </p:nvPr>
-        </p:nvSpPr>
-        <p:spPr bwMode="auto">
-          <a:xfrm>
-            <a:off x="409710" y="837744"/>
-            <a:ext cx="403225" cy="1705431"/>
-          </a:xfrm>
-          <a:custGeom>
-            <a:avLst/>
-            <a:gdLst>
-              <a:gd name="T0" fmla="*/ 254 w 254"/>
-              <a:gd name="T1" fmla="*/ 987 h 1109"/>
-              <a:gd name="T2" fmla="*/ 0 w 254"/>
-              <a:gd name="T3" fmla="*/ 1109 h 1109"/>
-              <a:gd name="T4" fmla="*/ 0 w 254"/>
-              <a:gd name="T5" fmla="*/ 119 h 1109"/>
-              <a:gd name="T6" fmla="*/ 254 w 254"/>
-              <a:gd name="T7" fmla="*/ 0 h 1109"/>
-              <a:gd name="T8" fmla="*/ 254 w 254"/>
-              <a:gd name="T9" fmla="*/ 987 h 1109"/>
-            </a:gdLst>
-            <a:ahLst/>
-            <a:cxnLst>
-              <a:cxn ang="0">
-                <a:pos x="T0" y="T1"/>
-              </a:cxn>
-              <a:cxn ang="0">
-                <a:pos x="T2" y="T3"/>
-              </a:cxn>
-              <a:cxn ang="0">
-                <a:pos x="T4" y="T5"/>
-              </a:cxn>
-              <a:cxn ang="0">
-                <a:pos x="T6" y="T7"/>
-              </a:cxn>
-              <a:cxn ang="0">
-                <a:pos x="T8" y="T9"/>
-              </a:cxn>
-            </a:cxnLst>
-            <a:rect l="0" t="0" r="r" b="b"/>
-            <a:pathLst>
-              <a:path w="254" h="1109">
-                <a:moveTo>
-                  <a:pt x="254" y="987"/>
-                </a:moveTo>
-                <a:lnTo>
-                  <a:pt x="0" y="1109"/>
-                </a:lnTo>
-                <a:lnTo>
-                  <a:pt x="0" y="119"/>
-                </a:lnTo>
-                <a:lnTo>
-                  <a:pt x="254" y="0"/>
-                </a:lnTo>
-                <a:lnTo>
-                  <a:pt x="254" y="987"/>
-                </a:lnTo>
-                <a:close/>
-              </a:path>
-            </a:pathLst>
-          </a:custGeom>
-          <a:solidFill>
-            <a:schemeClr val="accent1">
-              <a:lumMod val="75000"/>
-            </a:schemeClr>
-          </a:solidFill>
-          <a:ln>
-            <a:noFill/>
-          </a:ln>
-        </p:spPr>
-        <p:txBody>
-          <a:bodyPr vert="horz" wrap="square" lIns="91440" tIns="45720" rIns="91440" bIns="45720" numCol="1" anchor="t" anchorCtr="0" compatLnSpc="1">
-            <a:prstTxWarp prst="textNoShape">
-              <a:avLst/>
-            </a:prstTxWarp>
-          </a:bodyPr>
-          <a:lstStyle/>
-          <a:p>
-            <a:endParaRPr lang="en-US"/>
-          </a:p>
-        </p:txBody>
-      </p:sp>
-      <p:sp>
-        <p:nvSpPr>
-          <p:cNvPr id="23" name="Freeform 47">
-            <a:extLst>
-              <a:ext uri="{FF2B5EF4-FFF2-40B4-BE49-F238E27FC236}">
-                <a16:creationId xmlns:a16="http://schemas.microsoft.com/office/drawing/2014/main" id="{472E3A19-F5D5-48FC-BB9C-48C2F68F598B}"/>
-              </a:ext>
-              <a:ext uri="{C183D7F6-B498-43B3-948B-1728B52AA6E4}">
-                <adec:decorative xmlns:adec="http://schemas.microsoft.com/office/drawing/2017/decorative" val="1"/>
-              </a:ext>
-            </a:extLst>
-          </p:cNvPr>
-          <p:cNvSpPr>
-            <a:spLocks noGrp="1" noRot="1" noChangeAspect="1" noMove="1" noResize="1" noEditPoints="1" noAdjustHandles="1" noChangeArrowheads="1" noChangeShapeType="1" noTextEdit="1"/>
-          </p:cNvSpPr>
-          <p:nvPr>
-            <p:extLst>
-              <p:ext uri="{386F3935-93C4-4BCD-93E2-E3B085C9AB24}">
-                <p16:designElem xmlns:p16="http://schemas.microsoft.com/office/powerpoint/2015/main" val="1"/>
-              </p:ext>
-            </p:extLst>
-          </p:nvPr>
-        </p:nvSpPr>
-        <p:spPr bwMode="auto">
-          <a:xfrm>
-            <a:off x="644660" y="640894"/>
-            <a:ext cx="168275" cy="1713195"/>
-          </a:xfrm>
-          <a:custGeom>
-            <a:avLst/>
-            <a:gdLst>
-              <a:gd name="T0" fmla="*/ 106 w 106"/>
-              <a:gd name="T1" fmla="*/ 1114 h 1114"/>
-              <a:gd name="T2" fmla="*/ 0 w 106"/>
-              <a:gd name="T3" fmla="*/ 1005 h 1114"/>
-              <a:gd name="T4" fmla="*/ 0 w 106"/>
-              <a:gd name="T5" fmla="*/ 0 h 1114"/>
-              <a:gd name="T6" fmla="*/ 106 w 106"/>
-              <a:gd name="T7" fmla="*/ 110 h 1114"/>
-              <a:gd name="T8" fmla="*/ 106 w 106"/>
-              <a:gd name="T9" fmla="*/ 1114 h 1114"/>
-            </a:gdLst>
-            <a:ahLst/>
-            <a:cxnLst>
-              <a:cxn ang="0">
-                <a:pos x="T0" y="T1"/>
-              </a:cxn>
-              <a:cxn ang="0">
-                <a:pos x="T2" y="T3"/>
-              </a:cxn>
-              <a:cxn ang="0">
-                <a:pos x="T4" y="T5"/>
-              </a:cxn>
-              <a:cxn ang="0">
-                <a:pos x="T6" y="T7"/>
-              </a:cxn>
-              <a:cxn ang="0">
-                <a:pos x="T8" y="T9"/>
-              </a:cxn>
-            </a:cxnLst>
-            <a:rect l="0" t="0" r="r" b="b"/>
-            <a:pathLst>
-              <a:path w="106" h="1114">
-                <a:moveTo>
-                  <a:pt x="106" y="1114"/>
-                </a:moveTo>
-                <a:lnTo>
-                  <a:pt x="0" y="1005"/>
-                </a:lnTo>
-                <a:lnTo>
-                  <a:pt x="0" y="0"/>
-                </a:lnTo>
-                <a:lnTo>
-                  <a:pt x="106" y="110"/>
-                </a:lnTo>
-                <a:lnTo>
-                  <a:pt x="106" y="1114"/>
-                </a:lnTo>
-                <a:close/>
-              </a:path>
-            </a:pathLst>
-          </a:custGeom>
-          <a:solidFill>
-            <a:schemeClr val="accent1">
-              <a:lumMod val="50000"/>
-            </a:schemeClr>
-          </a:solidFill>
-          <a:ln>
-            <a:noFill/>
-          </a:ln>
-        </p:spPr>
-        <p:txBody>
-          <a:bodyPr vert="horz" wrap="square" lIns="91440" tIns="45720" rIns="91440" bIns="45720" numCol="1" anchor="t" anchorCtr="0" compatLnSpc="1">
-            <a:prstTxWarp prst="textNoShape">
-              <a:avLst/>
-            </a:prstTxWarp>
-          </a:bodyPr>
-          <a:lstStyle/>
-          <a:p>
-            <a:endParaRPr lang="en-US"/>
-          </a:p>
-        </p:txBody>
-      </p:sp>
-      <p:sp>
-        <p:nvSpPr>
-          <p:cNvPr id="25" name="Freeform 44">
-            <a:extLst>
-              <a:ext uri="{FF2B5EF4-FFF2-40B4-BE49-F238E27FC236}">
-                <a16:creationId xmlns:a16="http://schemas.microsoft.com/office/drawing/2014/main" id="{7A62E32F-BB65-43A8-8EB5-92346890E549}"/>
-              </a:ext>
-              <a:ext uri="{C183D7F6-B498-43B3-948B-1728B52AA6E4}">
-                <adec:decorative xmlns:adec="http://schemas.microsoft.com/office/drawing/2017/decorative" val="1"/>
-              </a:ext>
-            </a:extLst>
-          </p:cNvPr>
-          <p:cNvSpPr>
-            <a:spLocks noGrp="1" noRot="1" noChangeAspect="1" noMove="1" noResize="1" noEditPoints="1" noAdjustHandles="1" noChangeArrowheads="1" noChangeShapeType="1" noTextEdit="1"/>
-          </p:cNvSpPr>
-          <p:nvPr>
-            <p:extLst>
-              <p:ext uri="{386F3935-93C4-4BCD-93E2-E3B085C9AB24}">
-                <p16:designElem xmlns:p16="http://schemas.microsoft.com/office/powerpoint/2015/main" val="1"/>
-              </p:ext>
-            </p:extLst>
-          </p:nvPr>
-        </p:nvSpPr>
-        <p:spPr bwMode="auto">
-          <a:xfrm>
-            <a:off x="11223203" y="635716"/>
-            <a:ext cx="328612" cy="1742360"/>
-          </a:xfrm>
-          <a:custGeom>
-            <a:avLst/>
-            <a:gdLst>
-              <a:gd name="T0" fmla="*/ 207 w 207"/>
-              <a:gd name="T1" fmla="*/ 987 h 1114"/>
-              <a:gd name="T2" fmla="*/ 0 w 207"/>
-              <a:gd name="T3" fmla="*/ 1114 h 1114"/>
-              <a:gd name="T4" fmla="*/ 0 w 207"/>
-              <a:gd name="T5" fmla="*/ 127 h 1114"/>
-              <a:gd name="T6" fmla="*/ 207 w 207"/>
-              <a:gd name="T7" fmla="*/ 0 h 1114"/>
-              <a:gd name="T8" fmla="*/ 207 w 207"/>
-              <a:gd name="T9" fmla="*/ 987 h 1114"/>
-            </a:gdLst>
-            <a:ahLst/>
-            <a:cxnLst>
-              <a:cxn ang="0">
-                <a:pos x="T0" y="T1"/>
-              </a:cxn>
-              <a:cxn ang="0">
-                <a:pos x="T2" y="T3"/>
-              </a:cxn>
-              <a:cxn ang="0">
-                <a:pos x="T4" y="T5"/>
-              </a:cxn>
-              <a:cxn ang="0">
-                <a:pos x="T6" y="T7"/>
-              </a:cxn>
-              <a:cxn ang="0">
-                <a:pos x="T8" y="T9"/>
-              </a:cxn>
-            </a:cxnLst>
-            <a:rect l="0" t="0" r="r" b="b"/>
-            <a:pathLst>
-              <a:path w="207" h="1114">
-                <a:moveTo>
-                  <a:pt x="207" y="987"/>
-                </a:moveTo>
-                <a:lnTo>
-                  <a:pt x="0" y="1114"/>
-                </a:lnTo>
-                <a:lnTo>
-                  <a:pt x="0" y="127"/>
-                </a:lnTo>
-                <a:lnTo>
-                  <a:pt x="207" y="0"/>
-                </a:lnTo>
-                <a:lnTo>
-                  <a:pt x="207" y="987"/>
-                </a:lnTo>
-                <a:close/>
-              </a:path>
-            </a:pathLst>
-          </a:custGeom>
-          <a:solidFill>
-            <a:schemeClr val="accent1">
-              <a:lumMod val="50000"/>
-            </a:schemeClr>
-          </a:solidFill>
-          <a:ln>
-            <a:noFill/>
-          </a:ln>
-        </p:spPr>
-        <p:txBody>
-          <a:bodyPr vert="horz" wrap="square" lIns="91440" tIns="45720" rIns="91440" bIns="45720" numCol="1" anchor="t" anchorCtr="0" compatLnSpc="1">
-            <a:prstTxWarp prst="textNoShape">
-              <a:avLst/>
-            </a:prstTxWarp>
-          </a:bodyPr>
-          <a:lstStyle/>
-          <a:p>
-            <a:endParaRPr lang="en-US"/>
-          </a:p>
-        </p:txBody>
-      </p:sp>
-      <p:sp>
-        <p:nvSpPr>
-          <p:cNvPr id="27" name="Rectangle 26">
-            <a:extLst>
-              <a:ext uri="{FF2B5EF4-FFF2-40B4-BE49-F238E27FC236}">
-                <a16:creationId xmlns:a16="http://schemas.microsoft.com/office/drawing/2014/main" id="{14E91B64-9FCC-451E-AFB4-A827D6329367}"/>
-              </a:ext>
-              <a:ext uri="{C183D7F6-B498-43B3-948B-1728B52AA6E4}">
-                <adec:decorative xmlns:adec="http://schemas.microsoft.com/office/drawing/2017/decorative" val="1"/>
-              </a:ext>
-            </a:extLst>
-          </p:cNvPr>
-          <p:cNvSpPr>
-            <a:spLocks noGrp="1" noRot="1" noChangeAspect="1" noMove="1" noResize="1" noEditPoints="1" noAdjustHandles="1" noChangeArrowheads="1" noChangeShapeType="1" noTextEdit="1"/>
-          </p:cNvSpPr>
-          <p:nvPr>
-            <p:extLst>
-              <p:ext uri="{386F3935-93C4-4BCD-93E2-E3B085C9AB24}">
-                <p16:designElem xmlns:p16="http://schemas.microsoft.com/office/powerpoint/2015/main" val="1"/>
-              </p:ext>
-            </p:extLst>
-          </p:nvPr>
-        </p:nvSpPr>
-        <p:spPr bwMode="auto">
-          <a:xfrm>
-            <a:off x="644055" y="635715"/>
-            <a:ext cx="10907863" cy="1541457"/>
-          </a:xfrm>
-          <a:prstGeom prst="rect">
-            <a:avLst/>
-          </a:prstGeom>
-          <a:solidFill>
-            <a:schemeClr val="accent1"/>
-          </a:solidFill>
-          <a:ln>
-            <a:noFill/>
-          </a:ln>
-        </p:spPr>
-        <p:txBody>
-          <a:bodyPr vert="horz" wrap="square" lIns="91440" tIns="45720" rIns="91440" bIns="45720" numCol="1" anchor="t" anchorCtr="0" compatLnSpc="1">
-            <a:prstTxWarp prst="textNoShape">
-              <a:avLst/>
-            </a:prstTxWarp>
-          </a:bodyPr>
-          <a:lstStyle/>
-          <a:p>
-            <a:endParaRPr lang="en-US"/>
-          </a:p>
-        </p:txBody>
-      </p:sp>
-      <p:sp>
-        <p:nvSpPr>
-          <p:cNvPr id="2" name="Title 1">
-            <a:extLst>
-              <a:ext uri="{FF2B5EF4-FFF2-40B4-BE49-F238E27FC236}">
-                <a16:creationId xmlns:a16="http://schemas.microsoft.com/office/drawing/2014/main" id="{0B0E3F05-66EA-43AB-B1A9-F30EAC51059D}"/>
-              </a:ext>
-            </a:extLst>
-          </p:cNvPr>
-          <p:cNvSpPr>
-            <a:spLocks noGrp="1"/>
-          </p:cNvSpPr>
-          <p:nvPr>
-            <p:ph type="title"/>
-          </p:nvPr>
-        </p:nvSpPr>
-        <p:spPr>
-          <a:xfrm>
-            <a:off x="958506" y="800392"/>
-            <a:ext cx="10264697" cy="1212102"/>
-          </a:xfrm>
-        </p:spPr>
-        <p:txBody>
-          <a:bodyPr>
-            <a:normAutofit/>
-          </a:bodyPr>
-          <a:lstStyle/>
-          <a:p>
-            <a:r>
-              <a:rPr lang="en-US" sz="4000" b="1" dirty="0">
-                <a:solidFill>
-                  <a:srgbClr val="FFFFFF"/>
-                </a:solidFill>
-              </a:rPr>
-              <a:t>Scripting in PowerShell</a:t>
-            </a:r>
-            <a:endParaRPr lang="en-US" sz="4000" dirty="0">
-              <a:solidFill>
-                <a:srgbClr val="FFFFFF"/>
-              </a:solidFill>
-            </a:endParaRPr>
-          </a:p>
-        </p:txBody>
-      </p:sp>
-      <p:sp>
-        <p:nvSpPr>
-          <p:cNvPr id="3" name="Content Placeholder 2">
-            <a:extLst>
-              <a:ext uri="{FF2B5EF4-FFF2-40B4-BE49-F238E27FC236}">
-                <a16:creationId xmlns:a16="http://schemas.microsoft.com/office/drawing/2014/main" id="{DBB88942-6618-4B2C-A985-47153DAC76EE}"/>
-              </a:ext>
-            </a:extLst>
-          </p:cNvPr>
-          <p:cNvSpPr>
-            <a:spLocks noGrp="1"/>
-          </p:cNvSpPr>
-          <p:nvPr>
-            <p:ph idx="1"/>
-          </p:nvPr>
-        </p:nvSpPr>
-        <p:spPr>
-          <a:xfrm>
-            <a:off x="1367624" y="2490436"/>
-            <a:ext cx="9708995" cy="3567173"/>
-          </a:xfrm>
-        </p:spPr>
-        <p:txBody>
-          <a:bodyPr anchor="t">
-            <a:normAutofit/>
-          </a:bodyPr>
-          <a:lstStyle/>
-          <a:p>
-            <a:pPr marL="0" indent="0">
-              <a:buNone/>
-            </a:pPr>
-            <a:r>
-              <a:rPr lang="en-US" sz="2400" dirty="0">
-                <a:solidFill>
-                  <a:schemeClr val="tx2"/>
-                </a:solidFill>
-              </a:rPr>
-              <a:t>What is PowerShell, how is it used?</a:t>
-            </a:r>
-          </a:p>
-          <a:p>
-            <a:pPr marL="0" indent="0">
-              <a:buNone/>
-            </a:pPr>
-            <a:endParaRPr lang="en-US" sz="2400" dirty="0">
-              <a:solidFill>
-                <a:schemeClr val="tx2"/>
-              </a:solidFill>
-            </a:endParaRPr>
-          </a:p>
-          <a:p>
-            <a:pPr marL="0" indent="0">
-              <a:buNone/>
-            </a:pPr>
-            <a:r>
-              <a:rPr lang="en-US" sz="2400" dirty="0">
-                <a:solidFill>
-                  <a:schemeClr val="tx2"/>
-                </a:solidFill>
-              </a:rPr>
-              <a:t>INSANELY IMPORTANT TO KNOW</a:t>
-            </a:r>
-          </a:p>
-        </p:txBody>
-      </p:sp>
-    </p:spTree>
-    <p:extLst>
-      <p:ext uri="{BB962C8B-B14F-4D97-AF65-F5344CB8AC3E}">
-        <p14:creationId xmlns:p14="http://schemas.microsoft.com/office/powerpoint/2010/main" val="1895207860"/>
-      </p:ext>
-    </p:extLst>
-  </p:cSld>
-  <p:clrMapOvr>
-    <a:masterClrMapping/>
-  </p:clrMapOvr>
-  <p:timing>
-    <p:tnLst>
-      <p:par>
-        <p:cTn id="1" dur="indefinite" restart="never" nodeType="tmRoot">
-          <p:childTnLst>
-            <p:seq concurrent="1" nextAc="seek">
-              <p:cTn id="2" dur="indefinite" nodeType="mainSeq">
-                <p:childTnLst>
-                  <p:par>
-                    <p:cTn id="3" fill="hold">
-                      <p:stCondLst>
-                        <p:cond delay="indefinite"/>
-                        <p:cond evt="onBegin" delay="0">
-                          <p:tn val="2"/>
-                        </p:cond>
-                      </p:stCondLst>
-                      <p:childTnLst>
-                        <p:par>
-                          <p:cTn id="4" fill="hold">
-                            <p:stCondLst>
-                              <p:cond delay="0"/>
-                            </p:stCondLst>
-                            <p:childTnLst>
-                              <p:par>
-                                <p:cTn id="5" presetID="10" presetClass="entr" presetSubtype="0" fill="hold" grpId="0" nodeType="withEffect">
-                                  <p:stCondLst>
-                                    <p:cond delay="500"/>
-                                  </p:stCondLst>
-                                  <p:iterate type="wd">
-                                    <p:tmPct val="15000"/>
-                                  </p:iterate>
-                                  <p:childTnLst>
-                                    <p:set>
-                                      <p:cBhvr>
-                                        <p:cTn id="6" dur="1" fill="hold">
-                                          <p:stCondLst>
-                                            <p:cond delay="0"/>
-                                          </p:stCondLst>
-                                        </p:cTn>
-                                        <p:tgtEl>
-                                          <p:spTgt spid="2"/>
-                                        </p:tgtEl>
-                                        <p:attrNameLst>
-                                          <p:attrName>style.visibility</p:attrName>
-                                        </p:attrNameLst>
-                                      </p:cBhvr>
-                                      <p:to>
-                                        <p:strVal val="visible"/>
-                                      </p:to>
-                                    </p:set>
-                                    <p:animEffect transition="in" filter="fade">
-                                      <p:cBhvr>
-                                        <p:cTn id="7" dur="1000"/>
-                                        <p:tgtEl>
-                                          <p:spTgt spid="2"/>
-                                        </p:tgtEl>
-                                      </p:cBhvr>
-                                    </p:animEffect>
-                                  </p:childTnLst>
-                                </p:cTn>
-                              </p:par>
-                            </p:childTnLst>
-                          </p:cTn>
-                        </p:par>
-                      </p:childTnLst>
-                    </p:cTn>
-                  </p:par>
-                </p:childTnLst>
-              </p:cTn>
-              <p:prevCondLst>
-                <p:cond evt="onPrev" delay="0">
-                  <p:tgtEl>
-                    <p:sldTgt/>
-                  </p:tgtEl>
-                </p:cond>
-              </p:prevCondLst>
-              <p:nextCondLst>
-                <p:cond evt="onNext" delay="0">
-                  <p:tgtEl>
-                    <p:sldTgt/>
-                  </p:tgtEl>
-                </p:cond>
-              </p:nextCondLst>
-            </p:seq>
-          </p:childTnLst>
-        </p:cTn>
-      </p:par>
-    </p:tnLst>
-    <p:bldLst>
-      <p:bldP spid="2" grpId="0"/>
-    </p:bldLst>
-  </p:timing>
-</p:sld>
-</file>
-
-<file path=ppt/slides/slide14.xml><?xml version="1.0" encoding="utf-8"?>
-<p:sld xmlns:a="http://schemas.openxmlformats.org/drawingml/2006/main" xmlns:r="http://schemas.openxmlformats.org/officeDocument/2006/relationships" xmlns:p="http://schemas.openxmlformats.org/presentationml/2006/main">
-  <p:cSld>
-    <p:bg>
-      <p:bgPr>
-        <a:solidFill>
-          <a:schemeClr val="bg1"/>
-        </a:solidFill>
-        <a:effectLst/>
-      </p:bgPr>
-    </p:bg>
-    <p:spTree>
-      <p:nvGrpSpPr>
-        <p:cNvPr id="1" name=""/>
-        <p:cNvGrpSpPr/>
-        <p:nvPr/>
-      </p:nvGrpSpPr>
-      <p:grpSpPr>
-        <a:xfrm>
-          <a:off x="0" y="0"/>
-          <a:ext cx="0" cy="0"/>
-          <a:chOff x="0" y="0"/>
-          <a:chExt cx="0" cy="0"/>
-        </a:xfrm>
-      </p:grpSpPr>
       <p:sp>
         <p:nvSpPr>
           <p:cNvPr id="2" name="Title 1">
@@ -8496,12 +10076,8 @@
           <a:lstStyle/>
           <a:p>
             <a:r>
-              <a:rPr lang="en-US" b="1" dirty="0">
-                <a:solidFill>
-                  <a:schemeClr val="tx2"/>
-                </a:solidFill>
-              </a:rPr>
-              <a:t>Example PowerShell Script </a:t>
+              <a:rPr lang="en-US" b="1" dirty="0"/>
+              <a:t>Useful Resources</a:t>
             </a:r>
             <a:endParaRPr lang="en-US" dirty="0"/>
           </a:p>
@@ -8746,16 +10322,67 @@
           </a:bodyPr>
           <a:lstStyle/>
           <a:p>
-            <a:pPr marL="0" indent="0">
-              <a:buNone/>
+            <a:pPr>
+              <a:spcBef>
+                <a:spcPts val="3600"/>
+              </a:spcBef>
             </a:pPr>
+            <a:r>
+              <a:rPr lang="en-US" sz="2400" dirty="0"/>
+              <a:t>Linux Text Processing: </a:t>
+            </a:r>
+            <a:r>
+              <a:rPr lang="en-US" sz="2400" dirty="0">
+                <a:solidFill>
+                  <a:schemeClr val="tx2"/>
+                </a:solidFill>
+                <a:hlinkClick r:id="rId3"/>
+              </a:rPr>
+              <a:t>https://tldp.org/LDP/abs/html/textproc.html</a:t>
+            </a:r>
+            <a:endParaRPr lang="en-US" sz="2400" dirty="0">
+              <a:solidFill>
+                <a:schemeClr val="tx2"/>
+              </a:solidFill>
+            </a:endParaRPr>
+          </a:p>
+          <a:p>
+            <a:pPr>
+              <a:spcBef>
+                <a:spcPts val="3600"/>
+              </a:spcBef>
+            </a:pPr>
+            <a:r>
+              <a:rPr lang="en-US" sz="2400" dirty="0"/>
+              <a:t>Fake Apache Log Generator: </a:t>
+            </a:r>
+            <a:r>
+              <a:rPr lang="en-US" sz="2400" dirty="0">
+                <a:solidFill>
+                  <a:schemeClr val="tx2"/>
+                </a:solidFill>
+                <a:hlinkClick r:id="rId4"/>
+              </a:rPr>
+              <a:t>https://github.com/kiritbasu/Fake-Apache-Log-Generator</a:t>
+            </a:r>
             <a:r>
               <a:rPr lang="en-US" sz="2400" dirty="0">
                 <a:solidFill>
                   <a:schemeClr val="tx2"/>
                 </a:solidFill>
               </a:rPr>
-              <a:t>Insert example</a:t>
+              <a:t> </a:t>
+            </a:r>
+          </a:p>
+          <a:p>
+            <a:pPr>
+              <a:spcBef>
+                <a:spcPts val="3600"/>
+              </a:spcBef>
+            </a:pPr>
+            <a:r>
+              <a:rPr lang="en-US" sz="2400" dirty="0"/>
+              <a:t>Microsoft's own documentation for PowerShell is pretty solid.</a:t>
             </a:r>
           </a:p>
         </p:txBody>
@@ -8763,7 +10390,7 @@
     </p:spTree>
     <p:extLst>
       <p:ext uri="{BB962C8B-B14F-4D97-AF65-F5344CB8AC3E}">
-        <p14:creationId xmlns:p14="http://schemas.microsoft.com/office/powerpoint/2010/main" val="3985823780"/>
+        <p14:creationId xmlns:p14="http://schemas.microsoft.com/office/powerpoint/2010/main" val="3940352506"/>
       </p:ext>
     </p:extLst>
   </p:cSld>
@@ -8773,7 +10400,7 @@
 </p:sld>
 </file>
 
-<file path=ppt/slides/slide15.xml><?xml version="1.0" encoding="utf-8"?>
+<file path=ppt/slides/slide19.xml><?xml version="1.0" encoding="utf-8"?>
 <p:sld xmlns:a="http://schemas.openxmlformats.org/drawingml/2006/main" xmlns:r="http://schemas.openxmlformats.org/officeDocument/2006/relationships" xmlns:p="http://schemas.openxmlformats.org/presentationml/2006/main">
   <p:cSld>
     <p:bg>
@@ -8798,964 +10425,6 @@
           <a:chExt cx="0" cy="0"/>
         </a:xfrm>
       </p:grpSpPr>
-      <p:sp useBgFill="1">
-        <p:nvSpPr>
-          <p:cNvPr id="44" name="Rectangle 43">
-            <a:extLst>
-              <a:ext uri="{FF2B5EF4-FFF2-40B4-BE49-F238E27FC236}">
-                <a16:creationId xmlns:a16="http://schemas.microsoft.com/office/drawing/2014/main" id="{3E443FD7-A66B-4AA0-872D-B088B9BC5F17}"/>
-              </a:ext>
-              <a:ext uri="{C183D7F6-B498-43B3-948B-1728B52AA6E4}">
-                <adec:decorative xmlns:adec="http://schemas.microsoft.com/office/drawing/2017/decorative" val="1"/>
-              </a:ext>
-            </a:extLst>
-          </p:cNvPr>
-          <p:cNvSpPr>
-            <a:spLocks noGrp="1" noRot="1" noChangeAspect="1" noMove="1" noResize="1" noEditPoints="1" noAdjustHandles="1" noChangeArrowheads="1" noChangeShapeType="1" noTextEdit="1"/>
-          </p:cNvSpPr>
-          <p:nvPr>
-            <p:extLst>
-              <p:ext uri="{386F3935-93C4-4BCD-93E2-E3B085C9AB24}">
-                <p16:designElem xmlns:p16="http://schemas.microsoft.com/office/powerpoint/2015/main" val="1"/>
-              </p:ext>
-            </p:extLst>
-          </p:nvPr>
-        </p:nvSpPr>
-        <p:spPr>
-          <a:xfrm>
-            <a:off x="0" y="0"/>
-            <a:ext cx="12192000" cy="6858000"/>
-          </a:xfrm>
-          <a:prstGeom prst="rect">
-            <a:avLst/>
-          </a:prstGeom>
-          <a:ln>
-            <a:noFill/>
-          </a:ln>
-        </p:spPr>
-        <p:style>
-          <a:lnRef idx="2">
-            <a:schemeClr val="accent1">
-              <a:shade val="50000"/>
-            </a:schemeClr>
-          </a:lnRef>
-          <a:fillRef idx="1">
-            <a:schemeClr val="accent1"/>
-          </a:fillRef>
-          <a:effectRef idx="0">
-            <a:schemeClr val="accent1"/>
-          </a:effectRef>
-          <a:fontRef idx="minor">
-            <a:schemeClr val="lt1"/>
-          </a:fontRef>
-        </p:style>
-        <p:txBody>
-          <a:bodyPr rtlCol="0" anchor="ctr"/>
-          <a:lstStyle/>
-          <a:p>
-            <a:pPr algn="ctr"/>
-            <a:endParaRPr lang="en-US"/>
-          </a:p>
-        </p:txBody>
-      </p:sp>
-      <p:sp>
-        <p:nvSpPr>
-          <p:cNvPr id="2" name="Title 1">
-            <a:extLst>
-              <a:ext uri="{FF2B5EF4-FFF2-40B4-BE49-F238E27FC236}">
-                <a16:creationId xmlns:a16="http://schemas.microsoft.com/office/drawing/2014/main" id="{0B0E3F05-66EA-43AB-B1A9-F30EAC51059D}"/>
-              </a:ext>
-            </a:extLst>
-          </p:cNvPr>
-          <p:cNvSpPr>
-            <a:spLocks noGrp="1"/>
-          </p:cNvSpPr>
-          <p:nvPr>
-            <p:ph type="title"/>
-          </p:nvPr>
-        </p:nvSpPr>
-        <p:spPr>
-          <a:xfrm>
-            <a:off x="1094095" y="851517"/>
-            <a:ext cx="5238466" cy="2991416"/>
-          </a:xfrm>
-        </p:spPr>
-        <p:txBody>
-          <a:bodyPr vert="horz" lIns="91440" tIns="45720" rIns="91440" bIns="45720" rtlCol="0" anchor="b">
-            <a:normAutofit/>
-          </a:bodyPr>
-          <a:lstStyle/>
-          <a:p>
-            <a:r>
-              <a:rPr lang="en-US" sz="6000" b="1" dirty="0">
-                <a:solidFill>
-                  <a:schemeClr val="tx2"/>
-                </a:solidFill>
-              </a:rPr>
-              <a:t>Live Demo</a:t>
-            </a:r>
-            <a:endParaRPr lang="en-US" sz="6000" kern="1200" dirty="0">
-              <a:solidFill>
-                <a:schemeClr val="tx1"/>
-              </a:solidFill>
-              <a:latin typeface="+mj-lt"/>
-              <a:ea typeface="+mj-ea"/>
-              <a:cs typeface="+mj-cs"/>
-            </a:endParaRPr>
-          </a:p>
-        </p:txBody>
-      </p:sp>
-      <p:sp>
-        <p:nvSpPr>
-          <p:cNvPr id="46" name="Freeform: Shape 45">
-            <a:extLst>
-              <a:ext uri="{FF2B5EF4-FFF2-40B4-BE49-F238E27FC236}">
-                <a16:creationId xmlns:a16="http://schemas.microsoft.com/office/drawing/2014/main" id="{C04BE0EF-3561-49B4-9A29-F283168A91C7}"/>
-              </a:ext>
-              <a:ext uri="{C183D7F6-B498-43B3-948B-1728B52AA6E4}">
-                <adec:decorative xmlns:adec="http://schemas.microsoft.com/office/drawing/2017/decorative" val="1"/>
-              </a:ext>
-            </a:extLst>
-          </p:cNvPr>
-          <p:cNvSpPr>
-            <a:spLocks noGrp="1" noRot="1" noChangeAspect="1" noMove="1" noResize="1" noEditPoints="1" noAdjustHandles="1" noChangeArrowheads="1" noChangeShapeType="1" noTextEdit="1"/>
-          </p:cNvSpPr>
-          <p:nvPr>
-            <p:extLst>
-              <p:ext uri="{386F3935-93C4-4BCD-93E2-E3B085C9AB24}">
-                <p16:designElem xmlns:p16="http://schemas.microsoft.com/office/powerpoint/2015/main" val="1"/>
-              </p:ext>
-            </p:extLst>
-          </p:nvPr>
-        </p:nvSpPr>
-        <p:spPr>
-          <a:xfrm>
-            <a:off x="5510370" y="851518"/>
-            <a:ext cx="6184806" cy="5154967"/>
-          </a:xfrm>
-          <a:custGeom>
-            <a:avLst/>
-            <a:gdLst>
-              <a:gd name="connsiteX0" fmla="*/ 363179 w 6184806"/>
-              <a:gd name="connsiteY0" fmla="*/ 3125191 h 5154967"/>
-              <a:gd name="connsiteX1" fmla="*/ 898270 w 6184806"/>
-              <a:gd name="connsiteY1" fmla="*/ 3125191 h 5154967"/>
-              <a:gd name="connsiteX2" fmla="*/ 980326 w 6184806"/>
-              <a:gd name="connsiteY2" fmla="*/ 3173551 h 5154967"/>
-              <a:gd name="connsiteX3" fmla="*/ 1248448 w 6184806"/>
-              <a:gd name="connsiteY3" fmla="*/ 3635277 h 5154967"/>
-              <a:gd name="connsiteX4" fmla="*/ 1248448 w 6184806"/>
-              <a:gd name="connsiteY4" fmla="*/ 3729695 h 5154967"/>
-              <a:gd name="connsiteX5" fmla="*/ 980326 w 6184806"/>
-              <a:gd name="connsiteY5" fmla="*/ 4191421 h 5154967"/>
-              <a:gd name="connsiteX6" fmla="*/ 898270 w 6184806"/>
-              <a:gd name="connsiteY6" fmla="*/ 4239781 h 5154967"/>
-              <a:gd name="connsiteX7" fmla="*/ 363179 w 6184806"/>
-              <a:gd name="connsiteY7" fmla="*/ 4239781 h 5154967"/>
-              <a:gd name="connsiteX8" fmla="*/ 279969 w 6184806"/>
-              <a:gd name="connsiteY8" fmla="*/ 4191421 h 5154967"/>
-              <a:gd name="connsiteX9" fmla="*/ 13002 w 6184806"/>
-              <a:gd name="connsiteY9" fmla="*/ 3729695 h 5154967"/>
-              <a:gd name="connsiteX10" fmla="*/ 13002 w 6184806"/>
-              <a:gd name="connsiteY10" fmla="*/ 3635277 h 5154967"/>
-              <a:gd name="connsiteX11" fmla="*/ 279969 w 6184806"/>
-              <a:gd name="connsiteY11" fmla="*/ 3173551 h 5154967"/>
-              <a:gd name="connsiteX12" fmla="*/ 363179 w 6184806"/>
-              <a:gd name="connsiteY12" fmla="*/ 3125191 h 5154967"/>
-              <a:gd name="connsiteX13" fmla="*/ 2489721 w 6184806"/>
-              <a:gd name="connsiteY13" fmla="*/ 570035 h 5154967"/>
-              <a:gd name="connsiteX14" fmla="*/ 2764862 w 6184806"/>
-              <a:gd name="connsiteY14" fmla="*/ 570035 h 5154967"/>
-              <a:gd name="connsiteX15" fmla="*/ 2796959 w 6184806"/>
-              <a:gd name="connsiteY15" fmla="*/ 570035 h 5154967"/>
-              <a:gd name="connsiteX16" fmla="*/ 2827587 w 6184806"/>
-              <a:gd name="connsiteY16" fmla="*/ 622777 h 5154967"/>
-              <a:gd name="connsiteX17" fmla="*/ 2977604 w 6184806"/>
-              <a:gd name="connsiteY17" fmla="*/ 881117 h 5154967"/>
-              <a:gd name="connsiteX18" fmla="*/ 2977604 w 6184806"/>
-              <a:gd name="connsiteY18" fmla="*/ 1025720 h 5154967"/>
-              <a:gd name="connsiteX19" fmla="*/ 2566968 w 6184806"/>
-              <a:gd name="connsiteY19" fmla="*/ 1732863 h 5154967"/>
-              <a:gd name="connsiteX20" fmla="*/ 2441299 w 6184806"/>
-              <a:gd name="connsiteY20" fmla="*/ 1806927 h 5154967"/>
-              <a:gd name="connsiteX21" fmla="*/ 1621798 w 6184806"/>
-              <a:gd name="connsiteY21" fmla="*/ 1806927 h 5154967"/>
-              <a:gd name="connsiteX22" fmla="*/ 1583218 w 6184806"/>
-              <a:gd name="connsiteY22" fmla="*/ 1801802 h 5154967"/>
-              <a:gd name="connsiteX23" fmla="*/ 1556683 w 6184806"/>
-              <a:gd name="connsiteY23" fmla="*/ 1790677 h 5154967"/>
-              <a:gd name="connsiteX24" fmla="*/ 1572899 w 6184806"/>
-              <a:gd name="connsiteY24" fmla="*/ 1762630 h 5154967"/>
-              <a:gd name="connsiteX25" fmla="*/ 2147429 w 6184806"/>
-              <a:gd name="connsiteY25" fmla="*/ 768968 h 5154967"/>
-              <a:gd name="connsiteX26" fmla="*/ 2489721 w 6184806"/>
-              <a:gd name="connsiteY26" fmla="*/ 570035 h 5154967"/>
-              <a:gd name="connsiteX27" fmla="*/ 1573268 w 6184806"/>
-              <a:gd name="connsiteY27" fmla="*/ 0 h 5154967"/>
-              <a:gd name="connsiteX28" fmla="*/ 2497662 w 6184806"/>
-              <a:gd name="connsiteY28" fmla="*/ 0 h 5154967"/>
-              <a:gd name="connsiteX29" fmla="*/ 2639415 w 6184806"/>
-              <a:gd name="connsiteY29" fmla="*/ 83546 h 5154967"/>
-              <a:gd name="connsiteX30" fmla="*/ 2887862 w 6184806"/>
-              <a:gd name="connsiteY30" fmla="*/ 511387 h 5154967"/>
-              <a:gd name="connsiteX31" fmla="*/ 2915928 w 6184806"/>
-              <a:gd name="connsiteY31" fmla="*/ 559720 h 5154967"/>
-              <a:gd name="connsiteX32" fmla="*/ 2893844 w 6184806"/>
-              <a:gd name="connsiteY32" fmla="*/ 559720 h 5154967"/>
-              <a:gd name="connsiteX33" fmla="*/ 2789466 w 6184806"/>
-              <a:gd name="connsiteY33" fmla="*/ 559720 h 5154967"/>
-              <a:gd name="connsiteX34" fmla="*/ 2744122 w 6184806"/>
-              <a:gd name="connsiteY34" fmla="*/ 481634 h 5154967"/>
-              <a:gd name="connsiteX35" fmla="*/ 2570885 w 6184806"/>
-              <a:gd name="connsiteY35" fmla="*/ 183309 h 5154967"/>
-              <a:gd name="connsiteX36" fmla="*/ 2445216 w 6184806"/>
-              <a:gd name="connsiteY36" fmla="*/ 109243 h 5154967"/>
-              <a:gd name="connsiteX37" fmla="*/ 1625714 w 6184806"/>
-              <a:gd name="connsiteY37" fmla="*/ 109243 h 5154967"/>
-              <a:gd name="connsiteX38" fmla="*/ 1498276 w 6184806"/>
-              <a:gd name="connsiteY38" fmla="*/ 183309 h 5154967"/>
-              <a:gd name="connsiteX39" fmla="*/ 1089410 w 6184806"/>
-              <a:gd name="connsiteY39" fmla="*/ 890450 h 5154967"/>
-              <a:gd name="connsiteX40" fmla="*/ 1089410 w 6184806"/>
-              <a:gd name="connsiteY40" fmla="*/ 1035054 h 5154967"/>
-              <a:gd name="connsiteX41" fmla="*/ 1498276 w 6184806"/>
-              <a:gd name="connsiteY41" fmla="*/ 1742196 h 5154967"/>
-              <a:gd name="connsiteX42" fmla="*/ 1552039 w 6184806"/>
-              <a:gd name="connsiteY42" fmla="*/ 1796422 h 5154967"/>
-              <a:gd name="connsiteX43" fmla="*/ 1558260 w 6184806"/>
-              <a:gd name="connsiteY43" fmla="*/ 1799029 h 5154967"/>
-              <a:gd name="connsiteX44" fmla="*/ 1524911 w 6184806"/>
-              <a:gd name="connsiteY44" fmla="*/ 1856707 h 5154967"/>
-              <a:gd name="connsiteX45" fmla="*/ 1500108 w 6184806"/>
-              <a:gd name="connsiteY45" fmla="*/ 1899604 h 5154967"/>
-              <a:gd name="connsiteX46" fmla="*/ 1525834 w 6184806"/>
-              <a:gd name="connsiteY46" fmla="*/ 1910390 h 5154967"/>
-              <a:gd name="connsiteX47" fmla="*/ 1569352 w 6184806"/>
-              <a:gd name="connsiteY47" fmla="*/ 1916170 h 5154967"/>
-              <a:gd name="connsiteX48" fmla="*/ 2493745 w 6184806"/>
-              <a:gd name="connsiteY48" fmla="*/ 1916170 h 5154967"/>
-              <a:gd name="connsiteX49" fmla="*/ 2635498 w 6184806"/>
-              <a:gd name="connsiteY49" fmla="*/ 1832627 h 5154967"/>
-              <a:gd name="connsiteX50" fmla="*/ 3098693 w 6184806"/>
-              <a:gd name="connsiteY50" fmla="*/ 1034974 h 5154967"/>
-              <a:gd name="connsiteX51" fmla="*/ 3098693 w 6184806"/>
-              <a:gd name="connsiteY51" fmla="*/ 871863 h 5154967"/>
-              <a:gd name="connsiteX52" fmla="*/ 2945803 w 6184806"/>
-              <a:gd name="connsiteY52" fmla="*/ 608576 h 5154967"/>
-              <a:gd name="connsiteX53" fmla="*/ 2923422 w 6184806"/>
-              <a:gd name="connsiteY53" fmla="*/ 570035 h 5154967"/>
-              <a:gd name="connsiteX54" fmla="*/ 3027104 w 6184806"/>
-              <a:gd name="connsiteY54" fmla="*/ 570035 h 5154967"/>
-              <a:gd name="connsiteX55" fmla="*/ 4690846 w 6184806"/>
-              <a:gd name="connsiteY55" fmla="*/ 570035 h 5154967"/>
-              <a:gd name="connsiteX56" fmla="*/ 5028384 w 6184806"/>
-              <a:gd name="connsiteY56" fmla="*/ 768968 h 5154967"/>
-              <a:gd name="connsiteX57" fmla="*/ 6131323 w 6184806"/>
-              <a:gd name="connsiteY57" fmla="*/ 2668304 h 5154967"/>
-              <a:gd name="connsiteX58" fmla="*/ 6131323 w 6184806"/>
-              <a:gd name="connsiteY58" fmla="*/ 3056698 h 5154967"/>
-              <a:gd name="connsiteX59" fmla="*/ 5028384 w 6184806"/>
-              <a:gd name="connsiteY59" fmla="*/ 4956035 h 5154967"/>
-              <a:gd name="connsiteX60" fmla="*/ 4690846 w 6184806"/>
-              <a:gd name="connsiteY60" fmla="*/ 5154967 h 5154967"/>
-              <a:gd name="connsiteX61" fmla="*/ 2489721 w 6184806"/>
-              <a:gd name="connsiteY61" fmla="*/ 5154967 h 5154967"/>
-              <a:gd name="connsiteX62" fmla="*/ 2147429 w 6184806"/>
-              <a:gd name="connsiteY62" fmla="*/ 4956035 h 5154967"/>
-              <a:gd name="connsiteX63" fmla="*/ 1049243 w 6184806"/>
-              <a:gd name="connsiteY63" fmla="*/ 3056698 h 5154967"/>
-              <a:gd name="connsiteX64" fmla="*/ 1049243 w 6184806"/>
-              <a:gd name="connsiteY64" fmla="*/ 2668304 h 5154967"/>
-              <a:gd name="connsiteX65" fmla="*/ 1457007 w 6184806"/>
-              <a:gd name="connsiteY65" fmla="*/ 1963067 h 5154967"/>
-              <a:gd name="connsiteX66" fmla="*/ 1491373 w 6184806"/>
-              <a:gd name="connsiteY66" fmla="*/ 1903634 h 5154967"/>
-              <a:gd name="connsiteX67" fmla="*/ 1490164 w 6184806"/>
-              <a:gd name="connsiteY67" fmla="*/ 1903127 h 5154967"/>
-              <a:gd name="connsiteX68" fmla="*/ 1429519 w 6184806"/>
-              <a:gd name="connsiteY68" fmla="*/ 1841960 h 5154967"/>
-              <a:gd name="connsiteX69" fmla="*/ 968320 w 6184806"/>
-              <a:gd name="connsiteY69" fmla="*/ 1044307 h 5154967"/>
-              <a:gd name="connsiteX70" fmla="*/ 968320 w 6184806"/>
-              <a:gd name="connsiteY70" fmla="*/ 881196 h 5154967"/>
-              <a:gd name="connsiteX71" fmla="*/ 1429519 w 6184806"/>
-              <a:gd name="connsiteY71" fmla="*/ 83546 h 5154967"/>
-              <a:gd name="connsiteX72" fmla="*/ 1573268 w 6184806"/>
-              <a:gd name="connsiteY72" fmla="*/ 0 h 5154967"/>
-            </a:gdLst>
-            <a:ahLst/>
-            <a:cxnLst>
-              <a:cxn ang="0">
-                <a:pos x="connsiteX0" y="connsiteY0"/>
-              </a:cxn>
-              <a:cxn ang="0">
-                <a:pos x="connsiteX1" y="connsiteY1"/>
-              </a:cxn>
-              <a:cxn ang="0">
-                <a:pos x="connsiteX2" y="connsiteY2"/>
-              </a:cxn>
-              <a:cxn ang="0">
-                <a:pos x="connsiteX3" y="connsiteY3"/>
-              </a:cxn>
-              <a:cxn ang="0">
-                <a:pos x="connsiteX4" y="connsiteY4"/>
-              </a:cxn>
-              <a:cxn ang="0">
-                <a:pos x="connsiteX5" y="connsiteY5"/>
-              </a:cxn>
-              <a:cxn ang="0">
-                <a:pos x="connsiteX6" y="connsiteY6"/>
-              </a:cxn>
-              <a:cxn ang="0">
-                <a:pos x="connsiteX7" y="connsiteY7"/>
-              </a:cxn>
-              <a:cxn ang="0">
-                <a:pos x="connsiteX8" y="connsiteY8"/>
-              </a:cxn>
-              <a:cxn ang="0">
-                <a:pos x="connsiteX9" y="connsiteY9"/>
-              </a:cxn>
-              <a:cxn ang="0">
-                <a:pos x="connsiteX10" y="connsiteY10"/>
-              </a:cxn>
-              <a:cxn ang="0">
-                <a:pos x="connsiteX11" y="connsiteY11"/>
-              </a:cxn>
-              <a:cxn ang="0">
-                <a:pos x="connsiteX12" y="connsiteY12"/>
-              </a:cxn>
-              <a:cxn ang="0">
-                <a:pos x="connsiteX13" y="connsiteY13"/>
-              </a:cxn>
-              <a:cxn ang="0">
-                <a:pos x="connsiteX14" y="connsiteY14"/>
-              </a:cxn>
-              <a:cxn ang="0">
-                <a:pos x="connsiteX15" y="connsiteY15"/>
-              </a:cxn>
-              <a:cxn ang="0">
-                <a:pos x="connsiteX16" y="connsiteY16"/>
-              </a:cxn>
-              <a:cxn ang="0">
-                <a:pos x="connsiteX17" y="connsiteY17"/>
-              </a:cxn>
-              <a:cxn ang="0">
-                <a:pos x="connsiteX18" y="connsiteY18"/>
-              </a:cxn>
-              <a:cxn ang="0">
-                <a:pos x="connsiteX19" y="connsiteY19"/>
-              </a:cxn>
-              <a:cxn ang="0">
-                <a:pos x="connsiteX20" y="connsiteY20"/>
-              </a:cxn>
-              <a:cxn ang="0">
-                <a:pos x="connsiteX21" y="connsiteY21"/>
-              </a:cxn>
-              <a:cxn ang="0">
-                <a:pos x="connsiteX22" y="connsiteY22"/>
-              </a:cxn>
-              <a:cxn ang="0">
-                <a:pos x="connsiteX23" y="connsiteY23"/>
-              </a:cxn>
-              <a:cxn ang="0">
-                <a:pos x="connsiteX24" y="connsiteY24"/>
-              </a:cxn>
-              <a:cxn ang="0">
-                <a:pos x="connsiteX25" y="connsiteY25"/>
-              </a:cxn>
-              <a:cxn ang="0">
-                <a:pos x="connsiteX26" y="connsiteY26"/>
-              </a:cxn>
-              <a:cxn ang="0">
-                <a:pos x="connsiteX27" y="connsiteY27"/>
-              </a:cxn>
-              <a:cxn ang="0">
-                <a:pos x="connsiteX28" y="connsiteY28"/>
-              </a:cxn>
-              <a:cxn ang="0">
-                <a:pos x="connsiteX29" y="connsiteY29"/>
-              </a:cxn>
-              <a:cxn ang="0">
-                <a:pos x="connsiteX30" y="connsiteY30"/>
-              </a:cxn>
-              <a:cxn ang="0">
-                <a:pos x="connsiteX31" y="connsiteY31"/>
-              </a:cxn>
-              <a:cxn ang="0">
-                <a:pos x="connsiteX32" y="connsiteY32"/>
-              </a:cxn>
-              <a:cxn ang="0">
-                <a:pos x="connsiteX33" y="connsiteY33"/>
-              </a:cxn>
-              <a:cxn ang="0">
-                <a:pos x="connsiteX34" y="connsiteY34"/>
-              </a:cxn>
-              <a:cxn ang="0">
-                <a:pos x="connsiteX35" y="connsiteY35"/>
-              </a:cxn>
-              <a:cxn ang="0">
-                <a:pos x="connsiteX36" y="connsiteY36"/>
-              </a:cxn>
-              <a:cxn ang="0">
-                <a:pos x="connsiteX37" y="connsiteY37"/>
-              </a:cxn>
-              <a:cxn ang="0">
-                <a:pos x="connsiteX38" y="connsiteY38"/>
-              </a:cxn>
-              <a:cxn ang="0">
-                <a:pos x="connsiteX39" y="connsiteY39"/>
-              </a:cxn>
-              <a:cxn ang="0">
-                <a:pos x="connsiteX40" y="connsiteY40"/>
-              </a:cxn>
-              <a:cxn ang="0">
-                <a:pos x="connsiteX41" y="connsiteY41"/>
-              </a:cxn>
-              <a:cxn ang="0">
-                <a:pos x="connsiteX42" y="connsiteY42"/>
-              </a:cxn>
-              <a:cxn ang="0">
-                <a:pos x="connsiteX43" y="connsiteY43"/>
-              </a:cxn>
-              <a:cxn ang="0">
-                <a:pos x="connsiteX44" y="connsiteY44"/>
-              </a:cxn>
-              <a:cxn ang="0">
-                <a:pos x="connsiteX45" y="connsiteY45"/>
-              </a:cxn>
-              <a:cxn ang="0">
-                <a:pos x="connsiteX46" y="connsiteY46"/>
-              </a:cxn>
-              <a:cxn ang="0">
-                <a:pos x="connsiteX47" y="connsiteY47"/>
-              </a:cxn>
-              <a:cxn ang="0">
-                <a:pos x="connsiteX48" y="connsiteY48"/>
-              </a:cxn>
-              <a:cxn ang="0">
-                <a:pos x="connsiteX49" y="connsiteY49"/>
-              </a:cxn>
-              <a:cxn ang="0">
-                <a:pos x="connsiteX50" y="connsiteY50"/>
-              </a:cxn>
-              <a:cxn ang="0">
-                <a:pos x="connsiteX51" y="connsiteY51"/>
-              </a:cxn>
-              <a:cxn ang="0">
-                <a:pos x="connsiteX52" y="connsiteY52"/>
-              </a:cxn>
-              <a:cxn ang="0">
-                <a:pos x="connsiteX53" y="connsiteY53"/>
-              </a:cxn>
-              <a:cxn ang="0">
-                <a:pos x="connsiteX54" y="connsiteY54"/>
-              </a:cxn>
-              <a:cxn ang="0">
-                <a:pos x="connsiteX55" y="connsiteY55"/>
-              </a:cxn>
-              <a:cxn ang="0">
-                <a:pos x="connsiteX56" y="connsiteY56"/>
-              </a:cxn>
-              <a:cxn ang="0">
-                <a:pos x="connsiteX57" y="connsiteY57"/>
-              </a:cxn>
-              <a:cxn ang="0">
-                <a:pos x="connsiteX58" y="connsiteY58"/>
-              </a:cxn>
-              <a:cxn ang="0">
-                <a:pos x="connsiteX59" y="connsiteY59"/>
-              </a:cxn>
-              <a:cxn ang="0">
-                <a:pos x="connsiteX60" y="connsiteY60"/>
-              </a:cxn>
-              <a:cxn ang="0">
-                <a:pos x="connsiteX61" y="connsiteY61"/>
-              </a:cxn>
-              <a:cxn ang="0">
-                <a:pos x="connsiteX62" y="connsiteY62"/>
-              </a:cxn>
-              <a:cxn ang="0">
-                <a:pos x="connsiteX63" y="connsiteY63"/>
-              </a:cxn>
-              <a:cxn ang="0">
-                <a:pos x="connsiteX64" y="connsiteY64"/>
-              </a:cxn>
-              <a:cxn ang="0">
-                <a:pos x="connsiteX65" y="connsiteY65"/>
-              </a:cxn>
-              <a:cxn ang="0">
-                <a:pos x="connsiteX66" y="connsiteY66"/>
-              </a:cxn>
-              <a:cxn ang="0">
-                <a:pos x="connsiteX67" y="connsiteY67"/>
-              </a:cxn>
-              <a:cxn ang="0">
-                <a:pos x="connsiteX68" y="connsiteY68"/>
-              </a:cxn>
-              <a:cxn ang="0">
-                <a:pos x="connsiteX69" y="connsiteY69"/>
-              </a:cxn>
-              <a:cxn ang="0">
-                <a:pos x="connsiteX70" y="connsiteY70"/>
-              </a:cxn>
-              <a:cxn ang="0">
-                <a:pos x="connsiteX71" y="connsiteY71"/>
-              </a:cxn>
-              <a:cxn ang="0">
-                <a:pos x="connsiteX72" y="connsiteY72"/>
-              </a:cxn>
-            </a:cxnLst>
-            <a:rect l="l" t="t" r="r" b="b"/>
-            <a:pathLst>
-              <a:path w="6184806" h="5154967">
-                <a:moveTo>
-                  <a:pt x="363179" y="3125191"/>
-                </a:moveTo>
-                <a:cubicBezTo>
-                  <a:pt x="363179" y="3125191"/>
-                  <a:pt x="363179" y="3125191"/>
-                  <a:pt x="898270" y="3125191"/>
-                </a:cubicBezTo>
-                <a:cubicBezTo>
-                  <a:pt x="931786" y="3125191"/>
-                  <a:pt x="964145" y="3143614"/>
-                  <a:pt x="980326" y="3173551"/>
-                </a:cubicBezTo>
-                <a:cubicBezTo>
-                  <a:pt x="980326" y="3173551"/>
-                  <a:pt x="980326" y="3173551"/>
-                  <a:pt x="1248448" y="3635277"/>
-                </a:cubicBezTo>
-                <a:cubicBezTo>
-                  <a:pt x="1265784" y="3664063"/>
-                  <a:pt x="1265784" y="3700909"/>
-                  <a:pt x="1248448" y="3729695"/>
-                </a:cubicBezTo>
-                <a:cubicBezTo>
-                  <a:pt x="1248448" y="3729695"/>
-                  <a:pt x="1248448" y="3729695"/>
-                  <a:pt x="980326" y="4191421"/>
-                </a:cubicBezTo>
-                <a:cubicBezTo>
-                  <a:pt x="964145" y="4221358"/>
-                  <a:pt x="931786" y="4239781"/>
-                  <a:pt x="898270" y="4239781"/>
-                </a:cubicBezTo>
-                <a:cubicBezTo>
-                  <a:pt x="898270" y="4239781"/>
-                  <a:pt x="898270" y="4239781"/>
-                  <a:pt x="363179" y="4239781"/>
-                </a:cubicBezTo>
-                <a:cubicBezTo>
-                  <a:pt x="328508" y="4239781"/>
-                  <a:pt x="297305" y="4221358"/>
-                  <a:pt x="279969" y="4191421"/>
-                </a:cubicBezTo>
-                <a:cubicBezTo>
-                  <a:pt x="279969" y="4191421"/>
-                  <a:pt x="279969" y="4191421"/>
-                  <a:pt x="13002" y="3729695"/>
-                </a:cubicBezTo>
-                <a:cubicBezTo>
-                  <a:pt x="-4334" y="3700909"/>
-                  <a:pt x="-4334" y="3664063"/>
-                  <a:pt x="13002" y="3635277"/>
-                </a:cubicBezTo>
-                <a:cubicBezTo>
-                  <a:pt x="13002" y="3635277"/>
-                  <a:pt x="13002" y="3635277"/>
-                  <a:pt x="279969" y="3173551"/>
-                </a:cubicBezTo>
-                <a:cubicBezTo>
-                  <a:pt x="297305" y="3143614"/>
-                  <a:pt x="328508" y="3125191"/>
-                  <a:pt x="363179" y="3125191"/>
-                </a:cubicBezTo>
-                <a:close/>
-                <a:moveTo>
-                  <a:pt x="2489721" y="570035"/>
-                </a:moveTo>
-                <a:cubicBezTo>
-                  <a:pt x="2489721" y="570035"/>
-                  <a:pt x="2489721" y="570035"/>
-                  <a:pt x="2764862" y="570035"/>
-                </a:cubicBezTo>
-                <a:lnTo>
-                  <a:pt x="2796959" y="570035"/>
-                </a:lnTo>
-                <a:lnTo>
-                  <a:pt x="2827587" y="622777"/>
-                </a:lnTo>
-                <a:cubicBezTo>
-                  <a:pt x="2870233" y="696217"/>
-                  <a:pt x="2919858" y="781675"/>
-                  <a:pt x="2977604" y="881117"/>
-                </a:cubicBezTo>
-                <a:cubicBezTo>
-                  <a:pt x="3004153" y="925204"/>
-                  <a:pt x="3004153" y="981634"/>
-                  <a:pt x="2977604" y="1025720"/>
-                </a:cubicBezTo>
-                <a:cubicBezTo>
-                  <a:pt x="2977604" y="1025720"/>
-                  <a:pt x="2977604" y="1025720"/>
-                  <a:pt x="2566968" y="1732863"/>
-                </a:cubicBezTo>
-                <a:cubicBezTo>
-                  <a:pt x="2542188" y="1778712"/>
-                  <a:pt x="2492629" y="1806927"/>
-                  <a:pt x="2441299" y="1806927"/>
-                </a:cubicBezTo>
-                <a:cubicBezTo>
-                  <a:pt x="2441299" y="1806927"/>
-                  <a:pt x="2441299" y="1806927"/>
-                  <a:pt x="1621798" y="1806927"/>
-                </a:cubicBezTo>
-                <a:cubicBezTo>
-                  <a:pt x="1608523" y="1806927"/>
-                  <a:pt x="1595580" y="1805163"/>
-                  <a:pt x="1583218" y="1801802"/>
-                </a:cubicBezTo>
-                <a:lnTo>
-                  <a:pt x="1556683" y="1790677"/>
-                </a:lnTo>
-                <a:lnTo>
-                  <a:pt x="1572899" y="1762630"/>
-                </a:lnTo>
-                <a:cubicBezTo>
-                  <a:pt x="1719523" y="1509042"/>
-                  <a:pt x="1907201" y="1184448"/>
-                  <a:pt x="2147429" y="768968"/>
-                </a:cubicBezTo>
-                <a:cubicBezTo>
-                  <a:pt x="2218739" y="645819"/>
-                  <a:pt x="2347099" y="570035"/>
-                  <a:pt x="2489721" y="570035"/>
-                </a:cubicBezTo>
-                <a:close/>
-                <a:moveTo>
-                  <a:pt x="1573268" y="0"/>
-                </a:moveTo>
-                <a:cubicBezTo>
-                  <a:pt x="1573268" y="0"/>
-                  <a:pt x="1573268" y="0"/>
-                  <a:pt x="2497662" y="0"/>
-                </a:cubicBezTo>
-                <a:cubicBezTo>
-                  <a:pt x="2555561" y="0"/>
-                  <a:pt x="2611463" y="31828"/>
-                  <a:pt x="2639415" y="83546"/>
-                </a:cubicBezTo>
-                <a:cubicBezTo>
-                  <a:pt x="2639415" y="83546"/>
-                  <a:pt x="2639415" y="83546"/>
-                  <a:pt x="2887862" y="511387"/>
-                </a:cubicBezTo>
-                <a:lnTo>
-                  <a:pt x="2915928" y="559720"/>
-                </a:lnTo>
-                <a:lnTo>
-                  <a:pt x="2893844" y="559720"/>
-                </a:lnTo>
-                <a:lnTo>
-                  <a:pt x="2789466" y="559720"/>
-                </a:lnTo>
-                <a:lnTo>
-                  <a:pt x="2744122" y="481634"/>
-                </a:lnTo>
-                <a:cubicBezTo>
-                  <a:pt x="2570885" y="183309"/>
-                  <a:pt x="2570885" y="183309"/>
-                  <a:pt x="2570885" y="183309"/>
-                </a:cubicBezTo>
-                <a:cubicBezTo>
-                  <a:pt x="2546104" y="137459"/>
-                  <a:pt x="2496545" y="109243"/>
-                  <a:pt x="2445216" y="109243"/>
-                </a:cubicBezTo>
-                <a:cubicBezTo>
-                  <a:pt x="1625714" y="109243"/>
-                  <a:pt x="1625714" y="109243"/>
-                  <a:pt x="1625714" y="109243"/>
-                </a:cubicBezTo>
-                <a:cubicBezTo>
-                  <a:pt x="1572615" y="109243"/>
-                  <a:pt x="1524825" y="137459"/>
-                  <a:pt x="1498276" y="183309"/>
-                </a:cubicBezTo>
-                <a:cubicBezTo>
-                  <a:pt x="1089410" y="890450"/>
-                  <a:pt x="1089410" y="890450"/>
-                  <a:pt x="1089410" y="890450"/>
-                </a:cubicBezTo>
-                <a:cubicBezTo>
-                  <a:pt x="1062860" y="934537"/>
-                  <a:pt x="1062860" y="990967"/>
-                  <a:pt x="1089410" y="1035054"/>
-                </a:cubicBezTo>
-                <a:cubicBezTo>
-                  <a:pt x="1498276" y="1742196"/>
-                  <a:pt x="1498276" y="1742196"/>
-                  <a:pt x="1498276" y="1742196"/>
-                </a:cubicBezTo>
-                <a:cubicBezTo>
-                  <a:pt x="1511551" y="1765121"/>
-                  <a:pt x="1530135" y="1783637"/>
-                  <a:pt x="1552039" y="1796422"/>
-                </a:cubicBezTo>
-                <a:lnTo>
-                  <a:pt x="1558260" y="1799029"/>
-                </a:lnTo>
-                <a:lnTo>
-                  <a:pt x="1524911" y="1856707"/>
-                </a:lnTo>
-                <a:lnTo>
-                  <a:pt x="1500108" y="1899604"/>
-                </a:lnTo>
-                <a:lnTo>
-                  <a:pt x="1525834" y="1910390"/>
-                </a:lnTo>
-                <a:cubicBezTo>
-                  <a:pt x="1539779" y="1914181"/>
-                  <a:pt x="1554378" y="1916170"/>
-                  <a:pt x="1569352" y="1916170"/>
-                </a:cubicBezTo>
-                <a:cubicBezTo>
-                  <a:pt x="2493745" y="1916170"/>
-                  <a:pt x="2493745" y="1916170"/>
-                  <a:pt x="2493745" y="1916170"/>
-                </a:cubicBezTo>
-                <a:cubicBezTo>
-                  <a:pt x="2551645" y="1916170"/>
-                  <a:pt x="2607546" y="1884345"/>
-                  <a:pt x="2635498" y="1832627"/>
-                </a:cubicBezTo>
-                <a:cubicBezTo>
-                  <a:pt x="3098693" y="1034974"/>
-                  <a:pt x="3098693" y="1034974"/>
-                  <a:pt x="3098693" y="1034974"/>
-                </a:cubicBezTo>
-                <a:cubicBezTo>
-                  <a:pt x="3128641" y="985246"/>
-                  <a:pt x="3128641" y="921593"/>
-                  <a:pt x="3098693" y="871863"/>
-                </a:cubicBezTo>
-                <a:cubicBezTo>
-                  <a:pt x="3040794" y="772157"/>
-                  <a:pt x="2990132" y="684914"/>
-                  <a:pt x="2945803" y="608576"/>
-                </a:cubicBezTo>
-                <a:lnTo>
-                  <a:pt x="2923422" y="570035"/>
-                </a:lnTo>
-                <a:lnTo>
-                  <a:pt x="3027104" y="570035"/>
-                </a:lnTo>
-                <a:cubicBezTo>
-                  <a:pt x="3349535" y="570035"/>
-                  <a:pt x="3865424" y="570035"/>
-                  <a:pt x="4690846" y="570035"/>
-                </a:cubicBezTo>
-                <a:cubicBezTo>
-                  <a:pt x="4828714" y="570035"/>
-                  <a:pt x="4961827" y="645819"/>
-                  <a:pt x="5028384" y="768968"/>
-                </a:cubicBezTo>
-                <a:cubicBezTo>
-                  <a:pt x="5028384" y="768968"/>
-                  <a:pt x="5028384" y="768968"/>
-                  <a:pt x="6131323" y="2668304"/>
-                </a:cubicBezTo>
-                <a:cubicBezTo>
-                  <a:pt x="6202634" y="2786717"/>
-                  <a:pt x="6202634" y="2938285"/>
-                  <a:pt x="6131323" y="3056698"/>
-                </a:cubicBezTo>
-                <a:cubicBezTo>
-                  <a:pt x="6131323" y="3056698"/>
-                  <a:pt x="6131323" y="3056698"/>
-                  <a:pt x="5028384" y="4956035"/>
-                </a:cubicBezTo>
-                <a:cubicBezTo>
-                  <a:pt x="4961827" y="5079184"/>
-                  <a:pt x="4828714" y="5154967"/>
-                  <a:pt x="4690846" y="5154967"/>
-                </a:cubicBezTo>
-                <a:cubicBezTo>
-                  <a:pt x="4690846" y="5154967"/>
-                  <a:pt x="4690846" y="5154967"/>
-                  <a:pt x="2489721" y="5154967"/>
-                </a:cubicBezTo>
-                <a:cubicBezTo>
-                  <a:pt x="2347099" y="5154967"/>
-                  <a:pt x="2218739" y="5079184"/>
-                  <a:pt x="2147429" y="4956035"/>
-                </a:cubicBezTo>
-                <a:cubicBezTo>
-                  <a:pt x="2147429" y="4956035"/>
-                  <a:pt x="2147429" y="4956035"/>
-                  <a:pt x="1049243" y="3056698"/>
-                </a:cubicBezTo>
-                <a:cubicBezTo>
-                  <a:pt x="977932" y="2938285"/>
-                  <a:pt x="977932" y="2786717"/>
-                  <a:pt x="1049243" y="2668304"/>
-                </a:cubicBezTo>
-                <a:cubicBezTo>
-                  <a:pt x="1049243" y="2668304"/>
-                  <a:pt x="1049243" y="2668304"/>
-                  <a:pt x="1457007" y="1963067"/>
-                </a:cubicBezTo>
-                <a:lnTo>
-                  <a:pt x="1491373" y="1903634"/>
-                </a:lnTo>
-                <a:lnTo>
-                  <a:pt x="1490164" y="1903127"/>
-                </a:lnTo>
-                <a:cubicBezTo>
-                  <a:pt x="1465456" y="1888705"/>
-                  <a:pt x="1444493" y="1867820"/>
-                  <a:pt x="1429519" y="1841960"/>
-                </a:cubicBezTo>
-                <a:cubicBezTo>
-                  <a:pt x="1429519" y="1841960"/>
-                  <a:pt x="1429519" y="1841960"/>
-                  <a:pt x="968320" y="1044307"/>
-                </a:cubicBezTo>
-                <a:cubicBezTo>
-                  <a:pt x="938371" y="994579"/>
-                  <a:pt x="938371" y="930926"/>
-                  <a:pt x="968320" y="881196"/>
-                </a:cubicBezTo>
-                <a:cubicBezTo>
-                  <a:pt x="968320" y="881196"/>
-                  <a:pt x="968320" y="881196"/>
-                  <a:pt x="1429519" y="83546"/>
-                </a:cubicBezTo>
-                <a:cubicBezTo>
-                  <a:pt x="1459466" y="31828"/>
-                  <a:pt x="1513373" y="0"/>
-                  <a:pt x="1573268" y="0"/>
-                </a:cubicBezTo>
-                <a:close/>
-              </a:path>
-            </a:pathLst>
-          </a:custGeom>
-          <a:solidFill>
-            <a:schemeClr val="tx1">
-              <a:lumMod val="50000"/>
-              <a:lumOff val="50000"/>
-              <a:alpha val="15000"/>
-            </a:schemeClr>
-          </a:solidFill>
-          <a:ln>
-            <a:noFill/>
-          </a:ln>
-        </p:spPr>
-        <p:style>
-          <a:lnRef idx="2">
-            <a:schemeClr val="accent1">
-              <a:shade val="50000"/>
-            </a:schemeClr>
-          </a:lnRef>
-          <a:fillRef idx="1">
-            <a:schemeClr val="accent1"/>
-          </a:fillRef>
-          <a:effectRef idx="0">
-            <a:schemeClr val="accent1"/>
-          </a:effectRef>
-          <a:fontRef idx="minor">
-            <a:schemeClr val="lt1"/>
-          </a:fontRef>
-        </p:style>
-        <p:txBody>
-          <a:bodyPr wrap="square" rtlCol="0" anchor="ctr">
-            <a:noAutofit/>
-          </a:bodyPr>
-          <a:lstStyle/>
-          <a:p>
-            <a:pPr algn="ctr"/>
-            <a:endParaRPr lang="en-US"/>
-          </a:p>
-        </p:txBody>
-      </p:sp>
-      <p:pic>
-        <p:nvPicPr>
-          <p:cNvPr id="34" name="Graphic 33" descr="Monitor">
-            <a:extLst>
-              <a:ext uri="{FF2B5EF4-FFF2-40B4-BE49-F238E27FC236}">
-                <a16:creationId xmlns:a16="http://schemas.microsoft.com/office/drawing/2014/main" id="{5E7E4139-DA67-408E-9A8A-68078F7D9C1C}"/>
-              </a:ext>
-            </a:extLst>
-          </p:cNvPr>
-          <p:cNvPicPr>
-            <a:picLocks noChangeAspect="1"/>
-          </p:cNvPicPr>
-          <p:nvPr/>
-        </p:nvPicPr>
-        <p:blipFill>
-          <a:blip r:embed="rId3">
-            <a:extLst>
-              <a:ext uri="{28A0092B-C50C-407E-A947-70E740481C1C}">
-                <a14:useLocalDpi xmlns:a14="http://schemas.microsoft.com/office/drawing/2010/main" val="0"/>
-              </a:ext>
-              <a:ext uri="{96DAC541-7B7A-43D3-8B79-37D633B846F1}">
-                <asvg:svgBlip xmlns:asvg="http://schemas.microsoft.com/office/drawing/2016/SVG/main" r:embed="rId4"/>
-              </a:ext>
-            </a:extLst>
-          </a:blip>
-          <a:stretch>
-            <a:fillRect/>
-          </a:stretch>
-        </p:blipFill>
-        <p:spPr>
-          <a:xfrm>
-            <a:off x="7531503" y="2129307"/>
-            <a:ext cx="3217333" cy="3217333"/>
-          </a:xfrm>
-          <a:prstGeom prst="rect">
-            <a:avLst/>
-          </a:prstGeom>
-        </p:spPr>
-      </p:pic>
-    </p:spTree>
-    <p:extLst>
-      <p:ext uri="{BB962C8B-B14F-4D97-AF65-F5344CB8AC3E}">
-        <p14:creationId xmlns:p14="http://schemas.microsoft.com/office/powerpoint/2010/main" val="296155989"/>
-      </p:ext>
-    </p:extLst>
-  </p:cSld>
-  <p:clrMapOvr>
-    <a:masterClrMapping/>
-  </p:clrMapOvr>
-</p:sld>
-</file>
-
-<file path=ppt/slides/slide16.xml><?xml version="1.0" encoding="utf-8"?>
-<p:sld xmlns:a="http://schemas.openxmlformats.org/drawingml/2006/main" xmlns:r="http://schemas.openxmlformats.org/officeDocument/2006/relationships" xmlns:p="http://schemas.openxmlformats.org/presentationml/2006/main">
-  <p:cSld>
-    <p:bg>
-      <p:bgPr>
-        <a:solidFill>
-          <a:schemeClr val="bg1"/>
-        </a:solidFill>
-        <a:effectLst/>
-      </p:bgPr>
-    </p:bg>
-    <p:spTree>
-      <p:nvGrpSpPr>
-        <p:cNvPr id="1" name=""/>
-        <p:cNvGrpSpPr/>
-        <p:nvPr/>
-      </p:nvGrpSpPr>
-      <p:grpSpPr>
-        <a:xfrm>
-          <a:off x="0" y="0"/>
-          <a:ext cx="0" cy="0"/>
-          <a:chOff x="0" y="0"/>
-          <a:chExt cx="0" cy="0"/>
-        </a:xfrm>
-      </p:grpSpPr>
       <p:sp>
         <p:nvSpPr>
           <p:cNvPr id="2" name="Title 1">
@@ -9785,12 +10454,8 @@
           <a:lstStyle/>
           <a:p>
             <a:r>
-              <a:rPr lang="en-US" b="1" dirty="0">
-                <a:solidFill>
-                  <a:schemeClr val="tx2"/>
-                </a:solidFill>
-              </a:rPr>
-              <a:t>Thank you for your time</a:t>
+              <a:rPr lang="en-US" b="1" dirty="0"/>
+              <a:t>Proud Sponsors</a:t>
             </a:r>
             <a:endParaRPr lang="en-US" dirty="0"/>
           </a:p>
@@ -10007,48 +10672,102 @@
           </a:p>
         </p:txBody>
       </p:sp>
-      <p:sp>
-        <p:nvSpPr>
-          <p:cNvPr id="3" name="Content Placeholder 2">
-            <a:extLst>
-              <a:ext uri="{FF2B5EF4-FFF2-40B4-BE49-F238E27FC236}">
-                <a16:creationId xmlns:a16="http://schemas.microsoft.com/office/drawing/2014/main" id="{DBB88942-6618-4B2C-A985-47153DAC76EE}"/>
-              </a:ext>
-            </a:extLst>
-          </p:cNvPr>
-          <p:cNvSpPr>
-            <a:spLocks noGrp="1"/>
-          </p:cNvSpPr>
-          <p:nvPr>
-            <p:ph idx="1"/>
-          </p:nvPr>
-        </p:nvSpPr>
+      <p:pic>
+        <p:nvPicPr>
+          <p:cNvPr id="10" name="Picture 9">
+            <a:extLst>
+              <a:ext uri="{FF2B5EF4-FFF2-40B4-BE49-F238E27FC236}">
+                <a16:creationId xmlns:a16="http://schemas.microsoft.com/office/drawing/2014/main" id="{BA6919B9-ED96-41BA-A7D8-E4B333B3DF54}"/>
+              </a:ext>
+            </a:extLst>
+          </p:cNvPr>
+          <p:cNvPicPr>
+            <a:picLocks noChangeAspect="1"/>
+          </p:cNvPicPr>
+          <p:nvPr/>
+        </p:nvPicPr>
+        <p:blipFill>
+          <a:blip r:embed="rId3"/>
+          <a:stretch>
+            <a:fillRect/>
+          </a:stretch>
+        </p:blipFill>
         <p:spPr>
           <a:xfrm>
-            <a:off x="1653363" y="1920240"/>
-            <a:ext cx="9367204" cy="4297680"/>
+            <a:off x="6701490" y="1752248"/>
+            <a:ext cx="4003861" cy="2655622"/>
           </a:xfrm>
+          <a:prstGeom prst="rect">
+            <a:avLst/>
+          </a:prstGeom>
         </p:spPr>
-        <p:txBody>
-          <a:bodyPr anchor="t">
-            <a:normAutofit/>
-          </a:bodyPr>
-          <a:lstStyle/>
-          <a:p>
-            <a:pPr marL="0" indent="0">
-              <a:buNone/>
-            </a:pPr>
-            <a:r>
-              <a:rPr lang="en-US" sz="2400" dirty="0">
-                <a:solidFill>
-                  <a:schemeClr val="tx2"/>
-                </a:solidFill>
-              </a:rPr>
-              <a:t>Questions?</a:t>
-            </a:r>
-          </a:p>
-        </p:txBody>
-      </p:sp>
+      </p:pic>
+      <p:pic>
+        <p:nvPicPr>
+          <p:cNvPr id="13" name="Picture 12" descr="Text&#10;&#10;Description automatically generated">
+            <a:extLst>
+              <a:ext uri="{FF2B5EF4-FFF2-40B4-BE49-F238E27FC236}">
+                <a16:creationId xmlns:a16="http://schemas.microsoft.com/office/drawing/2014/main" id="{3FD63883-A5CE-43BF-A49A-EED85B0260D4}"/>
+              </a:ext>
+            </a:extLst>
+          </p:cNvPr>
+          <p:cNvPicPr>
+            <a:picLocks noChangeAspect="1"/>
+          </p:cNvPicPr>
+          <p:nvPr/>
+        </p:nvPicPr>
+        <p:blipFill>
+          <a:blip r:embed="rId4">
+            <a:extLst>
+              <a:ext uri="{28A0092B-C50C-407E-A947-70E740481C1C}">
+                <a14:useLocalDpi xmlns:a14="http://schemas.microsoft.com/office/drawing/2010/main" val="0"/>
+              </a:ext>
+            </a:extLst>
+          </a:blip>
+          <a:stretch>
+            <a:fillRect/>
+          </a:stretch>
+        </p:blipFill>
+        <p:spPr>
+          <a:xfrm>
+            <a:off x="2867678" y="5028094"/>
+            <a:ext cx="6456644" cy="1464146"/>
+          </a:xfrm>
+          <a:prstGeom prst="rect">
+            <a:avLst/>
+          </a:prstGeom>
+        </p:spPr>
+      </p:pic>
+      <p:pic>
+        <p:nvPicPr>
+          <p:cNvPr id="15" name="Picture 14">
+            <a:extLst>
+              <a:ext uri="{FF2B5EF4-FFF2-40B4-BE49-F238E27FC236}">
+                <a16:creationId xmlns:a16="http://schemas.microsoft.com/office/drawing/2014/main" id="{63D3E94D-B740-482C-AC93-76F411D170C9}"/>
+              </a:ext>
+            </a:extLst>
+          </p:cNvPr>
+          <p:cNvPicPr>
+            <a:picLocks noChangeAspect="1"/>
+          </p:cNvPicPr>
+          <p:nvPr/>
+        </p:nvPicPr>
+        <p:blipFill>
+          <a:blip r:embed="rId5"/>
+          <a:stretch>
+            <a:fillRect/>
+          </a:stretch>
+        </p:blipFill>
+        <p:spPr>
+          <a:xfrm>
+            <a:off x="2385241" y="1815475"/>
+            <a:ext cx="2488593" cy="2529168"/>
+          </a:xfrm>
+          <a:prstGeom prst="rect">
+            <a:avLst/>
+          </a:prstGeom>
+        </p:spPr>
+      </p:pic>
     </p:spTree>
     <p:extLst>
       <p:ext uri="{BB962C8B-B14F-4D97-AF65-F5344CB8AC3E}">
@@ -10239,11 +10958,7 @@
           <a:lstStyle/>
           <a:p>
             <a:r>
-              <a:rPr lang="en-US" b="1" dirty="0">
-                <a:solidFill>
-                  <a:schemeClr val="tx2"/>
-                </a:solidFill>
-              </a:rPr>
+              <a:rPr lang="en-US" b="1" dirty="0"/>
               <a:t>Objectives:</a:t>
             </a:r>
           </a:p>
@@ -10316,52 +11031,35 @@
           </a:bodyPr>
           <a:lstStyle/>
           <a:p>
-            <a:r>
-              <a:rPr lang="en-US" sz="2400" dirty="0">
-                <a:solidFill>
-                  <a:schemeClr val="tx2"/>
-                </a:solidFill>
-              </a:rPr>
-              <a:t>Understand what log files are, how they are used, and where to find them.</a:t>
-            </a:r>
-          </a:p>
-          <a:p>
-            <a:pPr marL="0" indent="0">
-              <a:buNone/>
+            <a:pPr>
+              <a:spcBef>
+                <a:spcPts val="3600"/>
+              </a:spcBef>
             </a:pPr>
-            <a:endParaRPr lang="en-US" sz="2400" dirty="0">
-              <a:solidFill>
-                <a:schemeClr val="tx2"/>
-              </a:solidFill>
-            </a:endParaRPr>
-          </a:p>
-          <a:p>
-            <a:r>
-              <a:rPr lang="en-US" sz="2400" dirty="0">
-                <a:solidFill>
-                  <a:schemeClr val="tx2"/>
-                </a:solidFill>
-              </a:rPr>
+            <a:r>
+              <a:rPr lang="en-US" sz="2400" dirty="0"/>
+              <a:t>Understand what log files are on Windows and Linux operating systems.</a:t>
+            </a:r>
+          </a:p>
+          <a:p>
+            <a:pPr>
+              <a:spcBef>
+                <a:spcPts val="3600"/>
+              </a:spcBef>
+            </a:pPr>
+            <a:r>
+              <a:rPr lang="en-US" sz="2400" dirty="0"/>
               <a:t>Understand the basics of analyzing log files in Linux command line and PowerShell.</a:t>
             </a:r>
           </a:p>
           <a:p>
-            <a:pPr marL="0" indent="0">
-              <a:buNone/>
+            <a:pPr>
+              <a:spcBef>
+                <a:spcPts val="3600"/>
+              </a:spcBef>
             </a:pPr>
-            <a:endParaRPr lang="en-US" sz="2400" dirty="0">
-              <a:solidFill>
-                <a:schemeClr val="tx2"/>
-              </a:solidFill>
-            </a:endParaRPr>
-          </a:p>
-          <a:p>
-            <a:r>
-              <a:rPr lang="en-US" sz="2400" dirty="0">
-                <a:solidFill>
-                  <a:schemeClr val="tx2"/>
-                </a:solidFill>
-              </a:rPr>
+            <a:r>
+              <a:rPr lang="en-US" sz="2400" dirty="0"/>
               <a:t>Understand the basics of scripting in Bash and PowerShell to aid in our analysis.</a:t>
             </a:r>
           </a:p>
@@ -13310,12 +14008,8 @@
           <a:lstStyle/>
           <a:p>
             <a:r>
-              <a:rPr lang="en-US" b="1" dirty="0">
-                <a:solidFill>
-                  <a:schemeClr val="tx2"/>
-                </a:solidFill>
-              </a:rPr>
-              <a:t>What are log files? Why should I care?</a:t>
+              <a:rPr lang="en-US" b="1" dirty="0"/>
+              <a:t>Introduction</a:t>
             </a:r>
             <a:endParaRPr lang="en-US" dirty="0"/>
           </a:p>
@@ -13556,44 +14250,154 @@
         </p:spPr>
         <p:txBody>
           <a:bodyPr anchor="t">
-            <a:normAutofit/>
+            <a:normAutofit lnSpcReduction="10000"/>
           </a:bodyPr>
           <a:lstStyle/>
           <a:p>
-            <a:pPr marL="0" indent="0">
-              <a:buNone/>
+            <a:pPr>
+              <a:spcBef>
+                <a:spcPts val="3600"/>
+              </a:spcBef>
             </a:pPr>
             <a:r>
-              <a:rPr lang="en-US" sz="2400" dirty="0">
-                <a:solidFill>
-                  <a:schemeClr val="tx2"/>
-                </a:solidFill>
-              </a:rPr>
+              <a:rPr lang="en-US" sz="2400" dirty="0"/>
               <a:t>“A log file is a file that records either events that occur in an operating system or other software runs, or messages between different users of a communication software.” (Wikipedia).</a:t>
             </a:r>
           </a:p>
           <a:p>
-            <a:pPr marL="0" indent="0">
-              <a:buNone/>
+            <a:pPr>
+              <a:spcBef>
+                <a:spcPts val="3600"/>
+              </a:spcBef>
             </a:pPr>
-            <a:endParaRPr lang="en-US" sz="2400" dirty="0">
-              <a:solidFill>
-                <a:schemeClr val="tx2"/>
-              </a:solidFill>
-            </a:endParaRPr>
-          </a:p>
-          <a:p>
-            <a:pPr marL="0" indent="0">
-              <a:buNone/>
+            <a:r>
+              <a:rPr lang="en-US" sz="2400" dirty="0"/>
+              <a:t>Logs vs network traffic</a:t>
+            </a:r>
+          </a:p>
+          <a:p>
+            <a:pPr>
+              <a:spcBef>
+                <a:spcPts val="3600"/>
+              </a:spcBef>
             </a:pPr>
-            <a:endParaRPr lang="en-US" sz="2400" dirty="0">
-              <a:solidFill>
-                <a:schemeClr val="tx2"/>
-              </a:solidFill>
-            </a:endParaRPr>
-          </a:p>
-        </p:txBody>
-      </p:sp>
+            <a:r>
+              <a:rPr lang="en-US" sz="2400" dirty="0"/>
+              <a:t>Used by:</a:t>
+            </a:r>
+          </a:p>
+          <a:p>
+            <a:pPr lvl="1">
+              <a:spcBef>
+                <a:spcPts val="1200"/>
+              </a:spcBef>
+            </a:pPr>
+            <a:r>
+              <a:rPr lang="en-US" sz="2000" b="1" dirty="0"/>
+              <a:t>Cybersecurity Analysts</a:t>
+            </a:r>
+          </a:p>
+          <a:p>
+            <a:pPr lvl="1">
+              <a:spcBef>
+                <a:spcPts val="1200"/>
+              </a:spcBef>
+            </a:pPr>
+            <a:r>
+              <a:rPr lang="en-US" sz="2000" b="1" dirty="0"/>
+              <a:t>System Administrators</a:t>
+            </a:r>
+          </a:p>
+          <a:p>
+            <a:pPr lvl="1">
+              <a:spcBef>
+                <a:spcPts val="1200"/>
+              </a:spcBef>
+            </a:pPr>
+            <a:r>
+              <a:rPr lang="en-US" sz="2000" b="1" dirty="0"/>
+              <a:t>Penetration Testers</a:t>
+            </a:r>
+          </a:p>
+          <a:p>
+            <a:pPr lvl="1">
+              <a:spcBef>
+                <a:spcPts val="1200"/>
+              </a:spcBef>
+            </a:pPr>
+            <a:r>
+              <a:rPr lang="en-US" sz="2000" b="1" dirty="0"/>
+              <a:t>The list goes on</a:t>
+            </a:r>
+          </a:p>
+        </p:txBody>
+      </p:sp>
+      <p:pic>
+        <p:nvPicPr>
+          <p:cNvPr id="5" name="Picture 4">
+            <a:extLst>
+              <a:ext uri="{FF2B5EF4-FFF2-40B4-BE49-F238E27FC236}">
+                <a16:creationId xmlns:a16="http://schemas.microsoft.com/office/drawing/2014/main" id="{4511423D-A648-47A5-B437-2AA8B648F94C}"/>
+              </a:ext>
+            </a:extLst>
+          </p:cNvPr>
+          <p:cNvPicPr>
+            <a:picLocks noChangeAspect="1"/>
+          </p:cNvPicPr>
+          <p:nvPr/>
+        </p:nvPicPr>
+        <p:blipFill>
+          <a:blip r:embed="rId3"/>
+          <a:stretch>
+            <a:fillRect/>
+          </a:stretch>
+        </p:blipFill>
+        <p:spPr>
+          <a:xfrm>
+            <a:off x="8184426" y="236788"/>
+            <a:ext cx="2474907" cy="1446663"/>
+          </a:xfrm>
+          <a:prstGeom prst="rect">
+            <a:avLst/>
+          </a:prstGeom>
+        </p:spPr>
+      </p:pic>
+      <p:pic>
+        <p:nvPicPr>
+          <p:cNvPr id="10" name="Picture 9" descr="Shape&#10;&#10;Description automatically generated with low confidence">
+            <a:extLst>
+              <a:ext uri="{FF2B5EF4-FFF2-40B4-BE49-F238E27FC236}">
+                <a16:creationId xmlns:a16="http://schemas.microsoft.com/office/drawing/2014/main" id="{5BA8CC32-6D69-4120-8904-E7AAC72BDF59}"/>
+              </a:ext>
+            </a:extLst>
+          </p:cNvPr>
+          <p:cNvPicPr>
+            <a:picLocks noChangeAspect="1"/>
+          </p:cNvPicPr>
+          <p:nvPr/>
+        </p:nvPicPr>
+        <p:blipFill>
+          <a:blip r:embed="rId4">
+            <a:extLst>
+              <a:ext uri="{28A0092B-C50C-407E-A947-70E740481C1C}">
+                <a14:useLocalDpi xmlns:a14="http://schemas.microsoft.com/office/drawing/2010/main" val="0"/>
+              </a:ext>
+            </a:extLst>
+          </a:blip>
+          <a:stretch>
+            <a:fillRect/>
+          </a:stretch>
+        </p:blipFill>
+        <p:spPr>
+          <a:xfrm>
+            <a:off x="10659333" y="483869"/>
+            <a:ext cx="952500" cy="952500"/>
+          </a:xfrm>
+          <a:prstGeom prst="rect">
+            <a:avLst/>
+          </a:prstGeom>
+        </p:spPr>
+      </p:pic>
     </p:spTree>
     <p:extLst>
       <p:ext uri="{BB962C8B-B14F-4D97-AF65-F5344CB8AC3E}">
@@ -13661,12 +14465,8 @@
           <a:lstStyle/>
           <a:p>
             <a:r>
-              <a:rPr lang="en-US" b="1" dirty="0">
-                <a:solidFill>
-                  <a:schemeClr val="tx2"/>
-                </a:solidFill>
-              </a:rPr>
-              <a:t>Where are they found?</a:t>
+              <a:rPr lang="en-US" b="1" dirty="0"/>
+              <a:t>Introduction</a:t>
             </a:r>
             <a:endParaRPr lang="en-US" dirty="0"/>
           </a:p>
@@ -13883,12 +14683,84 @@
           </a:p>
         </p:txBody>
       </p:sp>
+      <p:sp>
+        <p:nvSpPr>
+          <p:cNvPr id="13" name="TextBox 12">
+            <a:extLst>
+              <a:ext uri="{FF2B5EF4-FFF2-40B4-BE49-F238E27FC236}">
+                <a16:creationId xmlns:a16="http://schemas.microsoft.com/office/drawing/2014/main" id="{416A0075-CDDC-4582-A9B9-7053E50BA4C6}"/>
+              </a:ext>
+            </a:extLst>
+          </p:cNvPr>
+          <p:cNvSpPr txBox="1"/>
+          <p:nvPr/>
+        </p:nvSpPr>
+        <p:spPr>
+          <a:xfrm>
+            <a:off x="2768035" y="2021193"/>
+            <a:ext cx="2796988" cy="461665"/>
+          </a:xfrm>
+          <a:prstGeom prst="rect">
+            <a:avLst/>
+          </a:prstGeom>
+          <a:noFill/>
+        </p:spPr>
+        <p:txBody>
+          <a:bodyPr wrap="square" rtlCol="0">
+            <a:spAutoFit/>
+          </a:bodyPr>
+          <a:lstStyle/>
+          <a:p>
+            <a:pPr algn="ctr"/>
+            <a:r>
+              <a:rPr lang="en-US" sz="2400" dirty="0"/>
+              <a:t>Linux: /var/log</a:t>
+            </a:r>
+          </a:p>
+        </p:txBody>
+      </p:sp>
+      <p:sp>
+        <p:nvSpPr>
+          <p:cNvPr id="14" name="TextBox 13">
+            <a:extLst>
+              <a:ext uri="{FF2B5EF4-FFF2-40B4-BE49-F238E27FC236}">
+                <a16:creationId xmlns:a16="http://schemas.microsoft.com/office/drawing/2014/main" id="{8798643F-3911-41AC-9AB9-A34F4B496F5E}"/>
+              </a:ext>
+            </a:extLst>
+          </p:cNvPr>
+          <p:cNvSpPr txBox="1"/>
+          <p:nvPr/>
+        </p:nvSpPr>
+        <p:spPr>
+          <a:xfrm>
+            <a:off x="7790172" y="1092815"/>
+            <a:ext cx="3632632" cy="461665"/>
+          </a:xfrm>
+          <a:prstGeom prst="rect">
+            <a:avLst/>
+          </a:prstGeom>
+          <a:noFill/>
+        </p:spPr>
+        <p:txBody>
+          <a:bodyPr wrap="square" rtlCol="0">
+            <a:spAutoFit/>
+          </a:bodyPr>
+          <a:lstStyle/>
+          <a:p>
+            <a:pPr algn="ctr"/>
+            <a:r>
+              <a:rPr lang="en-US" sz="2400" dirty="0"/>
+              <a:t>Windows: Event Viewer</a:t>
+            </a:r>
+          </a:p>
+        </p:txBody>
+      </p:sp>
       <p:pic>
         <p:nvPicPr>
-          <p:cNvPr id="5" name="Picture 4">
-            <a:extLst>
-              <a:ext uri="{FF2B5EF4-FFF2-40B4-BE49-F238E27FC236}">
-                <a16:creationId xmlns:a16="http://schemas.microsoft.com/office/drawing/2014/main" id="{6F763578-93C3-4733-8344-0A2C4BD110A3}"/>
+          <p:cNvPr id="4" name="Picture 3">
+            <a:extLst>
+              <a:ext uri="{FF2B5EF4-FFF2-40B4-BE49-F238E27FC236}">
+                <a16:creationId xmlns:a16="http://schemas.microsoft.com/office/drawing/2014/main" id="{9E7002C1-2AE3-4394-B2AB-105073641652}"/>
               </a:ext>
             </a:extLst>
           </p:cNvPr>
@@ -13905,8 +14777,8 @@
         </p:blipFill>
         <p:spPr>
           <a:xfrm>
-            <a:off x="1415579" y="2938970"/>
-            <a:ext cx="5512845" cy="2303144"/>
+            <a:off x="7891666" y="1691641"/>
+            <a:ext cx="3429643" cy="4378268"/>
           </a:xfrm>
           <a:prstGeom prst="rect">
             <a:avLst/>
@@ -13915,10 +14787,10 @@
       </p:pic>
       <p:pic>
         <p:nvPicPr>
-          <p:cNvPr id="11" name="Picture 10">
-            <a:extLst>
-              <a:ext uri="{FF2B5EF4-FFF2-40B4-BE49-F238E27FC236}">
-                <a16:creationId xmlns:a16="http://schemas.microsoft.com/office/drawing/2014/main" id="{5E692064-5252-40E8-961F-1197EFDD9368}"/>
+          <p:cNvPr id="7" name="Picture 6">
+            <a:extLst>
+              <a:ext uri="{FF2B5EF4-FFF2-40B4-BE49-F238E27FC236}">
+                <a16:creationId xmlns:a16="http://schemas.microsoft.com/office/drawing/2014/main" id="{C2FBCF72-4A52-4F1B-A94D-BC95B01CF97D}"/>
               </a:ext>
             </a:extLst>
           </p:cNvPr>
@@ -13935,94 +14807,14 @@
         </p:blipFill>
         <p:spPr>
           <a:xfrm>
-            <a:off x="7372350" y="1688843"/>
-            <a:ext cx="4468276" cy="4803398"/>
+            <a:off x="1185645" y="2676616"/>
+            <a:ext cx="5961768" cy="2408318"/>
           </a:xfrm>
           <a:prstGeom prst="rect">
             <a:avLst/>
           </a:prstGeom>
         </p:spPr>
       </p:pic>
-      <p:sp>
-        <p:nvSpPr>
-          <p:cNvPr id="13" name="TextBox 12">
-            <a:extLst>
-              <a:ext uri="{FF2B5EF4-FFF2-40B4-BE49-F238E27FC236}">
-                <a16:creationId xmlns:a16="http://schemas.microsoft.com/office/drawing/2014/main" id="{416A0075-CDDC-4582-A9B9-7053E50BA4C6}"/>
-              </a:ext>
-            </a:extLst>
-          </p:cNvPr>
-          <p:cNvSpPr txBox="1"/>
-          <p:nvPr/>
-        </p:nvSpPr>
-        <p:spPr>
-          <a:xfrm>
-            <a:off x="2773508" y="2278465"/>
-            <a:ext cx="2796988" cy="461665"/>
-          </a:xfrm>
-          <a:prstGeom prst="rect">
-            <a:avLst/>
-          </a:prstGeom>
-          <a:noFill/>
-        </p:spPr>
-        <p:txBody>
-          <a:bodyPr wrap="square" rtlCol="0">
-            <a:spAutoFit/>
-          </a:bodyPr>
-          <a:lstStyle/>
-          <a:p>
-            <a:pPr algn="ctr"/>
-            <a:r>
-              <a:rPr lang="en-US" sz="2400" dirty="0">
-                <a:solidFill>
-                  <a:schemeClr val="tx2"/>
-                </a:solidFill>
-              </a:rPr>
-              <a:t>Linux: /var/log</a:t>
-            </a:r>
-          </a:p>
-        </p:txBody>
-      </p:sp>
-      <p:sp>
-        <p:nvSpPr>
-          <p:cNvPr id="14" name="TextBox 13">
-            <a:extLst>
-              <a:ext uri="{FF2B5EF4-FFF2-40B4-BE49-F238E27FC236}">
-                <a16:creationId xmlns:a16="http://schemas.microsoft.com/office/drawing/2014/main" id="{8798643F-3911-41AC-9AB9-A34F4B496F5E}"/>
-              </a:ext>
-            </a:extLst>
-          </p:cNvPr>
-          <p:cNvSpPr txBox="1"/>
-          <p:nvPr/>
-        </p:nvSpPr>
-        <p:spPr>
-          <a:xfrm>
-            <a:off x="7790172" y="1092815"/>
-            <a:ext cx="3632632" cy="461665"/>
-          </a:xfrm>
-          <a:prstGeom prst="rect">
-            <a:avLst/>
-          </a:prstGeom>
-          <a:noFill/>
-        </p:spPr>
-        <p:txBody>
-          <a:bodyPr wrap="square" rtlCol="0">
-            <a:spAutoFit/>
-          </a:bodyPr>
-          <a:lstStyle/>
-          <a:p>
-            <a:pPr algn="ctr"/>
-            <a:r>
-              <a:rPr lang="en-US" sz="2400" dirty="0">
-                <a:solidFill>
-                  <a:schemeClr val="tx2"/>
-                </a:solidFill>
-              </a:rPr>
-              <a:t>Windows 10: Event Viewer</a:t>
-            </a:r>
-          </a:p>
-        </p:txBody>
-      </p:sp>
     </p:spTree>
     <p:extLst>
       <p:ext uri="{BB962C8B-B14F-4D97-AF65-F5344CB8AC3E}">
@@ -14090,12 +14882,8 @@
           <a:lstStyle/>
           <a:p>
             <a:r>
-              <a:rPr lang="en-US" b="1" dirty="0">
-                <a:solidFill>
-                  <a:schemeClr val="tx2"/>
-                </a:solidFill>
-              </a:rPr>
-              <a:t>Text Processing in Linux</a:t>
+              <a:rPr lang="en-US" b="1" dirty="0"/>
+              <a:t>Linux</a:t>
             </a:r>
             <a:endParaRPr lang="en-US" dirty="0"/>
           </a:p>
@@ -14340,86 +15128,124 @@
           </a:bodyPr>
           <a:lstStyle/>
           <a:p>
-            <a:pPr marL="0" indent="0">
-              <a:buNone/>
+            <a:pPr>
+              <a:spcBef>
+                <a:spcPts val="3600"/>
+              </a:spcBef>
             </a:pPr>
             <a:r>
-              <a:rPr lang="en-US" sz="2400" dirty="0">
+              <a:rPr lang="en-US" sz="2400" dirty="0"/>
+              <a:t>Linux stores all log files in the directory /var/log.</a:t>
+            </a:r>
+          </a:p>
+          <a:p>
+            <a:pPr>
+              <a:spcBef>
+                <a:spcPts val="3600"/>
+              </a:spcBef>
+            </a:pPr>
+            <a:r>
+              <a:rPr lang="en-US" sz="2400" dirty="0"/>
+              <a:t>Seen far more often in CTF’s than Windows logs as most servers run on Linux.</a:t>
+            </a:r>
+          </a:p>
+          <a:p>
+            <a:pPr>
+              <a:spcBef>
+                <a:spcPts val="3600"/>
+              </a:spcBef>
+            </a:pPr>
+            <a:r>
+              <a:rPr lang="en-US" sz="2400" dirty="0"/>
+              <a:t>Important files:</a:t>
+            </a:r>
+          </a:p>
+          <a:p>
+            <a:pPr lvl="1">
+              <a:spcBef>
+                <a:spcPts val="1200"/>
+              </a:spcBef>
+            </a:pPr>
+            <a:r>
+              <a:rPr lang="en-US" sz="2000" b="1" dirty="0"/>
+              <a:t>auth.log – Authorization and security related events</a:t>
+            </a:r>
+          </a:p>
+          <a:p>
+            <a:pPr lvl="1">
+              <a:spcBef>
+                <a:spcPts val="1200"/>
+              </a:spcBef>
+            </a:pPr>
+            <a:r>
+              <a:rPr lang="en-US" sz="2000" b="1" dirty="0"/>
+              <a:t>kern.log – Kernel messages</a:t>
+            </a:r>
+          </a:p>
+          <a:p>
+            <a:pPr lvl="1">
+              <a:spcBef>
+                <a:spcPts val="1200"/>
+              </a:spcBef>
+            </a:pPr>
+            <a:r>
+              <a:rPr lang="en-US" sz="2000" b="1" dirty="0"/>
+              <a:t>syslog – Everything</a:t>
+            </a:r>
+          </a:p>
+        </p:txBody>
+      </p:sp>
+      <p:pic>
+        <p:nvPicPr>
+          <p:cNvPr id="7" name="Picture 2" descr="Linux - Wikipedia">
+            <a:extLst>
+              <a:ext uri="{FF2B5EF4-FFF2-40B4-BE49-F238E27FC236}">
+                <a16:creationId xmlns:a16="http://schemas.microsoft.com/office/drawing/2014/main" id="{15C0D9F4-7E24-48ED-BBA0-455CA8A884B7}"/>
+              </a:ext>
+            </a:extLst>
+          </p:cNvPr>
+          <p:cNvPicPr>
+            <a:picLocks noChangeAspect="1" noChangeArrowheads="1"/>
+          </p:cNvPicPr>
+          <p:nvPr/>
+        </p:nvPicPr>
+        <p:blipFill>
+          <a:blip r:embed="rId3">
+            <a:extLst>
+              <a:ext uri="{28A0092B-C50C-407E-A947-70E740481C1C}">
+                <a14:useLocalDpi xmlns:a14="http://schemas.microsoft.com/office/drawing/2010/main" val="0"/>
+              </a:ext>
+            </a:extLst>
+          </a:blip>
+          <a:srcRect/>
+          <a:stretch>
+            <a:fillRect/>
+          </a:stretch>
+        </p:blipFill>
+        <p:spPr bwMode="auto">
+          <a:xfrm>
+            <a:off x="10538637" y="114299"/>
+            <a:ext cx="1428189" cy="1691641"/>
+          </a:xfrm>
+          <a:prstGeom prst="rect">
+            <a:avLst/>
+          </a:prstGeom>
+          <a:noFill/>
+          <a:extLst>
+            <a:ext uri="{909E8E84-426E-40DD-AFC4-6F175D3DCCD1}">
+              <a14:hiddenFill xmlns:a14="http://schemas.microsoft.com/office/drawing/2010/main">
                 <a:solidFill>
-                  <a:schemeClr val="tx2"/>
+                  <a:srgbClr val="FFFFFF"/>
                 </a:solidFill>
-              </a:rPr>
-              <a:t>We can analyze log files in Linux extremely fast with text processing commands.</a:t>
-            </a:r>
-          </a:p>
-          <a:p>
-            <a:pPr marL="0" indent="0">
-              <a:buNone/>
-            </a:pPr>
-            <a:endParaRPr lang="en-US" sz="2400" dirty="0">
-              <a:solidFill>
-                <a:schemeClr val="tx2"/>
-              </a:solidFill>
-            </a:endParaRPr>
-          </a:p>
-          <a:p>
-            <a:pPr marL="0" indent="0">
-              <a:buNone/>
-            </a:pPr>
-            <a:r>
-              <a:rPr lang="en-US" sz="2400" dirty="0">
-                <a:solidFill>
-                  <a:schemeClr val="tx2"/>
-                </a:solidFill>
-              </a:rPr>
-              <a:t>Grep, awk, cut, sort, </a:t>
-            </a:r>
-            <a:r>
-              <a:rPr lang="en-US" sz="2400" dirty="0" err="1">
-                <a:solidFill>
-                  <a:schemeClr val="tx2"/>
-                </a:solidFill>
-              </a:rPr>
-              <a:t>uniq</a:t>
-            </a:r>
-            <a:r>
-              <a:rPr lang="en-US" sz="2400" dirty="0">
-                <a:solidFill>
-                  <a:schemeClr val="tx2"/>
-                </a:solidFill>
-              </a:rPr>
-              <a:t>,</a:t>
-            </a:r>
-          </a:p>
-          <a:p>
-            <a:pPr marL="0" indent="0">
-              <a:buNone/>
-            </a:pPr>
-            <a:endParaRPr lang="en-US" sz="2400" dirty="0">
-              <a:solidFill>
-                <a:schemeClr val="tx2"/>
-              </a:solidFill>
-            </a:endParaRPr>
-          </a:p>
-          <a:p>
-            <a:pPr marL="0" indent="0">
-              <a:buNone/>
-            </a:pPr>
-            <a:r>
-              <a:rPr lang="en-US" sz="2400" dirty="0">
-                <a:solidFill>
-                  <a:schemeClr val="tx2"/>
-                </a:solidFill>
-              </a:rPr>
-              <a:t>We briefly looked at the use of these commands last week. </a:t>
-            </a:r>
-          </a:p>
-        </p:txBody>
-      </p:sp>
+              </a14:hiddenFill>
+            </a:ext>
+          </a:extLst>
+        </p:spPr>
+      </p:pic>
     </p:spTree>
     <p:extLst>
       <p:ext uri="{BB962C8B-B14F-4D97-AF65-F5344CB8AC3E}">
-        <p14:creationId xmlns:p14="http://schemas.microsoft.com/office/powerpoint/2010/main" val="2950284146"/>
+        <p14:creationId xmlns:p14="http://schemas.microsoft.com/office/powerpoint/2010/main" val="4283884248"/>
       </p:ext>
     </p:extLst>
   </p:cSld>
@@ -14483,12 +15309,8 @@
           <a:lstStyle/>
           <a:p>
             <a:r>
-              <a:rPr lang="en-US" b="1" dirty="0">
-                <a:solidFill>
-                  <a:schemeClr val="tx2"/>
-                </a:solidFill>
-              </a:rPr>
-              <a:t>Examples of Linux Text Processing</a:t>
+              <a:rPr lang="en-US" b="1" dirty="0"/>
+              <a:t>Linux</a:t>
             </a:r>
             <a:endParaRPr lang="en-US" dirty="0"/>
           </a:p>
@@ -14733,16 +15555,178 @@
           </a:bodyPr>
           <a:lstStyle/>
           <a:p>
-            <a:pPr marL="0" indent="0">
-              <a:buNone/>
+            <a:pPr>
+              <a:spcBef>
+                <a:spcPts val="3600"/>
+              </a:spcBef>
             </a:pPr>
             <a:r>
-              <a:rPr lang="en-US" sz="2400" dirty="0">
+              <a:rPr lang="en-US" sz="2400" dirty="0"/>
+              <a:t>We can analyze log files in Linux directly in the command line with text processing commands:</a:t>
+            </a:r>
+          </a:p>
+          <a:p>
+            <a:pPr lvl="1">
+              <a:spcBef>
+                <a:spcPts val="1200"/>
+              </a:spcBef>
+            </a:pPr>
+            <a:r>
+              <a:rPr lang="en-US" sz="2000" b="1" dirty="0"/>
+              <a:t>grep – Print lines that match a pattern</a:t>
+            </a:r>
+          </a:p>
+          <a:p>
+            <a:pPr lvl="1">
+              <a:spcBef>
+                <a:spcPts val="1200"/>
+              </a:spcBef>
+            </a:pPr>
+            <a:r>
+              <a:rPr lang="en-US" sz="2000" b="1" dirty="0"/>
+              <a:t>awk – Show only the nth column in a text file</a:t>
+            </a:r>
+          </a:p>
+          <a:p>
+            <a:pPr lvl="1">
+              <a:spcBef>
+                <a:spcPts val="1200"/>
+              </a:spcBef>
+            </a:pPr>
+            <a:r>
+              <a:rPr lang="en-US" sz="2000" b="1" dirty="0"/>
+              <a:t>cut – Remove sections</a:t>
+            </a:r>
+          </a:p>
+          <a:p>
+            <a:pPr lvl="1">
+              <a:spcBef>
+                <a:spcPts val="1200"/>
+              </a:spcBef>
+            </a:pPr>
+            <a:r>
+              <a:rPr lang="en-US" sz="2000" b="1" dirty="0"/>
+              <a:t>sort – Sort lines</a:t>
+            </a:r>
+          </a:p>
+          <a:p>
+            <a:pPr lvl="1">
+              <a:spcBef>
+                <a:spcPts val="1200"/>
+              </a:spcBef>
+            </a:pPr>
+            <a:r>
+              <a:rPr lang="en-US" sz="2000" b="1" dirty="0"/>
+              <a:t>uniq – Omit repeated lines</a:t>
+            </a:r>
+          </a:p>
+          <a:p>
+            <a:pPr lvl="1">
+              <a:spcBef>
+                <a:spcPts val="1200"/>
+              </a:spcBef>
+            </a:pPr>
+            <a:r>
+              <a:rPr lang="en-US" sz="2000" b="1" dirty="0"/>
+              <a:t>wc – Print counts</a:t>
+            </a:r>
+          </a:p>
+          <a:p>
+            <a:pPr lvl="1">
+              <a:spcBef>
+                <a:spcPts val="1200"/>
+              </a:spcBef>
+            </a:pPr>
+            <a:r>
+              <a:rPr lang="en-US" sz="2000" b="1" dirty="0"/>
+              <a:t>less – Displays text in pages</a:t>
+            </a:r>
+            <a:endParaRPr lang="en-US" sz="2400" dirty="0"/>
+          </a:p>
+        </p:txBody>
+      </p:sp>
+      <p:pic>
+        <p:nvPicPr>
+          <p:cNvPr id="6" name="Picture 2" descr="Linux - Wikipedia">
+            <a:extLst>
+              <a:ext uri="{FF2B5EF4-FFF2-40B4-BE49-F238E27FC236}">
+                <a16:creationId xmlns:a16="http://schemas.microsoft.com/office/drawing/2014/main" id="{B7C20566-4537-41D7-99A5-49E4BB2B30CD}"/>
+              </a:ext>
+            </a:extLst>
+          </p:cNvPr>
+          <p:cNvPicPr>
+            <a:picLocks noChangeAspect="1" noChangeArrowheads="1"/>
+          </p:cNvPicPr>
+          <p:nvPr/>
+        </p:nvPicPr>
+        <p:blipFill>
+          <a:blip r:embed="rId3">
+            <a:extLst>
+              <a:ext uri="{28A0092B-C50C-407E-A947-70E740481C1C}">
+                <a14:useLocalDpi xmlns:a14="http://schemas.microsoft.com/office/drawing/2010/main" val="0"/>
+              </a:ext>
+            </a:extLst>
+          </a:blip>
+          <a:srcRect/>
+          <a:stretch>
+            <a:fillRect/>
+          </a:stretch>
+        </p:blipFill>
+        <p:spPr bwMode="auto">
+          <a:xfrm>
+            <a:off x="10538637" y="114299"/>
+            <a:ext cx="1428189" cy="1691641"/>
+          </a:xfrm>
+          <a:prstGeom prst="rect">
+            <a:avLst/>
+          </a:prstGeom>
+          <a:noFill/>
+          <a:extLst>
+            <a:ext uri="{909E8E84-426E-40DD-AFC4-6F175D3DCCD1}">
+              <a14:hiddenFill xmlns:a14="http://schemas.microsoft.com/office/drawing/2010/main">
                 <a:solidFill>
-                  <a:schemeClr val="tx2"/>
+                  <a:srgbClr val="FFFFFF"/>
                 </a:solidFill>
-              </a:rPr>
-              <a:t>Insert example</a:t>
+              </a14:hiddenFill>
+            </a:ext>
+          </a:extLst>
+        </p:spPr>
+      </p:pic>
+      <p:sp>
+        <p:nvSpPr>
+          <p:cNvPr id="5" name="TextBox 4">
+            <a:extLst>
+              <a:ext uri="{FF2B5EF4-FFF2-40B4-BE49-F238E27FC236}">
+                <a16:creationId xmlns:a16="http://schemas.microsoft.com/office/drawing/2014/main" id="{6A082816-F2FB-4CB7-881A-AACB04EE2C7A}"/>
+              </a:ext>
+            </a:extLst>
+          </p:cNvPr>
+          <p:cNvSpPr txBox="1"/>
+          <p:nvPr/>
+        </p:nvSpPr>
+        <p:spPr>
+          <a:xfrm>
+            <a:off x="1653363" y="5756255"/>
+            <a:ext cx="6995785" cy="461665"/>
+          </a:xfrm>
+          <a:prstGeom prst="rect">
+            <a:avLst/>
+          </a:prstGeom>
+          <a:noFill/>
+        </p:spPr>
+        <p:txBody>
+          <a:bodyPr wrap="square" rtlCol="0">
+            <a:spAutoFit/>
+          </a:bodyPr>
+          <a:lstStyle/>
+          <a:p>
+            <a:pPr marL="342900" indent="-342900">
+              <a:buFont typeface="Arial" panose="020B0604020202020204" pitchFamily="34" charset="0"/>
+              <a:buChar char="•"/>
+            </a:pPr>
+            <a:r>
+              <a:rPr lang="en-US" sz="2400" dirty="0"/>
+              <a:t>Piping allows us to chain these commands together!</a:t>
             </a:r>
           </a:p>
         </p:txBody>
@@ -14750,7 +15734,7 @@
     </p:spTree>
     <p:extLst>
       <p:ext uri="{BB962C8B-B14F-4D97-AF65-F5344CB8AC3E}">
-        <p14:creationId xmlns:p14="http://schemas.microsoft.com/office/powerpoint/2010/main" val="1172030710"/>
+        <p14:creationId xmlns:p14="http://schemas.microsoft.com/office/powerpoint/2010/main" val="2950284146"/>
       </p:ext>
     </p:extLst>
   </p:cSld>
@@ -14814,12 +15798,8 @@
           <a:lstStyle/>
           <a:p>
             <a:r>
-              <a:rPr lang="en-US" b="1" dirty="0">
-                <a:solidFill>
-                  <a:schemeClr val="tx2"/>
-                </a:solidFill>
-              </a:rPr>
-              <a:t>Tools for Analyzing Windows 10 Logs</a:t>
+              <a:rPr lang="en-US" b="1" dirty="0"/>
+              <a:t>Linux</a:t>
             </a:r>
             <a:endParaRPr lang="en-US" dirty="0"/>
           </a:p>
@@ -15036,57 +16016,560 @@
           </a:p>
         </p:txBody>
       </p:sp>
-      <p:sp>
-        <p:nvSpPr>
-          <p:cNvPr id="3" name="Content Placeholder 2">
-            <a:extLst>
-              <a:ext uri="{FF2B5EF4-FFF2-40B4-BE49-F238E27FC236}">
-                <a16:creationId xmlns:a16="http://schemas.microsoft.com/office/drawing/2014/main" id="{DBB88942-6618-4B2C-A985-47153DAC76EE}"/>
-              </a:ext>
-            </a:extLst>
-          </p:cNvPr>
-          <p:cNvSpPr>
-            <a:spLocks noGrp="1"/>
-          </p:cNvSpPr>
-          <p:nvPr>
-            <p:ph idx="1"/>
-          </p:nvPr>
-        </p:nvSpPr>
+      <p:pic>
+        <p:nvPicPr>
+          <p:cNvPr id="9" name="Picture 2" descr="Linux - Wikipedia">
+            <a:extLst>
+              <a:ext uri="{FF2B5EF4-FFF2-40B4-BE49-F238E27FC236}">
+                <a16:creationId xmlns:a16="http://schemas.microsoft.com/office/drawing/2014/main" id="{3F7A8AAD-6ED2-44E9-8E8E-722E130EE4FF}"/>
+              </a:ext>
+            </a:extLst>
+          </p:cNvPr>
+          <p:cNvPicPr>
+            <a:picLocks noChangeAspect="1" noChangeArrowheads="1"/>
+          </p:cNvPicPr>
+          <p:nvPr/>
+        </p:nvPicPr>
+        <p:blipFill>
+          <a:blip r:embed="rId3">
+            <a:extLst>
+              <a:ext uri="{28A0092B-C50C-407E-A947-70E740481C1C}">
+                <a14:useLocalDpi xmlns:a14="http://schemas.microsoft.com/office/drawing/2010/main" val="0"/>
+              </a:ext>
+            </a:extLst>
+          </a:blip>
+          <a:srcRect/>
+          <a:stretch>
+            <a:fillRect/>
+          </a:stretch>
+        </p:blipFill>
+        <p:spPr bwMode="auto">
+          <a:xfrm>
+            <a:off x="10538637" y="114299"/>
+            <a:ext cx="1428189" cy="1691641"/>
+          </a:xfrm>
+          <a:prstGeom prst="rect">
+            <a:avLst/>
+          </a:prstGeom>
+          <a:noFill/>
+          <a:extLst>
+            <a:ext uri="{909E8E84-426E-40DD-AFC4-6F175D3DCCD1}">
+              <a14:hiddenFill xmlns:a14="http://schemas.microsoft.com/office/drawing/2010/main">
+                <a:solidFill>
+                  <a:srgbClr val="FFFFFF"/>
+                </a:solidFill>
+              </a14:hiddenFill>
+            </a:ext>
+          </a:extLst>
+        </p:spPr>
+      </p:pic>
+      <p:pic>
+        <p:nvPicPr>
+          <p:cNvPr id="13" name="Picture 12">
+            <a:extLst>
+              <a:ext uri="{FF2B5EF4-FFF2-40B4-BE49-F238E27FC236}">
+                <a16:creationId xmlns:a16="http://schemas.microsoft.com/office/drawing/2014/main" id="{B9CDD5BF-D3FF-4E19-9912-7A7BAC43283A}"/>
+              </a:ext>
+            </a:extLst>
+          </p:cNvPr>
+          <p:cNvPicPr>
+            <a:picLocks noChangeAspect="1"/>
+          </p:cNvPicPr>
+          <p:nvPr/>
+        </p:nvPicPr>
+        <p:blipFill>
+          <a:blip r:embed="rId4"/>
+          <a:stretch>
+            <a:fillRect/>
+          </a:stretch>
+        </p:blipFill>
         <p:spPr>
           <a:xfrm>
-            <a:off x="1653363" y="1920240"/>
-            <a:ext cx="9367204" cy="4297680"/>
+            <a:off x="1123014" y="2301393"/>
+            <a:ext cx="10427900" cy="2255214"/>
           </a:xfrm>
+          <a:prstGeom prst="rect">
+            <a:avLst/>
+          </a:prstGeom>
         </p:spPr>
-        <p:txBody>
-          <a:bodyPr anchor="t">
-            <a:normAutofit/>
+      </p:pic>
+      <p:pic>
+        <p:nvPicPr>
+          <p:cNvPr id="15" name="Picture 14">
+            <a:extLst>
+              <a:ext uri="{FF2B5EF4-FFF2-40B4-BE49-F238E27FC236}">
+                <a16:creationId xmlns:a16="http://schemas.microsoft.com/office/drawing/2014/main" id="{6EBA0EC3-03AF-4231-8542-91BD3F302E2B}"/>
+              </a:ext>
+            </a:extLst>
+          </p:cNvPr>
+          <p:cNvPicPr>
+            <a:picLocks noChangeAspect="1"/>
+          </p:cNvPicPr>
+          <p:nvPr/>
+        </p:nvPicPr>
+        <p:blipFill>
+          <a:blip r:embed="rId5"/>
+          <a:stretch>
+            <a:fillRect/>
+          </a:stretch>
+        </p:blipFill>
+        <p:spPr>
+          <a:xfrm>
+            <a:off x="3574714" y="4709160"/>
+            <a:ext cx="5524500" cy="342900"/>
+          </a:xfrm>
+          <a:prstGeom prst="rect">
+            <a:avLst/>
+          </a:prstGeom>
+        </p:spPr>
+      </p:pic>
+      <p:sp>
+        <p:nvSpPr>
+          <p:cNvPr id="16" name="TextBox 15">
+            <a:extLst>
+              <a:ext uri="{FF2B5EF4-FFF2-40B4-BE49-F238E27FC236}">
+                <a16:creationId xmlns:a16="http://schemas.microsoft.com/office/drawing/2014/main" id="{FD5B8E87-801F-43D1-9B15-754E0D3233F2}"/>
+              </a:ext>
+            </a:extLst>
+          </p:cNvPr>
+          <p:cNvSpPr txBox="1"/>
+          <p:nvPr/>
+        </p:nvSpPr>
+        <p:spPr>
+          <a:xfrm>
+            <a:off x="2959063" y="1716015"/>
+            <a:ext cx="6755802" cy="461665"/>
+          </a:xfrm>
+          <a:prstGeom prst="rect">
+            <a:avLst/>
+          </a:prstGeom>
+          <a:noFill/>
+        </p:spPr>
+        <p:txBody>
+          <a:bodyPr wrap="square" rtlCol="0">
+            <a:spAutoFit/>
           </a:bodyPr>
           <a:lstStyle/>
           <a:p>
-            <a:pPr marL="0" indent="0">
-              <a:buNone/>
-            </a:pPr>
-            <a:r>
-              <a:rPr lang="en-US" sz="2400" dirty="0" err="1">
-                <a:solidFill>
-                  <a:schemeClr val="tx2"/>
-                </a:solidFill>
-              </a:rPr>
-              <a:t>Powershell</a:t>
-            </a:r>
-            <a:endParaRPr lang="en-US" sz="2400" dirty="0">
-              <a:solidFill>
-                <a:schemeClr val="tx2"/>
-              </a:solidFill>
-            </a:endParaRPr>
-          </a:p>
-        </p:txBody>
-      </p:sp>
+            <a:r>
+              <a:rPr lang="en-US" sz="2400" dirty="0"/>
+              <a:t>Example randomly generated Apache web server log</a:t>
+            </a:r>
+          </a:p>
+        </p:txBody>
+      </p:sp>
+      <p:sp>
+        <p:nvSpPr>
+          <p:cNvPr id="17" name="TextBox 16">
+            <a:extLst>
+              <a:ext uri="{FF2B5EF4-FFF2-40B4-BE49-F238E27FC236}">
+                <a16:creationId xmlns:a16="http://schemas.microsoft.com/office/drawing/2014/main" id="{EBC3F5D3-8FEA-4EDE-BBCF-76EA72D24EF4}"/>
+              </a:ext>
+            </a:extLst>
+          </p:cNvPr>
+          <p:cNvSpPr txBox="1"/>
+          <p:nvPr/>
+        </p:nvSpPr>
+        <p:spPr>
+          <a:xfrm>
+            <a:off x="971654" y="5449385"/>
+            <a:ext cx="1606065" cy="369332"/>
+          </a:xfrm>
+          <a:prstGeom prst="rect">
+            <a:avLst/>
+          </a:prstGeom>
+          <a:noFill/>
+          <a:ln>
+            <a:solidFill>
+              <a:schemeClr val="tx1"/>
+            </a:solidFill>
+          </a:ln>
+        </p:spPr>
+        <p:txBody>
+          <a:bodyPr wrap="square" rtlCol="0">
+            <a:spAutoFit/>
+          </a:bodyPr>
+          <a:lstStyle/>
+          <a:p>
+            <a:r>
+              <a:rPr lang="en-US" b="1" dirty="0"/>
+              <a:t>Output the file</a:t>
+            </a:r>
+          </a:p>
+        </p:txBody>
+      </p:sp>
+      <p:sp>
+        <p:nvSpPr>
+          <p:cNvPr id="18" name="TextBox 17">
+            <a:extLst>
+              <a:ext uri="{FF2B5EF4-FFF2-40B4-BE49-F238E27FC236}">
+                <a16:creationId xmlns:a16="http://schemas.microsoft.com/office/drawing/2014/main" id="{CADC79EE-608D-4DD3-A66C-CD80CB1517C3}"/>
+              </a:ext>
+            </a:extLst>
+          </p:cNvPr>
+          <p:cNvSpPr txBox="1"/>
+          <p:nvPr/>
+        </p:nvSpPr>
+        <p:spPr>
+          <a:xfrm>
+            <a:off x="2802621" y="5449385"/>
+            <a:ext cx="2753957" cy="369332"/>
+          </a:xfrm>
+          <a:prstGeom prst="rect">
+            <a:avLst/>
+          </a:prstGeom>
+          <a:noFill/>
+          <a:ln>
+            <a:solidFill>
+              <a:schemeClr val="tx1"/>
+            </a:solidFill>
+          </a:ln>
+        </p:spPr>
+        <p:txBody>
+          <a:bodyPr wrap="square" rtlCol="0">
+            <a:spAutoFit/>
+          </a:bodyPr>
+          <a:lstStyle/>
+          <a:p>
+            <a:r>
+              <a:rPr lang="en-US" b="1" dirty="0"/>
+              <a:t>Show only the first column</a:t>
+            </a:r>
+          </a:p>
+        </p:txBody>
+      </p:sp>
+      <p:sp>
+        <p:nvSpPr>
+          <p:cNvPr id="19" name="TextBox 18">
+            <a:extLst>
+              <a:ext uri="{FF2B5EF4-FFF2-40B4-BE49-F238E27FC236}">
+                <a16:creationId xmlns:a16="http://schemas.microsoft.com/office/drawing/2014/main" id="{E345123F-565B-4E29-B815-B1C062754156}"/>
+              </a:ext>
+            </a:extLst>
+          </p:cNvPr>
+          <p:cNvSpPr txBox="1"/>
+          <p:nvPr/>
+        </p:nvSpPr>
+        <p:spPr>
+          <a:xfrm>
+            <a:off x="5781480" y="5449385"/>
+            <a:ext cx="1436819" cy="369332"/>
+          </a:xfrm>
+          <a:prstGeom prst="rect">
+            <a:avLst/>
+          </a:prstGeom>
+          <a:noFill/>
+          <a:ln>
+            <a:solidFill>
+              <a:schemeClr val="tx1"/>
+            </a:solidFill>
+          </a:ln>
+        </p:spPr>
+        <p:txBody>
+          <a:bodyPr wrap="square" rtlCol="0">
+            <a:spAutoFit/>
+          </a:bodyPr>
+          <a:lstStyle/>
+          <a:p>
+            <a:r>
+              <a:rPr lang="en-US" b="1" dirty="0"/>
+              <a:t>Sort the data</a:t>
+            </a:r>
+          </a:p>
+        </p:txBody>
+      </p:sp>
+      <p:sp>
+        <p:nvSpPr>
+          <p:cNvPr id="20" name="TextBox 19">
+            <a:extLst>
+              <a:ext uri="{FF2B5EF4-FFF2-40B4-BE49-F238E27FC236}">
+                <a16:creationId xmlns:a16="http://schemas.microsoft.com/office/drawing/2014/main" id="{87F9AA6E-1211-4898-820E-91E360666C46}"/>
+              </a:ext>
+            </a:extLst>
+          </p:cNvPr>
+          <p:cNvSpPr txBox="1"/>
+          <p:nvPr/>
+        </p:nvSpPr>
+        <p:spPr>
+          <a:xfrm>
+            <a:off x="7443201" y="5449385"/>
+            <a:ext cx="2402803" cy="369332"/>
+          </a:xfrm>
+          <a:prstGeom prst="rect">
+            <a:avLst/>
+          </a:prstGeom>
+          <a:noFill/>
+          <a:ln>
+            <a:solidFill>
+              <a:schemeClr val="tx1"/>
+            </a:solidFill>
+          </a:ln>
+        </p:spPr>
+        <p:txBody>
+          <a:bodyPr wrap="square" rtlCol="0">
+            <a:spAutoFit/>
+          </a:bodyPr>
+          <a:lstStyle/>
+          <a:p>
+            <a:r>
+              <a:rPr lang="en-US" b="1" dirty="0"/>
+              <a:t>Remove unique entries</a:t>
+            </a:r>
+          </a:p>
+        </p:txBody>
+      </p:sp>
+      <p:sp>
+        <p:nvSpPr>
+          <p:cNvPr id="25" name="TextBox 24">
+            <a:extLst>
+              <a:ext uri="{FF2B5EF4-FFF2-40B4-BE49-F238E27FC236}">
+                <a16:creationId xmlns:a16="http://schemas.microsoft.com/office/drawing/2014/main" id="{43AEF076-A5E6-4A63-815E-09EC845E74D3}"/>
+              </a:ext>
+            </a:extLst>
+          </p:cNvPr>
+          <p:cNvSpPr txBox="1"/>
+          <p:nvPr/>
+        </p:nvSpPr>
+        <p:spPr>
+          <a:xfrm>
+            <a:off x="10070906" y="5449385"/>
+            <a:ext cx="1661722" cy="369332"/>
+          </a:xfrm>
+          <a:prstGeom prst="rect">
+            <a:avLst/>
+          </a:prstGeom>
+          <a:noFill/>
+          <a:ln>
+            <a:solidFill>
+              <a:schemeClr val="tx1"/>
+            </a:solidFill>
+          </a:ln>
+        </p:spPr>
+        <p:txBody>
+          <a:bodyPr wrap="square" rtlCol="0">
+            <a:spAutoFit/>
+          </a:bodyPr>
+          <a:lstStyle/>
+          <a:p>
+            <a:r>
+              <a:rPr lang="en-US" b="1" dirty="0"/>
+              <a:t>Count the lines</a:t>
+            </a:r>
+          </a:p>
+        </p:txBody>
+      </p:sp>
+      <p:cxnSp>
+        <p:nvCxnSpPr>
+          <p:cNvPr id="30" name="Straight Arrow Connector 29">
+            <a:extLst>
+              <a:ext uri="{FF2B5EF4-FFF2-40B4-BE49-F238E27FC236}">
+                <a16:creationId xmlns:a16="http://schemas.microsoft.com/office/drawing/2014/main" id="{FCB22B0D-79C5-42B1-916B-6937FE92BAB8}"/>
+              </a:ext>
+            </a:extLst>
+          </p:cNvPr>
+          <p:cNvCxnSpPr>
+            <a:stCxn id="17" idx="0"/>
+          </p:cNvCxnSpPr>
+          <p:nvPr/>
+        </p:nvCxnSpPr>
+        <p:spPr>
+          <a:xfrm flipV="1">
+            <a:off x="1774687" y="4818330"/>
+            <a:ext cx="2625191" cy="631055"/>
+          </a:xfrm>
+          <a:prstGeom prst="straightConnector1">
+            <a:avLst/>
+          </a:prstGeom>
+          <a:ln w="28575">
+            <a:tailEnd type="triangle"/>
+          </a:ln>
+        </p:spPr>
+        <p:style>
+          <a:lnRef idx="1">
+            <a:schemeClr val="dk1"/>
+          </a:lnRef>
+          <a:fillRef idx="0">
+            <a:schemeClr val="dk1"/>
+          </a:fillRef>
+          <a:effectRef idx="0">
+            <a:schemeClr val="dk1"/>
+          </a:effectRef>
+          <a:fontRef idx="minor">
+            <a:schemeClr val="tx1"/>
+          </a:fontRef>
+        </p:style>
+      </p:cxnSp>
+      <p:cxnSp>
+        <p:nvCxnSpPr>
+          <p:cNvPr id="32" name="Straight Arrow Connector 31">
+            <a:extLst>
+              <a:ext uri="{FF2B5EF4-FFF2-40B4-BE49-F238E27FC236}">
+                <a16:creationId xmlns:a16="http://schemas.microsoft.com/office/drawing/2014/main" id="{1538F6D0-B26E-4CA3-928E-7EAB0DBB2C7C}"/>
+              </a:ext>
+            </a:extLst>
+          </p:cNvPr>
+          <p:cNvCxnSpPr>
+            <a:cxnSpLocks/>
+            <a:stCxn id="18" idx="0"/>
+          </p:cNvCxnSpPr>
+          <p:nvPr/>
+        </p:nvCxnSpPr>
+        <p:spPr>
+          <a:xfrm flipV="1">
+            <a:off x="4179600" y="4880610"/>
+            <a:ext cx="1601880" cy="568775"/>
+          </a:xfrm>
+          <a:prstGeom prst="straightConnector1">
+            <a:avLst/>
+          </a:prstGeom>
+          <a:ln w="28575">
+            <a:tailEnd type="triangle"/>
+          </a:ln>
+        </p:spPr>
+        <p:style>
+          <a:lnRef idx="1">
+            <a:schemeClr val="dk1"/>
+          </a:lnRef>
+          <a:fillRef idx="0">
+            <a:schemeClr val="dk1"/>
+          </a:fillRef>
+          <a:effectRef idx="0">
+            <a:schemeClr val="dk1"/>
+          </a:effectRef>
+          <a:fontRef idx="minor">
+            <a:schemeClr val="tx1"/>
+          </a:fontRef>
+        </p:style>
+      </p:cxnSp>
+      <p:cxnSp>
+        <p:nvCxnSpPr>
+          <p:cNvPr id="34" name="Straight Arrow Connector 33">
+            <a:extLst>
+              <a:ext uri="{FF2B5EF4-FFF2-40B4-BE49-F238E27FC236}">
+                <a16:creationId xmlns:a16="http://schemas.microsoft.com/office/drawing/2014/main" id="{BEECC506-8EDE-49A5-9E78-39ADFBF1AA59}"/>
+              </a:ext>
+            </a:extLst>
+          </p:cNvPr>
+          <p:cNvCxnSpPr>
+            <a:stCxn id="19" idx="0"/>
+          </p:cNvCxnSpPr>
+          <p:nvPr/>
+        </p:nvCxnSpPr>
+        <p:spPr>
+          <a:xfrm flipV="1">
+            <a:off x="6499890" y="4880610"/>
+            <a:ext cx="836825" cy="568775"/>
+          </a:xfrm>
+          <a:prstGeom prst="straightConnector1">
+            <a:avLst/>
+          </a:prstGeom>
+          <a:ln w="28575">
+            <a:tailEnd type="triangle"/>
+          </a:ln>
+        </p:spPr>
+        <p:style>
+          <a:lnRef idx="1">
+            <a:schemeClr val="dk1"/>
+          </a:lnRef>
+          <a:fillRef idx="0">
+            <a:schemeClr val="dk1"/>
+          </a:fillRef>
+          <a:effectRef idx="0">
+            <a:schemeClr val="dk1"/>
+          </a:effectRef>
+          <a:fontRef idx="minor">
+            <a:schemeClr val="tx1"/>
+          </a:fontRef>
+        </p:style>
+      </p:cxnSp>
+      <p:cxnSp>
+        <p:nvCxnSpPr>
+          <p:cNvPr id="36" name="Straight Arrow Connector 35">
+            <a:extLst>
+              <a:ext uri="{FF2B5EF4-FFF2-40B4-BE49-F238E27FC236}">
+                <a16:creationId xmlns:a16="http://schemas.microsoft.com/office/drawing/2014/main" id="{EB2E1079-B21E-4C1A-A330-04AC3AD4377E}"/>
+              </a:ext>
+            </a:extLst>
+          </p:cNvPr>
+          <p:cNvCxnSpPr>
+            <a:stCxn id="20" idx="0"/>
+          </p:cNvCxnSpPr>
+          <p:nvPr/>
+        </p:nvCxnSpPr>
+        <p:spPr>
+          <a:xfrm flipH="1" flipV="1">
+            <a:off x="8283388" y="4880610"/>
+            <a:ext cx="361215" cy="568775"/>
+          </a:xfrm>
+          <a:prstGeom prst="straightConnector1">
+            <a:avLst/>
+          </a:prstGeom>
+          <a:ln w="28575">
+            <a:tailEnd type="triangle"/>
+          </a:ln>
+        </p:spPr>
+        <p:style>
+          <a:lnRef idx="1">
+            <a:schemeClr val="dk1"/>
+          </a:lnRef>
+          <a:fillRef idx="0">
+            <a:schemeClr val="dk1"/>
+          </a:fillRef>
+          <a:effectRef idx="0">
+            <a:schemeClr val="dk1"/>
+          </a:effectRef>
+          <a:fontRef idx="minor">
+            <a:schemeClr val="tx1"/>
+          </a:fontRef>
+        </p:style>
+      </p:cxnSp>
+      <p:cxnSp>
+        <p:nvCxnSpPr>
+          <p:cNvPr id="38" name="Straight Arrow Connector 37">
+            <a:extLst>
+              <a:ext uri="{FF2B5EF4-FFF2-40B4-BE49-F238E27FC236}">
+                <a16:creationId xmlns:a16="http://schemas.microsoft.com/office/drawing/2014/main" id="{79ED8644-8B0F-42AC-89FF-E5E243294662}"/>
+              </a:ext>
+            </a:extLst>
+          </p:cNvPr>
+          <p:cNvCxnSpPr>
+            <a:cxnSpLocks/>
+            <a:stCxn id="25" idx="0"/>
+            <a:endCxn id="15" idx="3"/>
+          </p:cNvCxnSpPr>
+          <p:nvPr/>
+        </p:nvCxnSpPr>
+        <p:spPr>
+          <a:xfrm flipH="1" flipV="1">
+            <a:off x="9099214" y="4880610"/>
+            <a:ext cx="1802553" cy="568775"/>
+          </a:xfrm>
+          <a:prstGeom prst="straightConnector1">
+            <a:avLst/>
+          </a:prstGeom>
+          <a:ln w="28575">
+            <a:tailEnd type="triangle"/>
+          </a:ln>
+        </p:spPr>
+        <p:style>
+          <a:lnRef idx="1">
+            <a:schemeClr val="dk1"/>
+          </a:lnRef>
+          <a:fillRef idx="0">
+            <a:schemeClr val="dk1"/>
+          </a:fillRef>
+          <a:effectRef idx="0">
+            <a:schemeClr val="dk1"/>
+          </a:effectRef>
+          <a:fontRef idx="minor">
+            <a:schemeClr val="tx1"/>
+          </a:fontRef>
+        </p:style>
+      </p:cxnSp>
     </p:spTree>
     <p:extLst>
       <p:ext uri="{BB962C8B-B14F-4D97-AF65-F5344CB8AC3E}">
-        <p14:creationId xmlns:p14="http://schemas.microsoft.com/office/powerpoint/2010/main" val="1012792160"/>
+        <p14:creationId xmlns:p14="http://schemas.microsoft.com/office/powerpoint/2010/main" val="1172030710"/>
       </p:ext>
     </p:extLst>
   </p:cSld>
@@ -15150,12 +16633,8 @@
           <a:lstStyle/>
           <a:p>
             <a:r>
-              <a:rPr lang="en-US" b="1" dirty="0">
-                <a:solidFill>
-                  <a:schemeClr val="tx2"/>
-                </a:solidFill>
-              </a:rPr>
-              <a:t>PowerShell Commands for Event Viewer</a:t>
+              <a:rPr lang="en-US" b="1" dirty="0"/>
+              <a:t>Windows Event Viewer (Vista+)</a:t>
             </a:r>
             <a:endParaRPr lang="en-US" dirty="0"/>
           </a:p>
@@ -15400,32 +16879,167 @@
           </a:bodyPr>
           <a:lstStyle/>
           <a:p>
-            <a:pPr marL="0" indent="0">
-              <a:buNone/>
+            <a:pPr>
+              <a:spcBef>
+                <a:spcPts val="2400"/>
+              </a:spcBef>
             </a:pPr>
             <a:r>
-              <a:rPr lang="en-US" sz="2400" dirty="0" err="1">
+              <a:rPr lang="en-US" sz="2400" dirty="0"/>
+              <a:t>Location: </a:t>
+            </a:r>
+            <a:r>
+              <a:rPr lang="en-US" sz="2400" b="1" dirty="0"/>
+              <a:t>C:\Windows\System32\winevt\Logs</a:t>
+            </a:r>
+          </a:p>
+          <a:p>
+            <a:pPr>
+              <a:spcBef>
+                <a:spcPts val="2400"/>
+              </a:spcBef>
+            </a:pPr>
+            <a:r>
+              <a:rPr lang="en-US" sz="2400" dirty="0"/>
+              <a:t>Extension: </a:t>
+            </a:r>
+            <a:r>
+              <a:rPr lang="en-US" sz="2400" b="1" dirty="0"/>
+              <a:t>.</a:t>
+            </a:r>
+            <a:r>
+              <a:rPr lang="en-US" sz="2400" b="1" dirty="0" err="1"/>
+              <a:t>evtx</a:t>
+            </a:r>
+            <a:endParaRPr lang="en-US" sz="2400" b="1" dirty="0"/>
+          </a:p>
+          <a:p>
+            <a:pPr>
+              <a:spcBef>
+                <a:spcPts val="2400"/>
+              </a:spcBef>
+            </a:pPr>
+            <a:r>
+              <a:rPr lang="en-US" sz="2400" dirty="0"/>
+              <a:t>Categories:</a:t>
+            </a:r>
+          </a:p>
+          <a:p>
+            <a:pPr lvl="1">
+              <a:spcBef>
+                <a:spcPts val="2400"/>
+              </a:spcBef>
+            </a:pPr>
+            <a:r>
+              <a:rPr lang="en-US" sz="2000" b="1" dirty="0"/>
+              <a:t>Windows Logs</a:t>
+            </a:r>
+          </a:p>
+          <a:p>
+            <a:pPr lvl="1">
+              <a:spcBef>
+                <a:spcPts val="2400"/>
+              </a:spcBef>
+            </a:pPr>
+            <a:r>
+              <a:rPr lang="en-US" sz="2000" b="1" dirty="0"/>
+              <a:t>Applications and Services Logs</a:t>
+            </a:r>
+          </a:p>
+          <a:p>
+            <a:pPr lvl="1">
+              <a:spcBef>
+                <a:spcPts val="2400"/>
+              </a:spcBef>
+            </a:pPr>
+            <a:r>
+              <a:rPr lang="en-US" sz="2000" b="1" dirty="0"/>
+              <a:t>Extras</a:t>
+            </a:r>
+          </a:p>
+        </p:txBody>
+      </p:sp>
+      <p:pic>
+        <p:nvPicPr>
+          <p:cNvPr id="2050" name="Picture 2" descr="Windows Free Icon of Super Flat Remix V1.08 Apps">
+            <a:extLst>
+              <a:ext uri="{FF2B5EF4-FFF2-40B4-BE49-F238E27FC236}">
+                <a16:creationId xmlns:a16="http://schemas.microsoft.com/office/drawing/2014/main" id="{87BE5521-DA7F-4CBC-AD79-B259899B3964}"/>
+              </a:ext>
+            </a:extLst>
+          </p:cNvPr>
+          <p:cNvPicPr>
+            <a:picLocks noChangeAspect="1" noChangeArrowheads="1"/>
+          </p:cNvPicPr>
+          <p:nvPr/>
+        </p:nvPicPr>
+        <p:blipFill>
+          <a:blip r:embed="rId3">
+            <a:extLst>
+              <a:ext uri="{28A0092B-C50C-407E-A947-70E740481C1C}">
+                <a14:useLocalDpi xmlns:a14="http://schemas.microsoft.com/office/drawing/2010/main" val="0"/>
+              </a:ext>
+            </a:extLst>
+          </a:blip>
+          <a:srcRect/>
+          <a:stretch>
+            <a:fillRect/>
+          </a:stretch>
+        </p:blipFill>
+        <p:spPr bwMode="auto">
+          <a:xfrm>
+            <a:off x="10425806" y="109097"/>
+            <a:ext cx="1558213" cy="1558213"/>
+          </a:xfrm>
+          <a:prstGeom prst="rect">
+            <a:avLst/>
+          </a:prstGeom>
+          <a:noFill/>
+          <a:extLst>
+            <a:ext uri="{909E8E84-426E-40DD-AFC4-6F175D3DCCD1}">
+              <a14:hiddenFill xmlns:a14="http://schemas.microsoft.com/office/drawing/2010/main">
                 <a:solidFill>
-                  <a:schemeClr val="tx2"/>
+                  <a:srgbClr val="FFFFFF"/>
                 </a:solidFill>
-              </a:rPr>
-              <a:t>Powershell</a:t>
-            </a:r>
-            <a:r>
-              <a:rPr lang="en-US" sz="2400" dirty="0">
-                <a:solidFill>
-                  <a:schemeClr val="tx2"/>
-                </a:solidFill>
-              </a:rPr>
-              <a:t> commands</a:t>
-            </a:r>
-          </a:p>
-        </p:txBody>
-      </p:sp>
+              </a14:hiddenFill>
+            </a:ext>
+          </a:extLst>
+        </p:spPr>
+      </p:pic>
+      <p:pic>
+        <p:nvPicPr>
+          <p:cNvPr id="6" name="Picture 5">
+            <a:extLst>
+              <a:ext uri="{FF2B5EF4-FFF2-40B4-BE49-F238E27FC236}">
+                <a16:creationId xmlns:a16="http://schemas.microsoft.com/office/drawing/2014/main" id="{8A757B6F-2DE8-4D56-89F1-6FDFC44E5653}"/>
+              </a:ext>
+            </a:extLst>
+          </p:cNvPr>
+          <p:cNvPicPr>
+            <a:picLocks noChangeAspect="1"/>
+          </p:cNvPicPr>
+          <p:nvPr/>
+        </p:nvPicPr>
+        <p:blipFill>
+          <a:blip r:embed="rId4"/>
+          <a:stretch>
+            <a:fillRect/>
+          </a:stretch>
+        </p:blipFill>
+        <p:spPr>
+          <a:xfrm>
+            <a:off x="6096000" y="2678655"/>
+            <a:ext cx="5125879" cy="2776518"/>
+          </a:xfrm>
+          <a:prstGeom prst="rect">
+            <a:avLst/>
+          </a:prstGeom>
+        </p:spPr>
+      </p:pic>
     </p:spTree>
     <p:extLst>
       <p:ext uri="{BB962C8B-B14F-4D97-AF65-F5344CB8AC3E}">
-        <p14:creationId xmlns:p14="http://schemas.microsoft.com/office/powerpoint/2010/main" val="2990462868"/>
+        <p14:creationId xmlns:p14="http://schemas.microsoft.com/office/powerpoint/2010/main" val="1806836434"/>
       </p:ext>
     </p:extLst>
   </p:cSld>
@@ -15489,12 +17103,8 @@
           <a:lstStyle/>
           <a:p>
             <a:r>
-              <a:rPr lang="en-US" b="1" dirty="0">
-                <a:solidFill>
-                  <a:schemeClr val="tx2"/>
-                </a:solidFill>
-              </a:rPr>
-              <a:t>Examples of PowerShell</a:t>
+              <a:rPr lang="en-US" b="1" dirty="0"/>
+              <a:t>Windows Event Viewer (Vista+)</a:t>
             </a:r>
             <a:endParaRPr lang="en-US" dirty="0"/>
           </a:p>
@@ -15711,52 +17321,189 @@
           </a:p>
         </p:txBody>
       </p:sp>
-      <p:sp>
-        <p:nvSpPr>
-          <p:cNvPr id="3" name="Content Placeholder 2">
-            <a:extLst>
-              <a:ext uri="{FF2B5EF4-FFF2-40B4-BE49-F238E27FC236}">
-                <a16:creationId xmlns:a16="http://schemas.microsoft.com/office/drawing/2014/main" id="{DBB88942-6618-4B2C-A985-47153DAC76EE}"/>
-              </a:ext>
-            </a:extLst>
-          </p:cNvPr>
-          <p:cNvSpPr>
-            <a:spLocks noGrp="1"/>
-          </p:cNvSpPr>
-          <p:nvPr>
-            <p:ph idx="1"/>
-          </p:nvPr>
-        </p:nvSpPr>
+      <p:pic>
+        <p:nvPicPr>
+          <p:cNvPr id="6" name="Picture 5">
+            <a:extLst>
+              <a:ext uri="{FF2B5EF4-FFF2-40B4-BE49-F238E27FC236}">
+                <a16:creationId xmlns:a16="http://schemas.microsoft.com/office/drawing/2014/main" id="{678E4C92-572F-468F-B4B2-97314E043584}"/>
+              </a:ext>
+            </a:extLst>
+          </p:cNvPr>
+          <p:cNvPicPr>
+            <a:picLocks noChangeAspect="1"/>
+          </p:cNvPicPr>
+          <p:nvPr/>
+        </p:nvPicPr>
+        <p:blipFill>
+          <a:blip r:embed="rId3"/>
+          <a:stretch>
+            <a:fillRect/>
+          </a:stretch>
+        </p:blipFill>
         <p:spPr>
           <a:xfrm>
-            <a:off x="1653363" y="1920240"/>
-            <a:ext cx="9367204" cy="4297680"/>
+            <a:off x="1653363" y="2071024"/>
+            <a:ext cx="3132459" cy="3998884"/>
           </a:xfrm>
+          <a:prstGeom prst="rect">
+            <a:avLst/>
+          </a:prstGeom>
         </p:spPr>
-        <p:txBody>
-          <a:bodyPr anchor="t">
-            <a:normAutofit/>
+      </p:pic>
+      <p:pic>
+        <p:nvPicPr>
+          <p:cNvPr id="14" name="Picture 13">
+            <a:extLst>
+              <a:ext uri="{FF2B5EF4-FFF2-40B4-BE49-F238E27FC236}">
+                <a16:creationId xmlns:a16="http://schemas.microsoft.com/office/drawing/2014/main" id="{6F2C833A-FBB5-443A-8B51-2AF2F73B0E6D}"/>
+              </a:ext>
+            </a:extLst>
+          </p:cNvPr>
+          <p:cNvPicPr>
+            <a:picLocks noChangeAspect="1"/>
+          </p:cNvPicPr>
+          <p:nvPr/>
+        </p:nvPicPr>
+        <p:blipFill>
+          <a:blip r:embed="rId4"/>
+          <a:stretch>
+            <a:fillRect/>
+          </a:stretch>
+        </p:blipFill>
+        <p:spPr>
+          <a:xfrm>
+            <a:off x="5467531" y="2393603"/>
+            <a:ext cx="5628997" cy="3353725"/>
+          </a:xfrm>
+          <a:prstGeom prst="rect">
+            <a:avLst/>
+          </a:prstGeom>
+        </p:spPr>
+      </p:pic>
+      <p:sp>
+        <p:nvSpPr>
+          <p:cNvPr id="15" name="TextBox 14">
+            <a:extLst>
+              <a:ext uri="{FF2B5EF4-FFF2-40B4-BE49-F238E27FC236}">
+                <a16:creationId xmlns:a16="http://schemas.microsoft.com/office/drawing/2014/main" id="{02A38E61-ECAB-4274-9093-64E2115812E1}"/>
+              </a:ext>
+            </a:extLst>
+          </p:cNvPr>
+          <p:cNvSpPr txBox="1"/>
+          <p:nvPr/>
+        </p:nvSpPr>
+        <p:spPr>
+          <a:xfrm>
+            <a:off x="1403276" y="1458575"/>
+            <a:ext cx="3632632" cy="461665"/>
+          </a:xfrm>
+          <a:prstGeom prst="rect">
+            <a:avLst/>
+          </a:prstGeom>
+          <a:noFill/>
+        </p:spPr>
+        <p:txBody>
+          <a:bodyPr wrap="square" rtlCol="0">
+            <a:spAutoFit/>
           </a:bodyPr>
           <a:lstStyle/>
           <a:p>
-            <a:pPr marL="0" indent="0">
-              <a:buNone/>
-            </a:pPr>
-            <a:r>
-              <a:rPr lang="en-US" sz="2400" dirty="0">
+            <a:pPr algn="ctr"/>
+            <a:r>
+              <a:rPr lang="en-US" sz="2400" dirty="0"/>
+              <a:t>Event Viewer</a:t>
+            </a:r>
+          </a:p>
+        </p:txBody>
+      </p:sp>
+      <p:sp>
+        <p:nvSpPr>
+          <p:cNvPr id="16" name="TextBox 15">
+            <a:extLst>
+              <a:ext uri="{FF2B5EF4-FFF2-40B4-BE49-F238E27FC236}">
+                <a16:creationId xmlns:a16="http://schemas.microsoft.com/office/drawing/2014/main" id="{12FAA8AA-5736-4BD1-A35E-C00D4EA89A5F}"/>
+              </a:ext>
+            </a:extLst>
+          </p:cNvPr>
+          <p:cNvSpPr txBox="1"/>
+          <p:nvPr/>
+        </p:nvSpPr>
+        <p:spPr>
+          <a:xfrm>
+            <a:off x="6465713" y="1743209"/>
+            <a:ext cx="3632632" cy="461665"/>
+          </a:xfrm>
+          <a:prstGeom prst="rect">
+            <a:avLst/>
+          </a:prstGeom>
+          <a:noFill/>
+        </p:spPr>
+        <p:txBody>
+          <a:bodyPr wrap="square" rtlCol="0">
+            <a:spAutoFit/>
+          </a:bodyPr>
+          <a:lstStyle/>
+          <a:p>
+            <a:pPr algn="ctr"/>
+            <a:r>
+              <a:rPr lang="en-US" sz="2400" dirty="0"/>
+              <a:t>File Explorer</a:t>
+            </a:r>
+          </a:p>
+        </p:txBody>
+      </p:sp>
+      <p:pic>
+        <p:nvPicPr>
+          <p:cNvPr id="17" name="Picture 2" descr="Windows Free Icon of Super Flat Remix V1.08 Apps">
+            <a:extLst>
+              <a:ext uri="{FF2B5EF4-FFF2-40B4-BE49-F238E27FC236}">
+                <a16:creationId xmlns:a16="http://schemas.microsoft.com/office/drawing/2014/main" id="{ABA5B81B-7F61-4E44-A323-730A4A3A7DB7}"/>
+              </a:ext>
+            </a:extLst>
+          </p:cNvPr>
+          <p:cNvPicPr>
+            <a:picLocks noChangeAspect="1" noChangeArrowheads="1"/>
+          </p:cNvPicPr>
+          <p:nvPr/>
+        </p:nvPicPr>
+        <p:blipFill>
+          <a:blip r:embed="rId5">
+            <a:extLst>
+              <a:ext uri="{28A0092B-C50C-407E-A947-70E740481C1C}">
+                <a14:useLocalDpi xmlns:a14="http://schemas.microsoft.com/office/drawing/2010/main" val="0"/>
+              </a:ext>
+            </a:extLst>
+          </a:blip>
+          <a:srcRect/>
+          <a:stretch>
+            <a:fillRect/>
+          </a:stretch>
+        </p:blipFill>
+        <p:spPr bwMode="auto">
+          <a:xfrm>
+            <a:off x="10425806" y="109097"/>
+            <a:ext cx="1558213" cy="1558213"/>
+          </a:xfrm>
+          <a:prstGeom prst="rect">
+            <a:avLst/>
+          </a:prstGeom>
+          <a:noFill/>
+          <a:extLst>
+            <a:ext uri="{909E8E84-426E-40DD-AFC4-6F175D3DCCD1}">
+              <a14:hiddenFill xmlns:a14="http://schemas.microsoft.com/office/drawing/2010/main">
                 <a:solidFill>
-                  <a:schemeClr val="tx2"/>
+                  <a:srgbClr val="FFFFFF"/>
                 </a:solidFill>
-              </a:rPr>
-              <a:t>Insert example</a:t>
-            </a:r>
-          </a:p>
-        </p:txBody>
-      </p:sp>
+              </a14:hiddenFill>
+            </a:ext>
+          </a:extLst>
+        </p:spPr>
+      </p:pic>
     </p:spTree>
     <p:extLst>
       <p:ext uri="{BB962C8B-B14F-4D97-AF65-F5344CB8AC3E}">
-        <p14:creationId xmlns:p14="http://schemas.microsoft.com/office/powerpoint/2010/main" val="2810890046"/>
+        <p14:creationId xmlns:p14="http://schemas.microsoft.com/office/powerpoint/2010/main" val="1012792160"/>
       </p:ext>
     </p:extLst>
   </p:cSld>

--- a/presentations/Introduction to Log File Analysis.pptx
+++ b/presentations/Introduction to Log File Analysis.pptx
@@ -5,7 +5,7 @@
     <p:sldMasterId id="2147483648" r:id="rId1"/>
   </p:sldMasterIdLst>
   <p:notesMasterIdLst>
-    <p:notesMasterId r:id="rId21"/>
+    <p:notesMasterId r:id="rId22"/>
   </p:notesMasterIdLst>
   <p:sldIdLst>
     <p:sldId id="256" r:id="rId2"/>
@@ -24,9 +24,10 @@
     <p:sldId id="266" r:id="rId15"/>
     <p:sldId id="278" r:id="rId16"/>
     <p:sldId id="279" r:id="rId17"/>
-    <p:sldId id="269" r:id="rId18"/>
-    <p:sldId id="277" r:id="rId19"/>
-    <p:sldId id="263" r:id="rId20"/>
+    <p:sldId id="280" r:id="rId18"/>
+    <p:sldId id="269" r:id="rId19"/>
+    <p:sldId id="277" r:id="rId20"/>
+    <p:sldId id="263" r:id="rId21"/>
   </p:sldIdLst>
   <p:sldSz cx="12192000" cy="6858000"/>
   <p:notesSz cx="6858000" cy="9144000"/>
@@ -215,7 +216,7 @@
           <a:p>
             <a:fld id="{423A734A-5683-4B1C-BDB9-65AB4ECDAB22}" type="datetimeFigureOut">
               <a:rPr lang="en-US" smtClean="0"/>
-              <a:t>11/2/2021</a:t>
+              <a:t>11/3/2021</a:t>
             </a:fld>
             <a:endParaRPr lang="en-US"/>
           </a:p>
@@ -1174,7 +1175,7 @@
     </p:spTree>
     <p:extLst>
       <p:ext uri="{BB962C8B-B14F-4D97-AF65-F5344CB8AC3E}">
-        <p14:creationId xmlns:p14="http://schemas.microsoft.com/office/powerpoint/2010/main" val="686258939"/>
+        <p14:creationId xmlns:p14="http://schemas.microsoft.com/office/powerpoint/2010/main" val="2430696864"/>
       </p:ext>
     </p:extLst>
   </p:cSld>
@@ -1258,7 +1259,7 @@
     </p:spTree>
     <p:extLst>
       <p:ext uri="{BB962C8B-B14F-4D97-AF65-F5344CB8AC3E}">
-        <p14:creationId xmlns:p14="http://schemas.microsoft.com/office/powerpoint/2010/main" val="2346276899"/>
+        <p14:creationId xmlns:p14="http://schemas.microsoft.com/office/powerpoint/2010/main" val="686258939"/>
       </p:ext>
     </p:extLst>
   </p:cSld>
@@ -1334,6 +1335,90 @@
             <a:fld id="{003712FB-D8B6-4728-A2DA-AD77673215D0}" type="slidenum">
               <a:rPr lang="en-US" smtClean="0"/>
               <a:t>19</a:t>
+            </a:fld>
+            <a:endParaRPr lang="en-US"/>
+          </a:p>
+        </p:txBody>
+      </p:sp>
+    </p:spTree>
+    <p:extLst>
+      <p:ext uri="{BB962C8B-B14F-4D97-AF65-F5344CB8AC3E}">
+        <p14:creationId xmlns:p14="http://schemas.microsoft.com/office/powerpoint/2010/main" val="2346276899"/>
+      </p:ext>
+    </p:extLst>
+  </p:cSld>
+  <p:clrMapOvr>
+    <a:masterClrMapping/>
+  </p:clrMapOvr>
+</p:notes>
+</file>
+
+<file path=ppt/notesSlides/notesSlide19.xml><?xml version="1.0" encoding="utf-8"?>
+<p:notes xmlns:a="http://schemas.openxmlformats.org/drawingml/2006/main" xmlns:r="http://schemas.openxmlformats.org/officeDocument/2006/relationships" xmlns:p="http://schemas.openxmlformats.org/presentationml/2006/main">
+  <p:cSld>
+    <p:spTree>
+      <p:nvGrpSpPr>
+        <p:cNvPr id="1" name=""/>
+        <p:cNvGrpSpPr/>
+        <p:nvPr/>
+      </p:nvGrpSpPr>
+      <p:grpSpPr>
+        <a:xfrm>
+          <a:off x="0" y="0"/>
+          <a:ext cx="0" cy="0"/>
+          <a:chOff x="0" y="0"/>
+          <a:chExt cx="0" cy="0"/>
+        </a:xfrm>
+      </p:grpSpPr>
+      <p:sp>
+        <p:nvSpPr>
+          <p:cNvPr id="2" name="Slide Image Placeholder 1"/>
+          <p:cNvSpPr>
+            <a:spLocks noGrp="1" noRot="1" noChangeAspect="1"/>
+          </p:cNvSpPr>
+          <p:nvPr>
+            <p:ph type="sldImg"/>
+          </p:nvPr>
+        </p:nvSpPr>
+        <p:spPr/>
+      </p:sp>
+      <p:sp>
+        <p:nvSpPr>
+          <p:cNvPr id="3" name="Notes Placeholder 2"/>
+          <p:cNvSpPr>
+            <a:spLocks noGrp="1"/>
+          </p:cNvSpPr>
+          <p:nvPr>
+            <p:ph type="body" idx="1"/>
+          </p:nvPr>
+        </p:nvSpPr>
+        <p:spPr/>
+        <p:txBody>
+          <a:bodyPr/>
+          <a:lstStyle/>
+          <a:p>
+            <a:endParaRPr lang="en-US" dirty="0"/>
+          </a:p>
+        </p:txBody>
+      </p:sp>
+      <p:sp>
+        <p:nvSpPr>
+          <p:cNvPr id="4" name="Slide Number Placeholder 3"/>
+          <p:cNvSpPr>
+            <a:spLocks noGrp="1"/>
+          </p:cNvSpPr>
+          <p:nvPr>
+            <p:ph type="sldNum" sz="quarter" idx="5"/>
+          </p:nvPr>
+        </p:nvSpPr>
+        <p:spPr/>
+        <p:txBody>
+          <a:bodyPr/>
+          <a:lstStyle/>
+          <a:p>
+            <a:fld id="{003712FB-D8B6-4728-A2DA-AD77673215D0}" type="slidenum">
+              <a:rPr lang="en-US" smtClean="0"/>
+              <a:t>20</a:t>
             </a:fld>
             <a:endParaRPr lang="en-US"/>
           </a:p>
@@ -2174,7 +2259,7 @@
           <a:p>
             <a:fld id="{0A7F3EA9-6F79-4C8E-B04B-A5E2E3147A9A}" type="datetimeFigureOut">
               <a:rPr lang="en-US" smtClean="0"/>
-              <a:t>11/2/2021</a:t>
+              <a:t>11/3/2021</a:t>
             </a:fld>
             <a:endParaRPr lang="en-US"/>
           </a:p>
@@ -2372,7 +2457,7 @@
           <a:p>
             <a:fld id="{0A7F3EA9-6F79-4C8E-B04B-A5E2E3147A9A}" type="datetimeFigureOut">
               <a:rPr lang="en-US" smtClean="0"/>
-              <a:t>11/2/2021</a:t>
+              <a:t>11/3/2021</a:t>
             </a:fld>
             <a:endParaRPr lang="en-US"/>
           </a:p>
@@ -2580,7 +2665,7 @@
           <a:p>
             <a:fld id="{0A7F3EA9-6F79-4C8E-B04B-A5E2E3147A9A}" type="datetimeFigureOut">
               <a:rPr lang="en-US" smtClean="0"/>
-              <a:t>11/2/2021</a:t>
+              <a:t>11/3/2021</a:t>
             </a:fld>
             <a:endParaRPr lang="en-US"/>
           </a:p>
@@ -2778,7 +2863,7 @@
           <a:p>
             <a:fld id="{0A7F3EA9-6F79-4C8E-B04B-A5E2E3147A9A}" type="datetimeFigureOut">
               <a:rPr lang="en-US" smtClean="0"/>
-              <a:t>11/2/2021</a:t>
+              <a:t>11/3/2021</a:t>
             </a:fld>
             <a:endParaRPr lang="en-US"/>
           </a:p>
@@ -3053,7 +3138,7 @@
           <a:p>
             <a:fld id="{0A7F3EA9-6F79-4C8E-B04B-A5E2E3147A9A}" type="datetimeFigureOut">
               <a:rPr lang="en-US" smtClean="0"/>
-              <a:t>11/2/2021</a:t>
+              <a:t>11/3/2021</a:t>
             </a:fld>
             <a:endParaRPr lang="en-US"/>
           </a:p>
@@ -3318,7 +3403,7 @@
           <a:p>
             <a:fld id="{0A7F3EA9-6F79-4C8E-B04B-A5E2E3147A9A}" type="datetimeFigureOut">
               <a:rPr lang="en-US" smtClean="0"/>
-              <a:t>11/2/2021</a:t>
+              <a:t>11/3/2021</a:t>
             </a:fld>
             <a:endParaRPr lang="en-US"/>
           </a:p>
@@ -3730,7 +3815,7 @@
           <a:p>
             <a:fld id="{0A7F3EA9-6F79-4C8E-B04B-A5E2E3147A9A}" type="datetimeFigureOut">
               <a:rPr lang="en-US" smtClean="0"/>
-              <a:t>11/2/2021</a:t>
+              <a:t>11/3/2021</a:t>
             </a:fld>
             <a:endParaRPr lang="en-US"/>
           </a:p>
@@ -3871,7 +3956,7 @@
           <a:p>
             <a:fld id="{0A7F3EA9-6F79-4C8E-B04B-A5E2E3147A9A}" type="datetimeFigureOut">
               <a:rPr lang="en-US" smtClean="0"/>
-              <a:t>11/2/2021</a:t>
+              <a:t>11/3/2021</a:t>
             </a:fld>
             <a:endParaRPr lang="en-US"/>
           </a:p>
@@ -3984,7 +4069,7 @@
           <a:p>
             <a:fld id="{0A7F3EA9-6F79-4C8E-B04B-A5E2E3147A9A}" type="datetimeFigureOut">
               <a:rPr lang="en-US" smtClean="0"/>
-              <a:t>11/2/2021</a:t>
+              <a:t>11/3/2021</a:t>
             </a:fld>
             <a:endParaRPr lang="en-US"/>
           </a:p>
@@ -4295,7 +4380,7 @@
           <a:p>
             <a:fld id="{0A7F3EA9-6F79-4C8E-B04B-A5E2E3147A9A}" type="datetimeFigureOut">
               <a:rPr lang="en-US" smtClean="0"/>
-              <a:t>11/2/2021</a:t>
+              <a:t>11/3/2021</a:t>
             </a:fld>
             <a:endParaRPr lang="en-US"/>
           </a:p>
@@ -4583,7 +4668,7 @@
           <a:p>
             <a:fld id="{0A7F3EA9-6F79-4C8E-B04B-A5E2E3147A9A}" type="datetimeFigureOut">
               <a:rPr lang="en-US" smtClean="0"/>
-              <a:t>11/2/2021</a:t>
+              <a:t>11/3/2021</a:t>
             </a:fld>
             <a:endParaRPr lang="en-US"/>
           </a:p>
@@ -4824,7 +4909,7 @@
           <a:p>
             <a:fld id="{0A7F3EA9-6F79-4C8E-B04B-A5E2E3147A9A}" type="datetimeFigureOut">
               <a:rPr lang="en-US" smtClean="0"/>
-              <a:t>11/2/2021</a:t>
+              <a:t>11/3/2021</a:t>
             </a:fld>
             <a:endParaRPr lang="en-US"/>
           </a:p>
@@ -9072,6 +9157,492 @@
 </file>
 
 <file path=ppt/slides/slide17.xml><?xml version="1.0" encoding="utf-8"?>
+<p:sld xmlns:a="http://schemas.openxmlformats.org/drawingml/2006/main" xmlns:r="http://schemas.openxmlformats.org/officeDocument/2006/relationships" xmlns:p="http://schemas.openxmlformats.org/presentationml/2006/main">
+  <p:cSld>
+    <p:bg>
+      <p:bgPr>
+        <a:solidFill>
+          <a:schemeClr val="bg1"/>
+        </a:solidFill>
+        <a:effectLst/>
+      </p:bgPr>
+    </p:bg>
+    <p:spTree>
+      <p:nvGrpSpPr>
+        <p:cNvPr id="1" name=""/>
+        <p:cNvGrpSpPr/>
+        <p:nvPr/>
+      </p:nvGrpSpPr>
+      <p:grpSpPr>
+        <a:xfrm>
+          <a:off x="0" y="0"/>
+          <a:ext cx="0" cy="0"/>
+          <a:chOff x="0" y="0"/>
+          <a:chExt cx="0" cy="0"/>
+        </a:xfrm>
+      </p:grpSpPr>
+      <p:sp>
+        <p:nvSpPr>
+          <p:cNvPr id="2" name="Title 1">
+            <a:extLst>
+              <a:ext uri="{FF2B5EF4-FFF2-40B4-BE49-F238E27FC236}">
+                <a16:creationId xmlns:a16="http://schemas.microsoft.com/office/drawing/2014/main" id="{0B0E3F05-66EA-43AB-B1A9-F30EAC51059D}"/>
+              </a:ext>
+            </a:extLst>
+          </p:cNvPr>
+          <p:cNvSpPr>
+            <a:spLocks noGrp="1"/>
+          </p:cNvSpPr>
+          <p:nvPr>
+            <p:ph type="title"/>
+          </p:nvPr>
+        </p:nvSpPr>
+        <p:spPr>
+          <a:xfrm>
+            <a:off x="1653363" y="365760"/>
+            <a:ext cx="9367203" cy="1188720"/>
+          </a:xfrm>
+        </p:spPr>
+        <p:txBody>
+          <a:bodyPr>
+            <a:normAutofit/>
+          </a:bodyPr>
+          <a:lstStyle/>
+          <a:p>
+            <a:r>
+              <a:rPr lang="en-US" b="1" dirty="0"/>
+              <a:t>Bash Scripting</a:t>
+            </a:r>
+            <a:endParaRPr lang="en-US" dirty="0"/>
+          </a:p>
+        </p:txBody>
+      </p:sp>
+      <p:sp>
+        <p:nvSpPr>
+          <p:cNvPr id="8" name="Freeform: Shape 7">
+            <a:extLst>
+              <a:ext uri="{FF2B5EF4-FFF2-40B4-BE49-F238E27FC236}">
+                <a16:creationId xmlns:a16="http://schemas.microsoft.com/office/drawing/2014/main" id="{7CB4857B-ED7C-444D-9F04-2F885114A1C2}"/>
+              </a:ext>
+              <a:ext uri="{C183D7F6-B498-43B3-948B-1728B52AA6E4}">
+                <adec:decorative xmlns:adec="http://schemas.microsoft.com/office/drawing/2017/decorative" val="1"/>
+              </a:ext>
+            </a:extLst>
+          </p:cNvPr>
+          <p:cNvSpPr>
+            <a:spLocks noGrp="1" noRot="1" noChangeAspect="1" noMove="1" noResize="1" noEditPoints="1" noAdjustHandles="1" noChangeArrowheads="1" noChangeShapeType="1" noTextEdit="1"/>
+          </p:cNvSpPr>
+          <p:nvPr>
+            <p:extLst>
+              <p:ext uri="{386F3935-93C4-4BCD-93E2-E3B085C9AB24}">
+                <p16:designElem xmlns:p16="http://schemas.microsoft.com/office/powerpoint/2015/main" val="1"/>
+              </p:ext>
+            </p:extLst>
+          </p:nvPr>
+        </p:nvSpPr>
+        <p:spPr>
+          <a:xfrm>
+            <a:off x="1" y="0"/>
+            <a:ext cx="1764099" cy="1558212"/>
+          </a:xfrm>
+          <a:custGeom>
+            <a:avLst/>
+            <a:gdLst>
+              <a:gd name="connsiteX0" fmla="*/ 0 w 1764099"/>
+              <a:gd name="connsiteY0" fmla="*/ 0 h 1558212"/>
+              <a:gd name="connsiteX1" fmla="*/ 1764099 w 1764099"/>
+              <a:gd name="connsiteY1" fmla="*/ 0 h 1558212"/>
+              <a:gd name="connsiteX2" fmla="*/ 1042087 w 1764099"/>
+              <a:gd name="connsiteY2" fmla="*/ 1558212 h 1558212"/>
+              <a:gd name="connsiteX3" fmla="*/ 0 w 1764099"/>
+              <a:gd name="connsiteY3" fmla="*/ 1558212 h 1558212"/>
+            </a:gdLst>
+            <a:ahLst/>
+            <a:cxnLst>
+              <a:cxn ang="0">
+                <a:pos x="connsiteX0" y="connsiteY0"/>
+              </a:cxn>
+              <a:cxn ang="0">
+                <a:pos x="connsiteX1" y="connsiteY1"/>
+              </a:cxn>
+              <a:cxn ang="0">
+                <a:pos x="connsiteX2" y="connsiteY2"/>
+              </a:cxn>
+              <a:cxn ang="0">
+                <a:pos x="connsiteX3" y="connsiteY3"/>
+              </a:cxn>
+            </a:cxnLst>
+            <a:rect l="l" t="t" r="r" b="b"/>
+            <a:pathLst>
+              <a:path w="1764099" h="1558212">
+                <a:moveTo>
+                  <a:pt x="0" y="0"/>
+                </a:moveTo>
+                <a:lnTo>
+                  <a:pt x="1764099" y="0"/>
+                </a:lnTo>
+                <a:lnTo>
+                  <a:pt x="1042087" y="1558212"/>
+                </a:lnTo>
+                <a:lnTo>
+                  <a:pt x="0" y="1558212"/>
+                </a:lnTo>
+                <a:close/>
+              </a:path>
+            </a:pathLst>
+          </a:custGeom>
+          <a:solidFill>
+            <a:schemeClr val="accent1">
+              <a:lumMod val="100000"/>
+              <a:lumOff val="0"/>
+            </a:schemeClr>
+          </a:solidFill>
+          <a:ln>
+            <a:noFill/>
+          </a:ln>
+        </p:spPr>
+        <p:style>
+          <a:lnRef idx="2">
+            <a:schemeClr val="accent1">
+              <a:shade val="50000"/>
+            </a:schemeClr>
+          </a:lnRef>
+          <a:fillRef idx="1">
+            <a:schemeClr val="accent1"/>
+          </a:fillRef>
+          <a:effectRef idx="0">
+            <a:schemeClr val="accent1"/>
+          </a:effectRef>
+          <a:fontRef idx="minor">
+            <a:schemeClr val="lt1"/>
+          </a:fontRef>
+        </p:style>
+        <p:txBody>
+          <a:bodyPr wrap="square" rtlCol="0" anchor="ctr">
+            <a:noAutofit/>
+          </a:bodyPr>
+          <a:lstStyle/>
+          <a:p>
+            <a:pPr algn="ctr"/>
+            <a:endParaRPr lang="en-US"/>
+          </a:p>
+        </p:txBody>
+      </p:sp>
+      <p:sp>
+        <p:nvSpPr>
+          <p:cNvPr id="12" name="Freeform: Shape 11">
+            <a:extLst>
+              <a:ext uri="{FF2B5EF4-FFF2-40B4-BE49-F238E27FC236}">
+                <a16:creationId xmlns:a16="http://schemas.microsoft.com/office/drawing/2014/main" id="{479F5F2B-8B58-4140-AE6A-51F6C67B18D9}"/>
+              </a:ext>
+              <a:ext uri="{C183D7F6-B498-43B3-948B-1728B52AA6E4}">
+                <adec:decorative xmlns:adec="http://schemas.microsoft.com/office/drawing/2017/decorative" val="1"/>
+              </a:ext>
+            </a:extLst>
+          </p:cNvPr>
+          <p:cNvSpPr>
+            <a:spLocks noGrp="1" noRot="1" noChangeAspect="1" noMove="1" noResize="1" noEditPoints="1" noAdjustHandles="1" noChangeArrowheads="1" noChangeShapeType="1" noTextEdit="1"/>
+          </p:cNvSpPr>
+          <p:nvPr>
+            <p:extLst>
+              <p:ext uri="{386F3935-93C4-4BCD-93E2-E3B085C9AB24}">
+                <p16:designElem xmlns:p16="http://schemas.microsoft.com/office/powerpoint/2015/main" val="1"/>
+              </p:ext>
+            </p:extLst>
+          </p:nvPr>
+        </p:nvSpPr>
+        <p:spPr>
+          <a:xfrm>
+            <a:off x="0" y="1691641"/>
+            <a:ext cx="971654" cy="2096979"/>
+          </a:xfrm>
+          <a:custGeom>
+            <a:avLst/>
+            <a:gdLst>
+              <a:gd name="connsiteX0" fmla="*/ 0 w 971654"/>
+              <a:gd name="connsiteY0" fmla="*/ 0 h 2096979"/>
+              <a:gd name="connsiteX1" fmla="*/ 971654 w 971654"/>
+              <a:gd name="connsiteY1" fmla="*/ 0 h 2096979"/>
+              <a:gd name="connsiteX2" fmla="*/ 0 w 971654"/>
+              <a:gd name="connsiteY2" fmla="*/ 2096979 h 2096979"/>
+            </a:gdLst>
+            <a:ahLst/>
+            <a:cxnLst>
+              <a:cxn ang="0">
+                <a:pos x="connsiteX0" y="connsiteY0"/>
+              </a:cxn>
+              <a:cxn ang="0">
+                <a:pos x="connsiteX1" y="connsiteY1"/>
+              </a:cxn>
+              <a:cxn ang="0">
+                <a:pos x="connsiteX2" y="connsiteY2"/>
+              </a:cxn>
+            </a:cxnLst>
+            <a:rect l="l" t="t" r="r" b="b"/>
+            <a:pathLst>
+              <a:path w="971654" h="2096979">
+                <a:moveTo>
+                  <a:pt x="0" y="0"/>
+                </a:moveTo>
+                <a:lnTo>
+                  <a:pt x="971654" y="0"/>
+                </a:lnTo>
+                <a:lnTo>
+                  <a:pt x="0" y="2096979"/>
+                </a:lnTo>
+                <a:close/>
+              </a:path>
+            </a:pathLst>
+          </a:custGeom>
+          <a:solidFill>
+            <a:srgbClr val="404040"/>
+          </a:solidFill>
+          <a:ln>
+            <a:noFill/>
+          </a:ln>
+        </p:spPr>
+        <p:style>
+          <a:lnRef idx="2">
+            <a:schemeClr val="accent1">
+              <a:shade val="50000"/>
+            </a:schemeClr>
+          </a:lnRef>
+          <a:fillRef idx="1">
+            <a:schemeClr val="accent1"/>
+          </a:fillRef>
+          <a:effectRef idx="0">
+            <a:schemeClr val="accent1"/>
+          </a:effectRef>
+          <a:fontRef idx="minor">
+            <a:schemeClr val="lt1"/>
+          </a:fontRef>
+        </p:style>
+        <p:txBody>
+          <a:bodyPr wrap="square" rtlCol="0" anchor="ctr">
+            <a:noAutofit/>
+          </a:bodyPr>
+          <a:lstStyle/>
+          <a:p>
+            <a:pPr algn="ctr"/>
+            <a:endParaRPr lang="en-US"/>
+          </a:p>
+        </p:txBody>
+      </p:sp>
+      <p:sp>
+        <p:nvSpPr>
+          <p:cNvPr id="3" name="Content Placeholder 2">
+            <a:extLst>
+              <a:ext uri="{FF2B5EF4-FFF2-40B4-BE49-F238E27FC236}">
+                <a16:creationId xmlns:a16="http://schemas.microsoft.com/office/drawing/2014/main" id="{DBB88942-6618-4B2C-A985-47153DAC76EE}"/>
+              </a:ext>
+            </a:extLst>
+          </p:cNvPr>
+          <p:cNvSpPr>
+            <a:spLocks noGrp="1"/>
+          </p:cNvSpPr>
+          <p:nvPr>
+            <p:ph idx="1"/>
+          </p:nvPr>
+        </p:nvSpPr>
+        <p:spPr>
+          <a:xfrm>
+            <a:off x="1653363" y="1920240"/>
+            <a:ext cx="9367204" cy="4297680"/>
+          </a:xfrm>
+        </p:spPr>
+        <p:txBody>
+          <a:bodyPr anchor="t">
+            <a:normAutofit/>
+          </a:bodyPr>
+          <a:lstStyle/>
+          <a:p>
+            <a:pPr>
+              <a:spcBef>
+                <a:spcPts val="3600"/>
+              </a:spcBef>
+            </a:pPr>
+            <a:r>
+              <a:rPr lang="en-US" sz="2400" dirty="0"/>
+              <a:t>double parentheses is used to specify arithmetic </a:t>
+            </a:r>
+            <a:r>
+              <a:rPr lang="en-US" sz="2400" b="1" dirty="0"/>
+              <a:t>(())</a:t>
+            </a:r>
+          </a:p>
+          <a:p>
+            <a:pPr>
+              <a:spcBef>
+                <a:spcPts val="3600"/>
+              </a:spcBef>
+            </a:pPr>
+            <a:r>
+              <a:rPr lang="en-US" sz="2400" dirty="0"/>
+              <a:t>Syntax of loops for loops:</a:t>
+            </a:r>
+          </a:p>
+          <a:p>
+            <a:pPr>
+              <a:spcBef>
+                <a:spcPts val="1200"/>
+              </a:spcBef>
+            </a:pPr>
+            <a:endParaRPr lang="en-US" sz="2400" b="1" dirty="0"/>
+          </a:p>
+          <a:p>
+            <a:pPr marL="457200" lvl="1" indent="0">
+              <a:spcBef>
+                <a:spcPts val="1200"/>
+              </a:spcBef>
+              <a:buNone/>
+            </a:pPr>
+            <a:r>
+              <a:rPr lang="en-US" sz="2000" b="1" dirty="0"/>
+              <a:t>for </a:t>
+            </a:r>
+            <a:r>
+              <a:rPr lang="en-US" sz="2000" b="1" dirty="0">
+                <a:solidFill>
+                  <a:srgbClr val="FF0000"/>
+                </a:solidFill>
+              </a:rPr>
+              <a:t>variable </a:t>
+            </a:r>
+            <a:r>
+              <a:rPr lang="en-US" sz="2000" b="1" dirty="0"/>
+              <a:t>in 1 2 3 4			for </a:t>
+            </a:r>
+            <a:r>
+              <a:rPr lang="en-US" sz="2000" b="1" dirty="0">
+                <a:solidFill>
+                  <a:srgbClr val="FF0000"/>
+                </a:solidFill>
+              </a:rPr>
+              <a:t>variable </a:t>
+            </a:r>
+            <a:r>
+              <a:rPr lang="en-US" sz="2000" b="1" dirty="0"/>
+              <a:t>in file1 file2 file3</a:t>
+            </a:r>
+          </a:p>
+          <a:p>
+            <a:pPr marL="457200" lvl="1" indent="0">
+              <a:spcBef>
+                <a:spcPts val="1200"/>
+              </a:spcBef>
+              <a:buNone/>
+            </a:pPr>
+            <a:r>
+              <a:rPr lang="en-US" sz="2000" b="1" dirty="0"/>
+              <a:t>do					do</a:t>
+            </a:r>
+          </a:p>
+          <a:p>
+            <a:pPr marL="457200" lvl="1" indent="0">
+              <a:spcBef>
+                <a:spcPts val="1200"/>
+              </a:spcBef>
+              <a:buNone/>
+            </a:pPr>
+            <a:r>
+              <a:rPr lang="en-US" sz="2000" b="1" dirty="0"/>
+              <a:t>	echo $variable				echo $variable</a:t>
+            </a:r>
+          </a:p>
+          <a:p>
+            <a:pPr marL="457200" lvl="1" indent="0">
+              <a:spcBef>
+                <a:spcPts val="1200"/>
+              </a:spcBef>
+              <a:buNone/>
+            </a:pPr>
+            <a:r>
+              <a:rPr lang="en-US" sz="2000" b="1" dirty="0"/>
+              <a:t>done				done</a:t>
+            </a:r>
+          </a:p>
+        </p:txBody>
+      </p:sp>
+      <p:pic>
+        <p:nvPicPr>
+          <p:cNvPr id="5" name="Picture 4" descr="Shape&#10;&#10;Description automatically generated with medium confidence">
+            <a:extLst>
+              <a:ext uri="{FF2B5EF4-FFF2-40B4-BE49-F238E27FC236}">
+                <a16:creationId xmlns:a16="http://schemas.microsoft.com/office/drawing/2014/main" id="{C89DFD3E-6A14-486B-B75A-89ECDAB2C4C5}"/>
+              </a:ext>
+            </a:extLst>
+          </p:cNvPr>
+          <p:cNvPicPr>
+            <a:picLocks noChangeAspect="1"/>
+          </p:cNvPicPr>
+          <p:nvPr/>
+        </p:nvPicPr>
+        <p:blipFill>
+          <a:blip r:embed="rId3">
+            <a:extLst>
+              <a:ext uri="{28A0092B-C50C-407E-A947-70E740481C1C}">
+                <a14:useLocalDpi xmlns:a14="http://schemas.microsoft.com/office/drawing/2010/main" val="0"/>
+              </a:ext>
+            </a:extLst>
+          </a:blip>
+          <a:stretch>
+            <a:fillRect/>
+          </a:stretch>
+        </p:blipFill>
+        <p:spPr>
+          <a:xfrm>
+            <a:off x="10859201" y="225087"/>
+            <a:ext cx="962018" cy="1108038"/>
+          </a:xfrm>
+          <a:prstGeom prst="rect">
+            <a:avLst/>
+          </a:prstGeom>
+        </p:spPr>
+      </p:pic>
+      <p:pic>
+        <p:nvPicPr>
+          <p:cNvPr id="7" name="Picture 6">
+            <a:extLst>
+              <a:ext uri="{FF2B5EF4-FFF2-40B4-BE49-F238E27FC236}">
+                <a16:creationId xmlns:a16="http://schemas.microsoft.com/office/drawing/2014/main" id="{8C344F2B-2B67-44F0-BCF7-4A388B3D9CC6}"/>
+              </a:ext>
+            </a:extLst>
+          </p:cNvPr>
+          <p:cNvPicPr>
+            <a:picLocks noChangeAspect="1"/>
+          </p:cNvPicPr>
+          <p:nvPr/>
+        </p:nvPicPr>
+        <p:blipFill>
+          <a:blip r:embed="rId4"/>
+          <a:stretch>
+            <a:fillRect/>
+          </a:stretch>
+        </p:blipFill>
+        <p:spPr>
+          <a:xfrm>
+            <a:off x="5903296" y="2621791"/>
+            <a:ext cx="2580898" cy="607270"/>
+          </a:xfrm>
+          <a:prstGeom prst="rect">
+            <a:avLst/>
+          </a:prstGeom>
+        </p:spPr>
+      </p:pic>
+    </p:spTree>
+    <p:extLst>
+      <p:ext uri="{BB962C8B-B14F-4D97-AF65-F5344CB8AC3E}">
+        <p14:creationId xmlns:p14="http://schemas.microsoft.com/office/powerpoint/2010/main" val="1142974999"/>
+      </p:ext>
+    </p:extLst>
+  </p:cSld>
+  <p:clrMapOvr>
+    <a:masterClrMapping/>
+  </p:clrMapOvr>
+</p:sld>
+</file>
+
+<file path=ppt/slides/slide18.xml><?xml version="1.0" encoding="utf-8"?>
 <p:sld xmlns:a="http://schemas.openxmlformats.org/drawingml/2006/main" xmlns:r="http://schemas.openxmlformats.org/officeDocument/2006/relationships" xmlns:p="http://schemas.openxmlformats.org/presentationml/2006/main">
   <p:cSld>
     <p:bg>
@@ -10022,7 +10593,7 @@
 </p:sld>
 </file>
 
-<file path=ppt/slides/slide18.xml><?xml version="1.0" encoding="utf-8"?>
+<file path=ppt/slides/slide19.xml><?xml version="1.0" encoding="utf-8"?>
 <p:sld xmlns:a="http://schemas.openxmlformats.org/drawingml/2006/main" xmlns:r="http://schemas.openxmlformats.org/officeDocument/2006/relationships" xmlns:p="http://schemas.openxmlformats.org/presentationml/2006/main">
   <p:cSld>
     <p:bg>
@@ -10400,387 +10971,6 @@
 </p:sld>
 </file>
 
-<file path=ppt/slides/slide19.xml><?xml version="1.0" encoding="utf-8"?>
-<p:sld xmlns:a="http://schemas.openxmlformats.org/drawingml/2006/main" xmlns:r="http://schemas.openxmlformats.org/officeDocument/2006/relationships" xmlns:p="http://schemas.openxmlformats.org/presentationml/2006/main">
-  <p:cSld>
-    <p:bg>
-      <p:bgPr>
-        <a:solidFill>
-          <a:schemeClr val="bg1"/>
-        </a:solidFill>
-        <a:effectLst/>
-      </p:bgPr>
-    </p:bg>
-    <p:spTree>
-      <p:nvGrpSpPr>
-        <p:cNvPr id="1" name=""/>
-        <p:cNvGrpSpPr/>
-        <p:nvPr/>
-      </p:nvGrpSpPr>
-      <p:grpSpPr>
-        <a:xfrm>
-          <a:off x="0" y="0"/>
-          <a:ext cx="0" cy="0"/>
-          <a:chOff x="0" y="0"/>
-          <a:chExt cx="0" cy="0"/>
-        </a:xfrm>
-      </p:grpSpPr>
-      <p:sp>
-        <p:nvSpPr>
-          <p:cNvPr id="2" name="Title 1">
-            <a:extLst>
-              <a:ext uri="{FF2B5EF4-FFF2-40B4-BE49-F238E27FC236}">
-                <a16:creationId xmlns:a16="http://schemas.microsoft.com/office/drawing/2014/main" id="{0B0E3F05-66EA-43AB-B1A9-F30EAC51059D}"/>
-              </a:ext>
-            </a:extLst>
-          </p:cNvPr>
-          <p:cNvSpPr>
-            <a:spLocks noGrp="1"/>
-          </p:cNvSpPr>
-          <p:nvPr>
-            <p:ph type="title"/>
-          </p:nvPr>
-        </p:nvSpPr>
-        <p:spPr>
-          <a:xfrm>
-            <a:off x="1653363" y="365760"/>
-            <a:ext cx="9367203" cy="1188720"/>
-          </a:xfrm>
-        </p:spPr>
-        <p:txBody>
-          <a:bodyPr>
-            <a:normAutofit/>
-          </a:bodyPr>
-          <a:lstStyle/>
-          <a:p>
-            <a:r>
-              <a:rPr lang="en-US" b="1" dirty="0"/>
-              <a:t>Proud Sponsors</a:t>
-            </a:r>
-            <a:endParaRPr lang="en-US" dirty="0"/>
-          </a:p>
-        </p:txBody>
-      </p:sp>
-      <p:sp>
-        <p:nvSpPr>
-          <p:cNvPr id="8" name="Freeform: Shape 7">
-            <a:extLst>
-              <a:ext uri="{FF2B5EF4-FFF2-40B4-BE49-F238E27FC236}">
-                <a16:creationId xmlns:a16="http://schemas.microsoft.com/office/drawing/2014/main" id="{7CB4857B-ED7C-444D-9F04-2F885114A1C2}"/>
-              </a:ext>
-              <a:ext uri="{C183D7F6-B498-43B3-948B-1728B52AA6E4}">
-                <adec:decorative xmlns:adec="http://schemas.microsoft.com/office/drawing/2017/decorative" val="1"/>
-              </a:ext>
-            </a:extLst>
-          </p:cNvPr>
-          <p:cNvSpPr>
-            <a:spLocks noGrp="1" noRot="1" noChangeAspect="1" noMove="1" noResize="1" noEditPoints="1" noAdjustHandles="1" noChangeArrowheads="1" noChangeShapeType="1" noTextEdit="1"/>
-          </p:cNvSpPr>
-          <p:nvPr>
-            <p:extLst>
-              <p:ext uri="{386F3935-93C4-4BCD-93E2-E3B085C9AB24}">
-                <p16:designElem xmlns:p16="http://schemas.microsoft.com/office/powerpoint/2015/main" val="1"/>
-              </p:ext>
-            </p:extLst>
-          </p:nvPr>
-        </p:nvSpPr>
-        <p:spPr>
-          <a:xfrm>
-            <a:off x="1" y="0"/>
-            <a:ext cx="1764099" cy="1558212"/>
-          </a:xfrm>
-          <a:custGeom>
-            <a:avLst/>
-            <a:gdLst>
-              <a:gd name="connsiteX0" fmla="*/ 0 w 1764099"/>
-              <a:gd name="connsiteY0" fmla="*/ 0 h 1558212"/>
-              <a:gd name="connsiteX1" fmla="*/ 1764099 w 1764099"/>
-              <a:gd name="connsiteY1" fmla="*/ 0 h 1558212"/>
-              <a:gd name="connsiteX2" fmla="*/ 1042087 w 1764099"/>
-              <a:gd name="connsiteY2" fmla="*/ 1558212 h 1558212"/>
-              <a:gd name="connsiteX3" fmla="*/ 0 w 1764099"/>
-              <a:gd name="connsiteY3" fmla="*/ 1558212 h 1558212"/>
-            </a:gdLst>
-            <a:ahLst/>
-            <a:cxnLst>
-              <a:cxn ang="0">
-                <a:pos x="connsiteX0" y="connsiteY0"/>
-              </a:cxn>
-              <a:cxn ang="0">
-                <a:pos x="connsiteX1" y="connsiteY1"/>
-              </a:cxn>
-              <a:cxn ang="0">
-                <a:pos x="connsiteX2" y="connsiteY2"/>
-              </a:cxn>
-              <a:cxn ang="0">
-                <a:pos x="connsiteX3" y="connsiteY3"/>
-              </a:cxn>
-            </a:cxnLst>
-            <a:rect l="l" t="t" r="r" b="b"/>
-            <a:pathLst>
-              <a:path w="1764099" h="1558212">
-                <a:moveTo>
-                  <a:pt x="0" y="0"/>
-                </a:moveTo>
-                <a:lnTo>
-                  <a:pt x="1764099" y="0"/>
-                </a:lnTo>
-                <a:lnTo>
-                  <a:pt x="1042087" y="1558212"/>
-                </a:lnTo>
-                <a:lnTo>
-                  <a:pt x="0" y="1558212"/>
-                </a:lnTo>
-                <a:close/>
-              </a:path>
-            </a:pathLst>
-          </a:custGeom>
-          <a:solidFill>
-            <a:schemeClr val="accent1">
-              <a:lumMod val="100000"/>
-              <a:lumOff val="0"/>
-            </a:schemeClr>
-          </a:solidFill>
-          <a:ln>
-            <a:noFill/>
-          </a:ln>
-        </p:spPr>
-        <p:style>
-          <a:lnRef idx="2">
-            <a:schemeClr val="accent1">
-              <a:shade val="50000"/>
-            </a:schemeClr>
-          </a:lnRef>
-          <a:fillRef idx="1">
-            <a:schemeClr val="accent1"/>
-          </a:fillRef>
-          <a:effectRef idx="0">
-            <a:schemeClr val="accent1"/>
-          </a:effectRef>
-          <a:fontRef idx="minor">
-            <a:schemeClr val="lt1"/>
-          </a:fontRef>
-        </p:style>
-        <p:txBody>
-          <a:bodyPr wrap="square" rtlCol="0" anchor="ctr">
-            <a:noAutofit/>
-          </a:bodyPr>
-          <a:lstStyle/>
-          <a:p>
-            <a:pPr algn="ctr"/>
-            <a:endParaRPr lang="en-US"/>
-          </a:p>
-        </p:txBody>
-      </p:sp>
-      <p:sp>
-        <p:nvSpPr>
-          <p:cNvPr id="12" name="Freeform: Shape 11">
-            <a:extLst>
-              <a:ext uri="{FF2B5EF4-FFF2-40B4-BE49-F238E27FC236}">
-                <a16:creationId xmlns:a16="http://schemas.microsoft.com/office/drawing/2014/main" id="{479F5F2B-8B58-4140-AE6A-51F6C67B18D9}"/>
-              </a:ext>
-              <a:ext uri="{C183D7F6-B498-43B3-948B-1728B52AA6E4}">
-                <adec:decorative xmlns:adec="http://schemas.microsoft.com/office/drawing/2017/decorative" val="1"/>
-              </a:ext>
-            </a:extLst>
-          </p:cNvPr>
-          <p:cNvSpPr>
-            <a:spLocks noGrp="1" noRot="1" noChangeAspect="1" noMove="1" noResize="1" noEditPoints="1" noAdjustHandles="1" noChangeArrowheads="1" noChangeShapeType="1" noTextEdit="1"/>
-          </p:cNvSpPr>
-          <p:nvPr>
-            <p:extLst>
-              <p:ext uri="{386F3935-93C4-4BCD-93E2-E3B085C9AB24}">
-                <p16:designElem xmlns:p16="http://schemas.microsoft.com/office/powerpoint/2015/main" val="1"/>
-              </p:ext>
-            </p:extLst>
-          </p:nvPr>
-        </p:nvSpPr>
-        <p:spPr>
-          <a:xfrm>
-            <a:off x="0" y="1691641"/>
-            <a:ext cx="971654" cy="2096979"/>
-          </a:xfrm>
-          <a:custGeom>
-            <a:avLst/>
-            <a:gdLst>
-              <a:gd name="connsiteX0" fmla="*/ 0 w 971654"/>
-              <a:gd name="connsiteY0" fmla="*/ 0 h 2096979"/>
-              <a:gd name="connsiteX1" fmla="*/ 971654 w 971654"/>
-              <a:gd name="connsiteY1" fmla="*/ 0 h 2096979"/>
-              <a:gd name="connsiteX2" fmla="*/ 0 w 971654"/>
-              <a:gd name="connsiteY2" fmla="*/ 2096979 h 2096979"/>
-            </a:gdLst>
-            <a:ahLst/>
-            <a:cxnLst>
-              <a:cxn ang="0">
-                <a:pos x="connsiteX0" y="connsiteY0"/>
-              </a:cxn>
-              <a:cxn ang="0">
-                <a:pos x="connsiteX1" y="connsiteY1"/>
-              </a:cxn>
-              <a:cxn ang="0">
-                <a:pos x="connsiteX2" y="connsiteY2"/>
-              </a:cxn>
-            </a:cxnLst>
-            <a:rect l="l" t="t" r="r" b="b"/>
-            <a:pathLst>
-              <a:path w="971654" h="2096979">
-                <a:moveTo>
-                  <a:pt x="0" y="0"/>
-                </a:moveTo>
-                <a:lnTo>
-                  <a:pt x="971654" y="0"/>
-                </a:lnTo>
-                <a:lnTo>
-                  <a:pt x="0" y="2096979"/>
-                </a:lnTo>
-                <a:close/>
-              </a:path>
-            </a:pathLst>
-          </a:custGeom>
-          <a:solidFill>
-            <a:srgbClr val="404040"/>
-          </a:solidFill>
-          <a:ln>
-            <a:noFill/>
-          </a:ln>
-        </p:spPr>
-        <p:style>
-          <a:lnRef idx="2">
-            <a:schemeClr val="accent1">
-              <a:shade val="50000"/>
-            </a:schemeClr>
-          </a:lnRef>
-          <a:fillRef idx="1">
-            <a:schemeClr val="accent1"/>
-          </a:fillRef>
-          <a:effectRef idx="0">
-            <a:schemeClr val="accent1"/>
-          </a:effectRef>
-          <a:fontRef idx="minor">
-            <a:schemeClr val="lt1"/>
-          </a:fontRef>
-        </p:style>
-        <p:txBody>
-          <a:bodyPr wrap="square" rtlCol="0" anchor="ctr">
-            <a:noAutofit/>
-          </a:bodyPr>
-          <a:lstStyle/>
-          <a:p>
-            <a:pPr algn="ctr"/>
-            <a:endParaRPr lang="en-US"/>
-          </a:p>
-        </p:txBody>
-      </p:sp>
-      <p:pic>
-        <p:nvPicPr>
-          <p:cNvPr id="10" name="Picture 9">
-            <a:extLst>
-              <a:ext uri="{FF2B5EF4-FFF2-40B4-BE49-F238E27FC236}">
-                <a16:creationId xmlns:a16="http://schemas.microsoft.com/office/drawing/2014/main" id="{BA6919B9-ED96-41BA-A7D8-E4B333B3DF54}"/>
-              </a:ext>
-            </a:extLst>
-          </p:cNvPr>
-          <p:cNvPicPr>
-            <a:picLocks noChangeAspect="1"/>
-          </p:cNvPicPr>
-          <p:nvPr/>
-        </p:nvPicPr>
-        <p:blipFill>
-          <a:blip r:embed="rId3"/>
-          <a:stretch>
-            <a:fillRect/>
-          </a:stretch>
-        </p:blipFill>
-        <p:spPr>
-          <a:xfrm>
-            <a:off x="6701490" y="1752248"/>
-            <a:ext cx="4003861" cy="2655622"/>
-          </a:xfrm>
-          <a:prstGeom prst="rect">
-            <a:avLst/>
-          </a:prstGeom>
-        </p:spPr>
-      </p:pic>
-      <p:pic>
-        <p:nvPicPr>
-          <p:cNvPr id="13" name="Picture 12" descr="Text&#10;&#10;Description automatically generated">
-            <a:extLst>
-              <a:ext uri="{FF2B5EF4-FFF2-40B4-BE49-F238E27FC236}">
-                <a16:creationId xmlns:a16="http://schemas.microsoft.com/office/drawing/2014/main" id="{3FD63883-A5CE-43BF-A49A-EED85B0260D4}"/>
-              </a:ext>
-            </a:extLst>
-          </p:cNvPr>
-          <p:cNvPicPr>
-            <a:picLocks noChangeAspect="1"/>
-          </p:cNvPicPr>
-          <p:nvPr/>
-        </p:nvPicPr>
-        <p:blipFill>
-          <a:blip r:embed="rId4">
-            <a:extLst>
-              <a:ext uri="{28A0092B-C50C-407E-A947-70E740481C1C}">
-                <a14:useLocalDpi xmlns:a14="http://schemas.microsoft.com/office/drawing/2010/main" val="0"/>
-              </a:ext>
-            </a:extLst>
-          </a:blip>
-          <a:stretch>
-            <a:fillRect/>
-          </a:stretch>
-        </p:blipFill>
-        <p:spPr>
-          <a:xfrm>
-            <a:off x="2867678" y="5028094"/>
-            <a:ext cx="6456644" cy="1464146"/>
-          </a:xfrm>
-          <a:prstGeom prst="rect">
-            <a:avLst/>
-          </a:prstGeom>
-        </p:spPr>
-      </p:pic>
-      <p:pic>
-        <p:nvPicPr>
-          <p:cNvPr id="15" name="Picture 14">
-            <a:extLst>
-              <a:ext uri="{FF2B5EF4-FFF2-40B4-BE49-F238E27FC236}">
-                <a16:creationId xmlns:a16="http://schemas.microsoft.com/office/drawing/2014/main" id="{63D3E94D-B740-482C-AC93-76F411D170C9}"/>
-              </a:ext>
-            </a:extLst>
-          </p:cNvPr>
-          <p:cNvPicPr>
-            <a:picLocks noChangeAspect="1"/>
-          </p:cNvPicPr>
-          <p:nvPr/>
-        </p:nvPicPr>
-        <p:blipFill>
-          <a:blip r:embed="rId5"/>
-          <a:stretch>
-            <a:fillRect/>
-          </a:stretch>
-        </p:blipFill>
-        <p:spPr>
-          <a:xfrm>
-            <a:off x="2385241" y="1815475"/>
-            <a:ext cx="2488593" cy="2529168"/>
-          </a:xfrm>
-          <a:prstGeom prst="rect">
-            <a:avLst/>
-          </a:prstGeom>
-        </p:spPr>
-      </p:pic>
-    </p:spTree>
-    <p:extLst>
-      <p:ext uri="{BB962C8B-B14F-4D97-AF65-F5344CB8AC3E}">
-        <p14:creationId xmlns:p14="http://schemas.microsoft.com/office/powerpoint/2010/main" val="4029518092"/>
-      </p:ext>
-    </p:extLst>
-  </p:cSld>
-  <p:clrMapOvr>
-    <a:masterClrMapping/>
-  </p:clrMapOvr>
-</p:sld>
-</file>
-
 <file path=ppt/slides/slide2.xml><?xml version="1.0" encoding="utf-8"?>
 <p:sld xmlns:a="http://schemas.openxmlformats.org/drawingml/2006/main" xmlns:r="http://schemas.openxmlformats.org/officeDocument/2006/relationships" xmlns:p="http://schemas.openxmlformats.org/presentationml/2006/main">
   <p:cSld>
@@ -11060,7 +11250,7 @@
             </a:pPr>
             <a:r>
               <a:rPr lang="en-US" sz="2400" dirty="0"/>
-              <a:t>Understand the basics of scripting in Bash and PowerShell to aid in our analysis.</a:t>
+              <a:t>Understand the basics of scripting in Bash to aid in our analysis.</a:t>
             </a:r>
           </a:p>
         </p:txBody>
@@ -13954,6 +14144,387 @@
 </p:sld>
 </file>
 
+<file path=ppt/slides/slide20.xml><?xml version="1.0" encoding="utf-8"?>
+<p:sld xmlns:a="http://schemas.openxmlformats.org/drawingml/2006/main" xmlns:r="http://schemas.openxmlformats.org/officeDocument/2006/relationships" xmlns:p="http://schemas.openxmlformats.org/presentationml/2006/main">
+  <p:cSld>
+    <p:bg>
+      <p:bgPr>
+        <a:solidFill>
+          <a:schemeClr val="bg1"/>
+        </a:solidFill>
+        <a:effectLst/>
+      </p:bgPr>
+    </p:bg>
+    <p:spTree>
+      <p:nvGrpSpPr>
+        <p:cNvPr id="1" name=""/>
+        <p:cNvGrpSpPr/>
+        <p:nvPr/>
+      </p:nvGrpSpPr>
+      <p:grpSpPr>
+        <a:xfrm>
+          <a:off x="0" y="0"/>
+          <a:ext cx="0" cy="0"/>
+          <a:chOff x="0" y="0"/>
+          <a:chExt cx="0" cy="0"/>
+        </a:xfrm>
+      </p:grpSpPr>
+      <p:sp>
+        <p:nvSpPr>
+          <p:cNvPr id="2" name="Title 1">
+            <a:extLst>
+              <a:ext uri="{FF2B5EF4-FFF2-40B4-BE49-F238E27FC236}">
+                <a16:creationId xmlns:a16="http://schemas.microsoft.com/office/drawing/2014/main" id="{0B0E3F05-66EA-43AB-B1A9-F30EAC51059D}"/>
+              </a:ext>
+            </a:extLst>
+          </p:cNvPr>
+          <p:cNvSpPr>
+            <a:spLocks noGrp="1"/>
+          </p:cNvSpPr>
+          <p:nvPr>
+            <p:ph type="title"/>
+          </p:nvPr>
+        </p:nvSpPr>
+        <p:spPr>
+          <a:xfrm>
+            <a:off x="1653363" y="365760"/>
+            <a:ext cx="9367203" cy="1188720"/>
+          </a:xfrm>
+        </p:spPr>
+        <p:txBody>
+          <a:bodyPr>
+            <a:normAutofit/>
+          </a:bodyPr>
+          <a:lstStyle/>
+          <a:p>
+            <a:r>
+              <a:rPr lang="en-US" b="1" dirty="0"/>
+              <a:t>Proud Sponsors</a:t>
+            </a:r>
+            <a:endParaRPr lang="en-US" dirty="0"/>
+          </a:p>
+        </p:txBody>
+      </p:sp>
+      <p:sp>
+        <p:nvSpPr>
+          <p:cNvPr id="8" name="Freeform: Shape 7">
+            <a:extLst>
+              <a:ext uri="{FF2B5EF4-FFF2-40B4-BE49-F238E27FC236}">
+                <a16:creationId xmlns:a16="http://schemas.microsoft.com/office/drawing/2014/main" id="{7CB4857B-ED7C-444D-9F04-2F885114A1C2}"/>
+              </a:ext>
+              <a:ext uri="{C183D7F6-B498-43B3-948B-1728B52AA6E4}">
+                <adec:decorative xmlns:adec="http://schemas.microsoft.com/office/drawing/2017/decorative" val="1"/>
+              </a:ext>
+            </a:extLst>
+          </p:cNvPr>
+          <p:cNvSpPr>
+            <a:spLocks noGrp="1" noRot="1" noChangeAspect="1" noMove="1" noResize="1" noEditPoints="1" noAdjustHandles="1" noChangeArrowheads="1" noChangeShapeType="1" noTextEdit="1"/>
+          </p:cNvSpPr>
+          <p:nvPr>
+            <p:extLst>
+              <p:ext uri="{386F3935-93C4-4BCD-93E2-E3B085C9AB24}">
+                <p16:designElem xmlns:p16="http://schemas.microsoft.com/office/powerpoint/2015/main" val="1"/>
+              </p:ext>
+            </p:extLst>
+          </p:nvPr>
+        </p:nvSpPr>
+        <p:spPr>
+          <a:xfrm>
+            <a:off x="1" y="0"/>
+            <a:ext cx="1764099" cy="1558212"/>
+          </a:xfrm>
+          <a:custGeom>
+            <a:avLst/>
+            <a:gdLst>
+              <a:gd name="connsiteX0" fmla="*/ 0 w 1764099"/>
+              <a:gd name="connsiteY0" fmla="*/ 0 h 1558212"/>
+              <a:gd name="connsiteX1" fmla="*/ 1764099 w 1764099"/>
+              <a:gd name="connsiteY1" fmla="*/ 0 h 1558212"/>
+              <a:gd name="connsiteX2" fmla="*/ 1042087 w 1764099"/>
+              <a:gd name="connsiteY2" fmla="*/ 1558212 h 1558212"/>
+              <a:gd name="connsiteX3" fmla="*/ 0 w 1764099"/>
+              <a:gd name="connsiteY3" fmla="*/ 1558212 h 1558212"/>
+            </a:gdLst>
+            <a:ahLst/>
+            <a:cxnLst>
+              <a:cxn ang="0">
+                <a:pos x="connsiteX0" y="connsiteY0"/>
+              </a:cxn>
+              <a:cxn ang="0">
+                <a:pos x="connsiteX1" y="connsiteY1"/>
+              </a:cxn>
+              <a:cxn ang="0">
+                <a:pos x="connsiteX2" y="connsiteY2"/>
+              </a:cxn>
+              <a:cxn ang="0">
+                <a:pos x="connsiteX3" y="connsiteY3"/>
+              </a:cxn>
+            </a:cxnLst>
+            <a:rect l="l" t="t" r="r" b="b"/>
+            <a:pathLst>
+              <a:path w="1764099" h="1558212">
+                <a:moveTo>
+                  <a:pt x="0" y="0"/>
+                </a:moveTo>
+                <a:lnTo>
+                  <a:pt x="1764099" y="0"/>
+                </a:lnTo>
+                <a:lnTo>
+                  <a:pt x="1042087" y="1558212"/>
+                </a:lnTo>
+                <a:lnTo>
+                  <a:pt x="0" y="1558212"/>
+                </a:lnTo>
+                <a:close/>
+              </a:path>
+            </a:pathLst>
+          </a:custGeom>
+          <a:solidFill>
+            <a:schemeClr val="accent1">
+              <a:lumMod val="100000"/>
+              <a:lumOff val="0"/>
+            </a:schemeClr>
+          </a:solidFill>
+          <a:ln>
+            <a:noFill/>
+          </a:ln>
+        </p:spPr>
+        <p:style>
+          <a:lnRef idx="2">
+            <a:schemeClr val="accent1">
+              <a:shade val="50000"/>
+            </a:schemeClr>
+          </a:lnRef>
+          <a:fillRef idx="1">
+            <a:schemeClr val="accent1"/>
+          </a:fillRef>
+          <a:effectRef idx="0">
+            <a:schemeClr val="accent1"/>
+          </a:effectRef>
+          <a:fontRef idx="minor">
+            <a:schemeClr val="lt1"/>
+          </a:fontRef>
+        </p:style>
+        <p:txBody>
+          <a:bodyPr wrap="square" rtlCol="0" anchor="ctr">
+            <a:noAutofit/>
+          </a:bodyPr>
+          <a:lstStyle/>
+          <a:p>
+            <a:pPr algn="ctr"/>
+            <a:endParaRPr lang="en-US"/>
+          </a:p>
+        </p:txBody>
+      </p:sp>
+      <p:sp>
+        <p:nvSpPr>
+          <p:cNvPr id="12" name="Freeform: Shape 11">
+            <a:extLst>
+              <a:ext uri="{FF2B5EF4-FFF2-40B4-BE49-F238E27FC236}">
+                <a16:creationId xmlns:a16="http://schemas.microsoft.com/office/drawing/2014/main" id="{479F5F2B-8B58-4140-AE6A-51F6C67B18D9}"/>
+              </a:ext>
+              <a:ext uri="{C183D7F6-B498-43B3-948B-1728B52AA6E4}">
+                <adec:decorative xmlns:adec="http://schemas.microsoft.com/office/drawing/2017/decorative" val="1"/>
+              </a:ext>
+            </a:extLst>
+          </p:cNvPr>
+          <p:cNvSpPr>
+            <a:spLocks noGrp="1" noRot="1" noChangeAspect="1" noMove="1" noResize="1" noEditPoints="1" noAdjustHandles="1" noChangeArrowheads="1" noChangeShapeType="1" noTextEdit="1"/>
+          </p:cNvSpPr>
+          <p:nvPr>
+            <p:extLst>
+              <p:ext uri="{386F3935-93C4-4BCD-93E2-E3B085C9AB24}">
+                <p16:designElem xmlns:p16="http://schemas.microsoft.com/office/powerpoint/2015/main" val="1"/>
+              </p:ext>
+            </p:extLst>
+          </p:nvPr>
+        </p:nvSpPr>
+        <p:spPr>
+          <a:xfrm>
+            <a:off x="0" y="1691641"/>
+            <a:ext cx="971654" cy="2096979"/>
+          </a:xfrm>
+          <a:custGeom>
+            <a:avLst/>
+            <a:gdLst>
+              <a:gd name="connsiteX0" fmla="*/ 0 w 971654"/>
+              <a:gd name="connsiteY0" fmla="*/ 0 h 2096979"/>
+              <a:gd name="connsiteX1" fmla="*/ 971654 w 971654"/>
+              <a:gd name="connsiteY1" fmla="*/ 0 h 2096979"/>
+              <a:gd name="connsiteX2" fmla="*/ 0 w 971654"/>
+              <a:gd name="connsiteY2" fmla="*/ 2096979 h 2096979"/>
+            </a:gdLst>
+            <a:ahLst/>
+            <a:cxnLst>
+              <a:cxn ang="0">
+                <a:pos x="connsiteX0" y="connsiteY0"/>
+              </a:cxn>
+              <a:cxn ang="0">
+                <a:pos x="connsiteX1" y="connsiteY1"/>
+              </a:cxn>
+              <a:cxn ang="0">
+                <a:pos x="connsiteX2" y="connsiteY2"/>
+              </a:cxn>
+            </a:cxnLst>
+            <a:rect l="l" t="t" r="r" b="b"/>
+            <a:pathLst>
+              <a:path w="971654" h="2096979">
+                <a:moveTo>
+                  <a:pt x="0" y="0"/>
+                </a:moveTo>
+                <a:lnTo>
+                  <a:pt x="971654" y="0"/>
+                </a:lnTo>
+                <a:lnTo>
+                  <a:pt x="0" y="2096979"/>
+                </a:lnTo>
+                <a:close/>
+              </a:path>
+            </a:pathLst>
+          </a:custGeom>
+          <a:solidFill>
+            <a:srgbClr val="404040"/>
+          </a:solidFill>
+          <a:ln>
+            <a:noFill/>
+          </a:ln>
+        </p:spPr>
+        <p:style>
+          <a:lnRef idx="2">
+            <a:schemeClr val="accent1">
+              <a:shade val="50000"/>
+            </a:schemeClr>
+          </a:lnRef>
+          <a:fillRef idx="1">
+            <a:schemeClr val="accent1"/>
+          </a:fillRef>
+          <a:effectRef idx="0">
+            <a:schemeClr val="accent1"/>
+          </a:effectRef>
+          <a:fontRef idx="minor">
+            <a:schemeClr val="lt1"/>
+          </a:fontRef>
+        </p:style>
+        <p:txBody>
+          <a:bodyPr wrap="square" rtlCol="0" anchor="ctr">
+            <a:noAutofit/>
+          </a:bodyPr>
+          <a:lstStyle/>
+          <a:p>
+            <a:pPr algn="ctr"/>
+            <a:endParaRPr lang="en-US"/>
+          </a:p>
+        </p:txBody>
+      </p:sp>
+      <p:pic>
+        <p:nvPicPr>
+          <p:cNvPr id="10" name="Picture 9">
+            <a:extLst>
+              <a:ext uri="{FF2B5EF4-FFF2-40B4-BE49-F238E27FC236}">
+                <a16:creationId xmlns:a16="http://schemas.microsoft.com/office/drawing/2014/main" id="{BA6919B9-ED96-41BA-A7D8-E4B333B3DF54}"/>
+              </a:ext>
+            </a:extLst>
+          </p:cNvPr>
+          <p:cNvPicPr>
+            <a:picLocks noChangeAspect="1"/>
+          </p:cNvPicPr>
+          <p:nvPr/>
+        </p:nvPicPr>
+        <p:blipFill>
+          <a:blip r:embed="rId3"/>
+          <a:stretch>
+            <a:fillRect/>
+          </a:stretch>
+        </p:blipFill>
+        <p:spPr>
+          <a:xfrm>
+            <a:off x="6701490" y="1752248"/>
+            <a:ext cx="4003861" cy="2655622"/>
+          </a:xfrm>
+          <a:prstGeom prst="rect">
+            <a:avLst/>
+          </a:prstGeom>
+        </p:spPr>
+      </p:pic>
+      <p:pic>
+        <p:nvPicPr>
+          <p:cNvPr id="13" name="Picture 12" descr="Text&#10;&#10;Description automatically generated">
+            <a:extLst>
+              <a:ext uri="{FF2B5EF4-FFF2-40B4-BE49-F238E27FC236}">
+                <a16:creationId xmlns:a16="http://schemas.microsoft.com/office/drawing/2014/main" id="{3FD63883-A5CE-43BF-A49A-EED85B0260D4}"/>
+              </a:ext>
+            </a:extLst>
+          </p:cNvPr>
+          <p:cNvPicPr>
+            <a:picLocks noChangeAspect="1"/>
+          </p:cNvPicPr>
+          <p:nvPr/>
+        </p:nvPicPr>
+        <p:blipFill>
+          <a:blip r:embed="rId4">
+            <a:extLst>
+              <a:ext uri="{28A0092B-C50C-407E-A947-70E740481C1C}">
+                <a14:useLocalDpi xmlns:a14="http://schemas.microsoft.com/office/drawing/2010/main" val="0"/>
+              </a:ext>
+            </a:extLst>
+          </a:blip>
+          <a:stretch>
+            <a:fillRect/>
+          </a:stretch>
+        </p:blipFill>
+        <p:spPr>
+          <a:xfrm>
+            <a:off x="2867678" y="5028094"/>
+            <a:ext cx="6456644" cy="1464146"/>
+          </a:xfrm>
+          <a:prstGeom prst="rect">
+            <a:avLst/>
+          </a:prstGeom>
+        </p:spPr>
+      </p:pic>
+      <p:pic>
+        <p:nvPicPr>
+          <p:cNvPr id="15" name="Picture 14">
+            <a:extLst>
+              <a:ext uri="{FF2B5EF4-FFF2-40B4-BE49-F238E27FC236}">
+                <a16:creationId xmlns:a16="http://schemas.microsoft.com/office/drawing/2014/main" id="{63D3E94D-B740-482C-AC93-76F411D170C9}"/>
+              </a:ext>
+            </a:extLst>
+          </p:cNvPr>
+          <p:cNvPicPr>
+            <a:picLocks noChangeAspect="1"/>
+          </p:cNvPicPr>
+          <p:nvPr/>
+        </p:nvPicPr>
+        <p:blipFill>
+          <a:blip r:embed="rId5"/>
+          <a:stretch>
+            <a:fillRect/>
+          </a:stretch>
+        </p:blipFill>
+        <p:spPr>
+          <a:xfrm>
+            <a:off x="2385241" y="1815475"/>
+            <a:ext cx="2488593" cy="2529168"/>
+          </a:xfrm>
+          <a:prstGeom prst="rect">
+            <a:avLst/>
+          </a:prstGeom>
+        </p:spPr>
+      </p:pic>
+    </p:spTree>
+    <p:extLst>
+      <p:ext uri="{BB962C8B-B14F-4D97-AF65-F5344CB8AC3E}">
+        <p14:creationId xmlns:p14="http://schemas.microsoft.com/office/powerpoint/2010/main" val="4029518092"/>
+      </p:ext>
+    </p:extLst>
+  </p:cSld>
+  <p:clrMapOvr>
+    <a:masterClrMapping/>
+  </p:clrMapOvr>
+</p:sld>
+</file>
+
 <file path=ppt/slides/slide3.xml><?xml version="1.0" encoding="utf-8"?>
 <p:sld xmlns:a="http://schemas.openxmlformats.org/drawingml/2006/main" xmlns:r="http://schemas.openxmlformats.org/officeDocument/2006/relationships" xmlns:p="http://schemas.openxmlformats.org/presentationml/2006/main">
   <p:cSld>
@@ -15573,7 +16144,7 @@
             </a:pPr>
             <a:r>
               <a:rPr lang="en-US" sz="2000" b="1" dirty="0"/>
-              <a:t>grep – Print lines that match a pattern</a:t>
+              <a:t>cat – Print the file</a:t>
             </a:r>
           </a:p>
           <a:p>
@@ -15617,7 +16188,7 @@
             </a:pPr>
             <a:r>
               <a:rPr lang="en-US" sz="2000" b="1" dirty="0"/>
-              <a:t>uniq – Omit repeated lines</a:t>
+              <a:t>uniq – Omit repeated lines		grep – Print lines that match a pattern </a:t>
             </a:r>
           </a:p>
           <a:p>
@@ -15627,8 +16198,12 @@
               </a:spcBef>
             </a:pPr>
             <a:r>
+              <a:rPr lang="en-US" sz="2000" b="1" dirty="0" err="1"/>
+              <a:t>wc</a:t>
+            </a:r>
+            <a:r>
               <a:rPr lang="en-US" sz="2000" b="1" dirty="0"/>
-              <a:t>wc – Print counts</a:t>
+              <a:t> – Print counts			tr – Translate or delete characters</a:t>
             </a:r>
           </a:p>
           <a:p>
